--- a/doc/Docs/IoT System Final Presentation_0624.pptx
+++ b/doc/Docs/IoT System Final Presentation_0624.pptx
@@ -6470,7 +6470,7 @@
           <a:p>
             <a:r>
               <a:rPr lang="en-US" altLang="ko-KR" dirty="0" smtClean="0"/>
-              <a:t>Dynamic view  – Hyun</a:t>
+              <a:t>Time log</a:t>
             </a:r>
             <a:endParaRPr lang="ko-KR" altLang="en-US" dirty="0"/>
           </a:p>
@@ -6501,69 +6501,6 @@
               <a:t>/50</a:t>
             </a:r>
             <a:endParaRPr lang="ko-KR" altLang="en-US" dirty="0"/>
-          </a:p>
-        </p:txBody>
-      </p:sp>
-      <p:sp>
-        <p:nvSpPr>
-          <p:cNvPr id="208" name="직사각형 207"/>
-          <p:cNvSpPr/>
-          <p:nvPr/>
-        </p:nvSpPr>
-        <p:spPr>
-          <a:xfrm>
-            <a:off x="683568" y="1052736"/>
-            <a:ext cx="7704856" cy="4752528"/>
-          </a:xfrm>
-          <a:prstGeom prst="rect">
-            <a:avLst/>
-          </a:prstGeom>
-          <a:solidFill>
-            <a:sysClr val="window" lastClr="FFFFFF"/>
-          </a:solidFill>
-          <a:ln w="3175" cap="flat" cmpd="sng" algn="ctr">
-            <a:solidFill>
-              <a:sysClr val="windowText" lastClr="000000"/>
-            </a:solidFill>
-            <a:prstDash val="solid"/>
-          </a:ln>
-          <a:effectLst/>
-        </p:spPr>
-        <p:txBody>
-          <a:bodyPr rtlCol="0" anchor="ctr"/>
-          <a:lstStyle/>
-          <a:p>
-            <a:pPr marL="0" marR="0" lvl="0" indent="0" algn="ctr" defTabSz="914400" eaLnBrk="1" fontAlgn="auto" latinLnBrk="0" hangingPunct="1">
-              <a:lnSpc>
-                <a:spcPct val="100000"/>
-              </a:lnSpc>
-              <a:spcBef>
-                <a:spcPts val="0"/>
-              </a:spcBef>
-              <a:spcAft>
-                <a:spcPts val="0"/>
-              </a:spcAft>
-              <a:buClrTx/>
-              <a:buSzTx/>
-              <a:buFontTx/>
-              <a:buNone/>
-              <a:tabLst/>
-              <a:defRPr/>
-            </a:pPr>
-            <a:endParaRPr kumimoji="0" lang="ko-KR" altLang="en-US" sz="1800" b="0" i="0" u="none" strike="noStrike" kern="0" cap="none" spc="0" normalizeH="0" baseline="0" noProof="0">
-              <a:ln>
-                <a:noFill/>
-              </a:ln>
-              <a:solidFill>
-                <a:sysClr val="window" lastClr="FFFFFF"/>
-              </a:solidFill>
-              <a:effectLst/>
-              <a:uLnTx/>
-              <a:uFillTx/>
-              <a:latin typeface="맑은 고딕"/>
-              <a:ea typeface="맑은 고딕"/>
-              <a:cs typeface="+mn-cs"/>
-            </a:endParaRPr>
           </a:p>
         </p:txBody>
       </p:sp>
@@ -17955,6 +17892,69 @@
               <a:uLnTx/>
               <a:uFillTx/>
               <a:latin typeface="+mn-ea"/>
+              <a:cs typeface="+mn-cs"/>
+            </a:endParaRPr>
+          </a:p>
+        </p:txBody>
+      </p:sp>
+      <p:sp>
+        <p:nvSpPr>
+          <p:cNvPr id="410" name="직사각형 409"/>
+          <p:cNvSpPr/>
+          <p:nvPr/>
+        </p:nvSpPr>
+        <p:spPr>
+          <a:xfrm>
+            <a:off x="835968" y="1205136"/>
+            <a:ext cx="7704856" cy="4752528"/>
+          </a:xfrm>
+          <a:prstGeom prst="rect">
+            <a:avLst/>
+          </a:prstGeom>
+          <a:solidFill>
+            <a:sysClr val="window" lastClr="FFFFFF"/>
+          </a:solidFill>
+          <a:ln w="3175" cap="flat" cmpd="sng" algn="ctr">
+            <a:solidFill>
+              <a:sysClr val="windowText" lastClr="000000"/>
+            </a:solidFill>
+            <a:prstDash val="solid"/>
+          </a:ln>
+          <a:effectLst/>
+        </p:spPr>
+        <p:txBody>
+          <a:bodyPr rtlCol="0" anchor="ctr"/>
+          <a:lstStyle/>
+          <a:p>
+            <a:pPr marL="0" marR="0" lvl="0" indent="0" algn="ctr" defTabSz="914400" eaLnBrk="1" fontAlgn="auto" latinLnBrk="0" hangingPunct="1">
+              <a:lnSpc>
+                <a:spcPct val="100000"/>
+              </a:lnSpc>
+              <a:spcBef>
+                <a:spcPts val="0"/>
+              </a:spcBef>
+              <a:spcAft>
+                <a:spcPts val="0"/>
+              </a:spcAft>
+              <a:buClrTx/>
+              <a:buSzTx/>
+              <a:buFontTx/>
+              <a:buNone/>
+              <a:tabLst/>
+              <a:defRPr/>
+            </a:pPr>
+            <a:endParaRPr kumimoji="0" lang="ko-KR" altLang="en-US" sz="1800" b="0" i="0" u="none" strike="noStrike" kern="0" cap="none" spc="0" normalizeH="0" baseline="0" noProof="0">
+              <a:ln>
+                <a:noFill/>
+              </a:ln>
+              <a:solidFill>
+                <a:sysClr val="window" lastClr="FFFFFF"/>
+              </a:solidFill>
+              <a:effectLst/>
+              <a:uLnTx/>
+              <a:uFillTx/>
+              <a:latin typeface="맑은 고딕"/>
+              <a:ea typeface="맑은 고딕"/>
               <a:cs typeface="+mn-cs"/>
             </a:endParaRPr>
           </a:p>
@@ -26093,16 +26093,6 @@
                         </a:rPr>
                         <a:t>Availability</a:t>
                       </a:r>
-                      <a:endParaRPr lang="ko-KR" altLang="en-US" sz="1400" dirty="0">
-                        <a:solidFill>
-                          <a:schemeClr val="bg1"/>
-                        </a:solidFill>
-                        <a:latin typeface="Tahoma" panose="020B0604030504040204" pitchFamily="34" charset="0"/>
-                        <a:cs typeface="Tahoma" panose="020B0604030504040204" pitchFamily="34" charset="0"/>
-                      </a:endParaRPr>
-                    </a:p>
-                    <a:p>
-                      <a:pPr algn="l" rtl="0" fontAlgn="ctr"/>
                       <a:r>
                         <a:rPr lang="en-US" sz="1400" b="0" i="0" u="none" strike="noStrike" dirty="0" smtClean="0">
                           <a:solidFill>

--- a/doc/Docs/IoT System Final Presentation_0624.pptx
+++ b/doc/Docs/IoT System Final Presentation_0624.pptx
@@ -5,7 +5,7 @@
     <p:sldMasterId id="2147483693" r:id="rId1"/>
   </p:sldMasterIdLst>
   <p:notesMasterIdLst>
-    <p:notesMasterId r:id="rId13"/>
+    <p:notesMasterId r:id="rId16"/>
   </p:notesMasterIdLst>
   <p:sldIdLst>
     <p:sldId id="256" r:id="rId2"/>
@@ -19,6 +19,9 @@
     <p:sldId id="308" r:id="rId10"/>
     <p:sldId id="309" r:id="rId11"/>
     <p:sldId id="319" r:id="rId12"/>
+    <p:sldId id="320" r:id="rId13"/>
+    <p:sldId id="321" r:id="rId14"/>
+    <p:sldId id="322" r:id="rId15"/>
   </p:sldIdLst>
   <p:sldSz cx="9144000" cy="6858000" type="screen4x3"/>
   <p:notesSz cx="6858000" cy="9144000"/>
@@ -119,7 +122,7 @@
   </p:defaultTextStyle>
   <p:extLst>
     <p:ext uri="{521415D9-36F7-43E2-AB2F-B90AF26B5E84}">
-      <p14:sectionLst xmlns:p14="http://schemas.microsoft.com/office/powerpoint/2010/main" xmlns="">
+      <p14:sectionLst xmlns:p14="http://schemas.microsoft.com/office/powerpoint/2010/main">
         <p14:section name="기본 구역" id="{8842BCD3-E84E-4C92-B413-F11C840B25B4}">
           <p14:sldIdLst>
             <p14:sldId id="256"/>
@@ -133,12 +136,15 @@
             <p14:sldId id="308"/>
             <p14:sldId id="309"/>
             <p14:sldId id="319"/>
+            <p14:sldId id="320"/>
+            <p14:sldId id="321"/>
+            <p14:sldId id="322"/>
           </p14:sldIdLst>
         </p14:section>
       </p14:sectionLst>
     </p:ext>
     <p:ext uri="{EFAFB233-063F-42B5-8137-9DF3F51BA10A}">
-      <p15:sldGuideLst xmlns="" xmlns:p15="http://schemas.microsoft.com/office/powerpoint/2012/main">
+      <p15:sldGuideLst xmlns:p15="http://schemas.microsoft.com/office/powerpoint/2012/main" xmlns="">
         <p15:guide id="1" orient="horz" pos="527">
           <p15:clr>
             <a:srgbClr val="A4A3A4"/>
@@ -162,7 +168,7 @@
       </p15:sldGuideLst>
     </p:ext>
     <p:ext uri="{2D200454-40CA-4A62-9FC3-DE9A4176ACB9}">
-      <p15:notesGuideLst xmlns="" xmlns:p15="http://schemas.microsoft.com/office/powerpoint/2012/main">
+      <p15:notesGuideLst xmlns:p15="http://schemas.microsoft.com/office/powerpoint/2012/main" xmlns="">
         <p15:guide id="1" orient="horz" pos="2879">
           <p15:clr>
             <a:srgbClr val="A4A3A4"/>
@@ -484,7 +490,7 @@
     </p:spTree>
     <p:extLst>
       <p:ext uri="{BB962C8B-B14F-4D97-AF65-F5344CB8AC3E}">
-        <p14:creationId xmlns:p14="http://schemas.microsoft.com/office/powerpoint/2010/main" xmlns="" val="222442409"/>
+        <p14:creationId xmlns:p14="http://schemas.microsoft.com/office/powerpoint/2010/main" val="222442409"/>
       </p:ext>
     </p:extLst>
   </p:cSld>
@@ -702,7 +708,7 @@
     </p:spTree>
     <p:extLst>
       <p:ext uri="{BB962C8B-B14F-4D97-AF65-F5344CB8AC3E}">
-        <p14:creationId xmlns:p14="http://schemas.microsoft.com/office/powerpoint/2010/main" xmlns="" val="2236349288"/>
+        <p14:creationId xmlns:p14="http://schemas.microsoft.com/office/powerpoint/2010/main" val="2236349288"/>
       </p:ext>
     </p:extLst>
   </p:cSld>
@@ -797,7 +803,7 @@
     </p:spTree>
     <p:extLst>
       <p:ext uri="{BB962C8B-B14F-4D97-AF65-F5344CB8AC3E}">
-        <p14:creationId xmlns:p14="http://schemas.microsoft.com/office/powerpoint/2010/main" xmlns="" val="1676336323"/>
+        <p14:creationId xmlns:p14="http://schemas.microsoft.com/office/powerpoint/2010/main" val="1676336323"/>
       </p:ext>
     </p:extLst>
   </p:cSld>
@@ -893,7 +899,7 @@
     </p:spTree>
     <p:extLst>
       <p:ext uri="{BB962C8B-B14F-4D97-AF65-F5344CB8AC3E}">
-        <p14:creationId xmlns:p14="http://schemas.microsoft.com/office/powerpoint/2010/main" xmlns="" val="2094294721"/>
+        <p14:creationId xmlns:p14="http://schemas.microsoft.com/office/powerpoint/2010/main" val="2094294721"/>
       </p:ext>
     </p:extLst>
   </p:cSld>
@@ -1010,7 +1016,7 @@
     </p:spTree>
     <p:extLst>
       <p:ext uri="{BB962C8B-B14F-4D97-AF65-F5344CB8AC3E}">
-        <p14:creationId xmlns:p14="http://schemas.microsoft.com/office/powerpoint/2010/main" xmlns="" val="1209005345"/>
+        <p14:creationId xmlns:p14="http://schemas.microsoft.com/office/powerpoint/2010/main" val="1209005345"/>
       </p:ext>
     </p:extLst>
   </p:cSld>
@@ -1125,7 +1131,7 @@
     </p:spTree>
     <p:extLst>
       <p:ext uri="{BB962C8B-B14F-4D97-AF65-F5344CB8AC3E}">
-        <p14:creationId xmlns:p14="http://schemas.microsoft.com/office/powerpoint/2010/main" xmlns="" val="509452361"/>
+        <p14:creationId xmlns:p14="http://schemas.microsoft.com/office/powerpoint/2010/main" val="509452361"/>
       </p:ext>
     </p:extLst>
   </p:cSld>
@@ -1164,7 +1170,7 @@
           <a:blip r:embed="rId3" cstate="print">
             <a:extLst>
               <a:ext uri="{28A0092B-C50C-407E-A947-70E740481C1C}">
-                <a14:useLocalDpi xmlns:a14="http://schemas.microsoft.com/office/drawing/2010/main" xmlns="" val="0"/>
+                <a14:useLocalDpi xmlns:a14="http://schemas.microsoft.com/office/drawing/2010/main" val="0"/>
               </a:ext>
             </a:extLst>
           </a:blip>
@@ -1184,7 +1190,7 @@
           <a:noFill/>
           <a:extLst>
             <a:ext uri="{909E8E84-426E-40DD-AFC4-6F175D3DCCD1}">
-              <a14:hiddenFill xmlns:a14="http://schemas.microsoft.com/office/drawing/2010/main" xmlns="">
+              <a14:hiddenFill xmlns:a14="http://schemas.microsoft.com/office/drawing/2010/main">
                 <a:solidFill>
                   <a:srgbClr val="FFFFFF"/>
                 </a:solidFill>
@@ -1360,7 +1366,7 @@
     </p:spTree>
     <p:extLst>
       <p:ext uri="{BB962C8B-B14F-4D97-AF65-F5344CB8AC3E}">
-        <p14:creationId xmlns:p14="http://schemas.microsoft.com/office/powerpoint/2010/main" xmlns="" val="3710351474"/>
+        <p14:creationId xmlns:p14="http://schemas.microsoft.com/office/powerpoint/2010/main" val="3710351474"/>
       </p:ext>
     </p:extLst>
   </p:cSld>
@@ -1540,7 +1546,7 @@
     </p:spTree>
     <p:extLst>
       <p:ext uri="{BB962C8B-B14F-4D97-AF65-F5344CB8AC3E}">
-        <p14:creationId xmlns:p14="http://schemas.microsoft.com/office/powerpoint/2010/main" xmlns="" val="649258608"/>
+        <p14:creationId xmlns:p14="http://schemas.microsoft.com/office/powerpoint/2010/main" val="649258608"/>
       </p:ext>
     </p:extLst>
   </p:cSld>
@@ -1825,7 +1831,7 @@
     </p:spTree>
     <p:extLst>
       <p:ext uri="{BB962C8B-B14F-4D97-AF65-F5344CB8AC3E}">
-        <p14:creationId xmlns:p14="http://schemas.microsoft.com/office/powerpoint/2010/main" xmlns="" val="3111295960"/>
+        <p14:creationId xmlns:p14="http://schemas.microsoft.com/office/powerpoint/2010/main" val="3111295960"/>
       </p:ext>
     </p:extLst>
   </p:cSld>
@@ -1876,7 +1882,7 @@
           <a:blip r:embed="rId4" cstate="print">
             <a:extLst>
               <a:ext uri="{28A0092B-C50C-407E-A947-70E740481C1C}">
-                <a14:useLocalDpi xmlns:a14="http://schemas.microsoft.com/office/drawing/2010/main" xmlns="" val="0"/>
+                <a14:useLocalDpi xmlns:a14="http://schemas.microsoft.com/office/drawing/2010/main" val="0"/>
               </a:ext>
             </a:extLst>
           </a:blip>
@@ -1899,14 +1905,14 @@
           </a:ln>
           <a:extLst>
             <a:ext uri="{909E8E84-426E-40DD-AFC4-6F175D3DCCD1}">
-              <a14:hiddenFill xmlns:a14="http://schemas.microsoft.com/office/drawing/2010/main" xmlns="">
+              <a14:hiddenFill xmlns:a14="http://schemas.microsoft.com/office/drawing/2010/main">
                 <a:solidFill>
                   <a:srgbClr val="FFFFFF"/>
                 </a:solidFill>
               </a14:hiddenFill>
             </a:ext>
             <a:ext uri="{91240B29-F687-4F45-9708-019B960494DF}">
-              <a14:hiddenLine xmlns:a14="http://schemas.microsoft.com/office/drawing/2010/main" xmlns="" w="9525">
+              <a14:hiddenLine xmlns:a14="http://schemas.microsoft.com/office/drawing/2010/main" w="9525">
                 <a:solidFill>
                   <a:srgbClr val="000000"/>
                 </a:solidFill>
@@ -2114,7 +2120,7 @@
     </p:spTree>
     <p:extLst>
       <p:ext uri="{BB962C8B-B14F-4D97-AF65-F5344CB8AC3E}">
-        <p14:creationId xmlns:p14="http://schemas.microsoft.com/office/powerpoint/2010/main" xmlns="" val="1490943514"/>
+        <p14:creationId xmlns:p14="http://schemas.microsoft.com/office/powerpoint/2010/main" val="1490943514"/>
       </p:ext>
     </p:extLst>
   </p:cSld>
@@ -2224,7 +2230,7 @@
     </p:spTree>
     <p:extLst>
       <p:ext uri="{BB962C8B-B14F-4D97-AF65-F5344CB8AC3E}">
-        <p14:creationId xmlns:p14="http://schemas.microsoft.com/office/powerpoint/2010/main" xmlns="" val="144777068"/>
+        <p14:creationId xmlns:p14="http://schemas.microsoft.com/office/powerpoint/2010/main" val="144777068"/>
       </p:ext>
     </p:extLst>
   </p:cSld>
@@ -2473,7 +2479,7 @@
           <a:blip r:embed="rId9" cstate="print">
             <a:extLst>
               <a:ext uri="{28A0092B-C50C-407E-A947-70E740481C1C}">
-                <a14:useLocalDpi xmlns:a14="http://schemas.microsoft.com/office/drawing/2010/main" xmlns="" val="0"/>
+                <a14:useLocalDpi xmlns:a14="http://schemas.microsoft.com/office/drawing/2010/main" val="0"/>
               </a:ext>
             </a:extLst>
           </a:blip>
@@ -2493,7 +2499,7 @@
           <a:noFill/>
           <a:extLst>
             <a:ext uri="{909E8E84-426E-40DD-AFC4-6F175D3DCCD1}">
-              <a14:hiddenFill xmlns:a14="http://schemas.microsoft.com/office/drawing/2010/main" xmlns="">
+              <a14:hiddenFill xmlns:a14="http://schemas.microsoft.com/office/drawing/2010/main">
                 <a:solidFill>
                   <a:srgbClr val="FFFFFF"/>
                 </a:solidFill>
@@ -2505,7 +2511,7 @@
     </p:spTree>
     <p:extLst>
       <p:ext uri="{BB962C8B-B14F-4D97-AF65-F5344CB8AC3E}">
-        <p14:creationId xmlns:p14="http://schemas.microsoft.com/office/powerpoint/2010/main" xmlns="" val="117676409"/>
+        <p14:creationId xmlns:p14="http://schemas.microsoft.com/office/powerpoint/2010/main" val="117676409"/>
       </p:ext>
     </p:extLst>
   </p:cSld>
@@ -2925,14 +2931,14 @@
           </a:ln>
           <a:extLst>
             <a:ext uri="{909E8E84-426E-40DD-AFC4-6F175D3DCCD1}">
-              <a14:hiddenFill xmlns:a14="http://schemas.microsoft.com/office/drawing/2010/main" xmlns="">
+              <a14:hiddenFill xmlns:a14="http://schemas.microsoft.com/office/drawing/2010/main">
                 <a:solidFill>
                   <a:srgbClr val="FFFFFF"/>
                 </a:solidFill>
               </a14:hiddenFill>
             </a:ext>
             <a:ext uri="{91240B29-F687-4F45-9708-019B960494DF}">
-              <a14:hiddenLine xmlns:a14="http://schemas.microsoft.com/office/drawing/2010/main" xmlns="" w="9525">
+              <a14:hiddenLine xmlns:a14="http://schemas.microsoft.com/office/drawing/2010/main" w="9525">
                 <a:solidFill>
                   <a:srgbClr val="000000"/>
                 </a:solidFill>
@@ -3090,7 +3096,7 @@
     </p:spTree>
     <p:extLst>
       <p:ext uri="{BB962C8B-B14F-4D97-AF65-F5344CB8AC3E}">
-        <p14:creationId xmlns:p14="http://schemas.microsoft.com/office/powerpoint/2010/main" xmlns="" val="1574382364"/>
+        <p14:creationId xmlns:p14="http://schemas.microsoft.com/office/powerpoint/2010/main" val="1574382364"/>
       </p:ext>
     </p:extLst>
   </p:cSld>
@@ -4045,7 +4051,7 @@
           <a:blip r:embed="rId2" cstate="print">
             <a:extLst>
               <a:ext uri="{28A0092B-C50C-407E-A947-70E740481C1C}">
-                <a14:useLocalDpi xmlns:a14="http://schemas.microsoft.com/office/drawing/2010/main" xmlns="" val="0"/>
+                <a14:useLocalDpi xmlns:a14="http://schemas.microsoft.com/office/drawing/2010/main" val="0"/>
               </a:ext>
             </a:extLst>
           </a:blip>
@@ -4063,7 +4069,7 @@
           <a:noFill/>
           <a:extLst>
             <a:ext uri="{909E8E84-426E-40DD-AFC4-6F175D3DCCD1}">
-              <a14:hiddenFill xmlns:a14="http://schemas.microsoft.com/office/drawing/2010/main" xmlns="">
+              <a14:hiddenFill xmlns:a14="http://schemas.microsoft.com/office/drawing/2010/main">
                 <a:solidFill>
                   <a:srgbClr val="FFFFFF"/>
                 </a:solidFill>
@@ -4167,7 +4173,7 @@
           <a:blip r:embed="rId3" cstate="print">
             <a:extLst>
               <a:ext uri="{28A0092B-C50C-407E-A947-70E740481C1C}">
-                <a14:useLocalDpi xmlns:a14="http://schemas.microsoft.com/office/drawing/2010/main" xmlns="" val="0"/>
+                <a14:useLocalDpi xmlns:a14="http://schemas.microsoft.com/office/drawing/2010/main" val="0"/>
               </a:ext>
             </a:extLst>
           </a:blip>
@@ -4185,7 +4191,7 @@
           <a:noFill/>
           <a:extLst>
             <a:ext uri="{909E8E84-426E-40DD-AFC4-6F175D3DCCD1}">
-              <a14:hiddenFill xmlns:a14="http://schemas.microsoft.com/office/drawing/2010/main" xmlns="">
+              <a14:hiddenFill xmlns:a14="http://schemas.microsoft.com/office/drawing/2010/main">
                 <a:solidFill>
                   <a:srgbClr val="FFFFFF"/>
                 </a:solidFill>
@@ -4275,7 +4281,7 @@
             </a:clrChange>
             <a:extLst>
               <a:ext uri="{28A0092B-C50C-407E-A947-70E740481C1C}">
-                <a14:useLocalDpi xmlns:a14="http://schemas.microsoft.com/office/drawing/2010/main" xmlns="" val="0"/>
+                <a14:useLocalDpi xmlns:a14="http://schemas.microsoft.com/office/drawing/2010/main" val="0"/>
               </a:ext>
             </a:extLst>
           </a:blip>
@@ -4293,7 +4299,7 @@
           <a:noFill/>
           <a:extLst>
             <a:ext uri="{909E8E84-426E-40DD-AFC4-6F175D3DCCD1}">
-              <a14:hiddenFill xmlns:a14="http://schemas.microsoft.com/office/drawing/2010/main" xmlns="">
+              <a14:hiddenFill xmlns:a14="http://schemas.microsoft.com/office/drawing/2010/main">
                 <a:solidFill>
                   <a:srgbClr val="FFFFFF"/>
                 </a:solidFill>
@@ -5449,7 +5455,7 @@
             </a:clrChange>
             <a:extLst>
               <a:ext uri="{28A0092B-C50C-407E-A947-70E740481C1C}">
-                <a14:useLocalDpi xmlns:a14="http://schemas.microsoft.com/office/drawing/2010/main" xmlns="" val="0"/>
+                <a14:useLocalDpi xmlns:a14="http://schemas.microsoft.com/office/drawing/2010/main" val="0"/>
               </a:ext>
             </a:extLst>
           </a:blip>
@@ -5467,7 +5473,7 @@
           <a:noFill/>
           <a:extLst>
             <a:ext uri="{909E8E84-426E-40DD-AFC4-6F175D3DCCD1}">
-              <a14:hiddenFill xmlns:a14="http://schemas.microsoft.com/office/drawing/2010/main" xmlns="">
+              <a14:hiddenFill xmlns:a14="http://schemas.microsoft.com/office/drawing/2010/main">
                 <a:solidFill>
                   <a:srgbClr val="FFFFFF"/>
                 </a:solidFill>
@@ -6341,7 +6347,7 @@
           <a:blip r:embed="rId5" cstate="print">
             <a:extLst>
               <a:ext uri="{28A0092B-C50C-407E-A947-70E740481C1C}">
-                <a14:useLocalDpi xmlns:a14="http://schemas.microsoft.com/office/drawing/2010/main" xmlns="" val="0"/>
+                <a14:useLocalDpi xmlns:a14="http://schemas.microsoft.com/office/drawing/2010/main" val="0"/>
               </a:ext>
             </a:extLst>
           </a:blip>
@@ -6359,7 +6365,7 @@
           <a:noFill/>
           <a:extLst>
             <a:ext uri="{909E8E84-426E-40DD-AFC4-6F175D3DCCD1}">
-              <a14:hiddenFill xmlns:a14="http://schemas.microsoft.com/office/drawing/2010/main" xmlns="">
+              <a14:hiddenFill xmlns:a14="http://schemas.microsoft.com/office/drawing/2010/main">
                 <a:solidFill>
                   <a:srgbClr val="FFFFFF"/>
                 </a:solidFill>
@@ -6417,7 +6423,7 @@
     </p:spTree>
     <p:extLst>
       <p:ext uri="{BB962C8B-B14F-4D97-AF65-F5344CB8AC3E}">
-        <p14:creationId xmlns:p14="http://schemas.microsoft.com/office/powerpoint/2010/main" xmlns="" val="4029852609"/>
+        <p14:creationId xmlns:p14="http://schemas.microsoft.com/office/powerpoint/2010/main" val="4029852609"/>
       </p:ext>
     </p:extLst>
   </p:cSld>
@@ -17963,7 +17969,499 @@
     </p:spTree>
     <p:extLst>
       <p:ext uri="{BB962C8B-B14F-4D97-AF65-F5344CB8AC3E}">
-        <p14:creationId xmlns:p14="http://schemas.microsoft.com/office/powerpoint/2010/main" xmlns="" val="925506862"/>
+        <p14:creationId xmlns:p14="http://schemas.microsoft.com/office/powerpoint/2010/main" val="925506862"/>
+      </p:ext>
+    </p:extLst>
+  </p:cSld>
+  <p:clrMapOvr>
+    <a:masterClrMapping/>
+  </p:clrMapOvr>
+</p:sld>
+</file>
+
+<file path=ppt/slides/slide12.xml><?xml version="1.0" encoding="utf-8"?>
+<p:sld xmlns:a="http://schemas.openxmlformats.org/drawingml/2006/main" xmlns:r="http://schemas.openxmlformats.org/officeDocument/2006/relationships" xmlns:p="http://schemas.openxmlformats.org/presentationml/2006/main">
+  <p:cSld>
+    <p:spTree>
+      <p:nvGrpSpPr>
+        <p:cNvPr id="1" name=""/>
+        <p:cNvGrpSpPr/>
+        <p:nvPr/>
+      </p:nvGrpSpPr>
+      <p:grpSpPr>
+        <a:xfrm>
+          <a:off x="0" y="0"/>
+          <a:ext cx="0" cy="0"/>
+          <a:chOff x="0" y="0"/>
+          <a:chExt cx="0" cy="0"/>
+        </a:xfrm>
+      </p:grpSpPr>
+      <p:sp>
+        <p:nvSpPr>
+          <p:cNvPr id="2" name="제목 1"/>
+          <p:cNvSpPr>
+            <a:spLocks noGrp="1"/>
+          </p:cNvSpPr>
+          <p:nvPr>
+            <p:ph type="title"/>
+          </p:nvPr>
+        </p:nvSpPr>
+        <p:spPr/>
+        <p:txBody>
+          <a:bodyPr>
+            <a:normAutofit fontScale="90000"/>
+          </a:bodyPr>
+          <a:lstStyle/>
+          <a:p>
+            <a:r>
+              <a:rPr lang="en-US" altLang="ko-KR" dirty="0" smtClean="0"/>
+              <a:t>Availability – Sensor Malfunction.</a:t>
+            </a:r>
+            <a:endParaRPr lang="ko-KR" altLang="en-US" dirty="0"/>
+          </a:p>
+        </p:txBody>
+      </p:sp>
+      <p:sp>
+        <p:nvSpPr>
+          <p:cNvPr id="3" name="텍스트 개체 틀 2"/>
+          <p:cNvSpPr>
+            <a:spLocks noGrp="1"/>
+          </p:cNvSpPr>
+          <p:nvPr>
+            <p:ph type="body" sz="quarter" idx="10"/>
+          </p:nvPr>
+        </p:nvSpPr>
+        <p:spPr/>
+        <p:txBody>
+          <a:bodyPr/>
+          <a:lstStyle/>
+          <a:p>
+            <a:endParaRPr lang="ko-KR" altLang="en-US"/>
+          </a:p>
+        </p:txBody>
+      </p:sp>
+      <p:sp>
+        <p:nvSpPr>
+          <p:cNvPr id="4" name="슬라이드 번호 개체 틀 3"/>
+          <p:cNvSpPr>
+            <a:spLocks noGrp="1"/>
+          </p:cNvSpPr>
+          <p:nvPr>
+            <p:ph type="sldNum" sz="quarter" idx="11"/>
+          </p:nvPr>
+        </p:nvSpPr>
+        <p:spPr/>
+        <p:txBody>
+          <a:bodyPr/>
+          <a:lstStyle/>
+          <a:p>
+            <a:fld id="{887F5A62-5D57-4BBA-9485-2C5A6728F77D}" type="slidenum">
+              <a:rPr lang="ko-KR" altLang="en-US" smtClean="0"/>
+              <a:pPr/>
+              <a:t>12</a:t>
+            </a:fld>
+            <a:r>
+              <a:rPr lang="en-US" altLang="ko-KR" smtClean="0"/>
+              <a:t>/50</a:t>
+            </a:r>
+            <a:endParaRPr lang="ko-KR" altLang="en-US" dirty="0"/>
+          </a:p>
+        </p:txBody>
+      </p:sp>
+      <p:pic>
+        <p:nvPicPr>
+          <p:cNvPr id="1026" name="Picture 2" descr="CommDiagram_2"/>
+          <p:cNvPicPr>
+            <a:picLocks noChangeAspect="1" noChangeArrowheads="1"/>
+          </p:cNvPicPr>
+          <p:nvPr/>
+        </p:nvPicPr>
+        <p:blipFill>
+          <a:blip r:embed="rId2">
+            <a:extLst>
+              <a:ext uri="{28A0092B-C50C-407E-A947-70E740481C1C}">
+                <a14:useLocalDpi xmlns:a14="http://schemas.microsoft.com/office/drawing/2010/main" val="0"/>
+              </a:ext>
+            </a:extLst>
+          </a:blip>
+          <a:srcRect/>
+          <a:stretch>
+            <a:fillRect/>
+          </a:stretch>
+        </p:blipFill>
+        <p:spPr bwMode="auto">
+          <a:xfrm>
+            <a:off x="323528" y="782414"/>
+            <a:ext cx="8352160" cy="5585982"/>
+          </a:xfrm>
+          <a:prstGeom prst="rect">
+            <a:avLst/>
+          </a:prstGeom>
+          <a:noFill/>
+          <a:ln>
+            <a:noFill/>
+          </a:ln>
+          <a:extLst>
+            <a:ext uri="{909E8E84-426E-40DD-AFC4-6F175D3DCCD1}">
+              <a14:hiddenFill xmlns:a14="http://schemas.microsoft.com/office/drawing/2010/main">
+                <a:solidFill>
+                  <a:srgbClr val="FFFFFF"/>
+                </a:solidFill>
+              </a14:hiddenFill>
+            </a:ext>
+            <a:ext uri="{91240B29-F687-4F45-9708-019B960494DF}">
+              <a14:hiddenLine xmlns:a14="http://schemas.microsoft.com/office/drawing/2010/main" w="9525">
+                <a:solidFill>
+                  <a:srgbClr val="000000"/>
+                </a:solidFill>
+                <a:miter lim="800000"/>
+                <a:headEnd/>
+                <a:tailEnd/>
+              </a14:hiddenLine>
+            </a:ext>
+          </a:extLst>
+        </p:spPr>
+      </p:pic>
+    </p:spTree>
+    <p:extLst>
+      <p:ext uri="{BB962C8B-B14F-4D97-AF65-F5344CB8AC3E}">
+        <p14:creationId xmlns:p14="http://schemas.microsoft.com/office/powerpoint/2010/main" val="3703245036"/>
+      </p:ext>
+    </p:extLst>
+  </p:cSld>
+  <p:clrMapOvr>
+    <a:masterClrMapping/>
+  </p:clrMapOvr>
+</p:sld>
+</file>
+
+<file path=ppt/slides/slide13.xml><?xml version="1.0" encoding="utf-8"?>
+<p:sld xmlns:a="http://schemas.openxmlformats.org/drawingml/2006/main" xmlns:r="http://schemas.openxmlformats.org/officeDocument/2006/relationships" xmlns:p="http://schemas.openxmlformats.org/presentationml/2006/main">
+  <p:cSld>
+    <p:spTree>
+      <p:nvGrpSpPr>
+        <p:cNvPr id="1" name=""/>
+        <p:cNvGrpSpPr/>
+        <p:nvPr/>
+      </p:nvGrpSpPr>
+      <p:grpSpPr>
+        <a:xfrm>
+          <a:off x="0" y="0"/>
+          <a:ext cx="0" cy="0"/>
+          <a:chOff x="0" y="0"/>
+          <a:chExt cx="0" cy="0"/>
+        </a:xfrm>
+      </p:grpSpPr>
+      <p:sp>
+        <p:nvSpPr>
+          <p:cNvPr id="2" name="제목 1"/>
+          <p:cNvSpPr>
+            <a:spLocks noGrp="1"/>
+          </p:cNvSpPr>
+          <p:nvPr>
+            <p:ph type="title"/>
+          </p:nvPr>
+        </p:nvSpPr>
+        <p:spPr/>
+        <p:txBody>
+          <a:bodyPr>
+            <a:normAutofit fontScale="90000"/>
+          </a:bodyPr>
+          <a:lstStyle/>
+          <a:p>
+            <a:r>
+              <a:rPr lang="en-US" altLang="ko-KR" dirty="0" smtClean="0"/>
+              <a:t>Availability – Actuator Malfunction.</a:t>
+            </a:r>
+            <a:endParaRPr lang="ko-KR" altLang="en-US" dirty="0"/>
+          </a:p>
+        </p:txBody>
+      </p:sp>
+      <p:sp>
+        <p:nvSpPr>
+          <p:cNvPr id="3" name="텍스트 개체 틀 2"/>
+          <p:cNvSpPr>
+            <a:spLocks noGrp="1"/>
+          </p:cNvSpPr>
+          <p:nvPr>
+            <p:ph type="body" sz="quarter" idx="10"/>
+          </p:nvPr>
+        </p:nvSpPr>
+        <p:spPr/>
+        <p:txBody>
+          <a:bodyPr/>
+          <a:lstStyle/>
+          <a:p>
+            <a:endParaRPr lang="ko-KR" altLang="en-US"/>
+          </a:p>
+        </p:txBody>
+      </p:sp>
+      <p:sp>
+        <p:nvSpPr>
+          <p:cNvPr id="4" name="슬라이드 번호 개체 틀 3"/>
+          <p:cNvSpPr>
+            <a:spLocks noGrp="1"/>
+          </p:cNvSpPr>
+          <p:nvPr>
+            <p:ph type="sldNum" sz="quarter" idx="11"/>
+          </p:nvPr>
+        </p:nvSpPr>
+        <p:spPr/>
+        <p:txBody>
+          <a:bodyPr/>
+          <a:lstStyle/>
+          <a:p>
+            <a:fld id="{887F5A62-5D57-4BBA-9485-2C5A6728F77D}" type="slidenum">
+              <a:rPr lang="ko-KR" altLang="en-US" smtClean="0"/>
+              <a:pPr/>
+              <a:t>13</a:t>
+            </a:fld>
+            <a:r>
+              <a:rPr lang="en-US" altLang="ko-KR" smtClean="0"/>
+              <a:t>/50</a:t>
+            </a:r>
+            <a:endParaRPr lang="ko-KR" altLang="en-US" dirty="0"/>
+          </a:p>
+        </p:txBody>
+      </p:sp>
+      <p:pic>
+        <p:nvPicPr>
+          <p:cNvPr id="2050" name="Picture 2" descr="CommDiagram_3"/>
+          <p:cNvPicPr>
+            <a:picLocks noChangeAspect="1" noChangeArrowheads="1"/>
+          </p:cNvPicPr>
+          <p:nvPr/>
+        </p:nvPicPr>
+        <p:blipFill>
+          <a:blip r:embed="rId2">
+            <a:extLst>
+              <a:ext uri="{28A0092B-C50C-407E-A947-70E740481C1C}">
+                <a14:useLocalDpi xmlns:a14="http://schemas.microsoft.com/office/drawing/2010/main" val="0"/>
+              </a:ext>
+            </a:extLst>
+          </a:blip>
+          <a:srcRect/>
+          <a:stretch>
+            <a:fillRect/>
+          </a:stretch>
+        </p:blipFill>
+        <p:spPr bwMode="auto">
+          <a:xfrm>
+            <a:off x="323527" y="820218"/>
+            <a:ext cx="8464773" cy="5417093"/>
+          </a:xfrm>
+          <a:prstGeom prst="rect">
+            <a:avLst/>
+          </a:prstGeom>
+          <a:noFill/>
+          <a:ln>
+            <a:noFill/>
+          </a:ln>
+          <a:extLst>
+            <a:ext uri="{909E8E84-426E-40DD-AFC4-6F175D3DCCD1}">
+              <a14:hiddenFill xmlns:a14="http://schemas.microsoft.com/office/drawing/2010/main">
+                <a:solidFill>
+                  <a:srgbClr val="FFFFFF"/>
+                </a:solidFill>
+              </a14:hiddenFill>
+            </a:ext>
+            <a:ext uri="{91240B29-F687-4F45-9708-019B960494DF}">
+              <a14:hiddenLine xmlns:a14="http://schemas.microsoft.com/office/drawing/2010/main" w="9525">
+                <a:solidFill>
+                  <a:srgbClr val="000000"/>
+                </a:solidFill>
+                <a:miter lim="800000"/>
+                <a:headEnd/>
+                <a:tailEnd/>
+              </a14:hiddenLine>
+            </a:ext>
+          </a:extLst>
+        </p:spPr>
+      </p:pic>
+    </p:spTree>
+    <p:extLst>
+      <p:ext uri="{BB962C8B-B14F-4D97-AF65-F5344CB8AC3E}">
+        <p14:creationId xmlns:p14="http://schemas.microsoft.com/office/powerpoint/2010/main" val="1401968170"/>
+      </p:ext>
+    </p:extLst>
+  </p:cSld>
+  <p:clrMapOvr>
+    <a:masterClrMapping/>
+  </p:clrMapOvr>
+</p:sld>
+</file>
+
+<file path=ppt/slides/slide14.xml><?xml version="1.0" encoding="utf-8"?>
+<p:sld xmlns:a="http://schemas.openxmlformats.org/drawingml/2006/main" xmlns:r="http://schemas.openxmlformats.org/officeDocument/2006/relationships" xmlns:p="http://schemas.openxmlformats.org/presentationml/2006/main">
+  <p:cSld>
+    <p:spTree>
+      <p:nvGrpSpPr>
+        <p:cNvPr id="1" name=""/>
+        <p:cNvGrpSpPr/>
+        <p:nvPr/>
+      </p:nvGrpSpPr>
+      <p:grpSpPr>
+        <a:xfrm>
+          <a:off x="0" y="0"/>
+          <a:ext cx="0" cy="0"/>
+          <a:chOff x="0" y="0"/>
+          <a:chExt cx="0" cy="0"/>
+        </a:xfrm>
+      </p:grpSpPr>
+      <p:sp>
+        <p:nvSpPr>
+          <p:cNvPr id="2" name="제목 1"/>
+          <p:cNvSpPr>
+            <a:spLocks noGrp="1"/>
+          </p:cNvSpPr>
+          <p:nvPr>
+            <p:ph type="title"/>
+          </p:nvPr>
+        </p:nvSpPr>
+        <p:spPr/>
+        <p:txBody>
+          <a:bodyPr>
+            <a:normAutofit fontScale="90000"/>
+          </a:bodyPr>
+          <a:lstStyle/>
+          <a:p>
+            <a:r>
+              <a:rPr lang="en-US" altLang="ko-KR" dirty="0" err="1" smtClean="0"/>
+              <a:t>Func</a:t>
+            </a:r>
+            <a:r>
+              <a:rPr lang="en-US" altLang="ko-KR" dirty="0" smtClean="0"/>
+              <a:t> </a:t>
+            </a:r>
+            <a:r>
+              <a:rPr lang="en-US" altLang="ko-KR" dirty="0" err="1" smtClean="0"/>
+              <a:t>Req</a:t>
+            </a:r>
+            <a:r>
+              <a:rPr lang="en-US" altLang="ko-KR" dirty="0" smtClean="0"/>
+              <a:t> - User defined rule</a:t>
+            </a:r>
+            <a:endParaRPr lang="ko-KR" altLang="en-US" dirty="0"/>
+          </a:p>
+        </p:txBody>
+      </p:sp>
+      <p:sp>
+        <p:nvSpPr>
+          <p:cNvPr id="3" name="텍스트 개체 틀 2"/>
+          <p:cNvSpPr>
+            <a:spLocks noGrp="1"/>
+          </p:cNvSpPr>
+          <p:nvPr>
+            <p:ph type="body" sz="quarter" idx="10"/>
+          </p:nvPr>
+        </p:nvSpPr>
+        <p:spPr/>
+        <p:txBody>
+          <a:bodyPr/>
+          <a:lstStyle/>
+          <a:p>
+            <a:pPr marL="285750" indent="-285750">
+              <a:buFontTx/>
+              <a:buChar char="-"/>
+            </a:pPr>
+            <a:r>
+              <a:rPr lang="en-US" altLang="ko-KR" dirty="0" smtClean="0"/>
+              <a:t>Rule checking algorithm to add rules by user.</a:t>
+            </a:r>
+          </a:p>
+          <a:p>
+            <a:pPr marL="285750" indent="-285750">
+              <a:buFontTx/>
+              <a:buChar char="-"/>
+            </a:pPr>
+            <a:r>
+              <a:rPr lang="en-US" altLang="ko-KR" sz="1200" dirty="0" smtClean="0"/>
+              <a:t>Rule            := if {conditions} then {actions</a:t>
+            </a:r>
+            <a:r>
+              <a:rPr lang="en-US" altLang="ko-KR" dirty="0" smtClean="0"/>
+              <a:t>}</a:t>
+            </a:r>
+          </a:p>
+          <a:p>
+            <a:pPr marL="0" indent="0"/>
+            <a:endParaRPr lang="ko-KR" altLang="en-US" sz="1200" dirty="0"/>
+          </a:p>
+        </p:txBody>
+      </p:sp>
+      <p:sp>
+        <p:nvSpPr>
+          <p:cNvPr id="4" name="슬라이드 번호 개체 틀 3"/>
+          <p:cNvSpPr>
+            <a:spLocks noGrp="1"/>
+          </p:cNvSpPr>
+          <p:nvPr>
+            <p:ph type="sldNum" sz="quarter" idx="11"/>
+          </p:nvPr>
+        </p:nvSpPr>
+        <p:spPr/>
+        <p:txBody>
+          <a:bodyPr/>
+          <a:lstStyle/>
+          <a:p>
+            <a:fld id="{887F5A62-5D57-4BBA-9485-2C5A6728F77D}" type="slidenum">
+              <a:rPr lang="ko-KR" altLang="en-US" smtClean="0"/>
+              <a:pPr/>
+              <a:t>14</a:t>
+            </a:fld>
+            <a:r>
+              <a:rPr lang="en-US" altLang="ko-KR" smtClean="0"/>
+              <a:t>/50</a:t>
+            </a:r>
+            <a:endParaRPr lang="ko-KR" altLang="en-US" dirty="0"/>
+          </a:p>
+        </p:txBody>
+      </p:sp>
+      <p:pic>
+        <p:nvPicPr>
+          <p:cNvPr id="1026" name="Picture 2" descr="C:\Users\user\Pictures\addRule.jpg"/>
+          <p:cNvPicPr>
+            <a:picLocks noChangeAspect="1" noChangeArrowheads="1"/>
+          </p:cNvPicPr>
+          <p:nvPr/>
+        </p:nvPicPr>
+        <p:blipFill>
+          <a:blip r:embed="rId2">
+            <a:extLst>
+              <a:ext uri="{28A0092B-C50C-407E-A947-70E740481C1C}">
+                <a14:useLocalDpi xmlns:a14="http://schemas.microsoft.com/office/drawing/2010/main" val="0"/>
+              </a:ext>
+            </a:extLst>
+          </a:blip>
+          <a:srcRect/>
+          <a:stretch>
+            <a:fillRect/>
+          </a:stretch>
+        </p:blipFill>
+        <p:spPr bwMode="auto">
+          <a:xfrm>
+            <a:off x="779388" y="1408979"/>
+            <a:ext cx="7609036" cy="5044357"/>
+          </a:xfrm>
+          <a:prstGeom prst="rect">
+            <a:avLst/>
+          </a:prstGeom>
+          <a:noFill/>
+          <a:extLst>
+            <a:ext uri="{909E8E84-426E-40DD-AFC4-6F175D3DCCD1}">
+              <a14:hiddenFill xmlns:a14="http://schemas.microsoft.com/office/drawing/2010/main">
+                <a:solidFill>
+                  <a:srgbClr val="FFFFFF"/>
+                </a:solidFill>
+              </a14:hiddenFill>
+            </a:ext>
+          </a:extLst>
+        </p:spPr>
+      </p:pic>
+    </p:spTree>
+    <p:extLst>
+      <p:ext uri="{BB962C8B-B14F-4D97-AF65-F5344CB8AC3E}">
+        <p14:creationId xmlns:p14="http://schemas.microsoft.com/office/powerpoint/2010/main" val="3868079597"/>
       </p:ext>
     </p:extLst>
   </p:cSld>
@@ -18166,7 +18664,7 @@
     </p:spTree>
     <p:extLst>
       <p:ext uri="{BB962C8B-B14F-4D97-AF65-F5344CB8AC3E}">
-        <p14:creationId xmlns:p14="http://schemas.microsoft.com/office/powerpoint/2010/main" xmlns="" val="2578021736"/>
+        <p14:creationId xmlns:p14="http://schemas.microsoft.com/office/powerpoint/2010/main" val="2578021736"/>
       </p:ext>
     </p:extLst>
   </p:cSld>
@@ -19451,7 +19949,7 @@
     </p:spTree>
     <p:extLst>
       <p:ext uri="{BB962C8B-B14F-4D97-AF65-F5344CB8AC3E}">
-        <p14:creationId xmlns:p14="http://schemas.microsoft.com/office/powerpoint/2010/main" xmlns="" val="627846076"/>
+        <p14:creationId xmlns:p14="http://schemas.microsoft.com/office/powerpoint/2010/main" val="627846076"/>
       </p:ext>
     </p:extLst>
   </p:cSld>
@@ -20187,7 +20685,7 @@
             </a:clrChange>
             <a:extLst>
               <a:ext uri="{BEBA8EAE-BF5A-486C-A8C5-ECC9F3942E4B}">
-                <a14:imgProps xmlns:a14="http://schemas.microsoft.com/office/drawing/2010/main" xmlns="">
+                <a14:imgProps xmlns:a14="http://schemas.microsoft.com/office/drawing/2010/main">
                   <a14:imgLayer r:embed="rId3">
                     <a14:imgEffect>
                       <a14:sharpenSoften amount="-25000"/>
@@ -20199,7 +20697,7 @@
                 </a14:imgProps>
               </a:ext>
               <a:ext uri="{28A0092B-C50C-407E-A947-70E740481C1C}">
-                <a14:useLocalDpi xmlns:a14="http://schemas.microsoft.com/office/drawing/2010/main" xmlns="" val="0"/>
+                <a14:useLocalDpi xmlns:a14="http://schemas.microsoft.com/office/drawing/2010/main" val="0"/>
               </a:ext>
             </a:extLst>
           </a:blip>
@@ -20217,7 +20715,7 @@
           <a:noFill/>
           <a:extLst>
             <a:ext uri="{909E8E84-426E-40DD-AFC4-6F175D3DCCD1}">
-              <a14:hiddenFill xmlns:a14="http://schemas.microsoft.com/office/drawing/2010/main" xmlns="">
+              <a14:hiddenFill xmlns:a14="http://schemas.microsoft.com/office/drawing/2010/main">
                 <a:solidFill>
                   <a:srgbClr val="FFFFFF"/>
                 </a:solidFill>
@@ -20238,7 +20736,7 @@
           <a:blip r:embed="rId4" cstate="print">
             <a:extLst>
               <a:ext uri="{28A0092B-C50C-407E-A947-70E740481C1C}">
-                <a14:useLocalDpi xmlns:a14="http://schemas.microsoft.com/office/drawing/2010/main" xmlns="" val="0"/>
+                <a14:useLocalDpi xmlns:a14="http://schemas.microsoft.com/office/drawing/2010/main" val="0"/>
               </a:ext>
             </a:extLst>
           </a:blip>
@@ -20258,7 +20756,7 @@
           <a:noFill/>
           <a:extLst>
             <a:ext uri="{909E8E84-426E-40DD-AFC4-6F175D3DCCD1}">
-              <a14:hiddenFill xmlns:a14="http://schemas.microsoft.com/office/drawing/2010/main" xmlns="">
+              <a14:hiddenFill xmlns:a14="http://schemas.microsoft.com/office/drawing/2010/main">
                 <a:solidFill>
                   <a:srgbClr val="FFFFFF"/>
                 </a:solidFill>
@@ -20279,7 +20777,7 @@
           <a:blip r:embed="rId5" cstate="print">
             <a:extLst>
               <a:ext uri="{28A0092B-C50C-407E-A947-70E740481C1C}">
-                <a14:useLocalDpi xmlns:a14="http://schemas.microsoft.com/office/drawing/2010/main" xmlns="" val="0"/>
+                <a14:useLocalDpi xmlns:a14="http://schemas.microsoft.com/office/drawing/2010/main" val="0"/>
               </a:ext>
             </a:extLst>
           </a:blip>
@@ -20299,7 +20797,7 @@
           <a:noFill/>
           <a:extLst>
             <a:ext uri="{909E8E84-426E-40DD-AFC4-6F175D3DCCD1}">
-              <a14:hiddenFill xmlns:a14="http://schemas.microsoft.com/office/drawing/2010/main" xmlns="">
+              <a14:hiddenFill xmlns:a14="http://schemas.microsoft.com/office/drawing/2010/main">
                 <a:solidFill>
                   <a:srgbClr val="FFFFFF"/>
                 </a:solidFill>
@@ -20406,7 +20904,7 @@
             </a:clrChange>
             <a:extLst>
               <a:ext uri="{28A0092B-C50C-407E-A947-70E740481C1C}">
-                <a14:useLocalDpi xmlns:a14="http://schemas.microsoft.com/office/drawing/2010/main" xmlns="" val="0"/>
+                <a14:useLocalDpi xmlns:a14="http://schemas.microsoft.com/office/drawing/2010/main" val="0"/>
               </a:ext>
             </a:extLst>
           </a:blip>
@@ -20424,7 +20922,7 @@
           <a:noFill/>
           <a:extLst>
             <a:ext uri="{909E8E84-426E-40DD-AFC4-6F175D3DCCD1}">
-              <a14:hiddenFill xmlns:a14="http://schemas.microsoft.com/office/drawing/2010/main" xmlns="">
+              <a14:hiddenFill xmlns:a14="http://schemas.microsoft.com/office/drawing/2010/main">
                 <a:solidFill>
                   <a:srgbClr val="FFFFFF"/>
                 </a:solidFill>
@@ -20510,7 +21008,7 @@
           <a:blip r:embed="rId7" cstate="print">
             <a:extLst>
               <a:ext uri="{28A0092B-C50C-407E-A947-70E740481C1C}">
-                <a14:useLocalDpi xmlns:a14="http://schemas.microsoft.com/office/drawing/2010/main" xmlns="" val="0"/>
+                <a14:useLocalDpi xmlns:a14="http://schemas.microsoft.com/office/drawing/2010/main" val="0"/>
               </a:ext>
             </a:extLst>
           </a:blip>
@@ -20530,7 +21028,7 @@
           <a:noFill/>
           <a:extLst>
             <a:ext uri="{909E8E84-426E-40DD-AFC4-6F175D3DCCD1}">
-              <a14:hiddenFill xmlns:a14="http://schemas.microsoft.com/office/drawing/2010/main" xmlns="">
+              <a14:hiddenFill xmlns:a14="http://schemas.microsoft.com/office/drawing/2010/main">
                 <a:solidFill>
                   <a:srgbClr val="FFFFFF"/>
                 </a:solidFill>
@@ -20698,7 +21196,7 @@
           <a:blip r:embed="rId8" cstate="print">
             <a:extLst>
               <a:ext uri="{28A0092B-C50C-407E-A947-70E740481C1C}">
-                <a14:useLocalDpi xmlns:a14="http://schemas.microsoft.com/office/drawing/2010/main" xmlns="" val="0"/>
+                <a14:useLocalDpi xmlns:a14="http://schemas.microsoft.com/office/drawing/2010/main" val="0"/>
               </a:ext>
             </a:extLst>
           </a:blip>
@@ -20718,7 +21216,7 @@
           <a:noFill/>
           <a:extLst>
             <a:ext uri="{909E8E84-426E-40DD-AFC4-6F175D3DCCD1}">
-              <a14:hiddenFill xmlns:a14="http://schemas.microsoft.com/office/drawing/2010/main" xmlns="">
+              <a14:hiddenFill xmlns:a14="http://schemas.microsoft.com/office/drawing/2010/main">
                 <a:solidFill>
                   <a:srgbClr val="FFFFFF"/>
                 </a:solidFill>
@@ -20827,7 +21325,7 @@
             </a:duotone>
             <a:extLst>
               <a:ext uri="{28A0092B-C50C-407E-A947-70E740481C1C}">
-                <a14:useLocalDpi xmlns:a14="http://schemas.microsoft.com/office/drawing/2010/main" xmlns="" val="0"/>
+                <a14:useLocalDpi xmlns:a14="http://schemas.microsoft.com/office/drawing/2010/main" val="0"/>
               </a:ext>
             </a:extLst>
           </a:blip>
@@ -20847,7 +21345,7 @@
           <a:noFill/>
           <a:extLst>
             <a:ext uri="{909E8E84-426E-40DD-AFC4-6F175D3DCCD1}">
-              <a14:hiddenFill xmlns:a14="http://schemas.microsoft.com/office/drawing/2010/main" xmlns="">
+              <a14:hiddenFill xmlns:a14="http://schemas.microsoft.com/office/drawing/2010/main">
                 <a:solidFill>
                   <a:srgbClr val="FFFFFF"/>
                 </a:solidFill>
@@ -20868,7 +21366,7 @@
           <a:blip r:embed="rId9" cstate="print">
             <a:extLst>
               <a:ext uri="{28A0092B-C50C-407E-A947-70E740481C1C}">
-                <a14:useLocalDpi xmlns:a14="http://schemas.microsoft.com/office/drawing/2010/main" xmlns="" val="0"/>
+                <a14:useLocalDpi xmlns:a14="http://schemas.microsoft.com/office/drawing/2010/main" val="0"/>
               </a:ext>
             </a:extLst>
           </a:blip>
@@ -20888,7 +21386,7 @@
           <a:noFill/>
           <a:extLst>
             <a:ext uri="{909E8E84-426E-40DD-AFC4-6F175D3DCCD1}">
-              <a14:hiddenFill xmlns:a14="http://schemas.microsoft.com/office/drawing/2010/main" xmlns="">
+              <a14:hiddenFill xmlns:a14="http://schemas.microsoft.com/office/drawing/2010/main">
                 <a:solidFill>
                   <a:srgbClr val="FFFFFF"/>
                 </a:solidFill>
@@ -20969,7 +21467,7 @@
           <a:blip r:embed="rId10" cstate="print">
             <a:extLst>
               <a:ext uri="{28A0092B-C50C-407E-A947-70E740481C1C}">
-                <a14:useLocalDpi xmlns:a14="http://schemas.microsoft.com/office/drawing/2010/main" xmlns="" val="0"/>
+                <a14:useLocalDpi xmlns:a14="http://schemas.microsoft.com/office/drawing/2010/main" val="0"/>
               </a:ext>
             </a:extLst>
           </a:blip>
@@ -20989,7 +21487,7 @@
           <a:noFill/>
           <a:extLst>
             <a:ext uri="{909E8E84-426E-40DD-AFC4-6F175D3DCCD1}">
-              <a14:hiddenFill xmlns:a14="http://schemas.microsoft.com/office/drawing/2010/main" xmlns="">
+              <a14:hiddenFill xmlns:a14="http://schemas.microsoft.com/office/drawing/2010/main">
                 <a:solidFill>
                   <a:srgbClr val="FFFFFF"/>
                 </a:solidFill>
@@ -21278,7 +21776,7 @@
           <a:blip r:embed="rId11" cstate="print">
             <a:extLst>
               <a:ext uri="{28A0092B-C50C-407E-A947-70E740481C1C}">
-                <a14:useLocalDpi xmlns:a14="http://schemas.microsoft.com/office/drawing/2010/main" xmlns="" val="0"/>
+                <a14:useLocalDpi xmlns:a14="http://schemas.microsoft.com/office/drawing/2010/main" val="0"/>
               </a:ext>
             </a:extLst>
           </a:blip>
@@ -21298,7 +21796,7 @@
           <a:noFill/>
           <a:extLst>
             <a:ext uri="{909E8E84-426E-40DD-AFC4-6F175D3DCCD1}">
-              <a14:hiddenFill xmlns:a14="http://schemas.microsoft.com/office/drawing/2010/main" xmlns="">
+              <a14:hiddenFill xmlns:a14="http://schemas.microsoft.com/office/drawing/2010/main">
                 <a:solidFill>
                   <a:srgbClr val="FFFFFF"/>
                 </a:solidFill>
@@ -21723,7 +22221,7 @@
     </p:spTree>
     <p:extLst>
       <p:ext uri="{BB962C8B-B14F-4D97-AF65-F5344CB8AC3E}">
-        <p14:creationId xmlns:p14="http://schemas.microsoft.com/office/powerpoint/2010/main" xmlns="" val="3120382912"/>
+        <p14:creationId xmlns:p14="http://schemas.microsoft.com/office/powerpoint/2010/main" val="3120382912"/>
       </p:ext>
     </p:extLst>
   </p:cSld>
@@ -21791,7 +22289,7 @@
           <p:nvPr>
             <p:extLst>
               <p:ext uri="{D42A27DB-BD31-4B8C-83A1-F6EECF244321}">
-                <p14:modId xmlns:p14="http://schemas.microsoft.com/office/powerpoint/2010/main" xmlns="" val="3043292287"/>
+                <p14:modId xmlns:p14="http://schemas.microsoft.com/office/powerpoint/2010/main" val="3043292287"/>
               </p:ext>
             </p:extLst>
           </p:nvPr>
@@ -23277,7 +23775,7 @@
     </p:spTree>
     <p:extLst>
       <p:ext uri="{BB962C8B-B14F-4D97-AF65-F5344CB8AC3E}">
-        <p14:creationId xmlns:p14="http://schemas.microsoft.com/office/powerpoint/2010/main" xmlns="" val="142376035"/>
+        <p14:creationId xmlns:p14="http://schemas.microsoft.com/office/powerpoint/2010/main" val="142376035"/>
       </p:ext>
     </p:extLst>
   </p:cSld>
@@ -23345,7 +23843,7 @@
           <p:nvPr>
             <p:extLst>
               <p:ext uri="{D42A27DB-BD31-4B8C-83A1-F6EECF244321}">
-                <p14:modId xmlns:p14="http://schemas.microsoft.com/office/powerpoint/2010/main" xmlns="" val="1779544416"/>
+                <p14:modId xmlns:p14="http://schemas.microsoft.com/office/powerpoint/2010/main" val="1779544416"/>
               </p:ext>
             </p:extLst>
           </p:nvPr>
@@ -25441,14 +25939,14 @@
           <a:effectLst/>
           <a:extLst>
             <a:ext uri="{909E8E84-426E-40DD-AFC4-6F175D3DCCD1}">
-              <a14:hiddenFill xmlns:a14="http://schemas.microsoft.com/office/drawing/2010/main" xmlns="">
+              <a14:hiddenFill xmlns:a14="http://schemas.microsoft.com/office/drawing/2010/main">
                 <a:solidFill>
                   <a:schemeClr val="accent1"/>
                 </a:solidFill>
               </a14:hiddenFill>
             </a:ext>
             <a:ext uri="{91240B29-F687-4F45-9708-019B960494DF}">
-              <a14:hiddenLine xmlns:a14="http://schemas.microsoft.com/office/drawing/2010/main" xmlns="" w="9525">
+              <a14:hiddenLine xmlns:a14="http://schemas.microsoft.com/office/drawing/2010/main" w="9525">
                 <a:solidFill>
                   <a:schemeClr val="tx1"/>
                 </a:solidFill>
@@ -25458,7 +25956,7 @@
               </a14:hiddenLine>
             </a:ext>
             <a:ext uri="{AF507438-7753-43E0-B8FC-AC1667EBCBE1}">
-              <a14:hiddenEffects xmlns:a14="http://schemas.microsoft.com/office/drawing/2010/main" xmlns="">
+              <a14:hiddenEffects xmlns:a14="http://schemas.microsoft.com/office/drawing/2010/main">
                 <a:effectLst>
                   <a:outerShdw dist="35921" dir="2700000" algn="ctr" rotWithShape="0">
                     <a:schemeClr val="bg2"/>
@@ -25515,14 +26013,14 @@
           <a:effectLst/>
           <a:extLst>
             <a:ext uri="{909E8E84-426E-40DD-AFC4-6F175D3DCCD1}">
-              <a14:hiddenFill xmlns:a14="http://schemas.microsoft.com/office/drawing/2010/main" xmlns="">
+              <a14:hiddenFill xmlns:a14="http://schemas.microsoft.com/office/drawing/2010/main">
                 <a:solidFill>
                   <a:schemeClr val="accent1"/>
                 </a:solidFill>
               </a14:hiddenFill>
             </a:ext>
             <a:ext uri="{91240B29-F687-4F45-9708-019B960494DF}">
-              <a14:hiddenLine xmlns:a14="http://schemas.microsoft.com/office/drawing/2010/main" xmlns="" w="9525">
+              <a14:hiddenLine xmlns:a14="http://schemas.microsoft.com/office/drawing/2010/main" w="9525">
                 <a:solidFill>
                   <a:schemeClr val="tx1"/>
                 </a:solidFill>
@@ -25532,7 +26030,7 @@
               </a14:hiddenLine>
             </a:ext>
             <a:ext uri="{AF507438-7753-43E0-B8FC-AC1667EBCBE1}">
-              <a14:hiddenEffects xmlns:a14="http://schemas.microsoft.com/office/drawing/2010/main" xmlns="">
+              <a14:hiddenEffects xmlns:a14="http://schemas.microsoft.com/office/drawing/2010/main">
                 <a:effectLst>
                   <a:outerShdw dist="35921" dir="2700000" algn="ctr" rotWithShape="0">
                     <a:schemeClr val="bg2"/>
@@ -25597,7 +26095,7 @@
     </p:spTree>
     <p:extLst>
       <p:ext uri="{BB962C8B-B14F-4D97-AF65-F5344CB8AC3E}">
-        <p14:creationId xmlns:p14="http://schemas.microsoft.com/office/powerpoint/2010/main" xmlns="" val="940295694"/>
+        <p14:creationId xmlns:p14="http://schemas.microsoft.com/office/powerpoint/2010/main" val="940295694"/>
       </p:ext>
     </p:extLst>
   </p:cSld>
@@ -25701,7 +26199,7 @@
           <p:nvPr>
             <p:extLst>
               <p:ext uri="{D42A27DB-BD31-4B8C-83A1-F6EECF244321}">
-                <p14:modId xmlns:p14="http://schemas.microsoft.com/office/powerpoint/2010/main" xmlns="" val="1779544416"/>
+                <p14:modId xmlns:p14="http://schemas.microsoft.com/office/powerpoint/2010/main" val="1779544416"/>
               </p:ext>
             </p:extLst>
           </p:nvPr>
@@ -29278,7 +29776,7 @@
     </p:spTree>
     <p:extLst>
       <p:ext uri="{BB962C8B-B14F-4D97-AF65-F5344CB8AC3E}">
-        <p14:creationId xmlns:p14="http://schemas.microsoft.com/office/powerpoint/2010/main" xmlns="" val="2010015792"/>
+        <p14:creationId xmlns:p14="http://schemas.microsoft.com/office/powerpoint/2010/main" val="2010015792"/>
       </p:ext>
     </p:extLst>
   </p:cSld>

--- a/doc/Docs/IoT System Final Presentation_0624.pptx
+++ b/doc/Docs/IoT System Final Presentation_0624.pptx
@@ -5,7 +5,7 @@
     <p:sldMasterId id="2147483693" r:id="rId1"/>
   </p:sldMasterIdLst>
   <p:notesMasterIdLst>
-    <p:notesMasterId r:id="rId16"/>
+    <p:notesMasterId r:id="rId18"/>
   </p:notesMasterIdLst>
   <p:sldIdLst>
     <p:sldId id="256" r:id="rId2"/>
@@ -21,7 +21,9 @@
     <p:sldId id="319" r:id="rId12"/>
     <p:sldId id="320" r:id="rId13"/>
     <p:sldId id="321" r:id="rId14"/>
-    <p:sldId id="322" r:id="rId15"/>
+    <p:sldId id="323" r:id="rId15"/>
+    <p:sldId id="324" r:id="rId16"/>
+    <p:sldId id="322" r:id="rId17"/>
   </p:sldIdLst>
   <p:sldSz cx="9144000" cy="6858000" type="screen4x3"/>
   <p:notesSz cx="6858000" cy="9144000"/>
@@ -138,13 +140,15 @@
             <p14:sldId id="319"/>
             <p14:sldId id="320"/>
             <p14:sldId id="321"/>
+            <p14:sldId id="323"/>
+            <p14:sldId id="324"/>
             <p14:sldId id="322"/>
           </p14:sldIdLst>
         </p14:section>
       </p14:sectionLst>
     </p:ext>
     <p:ext uri="{EFAFB233-063F-42B5-8137-9DF3F51BA10A}">
-      <p15:sldGuideLst xmlns:p15="http://schemas.microsoft.com/office/powerpoint/2012/main" xmlns="">
+      <p15:sldGuideLst xmlns:p15="http://schemas.microsoft.com/office/powerpoint/2012/main">
         <p15:guide id="1" orient="horz" pos="527">
           <p15:clr>
             <a:srgbClr val="A4A3A4"/>
@@ -168,7 +172,7 @@
       </p15:sldGuideLst>
     </p:ext>
     <p:ext uri="{2D200454-40CA-4A62-9FC3-DE9A4176ACB9}">
-      <p15:notesGuideLst xmlns:p15="http://schemas.microsoft.com/office/powerpoint/2012/main" xmlns="">
+      <p15:notesGuideLst xmlns:p15="http://schemas.microsoft.com/office/powerpoint/2012/main">
         <p15:guide id="1" orient="horz" pos="2879">
           <p15:clr>
             <a:srgbClr val="A4A3A4"/>
@@ -18288,6 +18292,13 @@
   <p:clrMapOvr>
     <a:masterClrMapping/>
   </p:clrMapOvr>
+  <p:timing>
+    <p:tnLst>
+      <p:par>
+        <p:cTn id="1" dur="indefinite" restart="never" nodeType="tmRoot"/>
+      </p:par>
+    </p:tnLst>
+  </p:timing>
 </p:sld>
 </file>
 
@@ -18326,20 +18337,12 @@
           <a:lstStyle/>
           <a:p>
             <a:r>
+              <a:rPr lang="en-US" altLang="ko-KR" dirty="0" smtClean="0"/>
+              <a:t>Scalability – </a:t>
+            </a:r>
+            <a:r>
               <a:rPr lang="en-US" altLang="ko-KR" dirty="0" err="1" smtClean="0"/>
-              <a:t>Func</a:t>
-            </a:r>
-            <a:r>
-              <a:rPr lang="en-US" altLang="ko-KR" dirty="0" smtClean="0"/>
-              <a:t> </a:t>
-            </a:r>
-            <a:r>
-              <a:rPr lang="en-US" altLang="ko-KR" dirty="0" err="1" smtClean="0"/>
-              <a:t>Req</a:t>
-            </a:r>
-            <a:r>
-              <a:rPr lang="en-US" altLang="ko-KR" dirty="0" smtClean="0"/>
-              <a:t> - User defined rule</a:t>
+              <a:t>AddNode</a:t>
             </a:r>
             <a:endParaRPr lang="ko-KR" altLang="en-US" dirty="0"/>
           </a:p>
@@ -18366,26 +18369,8 @@
             </a:pPr>
             <a:r>
               <a:rPr lang="en-US" altLang="ko-KR" dirty="0" smtClean="0"/>
-              <a:t>Rule checking algorithm to add rules by user.</a:t>
-            </a:r>
-          </a:p>
-          <a:p>
-            <a:pPr marL="285750" indent="-285750">
-              <a:buFontTx/>
-              <a:buChar char="-"/>
-            </a:pPr>
-            <a:r>
-              <a:rPr lang="en-US" altLang="ko-KR" sz="1200" dirty="0" smtClean="0"/>
-              <a:t>Rule            := if {conditions} then {actions</a:t>
-            </a:r>
-            <a:r>
-              <a:rPr lang="en-US" altLang="ko-KR" dirty="0" smtClean="0"/>
-              <a:t>}</a:t>
-            </a:r>
-          </a:p>
-          <a:p>
-            <a:pPr marL="0" indent="0"/>
-            <a:endParaRPr lang="ko-KR" altLang="en-US" sz="1200" dirty="0"/>
+              <a:t>Add new node by User</a:t>
+            </a:r>
           </a:p>
         </p:txBody>
       </p:sp>
@@ -18408,6 +18393,337 @@
               <a:rPr lang="ko-KR" altLang="en-US" smtClean="0"/>
               <a:pPr/>
               <a:t>14</a:t>
+            </a:fld>
+            <a:r>
+              <a:rPr lang="en-US" altLang="ko-KR" smtClean="0"/>
+              <a:t>/50</a:t>
+            </a:r>
+            <a:endParaRPr lang="ko-KR" altLang="en-US" dirty="0"/>
+          </a:p>
+        </p:txBody>
+      </p:sp>
+      <p:pic>
+        <p:nvPicPr>
+          <p:cNvPr id="1026" name="Picture 2"/>
+          <p:cNvPicPr>
+            <a:picLocks noChangeAspect="1" noChangeArrowheads="1"/>
+          </p:cNvPicPr>
+          <p:nvPr/>
+        </p:nvPicPr>
+        <p:blipFill>
+          <a:blip r:embed="rId2">
+            <a:extLst>
+              <a:ext uri="{28A0092B-C50C-407E-A947-70E740481C1C}">
+                <a14:useLocalDpi xmlns:a14="http://schemas.microsoft.com/office/drawing/2010/main" val="0"/>
+              </a:ext>
+            </a:extLst>
+          </a:blip>
+          <a:srcRect/>
+          <a:stretch>
+            <a:fillRect/>
+          </a:stretch>
+        </p:blipFill>
+        <p:spPr bwMode="auto">
+          <a:xfrm>
+            <a:off x="475786" y="1268760"/>
+            <a:ext cx="8199902" cy="4829954"/>
+          </a:xfrm>
+          <a:prstGeom prst="rect">
+            <a:avLst/>
+          </a:prstGeom>
+          <a:noFill/>
+          <a:extLst>
+            <a:ext uri="{909E8E84-426E-40DD-AFC4-6F175D3DCCD1}">
+              <a14:hiddenFill xmlns:a14="http://schemas.microsoft.com/office/drawing/2010/main">
+                <a:solidFill>
+                  <a:srgbClr val="FFFFFF"/>
+                </a:solidFill>
+              </a14:hiddenFill>
+            </a:ext>
+          </a:extLst>
+        </p:spPr>
+      </p:pic>
+    </p:spTree>
+    <p:extLst>
+      <p:ext uri="{BB962C8B-B14F-4D97-AF65-F5344CB8AC3E}">
+        <p14:creationId xmlns:p14="http://schemas.microsoft.com/office/powerpoint/2010/main" val="1335988186"/>
+      </p:ext>
+    </p:extLst>
+  </p:cSld>
+  <p:clrMapOvr>
+    <a:masterClrMapping/>
+  </p:clrMapOvr>
+  <p:timing>
+    <p:tnLst>
+      <p:par>
+        <p:cTn id="1" dur="indefinite" restart="never" nodeType="tmRoot"/>
+      </p:par>
+    </p:tnLst>
+  </p:timing>
+</p:sld>
+</file>
+
+<file path=ppt/slides/slide15.xml><?xml version="1.0" encoding="utf-8"?>
+<p:sld xmlns:a="http://schemas.openxmlformats.org/drawingml/2006/main" xmlns:r="http://schemas.openxmlformats.org/officeDocument/2006/relationships" xmlns:p="http://schemas.openxmlformats.org/presentationml/2006/main">
+  <p:cSld>
+    <p:spTree>
+      <p:nvGrpSpPr>
+        <p:cNvPr id="1" name=""/>
+        <p:cNvGrpSpPr/>
+        <p:nvPr/>
+      </p:nvGrpSpPr>
+      <p:grpSpPr>
+        <a:xfrm>
+          <a:off x="0" y="0"/>
+          <a:ext cx="0" cy="0"/>
+          <a:chOff x="0" y="0"/>
+          <a:chExt cx="0" cy="0"/>
+        </a:xfrm>
+      </p:grpSpPr>
+      <p:sp>
+        <p:nvSpPr>
+          <p:cNvPr id="2" name="제목 1"/>
+          <p:cNvSpPr>
+            <a:spLocks noGrp="1"/>
+          </p:cNvSpPr>
+          <p:nvPr>
+            <p:ph type="title"/>
+          </p:nvPr>
+        </p:nvSpPr>
+        <p:spPr/>
+        <p:txBody>
+          <a:bodyPr>
+            <a:normAutofit fontScale="90000"/>
+          </a:bodyPr>
+          <a:lstStyle/>
+          <a:p>
+            <a:r>
+              <a:rPr lang="en-US" altLang="ko-KR" dirty="0" smtClean="0"/>
+              <a:t>Scalability – </a:t>
+            </a:r>
+            <a:r>
+              <a:rPr lang="en-US" altLang="ko-KR" dirty="0" err="1" smtClean="0"/>
+              <a:t>RemoveNode</a:t>
+            </a:r>
+            <a:endParaRPr lang="ko-KR" altLang="en-US" dirty="0"/>
+          </a:p>
+        </p:txBody>
+      </p:sp>
+      <p:sp>
+        <p:nvSpPr>
+          <p:cNvPr id="3" name="텍스트 개체 틀 2"/>
+          <p:cNvSpPr>
+            <a:spLocks noGrp="1"/>
+          </p:cNvSpPr>
+          <p:nvPr>
+            <p:ph type="body" sz="quarter" idx="10"/>
+          </p:nvPr>
+        </p:nvSpPr>
+        <p:spPr/>
+        <p:txBody>
+          <a:bodyPr/>
+          <a:lstStyle/>
+          <a:p>
+            <a:pPr marL="285750" indent="-285750">
+              <a:buFontTx/>
+              <a:buChar char="-"/>
+            </a:pPr>
+            <a:r>
+              <a:rPr lang="en-US" altLang="ko-KR" dirty="0" smtClean="0"/>
+              <a:t>Remove node by User</a:t>
+            </a:r>
+          </a:p>
+        </p:txBody>
+      </p:sp>
+      <p:sp>
+        <p:nvSpPr>
+          <p:cNvPr id="4" name="슬라이드 번호 개체 틀 3"/>
+          <p:cNvSpPr>
+            <a:spLocks noGrp="1"/>
+          </p:cNvSpPr>
+          <p:nvPr>
+            <p:ph type="sldNum" sz="quarter" idx="11"/>
+          </p:nvPr>
+        </p:nvSpPr>
+        <p:spPr/>
+        <p:txBody>
+          <a:bodyPr/>
+          <a:lstStyle/>
+          <a:p>
+            <a:fld id="{887F5A62-5D57-4BBA-9485-2C5A6728F77D}" type="slidenum">
+              <a:rPr lang="ko-KR" altLang="en-US" smtClean="0"/>
+              <a:pPr/>
+              <a:t>15</a:t>
+            </a:fld>
+            <a:r>
+              <a:rPr lang="en-US" altLang="ko-KR" smtClean="0"/>
+              <a:t>/50</a:t>
+            </a:r>
+            <a:endParaRPr lang="ko-KR" altLang="en-US" dirty="0"/>
+          </a:p>
+        </p:txBody>
+      </p:sp>
+      <p:pic>
+        <p:nvPicPr>
+          <p:cNvPr id="5" name="그림 4"/>
+          <p:cNvPicPr>
+            <a:picLocks noChangeAspect="1"/>
+          </p:cNvPicPr>
+          <p:nvPr/>
+        </p:nvPicPr>
+        <p:blipFill>
+          <a:blip r:embed="rId2"/>
+          <a:stretch>
+            <a:fillRect/>
+          </a:stretch>
+        </p:blipFill>
+        <p:spPr>
+          <a:xfrm>
+            <a:off x="456843" y="1340768"/>
+            <a:ext cx="8230313" cy="4846740"/>
+          </a:xfrm>
+          <a:prstGeom prst="rect">
+            <a:avLst/>
+          </a:prstGeom>
+        </p:spPr>
+      </p:pic>
+    </p:spTree>
+    <p:extLst>
+      <p:ext uri="{BB962C8B-B14F-4D97-AF65-F5344CB8AC3E}">
+        <p14:creationId xmlns:p14="http://schemas.microsoft.com/office/powerpoint/2010/main" val="1861498841"/>
+      </p:ext>
+    </p:extLst>
+  </p:cSld>
+  <p:clrMapOvr>
+    <a:masterClrMapping/>
+  </p:clrMapOvr>
+  <p:timing>
+    <p:tnLst>
+      <p:par>
+        <p:cTn id="1" dur="indefinite" restart="never" nodeType="tmRoot"/>
+      </p:par>
+    </p:tnLst>
+  </p:timing>
+</p:sld>
+</file>
+
+<file path=ppt/slides/slide16.xml><?xml version="1.0" encoding="utf-8"?>
+<p:sld xmlns:a="http://schemas.openxmlformats.org/drawingml/2006/main" xmlns:r="http://schemas.openxmlformats.org/officeDocument/2006/relationships" xmlns:p="http://schemas.openxmlformats.org/presentationml/2006/main">
+  <p:cSld>
+    <p:spTree>
+      <p:nvGrpSpPr>
+        <p:cNvPr id="1" name=""/>
+        <p:cNvGrpSpPr/>
+        <p:nvPr/>
+      </p:nvGrpSpPr>
+      <p:grpSpPr>
+        <a:xfrm>
+          <a:off x="0" y="0"/>
+          <a:ext cx="0" cy="0"/>
+          <a:chOff x="0" y="0"/>
+          <a:chExt cx="0" cy="0"/>
+        </a:xfrm>
+      </p:grpSpPr>
+      <p:sp>
+        <p:nvSpPr>
+          <p:cNvPr id="2" name="제목 1"/>
+          <p:cNvSpPr>
+            <a:spLocks noGrp="1"/>
+          </p:cNvSpPr>
+          <p:nvPr>
+            <p:ph type="title"/>
+          </p:nvPr>
+        </p:nvSpPr>
+        <p:spPr/>
+        <p:txBody>
+          <a:bodyPr>
+            <a:normAutofit fontScale="90000"/>
+          </a:bodyPr>
+          <a:lstStyle/>
+          <a:p>
+            <a:r>
+              <a:rPr lang="en-US" altLang="ko-KR" dirty="0" err="1" smtClean="0"/>
+              <a:t>Func</a:t>
+            </a:r>
+            <a:r>
+              <a:rPr lang="en-US" altLang="ko-KR" dirty="0" smtClean="0"/>
+              <a:t> </a:t>
+            </a:r>
+            <a:r>
+              <a:rPr lang="en-US" altLang="ko-KR" dirty="0" err="1" smtClean="0"/>
+              <a:t>Req</a:t>
+            </a:r>
+            <a:r>
+              <a:rPr lang="en-US" altLang="ko-KR" dirty="0" smtClean="0"/>
+              <a:t> - User defined rule</a:t>
+            </a:r>
+            <a:endParaRPr lang="ko-KR" altLang="en-US" dirty="0"/>
+          </a:p>
+        </p:txBody>
+      </p:sp>
+      <p:sp>
+        <p:nvSpPr>
+          <p:cNvPr id="3" name="텍스트 개체 틀 2"/>
+          <p:cNvSpPr>
+            <a:spLocks noGrp="1"/>
+          </p:cNvSpPr>
+          <p:nvPr>
+            <p:ph type="body" sz="quarter" idx="10"/>
+          </p:nvPr>
+        </p:nvSpPr>
+        <p:spPr/>
+        <p:txBody>
+          <a:bodyPr/>
+          <a:lstStyle/>
+          <a:p>
+            <a:pPr marL="285750" indent="-285750">
+              <a:buFontTx/>
+              <a:buChar char="-"/>
+            </a:pPr>
+            <a:r>
+              <a:rPr lang="en-US" altLang="ko-KR" dirty="0" smtClean="0"/>
+              <a:t>Rule checking algorithm to add rules by user.</a:t>
+            </a:r>
+          </a:p>
+          <a:p>
+            <a:pPr marL="285750" indent="-285750">
+              <a:buFontTx/>
+              <a:buChar char="-"/>
+            </a:pPr>
+            <a:r>
+              <a:rPr lang="en-US" altLang="ko-KR" sz="1200" dirty="0" smtClean="0"/>
+              <a:t>Rule            := if {conditions} then {actions</a:t>
+            </a:r>
+            <a:r>
+              <a:rPr lang="en-US" altLang="ko-KR" dirty="0" smtClean="0"/>
+              <a:t>}</a:t>
+            </a:r>
+          </a:p>
+          <a:p>
+            <a:pPr marL="0" indent="0"/>
+            <a:endParaRPr lang="ko-KR" altLang="en-US" sz="1200" dirty="0"/>
+          </a:p>
+        </p:txBody>
+      </p:sp>
+      <p:sp>
+        <p:nvSpPr>
+          <p:cNvPr id="4" name="슬라이드 번호 개체 틀 3"/>
+          <p:cNvSpPr>
+            <a:spLocks noGrp="1"/>
+          </p:cNvSpPr>
+          <p:nvPr>
+            <p:ph type="sldNum" sz="quarter" idx="11"/>
+          </p:nvPr>
+        </p:nvSpPr>
+        <p:spPr/>
+        <p:txBody>
+          <a:bodyPr/>
+          <a:lstStyle/>
+          <a:p>
+            <a:fld id="{887F5A62-5D57-4BBA-9485-2C5A6728F77D}" type="slidenum">
+              <a:rPr lang="ko-KR" altLang="en-US" smtClean="0"/>
+              <a:pPr/>
+              <a:t>16</a:t>
             </a:fld>
             <a:r>
               <a:rPr lang="en-US" altLang="ko-KR" smtClean="0"/>
@@ -18468,6 +18784,13 @@
   <p:clrMapOvr>
     <a:masterClrMapping/>
   </p:clrMapOvr>
+  <p:timing>
+    <p:tnLst>
+      <p:par>
+        <p:cTn id="1" dur="indefinite" restart="never" nodeType="tmRoot"/>
+      </p:par>
+    </p:tnLst>
+  </p:timing>
 </p:sld>
 </file>
 

--- a/doc/Docs/IoT System Final Presentation_0624.pptx
+++ b/doc/Docs/IoT System Final Presentation_0624.pptx
@@ -140,7 +140,7 @@
   </p:defaultTextStyle>
   <p:extLst>
     <p:ext uri="{521415D9-36F7-43E2-AB2F-B90AF26B5E84}">
-      <p14:sectionLst xmlns:p14="http://schemas.microsoft.com/office/powerpoint/2010/main" xmlns="">
+      <p14:sectionLst xmlns="" xmlns:p14="http://schemas.microsoft.com/office/powerpoint/2010/main">
         <p14:section name="기본 구역" id="{8842BCD3-E84E-4C92-B413-F11C840B25B4}">
           <p14:sldIdLst>
             <p14:sldId id="256"/>
@@ -180,7 +180,7 @@
       </p14:sectionLst>
     </p:ext>
     <p:ext uri="{EFAFB233-063F-42B5-8137-9DF3F51BA10A}">
-      <p15:sldGuideLst xmlns:p15="http://schemas.microsoft.com/office/powerpoint/2012/main" xmlns="">
+      <p15:sldGuideLst xmlns="" xmlns:p15="http://schemas.microsoft.com/office/powerpoint/2012/main">
         <p15:guide id="1" orient="horz" pos="527">
           <p15:clr>
             <a:srgbClr val="A4A3A4"/>
@@ -204,7 +204,7 @@
       </p15:sldGuideLst>
     </p:ext>
     <p:ext uri="{2D200454-40CA-4A62-9FC3-DE9A4176ACB9}">
-      <p15:notesGuideLst xmlns:p15="http://schemas.microsoft.com/office/powerpoint/2012/main" xmlns="">
+      <p15:notesGuideLst xmlns="" xmlns:p15="http://schemas.microsoft.com/office/powerpoint/2012/main">
         <p15:guide id="1" orient="horz" pos="2879">
           <p15:clr>
             <a:srgbClr val="A4A3A4"/>
@@ -526,7 +526,7 @@
     </p:spTree>
     <p:extLst>
       <p:ext uri="{BB962C8B-B14F-4D97-AF65-F5344CB8AC3E}">
-        <p14:creationId xmlns:p14="http://schemas.microsoft.com/office/powerpoint/2010/main" xmlns="" val="222442409"/>
+        <p14:creationId xmlns="" xmlns:p14="http://schemas.microsoft.com/office/powerpoint/2010/main" val="222442409"/>
       </p:ext>
     </p:extLst>
   </p:cSld>
@@ -744,7 +744,7 @@
     </p:spTree>
     <p:extLst>
       <p:ext uri="{BB962C8B-B14F-4D97-AF65-F5344CB8AC3E}">
-        <p14:creationId xmlns:p14="http://schemas.microsoft.com/office/powerpoint/2010/main" xmlns="" val="2236349288"/>
+        <p14:creationId xmlns="" xmlns:p14="http://schemas.microsoft.com/office/powerpoint/2010/main" val="2236349288"/>
       </p:ext>
     </p:extLst>
   </p:cSld>
@@ -839,7 +839,7 @@
     </p:spTree>
     <p:extLst>
       <p:ext uri="{BB962C8B-B14F-4D97-AF65-F5344CB8AC3E}">
-        <p14:creationId xmlns:p14="http://schemas.microsoft.com/office/powerpoint/2010/main" xmlns="" val="1676336323"/>
+        <p14:creationId xmlns="" xmlns:p14="http://schemas.microsoft.com/office/powerpoint/2010/main" val="1676336323"/>
       </p:ext>
     </p:extLst>
   </p:cSld>
@@ -935,7 +935,7 @@
     </p:spTree>
     <p:extLst>
       <p:ext uri="{BB962C8B-B14F-4D97-AF65-F5344CB8AC3E}">
-        <p14:creationId xmlns:p14="http://schemas.microsoft.com/office/powerpoint/2010/main" xmlns="" val="2094294721"/>
+        <p14:creationId xmlns="" xmlns:p14="http://schemas.microsoft.com/office/powerpoint/2010/main" val="2094294721"/>
       </p:ext>
     </p:extLst>
   </p:cSld>
@@ -1052,7 +1052,7 @@
     </p:spTree>
     <p:extLst>
       <p:ext uri="{BB962C8B-B14F-4D97-AF65-F5344CB8AC3E}">
-        <p14:creationId xmlns:p14="http://schemas.microsoft.com/office/powerpoint/2010/main" xmlns="" val="1209005345"/>
+        <p14:creationId xmlns="" xmlns:p14="http://schemas.microsoft.com/office/powerpoint/2010/main" val="1209005345"/>
       </p:ext>
     </p:extLst>
   </p:cSld>
@@ -1147,7 +1147,7 @@
     </p:spTree>
     <p:extLst>
       <p:ext uri="{BB962C8B-B14F-4D97-AF65-F5344CB8AC3E}">
-        <p14:creationId xmlns:p14="http://schemas.microsoft.com/office/powerpoint/2010/main" xmlns="" val="1604449049"/>
+        <p14:creationId xmlns="" xmlns:p14="http://schemas.microsoft.com/office/powerpoint/2010/main" val="1604449049"/>
       </p:ext>
     </p:extLst>
   </p:cSld>
@@ -1242,7 +1242,7 @@
     </p:spTree>
     <p:extLst>
       <p:ext uri="{BB962C8B-B14F-4D97-AF65-F5344CB8AC3E}">
-        <p14:creationId xmlns:p14="http://schemas.microsoft.com/office/powerpoint/2010/main" xmlns="" val="1305784971"/>
+        <p14:creationId xmlns="" xmlns:p14="http://schemas.microsoft.com/office/powerpoint/2010/main" val="1305784971"/>
       </p:ext>
     </p:extLst>
   </p:cSld>
@@ -1337,7 +1337,7 @@
     </p:spTree>
     <p:extLst>
       <p:ext uri="{BB962C8B-B14F-4D97-AF65-F5344CB8AC3E}">
-        <p14:creationId xmlns:p14="http://schemas.microsoft.com/office/powerpoint/2010/main" xmlns="" val="1232454387"/>
+        <p14:creationId xmlns="" xmlns:p14="http://schemas.microsoft.com/office/powerpoint/2010/main" val="1232454387"/>
       </p:ext>
     </p:extLst>
   </p:cSld>
@@ -1432,7 +1432,7 @@
     </p:spTree>
     <p:extLst>
       <p:ext uri="{BB962C8B-B14F-4D97-AF65-F5344CB8AC3E}">
-        <p14:creationId xmlns:p14="http://schemas.microsoft.com/office/powerpoint/2010/main" xmlns="" val="678707963"/>
+        <p14:creationId xmlns="" xmlns:p14="http://schemas.microsoft.com/office/powerpoint/2010/main" val="678707963"/>
       </p:ext>
     </p:extLst>
   </p:cSld>
@@ -1547,7 +1547,7 @@
     </p:spTree>
     <p:extLst>
       <p:ext uri="{BB962C8B-B14F-4D97-AF65-F5344CB8AC3E}">
-        <p14:creationId xmlns:p14="http://schemas.microsoft.com/office/powerpoint/2010/main" xmlns="" val="509452361"/>
+        <p14:creationId xmlns="" xmlns:p14="http://schemas.microsoft.com/office/powerpoint/2010/main" val="509452361"/>
       </p:ext>
     </p:extLst>
   </p:cSld>
@@ -1586,7 +1586,7 @@
           <a:blip r:embed="rId3" cstate="print">
             <a:extLst>
               <a:ext uri="{28A0092B-C50C-407E-A947-70E740481C1C}">
-                <a14:useLocalDpi xmlns:a14="http://schemas.microsoft.com/office/drawing/2010/main" xmlns="" val="0"/>
+                <a14:useLocalDpi xmlns="" xmlns:a14="http://schemas.microsoft.com/office/drawing/2010/main" val="0"/>
               </a:ext>
             </a:extLst>
           </a:blip>
@@ -1606,7 +1606,7 @@
           <a:noFill/>
           <a:extLst>
             <a:ext uri="{909E8E84-426E-40DD-AFC4-6F175D3DCCD1}">
-              <a14:hiddenFill xmlns:a14="http://schemas.microsoft.com/office/drawing/2010/main" xmlns="">
+              <a14:hiddenFill xmlns="" xmlns:a14="http://schemas.microsoft.com/office/drawing/2010/main">
                 <a:solidFill>
                   <a:srgbClr val="FFFFFF"/>
                 </a:solidFill>
@@ -1782,7 +1782,7 @@
     </p:spTree>
     <p:extLst>
       <p:ext uri="{BB962C8B-B14F-4D97-AF65-F5344CB8AC3E}">
-        <p14:creationId xmlns:p14="http://schemas.microsoft.com/office/powerpoint/2010/main" xmlns="" val="3710351474"/>
+        <p14:creationId xmlns="" xmlns:p14="http://schemas.microsoft.com/office/powerpoint/2010/main" val="3710351474"/>
       </p:ext>
     </p:extLst>
   </p:cSld>
@@ -1962,7 +1962,7 @@
     </p:spTree>
     <p:extLst>
       <p:ext uri="{BB962C8B-B14F-4D97-AF65-F5344CB8AC3E}">
-        <p14:creationId xmlns:p14="http://schemas.microsoft.com/office/powerpoint/2010/main" xmlns="" val="649258608"/>
+        <p14:creationId xmlns="" xmlns:p14="http://schemas.microsoft.com/office/powerpoint/2010/main" val="649258608"/>
       </p:ext>
     </p:extLst>
   </p:cSld>
@@ -2247,7 +2247,7 @@
     </p:spTree>
     <p:extLst>
       <p:ext uri="{BB962C8B-B14F-4D97-AF65-F5344CB8AC3E}">
-        <p14:creationId xmlns:p14="http://schemas.microsoft.com/office/powerpoint/2010/main" xmlns="" val="3111295960"/>
+        <p14:creationId xmlns="" xmlns:p14="http://schemas.microsoft.com/office/powerpoint/2010/main" val="3111295960"/>
       </p:ext>
     </p:extLst>
   </p:cSld>
@@ -2298,7 +2298,7 @@
           <a:blip r:embed="rId4" cstate="print">
             <a:extLst>
               <a:ext uri="{28A0092B-C50C-407E-A947-70E740481C1C}">
-                <a14:useLocalDpi xmlns:a14="http://schemas.microsoft.com/office/drawing/2010/main" xmlns="" val="0"/>
+                <a14:useLocalDpi xmlns="" xmlns:a14="http://schemas.microsoft.com/office/drawing/2010/main" val="0"/>
               </a:ext>
             </a:extLst>
           </a:blip>
@@ -2321,14 +2321,14 @@
           </a:ln>
           <a:extLst>
             <a:ext uri="{909E8E84-426E-40DD-AFC4-6F175D3DCCD1}">
-              <a14:hiddenFill xmlns:a14="http://schemas.microsoft.com/office/drawing/2010/main" xmlns="">
+              <a14:hiddenFill xmlns="" xmlns:a14="http://schemas.microsoft.com/office/drawing/2010/main">
                 <a:solidFill>
                   <a:srgbClr val="FFFFFF"/>
                 </a:solidFill>
               </a14:hiddenFill>
             </a:ext>
             <a:ext uri="{91240B29-F687-4F45-9708-019B960494DF}">
-              <a14:hiddenLine xmlns:a14="http://schemas.microsoft.com/office/drawing/2010/main" xmlns="" w="9525">
+              <a14:hiddenLine xmlns="" xmlns:a14="http://schemas.microsoft.com/office/drawing/2010/main" w="9525">
                 <a:solidFill>
                   <a:srgbClr val="000000"/>
                 </a:solidFill>
@@ -2536,7 +2536,7 @@
     </p:spTree>
     <p:extLst>
       <p:ext uri="{BB962C8B-B14F-4D97-AF65-F5344CB8AC3E}">
-        <p14:creationId xmlns:p14="http://schemas.microsoft.com/office/powerpoint/2010/main" xmlns="" val="1490943514"/>
+        <p14:creationId xmlns="" xmlns:p14="http://schemas.microsoft.com/office/powerpoint/2010/main" val="1490943514"/>
       </p:ext>
     </p:extLst>
   </p:cSld>
@@ -2646,7 +2646,7 @@
     </p:spTree>
     <p:extLst>
       <p:ext uri="{BB962C8B-B14F-4D97-AF65-F5344CB8AC3E}">
-        <p14:creationId xmlns:p14="http://schemas.microsoft.com/office/powerpoint/2010/main" xmlns="" val="144777068"/>
+        <p14:creationId xmlns="" xmlns:p14="http://schemas.microsoft.com/office/powerpoint/2010/main" val="144777068"/>
       </p:ext>
     </p:extLst>
   </p:cSld>
@@ -2895,7 +2895,7 @@
           <a:blip r:embed="rId9" cstate="print">
             <a:extLst>
               <a:ext uri="{28A0092B-C50C-407E-A947-70E740481C1C}">
-                <a14:useLocalDpi xmlns:a14="http://schemas.microsoft.com/office/drawing/2010/main" xmlns="" val="0"/>
+                <a14:useLocalDpi xmlns="" xmlns:a14="http://schemas.microsoft.com/office/drawing/2010/main" val="0"/>
               </a:ext>
             </a:extLst>
           </a:blip>
@@ -2915,7 +2915,7 @@
           <a:noFill/>
           <a:extLst>
             <a:ext uri="{909E8E84-426E-40DD-AFC4-6F175D3DCCD1}">
-              <a14:hiddenFill xmlns:a14="http://schemas.microsoft.com/office/drawing/2010/main" xmlns="">
+              <a14:hiddenFill xmlns="" xmlns:a14="http://schemas.microsoft.com/office/drawing/2010/main">
                 <a:solidFill>
                   <a:srgbClr val="FFFFFF"/>
                 </a:solidFill>
@@ -2927,7 +2927,7 @@
     </p:spTree>
     <p:extLst>
       <p:ext uri="{BB962C8B-B14F-4D97-AF65-F5344CB8AC3E}">
-        <p14:creationId xmlns:p14="http://schemas.microsoft.com/office/powerpoint/2010/main" xmlns="" val="117676409"/>
+        <p14:creationId xmlns="" xmlns:p14="http://schemas.microsoft.com/office/powerpoint/2010/main" val="117676409"/>
       </p:ext>
     </p:extLst>
   </p:cSld>
@@ -3347,14 +3347,14 @@
           </a:ln>
           <a:extLst>
             <a:ext uri="{909E8E84-426E-40DD-AFC4-6F175D3DCCD1}">
-              <a14:hiddenFill xmlns:a14="http://schemas.microsoft.com/office/drawing/2010/main" xmlns="">
+              <a14:hiddenFill xmlns="" xmlns:a14="http://schemas.microsoft.com/office/drawing/2010/main">
                 <a:solidFill>
                   <a:srgbClr val="FFFFFF"/>
                 </a:solidFill>
               </a14:hiddenFill>
             </a:ext>
             <a:ext uri="{91240B29-F687-4F45-9708-019B960494DF}">
-              <a14:hiddenLine xmlns:a14="http://schemas.microsoft.com/office/drawing/2010/main" xmlns="" w="9525">
+              <a14:hiddenLine xmlns="" xmlns:a14="http://schemas.microsoft.com/office/drawing/2010/main" w="9525">
                 <a:solidFill>
                   <a:srgbClr val="000000"/>
                 </a:solidFill>
@@ -3512,7 +3512,7 @@
     </p:spTree>
     <p:extLst>
       <p:ext uri="{BB962C8B-B14F-4D97-AF65-F5344CB8AC3E}">
-        <p14:creationId xmlns:p14="http://schemas.microsoft.com/office/powerpoint/2010/main" xmlns="" val="1574382364"/>
+        <p14:creationId xmlns="" xmlns:p14="http://schemas.microsoft.com/office/powerpoint/2010/main" val="1574382364"/>
       </p:ext>
     </p:extLst>
   </p:cSld>
@@ -3768,7 +3768,7 @@
     </p:spTree>
     <p:extLst>
       <p:ext uri="{BB962C8B-B14F-4D97-AF65-F5344CB8AC3E}">
-        <p14:creationId xmlns:p14="http://schemas.microsoft.com/office/powerpoint/2010/main" xmlns="" val="1088396269"/>
+        <p14:creationId xmlns="" xmlns:p14="http://schemas.microsoft.com/office/powerpoint/2010/main" val="1088396269"/>
       </p:ext>
     </p:extLst>
   </p:cSld>
@@ -4802,7 +4802,7 @@
           <a:blip r:embed="rId2" cstate="print">
             <a:extLst>
               <a:ext uri="{28A0092B-C50C-407E-A947-70E740481C1C}">
-                <a14:useLocalDpi xmlns:a14="http://schemas.microsoft.com/office/drawing/2010/main" xmlns="" val="0"/>
+                <a14:useLocalDpi xmlns="" xmlns:a14="http://schemas.microsoft.com/office/drawing/2010/main" val="0"/>
               </a:ext>
             </a:extLst>
           </a:blip>
@@ -4820,7 +4820,7 @@
           <a:noFill/>
           <a:extLst>
             <a:ext uri="{909E8E84-426E-40DD-AFC4-6F175D3DCCD1}">
-              <a14:hiddenFill xmlns:a14="http://schemas.microsoft.com/office/drawing/2010/main" xmlns="">
+              <a14:hiddenFill xmlns="" xmlns:a14="http://schemas.microsoft.com/office/drawing/2010/main">
                 <a:solidFill>
                   <a:srgbClr val="FFFFFF"/>
                 </a:solidFill>
@@ -4924,7 +4924,7 @@
           <a:blip r:embed="rId3" cstate="print">
             <a:extLst>
               <a:ext uri="{28A0092B-C50C-407E-A947-70E740481C1C}">
-                <a14:useLocalDpi xmlns:a14="http://schemas.microsoft.com/office/drawing/2010/main" xmlns="" val="0"/>
+                <a14:useLocalDpi xmlns="" xmlns:a14="http://schemas.microsoft.com/office/drawing/2010/main" val="0"/>
               </a:ext>
             </a:extLst>
           </a:blip>
@@ -4942,7 +4942,7 @@
           <a:noFill/>
           <a:extLst>
             <a:ext uri="{909E8E84-426E-40DD-AFC4-6F175D3DCCD1}">
-              <a14:hiddenFill xmlns:a14="http://schemas.microsoft.com/office/drawing/2010/main" xmlns="">
+              <a14:hiddenFill xmlns="" xmlns:a14="http://schemas.microsoft.com/office/drawing/2010/main">
                 <a:solidFill>
                   <a:srgbClr val="FFFFFF"/>
                 </a:solidFill>
@@ -5032,7 +5032,7 @@
             </a:clrChange>
             <a:extLst>
               <a:ext uri="{28A0092B-C50C-407E-A947-70E740481C1C}">
-                <a14:useLocalDpi xmlns:a14="http://schemas.microsoft.com/office/drawing/2010/main" xmlns="" val="0"/>
+                <a14:useLocalDpi xmlns="" xmlns:a14="http://schemas.microsoft.com/office/drawing/2010/main" val="0"/>
               </a:ext>
             </a:extLst>
           </a:blip>
@@ -5050,7 +5050,7 @@
           <a:noFill/>
           <a:extLst>
             <a:ext uri="{909E8E84-426E-40DD-AFC4-6F175D3DCCD1}">
-              <a14:hiddenFill xmlns:a14="http://schemas.microsoft.com/office/drawing/2010/main" xmlns="">
+              <a14:hiddenFill xmlns="" xmlns:a14="http://schemas.microsoft.com/office/drawing/2010/main">
                 <a:solidFill>
                   <a:srgbClr val="FFFFFF"/>
                 </a:solidFill>
@@ -6206,7 +6206,7 @@
             </a:clrChange>
             <a:extLst>
               <a:ext uri="{28A0092B-C50C-407E-A947-70E740481C1C}">
-                <a14:useLocalDpi xmlns:a14="http://schemas.microsoft.com/office/drawing/2010/main" xmlns="" val="0"/>
+                <a14:useLocalDpi xmlns="" xmlns:a14="http://schemas.microsoft.com/office/drawing/2010/main" val="0"/>
               </a:ext>
             </a:extLst>
           </a:blip>
@@ -6224,7 +6224,7 @@
           <a:noFill/>
           <a:extLst>
             <a:ext uri="{909E8E84-426E-40DD-AFC4-6F175D3DCCD1}">
-              <a14:hiddenFill xmlns:a14="http://schemas.microsoft.com/office/drawing/2010/main" xmlns="">
+              <a14:hiddenFill xmlns="" xmlns:a14="http://schemas.microsoft.com/office/drawing/2010/main">
                 <a:solidFill>
                   <a:srgbClr val="FFFFFF"/>
                 </a:solidFill>
@@ -7098,7 +7098,7 @@
           <a:blip r:embed="rId5" cstate="print">
             <a:extLst>
               <a:ext uri="{28A0092B-C50C-407E-A947-70E740481C1C}">
-                <a14:useLocalDpi xmlns:a14="http://schemas.microsoft.com/office/drawing/2010/main" xmlns="" val="0"/>
+                <a14:useLocalDpi xmlns="" xmlns:a14="http://schemas.microsoft.com/office/drawing/2010/main" val="0"/>
               </a:ext>
             </a:extLst>
           </a:blip>
@@ -7116,7 +7116,7 @@
           <a:noFill/>
           <a:extLst>
             <a:ext uri="{909E8E84-426E-40DD-AFC4-6F175D3DCCD1}">
-              <a14:hiddenFill xmlns:a14="http://schemas.microsoft.com/office/drawing/2010/main" xmlns="">
+              <a14:hiddenFill xmlns="" xmlns:a14="http://schemas.microsoft.com/office/drawing/2010/main">
                 <a:solidFill>
                   <a:srgbClr val="FFFFFF"/>
                 </a:solidFill>
@@ -7340,7 +7340,7 @@
     </p:spTree>
     <p:extLst>
       <p:ext uri="{BB962C8B-B14F-4D97-AF65-F5344CB8AC3E}">
-        <p14:creationId xmlns:p14="http://schemas.microsoft.com/office/powerpoint/2010/main" xmlns="" val="4029852609"/>
+        <p14:creationId xmlns="" xmlns:p14="http://schemas.microsoft.com/office/powerpoint/2010/main" val="4029852609"/>
       </p:ext>
     </p:extLst>
   </p:cSld>
@@ -7429,54 +7429,6 @@
       </p:sp>
       <p:sp>
         <p:nvSpPr>
-          <p:cNvPr id="8" name="직사각형 7"/>
-          <p:cNvSpPr/>
-          <p:nvPr/>
-        </p:nvSpPr>
-        <p:spPr>
-          <a:xfrm>
-            <a:off x="466725" y="908720"/>
-            <a:ext cx="8208964" cy="5040560"/>
-          </a:xfrm>
-          <a:prstGeom prst="rect">
-            <a:avLst/>
-          </a:prstGeom>
-          <a:solidFill>
-            <a:schemeClr val="bg1"/>
-          </a:solidFill>
-          <a:ln w="9525">
-            <a:solidFill>
-              <a:schemeClr val="tx1"/>
-            </a:solidFill>
-          </a:ln>
-        </p:spPr>
-        <p:style>
-          <a:lnRef idx="2">
-            <a:schemeClr val="accent1">
-              <a:shade val="50000"/>
-            </a:schemeClr>
-          </a:lnRef>
-          <a:fillRef idx="1">
-            <a:schemeClr val="accent1"/>
-          </a:fillRef>
-          <a:effectRef idx="0">
-            <a:schemeClr val="accent1"/>
-          </a:effectRef>
-          <a:fontRef idx="minor">
-            <a:schemeClr val="lt1"/>
-          </a:fontRef>
-        </p:style>
-        <p:txBody>
-          <a:bodyPr rtlCol="0" anchor="ctr"/>
-          <a:lstStyle/>
-          <a:p>
-            <a:pPr algn="ctr"/>
-            <a:endParaRPr lang="ko-KR" altLang="en-US"/>
-          </a:p>
-        </p:txBody>
-      </p:sp>
-      <p:sp>
-        <p:nvSpPr>
           <p:cNvPr id="2" name="제목 1"/>
           <p:cNvSpPr>
             <a:spLocks noGrp="1"/>
@@ -7853,7 +7805,7 @@
         </p:nvSpPr>
         <p:spPr>
           <a:xfrm>
-            <a:off x="971600" y="2781027"/>
+            <a:off x="971600" y="2780928"/>
             <a:ext cx="5544616" cy="288032"/>
           </a:xfrm>
           <a:prstGeom prst="rect">
@@ -7905,8 +7857,37 @@
                 <a:latin typeface="+mn-ea"/>
                 <a:cs typeface="+mn-cs"/>
               </a:rPr>
-              <a:t>E v e n t    B u s</a:t>
-            </a:r>
+              <a:t>E v e n t   </a:t>
+            </a:r>
+            <a:r>
+              <a:rPr kumimoji="0" lang="en-US" altLang="ko-KR" sz="1000" b="0" i="0" u="none" strike="noStrike" kern="0" cap="none" spc="0" normalizeH="0" baseline="0" noProof="0" dirty="0" smtClean="0">
+                <a:ln>
+                  <a:noFill/>
+                </a:ln>
+                <a:solidFill>
+                  <a:sysClr val="window" lastClr="FFFFFF"/>
+                </a:solidFill>
+                <a:effectLst/>
+                <a:uLnTx/>
+                <a:uFillTx/>
+                <a:latin typeface="+mn-ea"/>
+                <a:cs typeface="+mn-cs"/>
+              </a:rPr>
+              <a:t>B u s  +  J S O N</a:t>
+            </a:r>
+            <a:endParaRPr kumimoji="0" lang="en-US" altLang="ko-KR" sz="1000" b="0" i="0" u="none" strike="noStrike" kern="0" cap="none" spc="0" normalizeH="0" baseline="0" noProof="0" dirty="0" smtClean="0">
+              <a:ln>
+                <a:noFill/>
+              </a:ln>
+              <a:solidFill>
+                <a:sysClr val="window" lastClr="FFFFFF"/>
+              </a:solidFill>
+              <a:effectLst/>
+              <a:uLnTx/>
+              <a:uFillTx/>
+              <a:latin typeface="+mn-ea"/>
+              <a:cs typeface="+mn-cs"/>
+            </a:endParaRPr>
           </a:p>
         </p:txBody>
       </p:sp>
@@ -8079,7 +8060,7 @@
         <p:spPr>
           <a:xfrm>
             <a:off x="2843808" y="2204963"/>
-            <a:ext cx="936104" cy="288032"/>
+            <a:ext cx="1008112" cy="288032"/>
           </a:xfrm>
           <a:prstGeom prst="rect">
             <a:avLst/>
@@ -8273,8 +8254,8 @@
         </p:nvSpPr>
         <p:spPr>
           <a:xfrm>
-            <a:off x="1763880" y="1448939"/>
-            <a:ext cx="792000" cy="396000"/>
+            <a:off x="1763688" y="1448939"/>
+            <a:ext cx="647880" cy="396000"/>
           </a:xfrm>
           <a:prstGeom prst="can">
             <a:avLst/>
@@ -8353,8 +8334,8 @@
         </p:nvSpPr>
         <p:spPr>
           <a:xfrm>
-            <a:off x="2915816" y="1448939"/>
-            <a:ext cx="792000" cy="396000"/>
+            <a:off x="2483768" y="1448939"/>
+            <a:ext cx="648072" cy="396000"/>
           </a:xfrm>
           <a:prstGeom prst="can">
             <a:avLst/>
@@ -8490,91 +8471,13 @@
       </p:sp>
       <p:sp>
         <p:nvSpPr>
-          <p:cNvPr id="301" name="직사각형 300"/>
-          <p:cNvSpPr/>
-          <p:nvPr/>
-        </p:nvSpPr>
-        <p:spPr>
-          <a:xfrm>
-            <a:off x="1115616" y="4365203"/>
-            <a:ext cx="2016224" cy="288032"/>
-          </a:xfrm>
-          <a:prstGeom prst="rect">
-            <a:avLst/>
-          </a:prstGeom>
-          <a:solidFill>
-            <a:srgbClr val="FFFF00"/>
-          </a:solidFill>
-          <a:ln w="6350" cap="flat" cmpd="sng" algn="ctr">
-            <a:solidFill>
-              <a:sysClr val="windowText" lastClr="000000"/>
-            </a:solidFill>
-            <a:prstDash val="solid"/>
-          </a:ln>
-          <a:effectLst/>
-        </p:spPr>
-        <p:txBody>
-          <a:bodyPr rtlCol="0" anchor="ctr"/>
-          <a:lstStyle/>
-          <a:p>
-            <a:pPr marL="0" marR="0" lvl="0" indent="0" algn="ctr" defTabSz="914400" eaLnBrk="1" fontAlgn="auto" latinLnBrk="0" hangingPunct="1">
-              <a:lnSpc>
-                <a:spcPct val="100000"/>
-              </a:lnSpc>
-              <a:spcBef>
-                <a:spcPts val="0"/>
-              </a:spcBef>
-              <a:spcAft>
-                <a:spcPts val="0"/>
-              </a:spcAft>
-              <a:buClrTx/>
-              <a:buSzTx/>
-              <a:buFontTx/>
-              <a:buNone/>
-              <a:tabLst/>
-              <a:defRPr/>
-            </a:pPr>
-            <a:r>
-              <a:rPr kumimoji="0" lang="en-US" altLang="ko-KR" sz="800" b="0" i="0" u="none" strike="noStrike" kern="0" cap="none" spc="0" normalizeH="0" baseline="0" noProof="0" dirty="0" smtClean="0">
-                <a:ln>
-                  <a:noFill/>
-                </a:ln>
-                <a:solidFill>
-                  <a:sysClr val="windowText" lastClr="000000"/>
-                </a:solidFill>
-                <a:effectLst/>
-                <a:uLnTx/>
-                <a:uFillTx/>
-                <a:latin typeface="+mn-ea"/>
-                <a:cs typeface="+mn-cs"/>
-              </a:rPr>
-              <a:t>Link</a:t>
-            </a:r>
-            <a:endParaRPr kumimoji="0" lang="ko-KR" altLang="en-US" sz="800" b="0" i="0" u="none" strike="noStrike" kern="0" cap="none" spc="0" normalizeH="0" baseline="0" noProof="0" dirty="0">
-              <a:ln>
-                <a:noFill/>
-              </a:ln>
-              <a:solidFill>
-                <a:sysClr val="windowText" lastClr="000000"/>
-              </a:solidFill>
-              <a:effectLst/>
-              <a:uLnTx/>
-              <a:uFillTx/>
-              <a:latin typeface="+mn-ea"/>
-              <a:cs typeface="+mn-cs"/>
-            </a:endParaRPr>
-          </a:p>
-        </p:txBody>
-      </p:sp>
-      <p:sp>
-        <p:nvSpPr>
           <p:cNvPr id="302" name="TextBox 301"/>
           <p:cNvSpPr txBox="1"/>
           <p:nvPr/>
         </p:nvSpPr>
         <p:spPr>
           <a:xfrm>
-            <a:off x="6588224" y="2204963"/>
+            <a:off x="6804248" y="1772817"/>
             <a:ext cx="360040" cy="215444"/>
           </a:xfrm>
           <a:prstGeom prst="rect">
@@ -8643,7 +8546,7 @@
         </p:nvSpPr>
         <p:spPr>
           <a:xfrm>
-            <a:off x="7236296" y="2204963"/>
+            <a:off x="7452320" y="1772817"/>
             <a:ext cx="360040" cy="215444"/>
           </a:xfrm>
           <a:prstGeom prst="rect">
@@ -8712,8 +8615,8 @@
         </p:nvSpPr>
         <p:spPr>
           <a:xfrm>
-            <a:off x="6588224" y="2132955"/>
-            <a:ext cx="1728192" cy="3528392"/>
+            <a:off x="6804248" y="1484784"/>
+            <a:ext cx="1728192" cy="4032350"/>
           </a:xfrm>
           <a:prstGeom prst="rect">
             <a:avLst/>
@@ -8772,7 +8675,7 @@
         </p:nvSpPr>
         <p:spPr>
           <a:xfrm>
-            <a:off x="6732240" y="2708439"/>
+            <a:off x="6948264" y="2276293"/>
             <a:ext cx="1512168" cy="215444"/>
           </a:xfrm>
           <a:prstGeom prst="rect">
@@ -9479,7 +9382,65 @@
         </p:nvSpPr>
         <p:spPr>
           <a:xfrm>
-            <a:off x="3347864" y="1772915"/>
+            <a:off x="2843808" y="1772915"/>
+            <a:ext cx="72008" cy="72008"/>
+          </a:xfrm>
+          <a:prstGeom prst="rect">
+            <a:avLst/>
+          </a:prstGeom>
+          <a:noFill/>
+          <a:ln w="25400" cap="flat" cmpd="sng" algn="ctr">
+            <a:noFill/>
+            <a:prstDash val="solid"/>
+          </a:ln>
+          <a:effectLst/>
+        </p:spPr>
+        <p:txBody>
+          <a:bodyPr rtlCol="0" anchor="ctr"/>
+          <a:lstStyle/>
+          <a:p>
+            <a:pPr marL="0" marR="0" lvl="0" indent="0" algn="ctr" defTabSz="914400" eaLnBrk="1" fontAlgn="auto" latinLnBrk="0" hangingPunct="1">
+              <a:lnSpc>
+                <a:spcPct val="100000"/>
+              </a:lnSpc>
+              <a:spcBef>
+                <a:spcPts val="0"/>
+              </a:spcBef>
+              <a:spcAft>
+                <a:spcPts val="0"/>
+              </a:spcAft>
+              <a:buClrTx/>
+              <a:buSzTx/>
+              <a:buFontTx/>
+              <a:buNone/>
+              <a:tabLst/>
+              <a:defRPr/>
+            </a:pPr>
+            <a:endParaRPr kumimoji="0" lang="ko-KR" altLang="en-US" sz="800" i="0" u="none" strike="noStrike" kern="0" cap="none" spc="0" normalizeH="0" baseline="0" noProof="0">
+              <a:ln>
+                <a:noFill/>
+              </a:ln>
+              <a:solidFill>
+                <a:sysClr val="window" lastClr="FFFFFF"/>
+              </a:solidFill>
+              <a:effectLst/>
+              <a:uLnTx/>
+              <a:uFillTx/>
+              <a:latin typeface="+mn-ea"/>
+              <a:cs typeface="+mn-cs"/>
+            </a:endParaRPr>
+          </a:p>
+        </p:txBody>
+      </p:sp>
+      <p:sp>
+        <p:nvSpPr>
+          <p:cNvPr id="318" name="직사각형 317"/>
+          <p:cNvSpPr/>
+          <p:nvPr/>
+        </p:nvSpPr>
+        <p:spPr>
+          <a:xfrm>
+            <a:off x="3059832" y="2204963"/>
             <a:ext cx="72008" cy="72008"/>
           </a:xfrm>
           <a:prstGeom prst="rect">
@@ -9531,13 +9492,13 @@
       </p:sp>
       <p:sp>
         <p:nvSpPr>
-          <p:cNvPr id="318" name="직사각형 317"/>
+          <p:cNvPr id="319" name="직사각형 318"/>
           <p:cNvSpPr/>
           <p:nvPr/>
         </p:nvSpPr>
         <p:spPr>
           <a:xfrm>
-            <a:off x="3491880" y="2204963"/>
+            <a:off x="2483768" y="2204963"/>
             <a:ext cx="72008" cy="72008"/>
           </a:xfrm>
           <a:prstGeom prst="rect">
@@ -9589,13 +9550,71 @@
       </p:sp>
       <p:sp>
         <p:nvSpPr>
-          <p:cNvPr id="319" name="직사각형 318"/>
+          <p:cNvPr id="320" name="직사각형 319"/>
           <p:cNvSpPr/>
           <p:nvPr/>
         </p:nvSpPr>
         <p:spPr>
           <a:xfrm>
-            <a:off x="2483768" y="2204963"/>
+            <a:off x="2699792" y="1772915"/>
+            <a:ext cx="72008" cy="72008"/>
+          </a:xfrm>
+          <a:prstGeom prst="rect">
+            <a:avLst/>
+          </a:prstGeom>
+          <a:noFill/>
+          <a:ln w="25400" cap="flat" cmpd="sng" algn="ctr">
+            <a:noFill/>
+            <a:prstDash val="solid"/>
+          </a:ln>
+          <a:effectLst/>
+        </p:spPr>
+        <p:txBody>
+          <a:bodyPr rtlCol="0" anchor="ctr"/>
+          <a:lstStyle/>
+          <a:p>
+            <a:pPr marL="0" marR="0" lvl="0" indent="0" algn="ctr" defTabSz="914400" eaLnBrk="1" fontAlgn="auto" latinLnBrk="0" hangingPunct="1">
+              <a:lnSpc>
+                <a:spcPct val="100000"/>
+              </a:lnSpc>
+              <a:spcBef>
+                <a:spcPts val="0"/>
+              </a:spcBef>
+              <a:spcAft>
+                <a:spcPts val="0"/>
+              </a:spcAft>
+              <a:buClrTx/>
+              <a:buSzTx/>
+              <a:buFontTx/>
+              <a:buNone/>
+              <a:tabLst/>
+              <a:defRPr/>
+            </a:pPr>
+            <a:endParaRPr kumimoji="0" lang="ko-KR" altLang="en-US" sz="800" i="0" u="none" strike="noStrike" kern="0" cap="none" spc="0" normalizeH="0" baseline="0" noProof="0">
+              <a:ln>
+                <a:noFill/>
+              </a:ln>
+              <a:solidFill>
+                <a:sysClr val="window" lastClr="FFFFFF"/>
+              </a:solidFill>
+              <a:effectLst/>
+              <a:uLnTx/>
+              <a:uFillTx/>
+              <a:latin typeface="+mn-ea"/>
+              <a:cs typeface="+mn-cs"/>
+            </a:endParaRPr>
+          </a:p>
+        </p:txBody>
+      </p:sp>
+      <p:sp>
+        <p:nvSpPr>
+          <p:cNvPr id="321" name="직사각형 320"/>
+          <p:cNvSpPr/>
+          <p:nvPr/>
+        </p:nvSpPr>
+        <p:spPr>
+          <a:xfrm>
+            <a:off x="3203848" y="2781027"/>
             <a:ext cx="72008" cy="72008"/>
           </a:xfrm>
           <a:prstGeom prst="rect">
@@ -9647,13 +9666,13 @@
       </p:sp>
       <p:sp>
         <p:nvSpPr>
-          <p:cNvPr id="320" name="직사각형 319"/>
+          <p:cNvPr id="322" name="직사각형 321"/>
           <p:cNvSpPr/>
           <p:nvPr/>
         </p:nvSpPr>
         <p:spPr>
           <a:xfrm>
-            <a:off x="3131840" y="1772915"/>
+            <a:off x="3203848" y="2420987"/>
             <a:ext cx="72008" cy="72008"/>
           </a:xfrm>
           <a:prstGeom prst="rect">
@@ -9705,13 +9724,13 @@
       </p:sp>
       <p:sp>
         <p:nvSpPr>
-          <p:cNvPr id="321" name="직사각형 320"/>
+          <p:cNvPr id="323" name="직사각형 322"/>
           <p:cNvSpPr/>
           <p:nvPr/>
         </p:nvSpPr>
         <p:spPr>
           <a:xfrm>
-            <a:off x="3203848" y="2781027"/>
+            <a:off x="1979712" y="2209750"/>
             <a:ext cx="72008" cy="72008"/>
           </a:xfrm>
           <a:prstGeom prst="rect">
@@ -9763,13 +9782,129 @@
       </p:sp>
       <p:sp>
         <p:nvSpPr>
-          <p:cNvPr id="322" name="직사각형 321"/>
+          <p:cNvPr id="324" name="직사각형 323"/>
           <p:cNvSpPr/>
           <p:nvPr/>
         </p:nvSpPr>
         <p:spPr>
           <a:xfrm>
-            <a:off x="3203848" y="2420987"/>
+            <a:off x="1979624" y="1772915"/>
+            <a:ext cx="72008" cy="72008"/>
+          </a:xfrm>
+          <a:prstGeom prst="rect">
+            <a:avLst/>
+          </a:prstGeom>
+          <a:noFill/>
+          <a:ln w="25400" cap="flat" cmpd="sng" algn="ctr">
+            <a:noFill/>
+            <a:prstDash val="solid"/>
+          </a:ln>
+          <a:effectLst/>
+        </p:spPr>
+        <p:txBody>
+          <a:bodyPr rtlCol="0" anchor="ctr"/>
+          <a:lstStyle/>
+          <a:p>
+            <a:pPr marL="0" marR="0" lvl="0" indent="0" algn="ctr" defTabSz="914400" eaLnBrk="1" fontAlgn="auto" latinLnBrk="0" hangingPunct="1">
+              <a:lnSpc>
+                <a:spcPct val="100000"/>
+              </a:lnSpc>
+              <a:spcBef>
+                <a:spcPts val="0"/>
+              </a:spcBef>
+              <a:spcAft>
+                <a:spcPts val="0"/>
+              </a:spcAft>
+              <a:buClrTx/>
+              <a:buSzTx/>
+              <a:buFontTx/>
+              <a:buNone/>
+              <a:tabLst/>
+              <a:defRPr/>
+            </a:pPr>
+            <a:endParaRPr kumimoji="0" lang="ko-KR" altLang="en-US" sz="800" i="0" u="none" strike="noStrike" kern="0" cap="none" spc="0" normalizeH="0" baseline="0" noProof="0">
+              <a:ln>
+                <a:noFill/>
+              </a:ln>
+              <a:solidFill>
+                <a:sysClr val="window" lastClr="FFFFFF"/>
+              </a:solidFill>
+              <a:effectLst/>
+              <a:uLnTx/>
+              <a:uFillTx/>
+              <a:latin typeface="+mn-ea"/>
+              <a:cs typeface="+mn-cs"/>
+            </a:endParaRPr>
+          </a:p>
+        </p:txBody>
+      </p:sp>
+      <p:sp>
+        <p:nvSpPr>
+          <p:cNvPr id="325" name="직사각형 324"/>
+          <p:cNvSpPr/>
+          <p:nvPr/>
+        </p:nvSpPr>
+        <p:spPr>
+          <a:xfrm>
+            <a:off x="2123640" y="1772915"/>
+            <a:ext cx="72008" cy="72008"/>
+          </a:xfrm>
+          <a:prstGeom prst="rect">
+            <a:avLst/>
+          </a:prstGeom>
+          <a:noFill/>
+          <a:ln w="25400" cap="flat" cmpd="sng" algn="ctr">
+            <a:noFill/>
+            <a:prstDash val="solid"/>
+          </a:ln>
+          <a:effectLst/>
+        </p:spPr>
+        <p:txBody>
+          <a:bodyPr rtlCol="0" anchor="ctr"/>
+          <a:lstStyle/>
+          <a:p>
+            <a:pPr marL="0" marR="0" lvl="0" indent="0" algn="ctr" defTabSz="914400" eaLnBrk="1" fontAlgn="auto" latinLnBrk="0" hangingPunct="1">
+              <a:lnSpc>
+                <a:spcPct val="100000"/>
+              </a:lnSpc>
+              <a:spcBef>
+                <a:spcPts val="0"/>
+              </a:spcBef>
+              <a:spcAft>
+                <a:spcPts val="0"/>
+              </a:spcAft>
+              <a:buClrTx/>
+              <a:buSzTx/>
+              <a:buFontTx/>
+              <a:buNone/>
+              <a:tabLst/>
+              <a:defRPr/>
+            </a:pPr>
+            <a:endParaRPr kumimoji="0" lang="ko-KR" altLang="en-US" sz="800" i="0" u="none" strike="noStrike" kern="0" cap="none" spc="0" normalizeH="0" baseline="0" noProof="0">
+              <a:ln>
+                <a:noFill/>
+              </a:ln>
+              <a:solidFill>
+                <a:sysClr val="window" lastClr="FFFFFF"/>
+              </a:solidFill>
+              <a:effectLst/>
+              <a:uLnTx/>
+              <a:uFillTx/>
+              <a:latin typeface="+mn-ea"/>
+              <a:cs typeface="+mn-cs"/>
+            </a:endParaRPr>
+          </a:p>
+        </p:txBody>
+      </p:sp>
+      <p:sp>
+        <p:nvSpPr>
+          <p:cNvPr id="326" name="직사각형 325"/>
+          <p:cNvSpPr/>
+          <p:nvPr/>
+        </p:nvSpPr>
+        <p:spPr>
+          <a:xfrm>
+            <a:off x="2123728" y="2204963"/>
             <a:ext cx="72008" cy="72008"/>
           </a:xfrm>
           <a:prstGeom prst="rect">
@@ -9821,13 +9956,13 @@
       </p:sp>
       <p:sp>
         <p:nvSpPr>
-          <p:cNvPr id="323" name="직사각형 322"/>
+          <p:cNvPr id="327" name="직사각형 326"/>
           <p:cNvSpPr/>
           <p:nvPr/>
         </p:nvSpPr>
         <p:spPr>
           <a:xfrm>
-            <a:off x="1979816" y="2204963"/>
+            <a:off x="4898328" y="4005163"/>
             <a:ext cx="72008" cy="72008"/>
           </a:xfrm>
           <a:prstGeom prst="rect">
@@ -9879,13 +10014,13 @@
       </p:sp>
       <p:sp>
         <p:nvSpPr>
-          <p:cNvPr id="324" name="직사각형 323"/>
+          <p:cNvPr id="328" name="직사각형 327"/>
           <p:cNvSpPr/>
           <p:nvPr/>
         </p:nvSpPr>
         <p:spPr>
           <a:xfrm>
-            <a:off x="2051824" y="1772915"/>
+            <a:off x="4932040" y="3645123"/>
             <a:ext cx="72008" cy="72008"/>
           </a:xfrm>
           <a:prstGeom prst="rect">
@@ -9937,13 +10072,13 @@
       </p:sp>
       <p:sp>
         <p:nvSpPr>
-          <p:cNvPr id="325" name="직사각형 324"/>
+          <p:cNvPr id="329" name="직사각형 328"/>
           <p:cNvSpPr/>
           <p:nvPr/>
         </p:nvSpPr>
         <p:spPr>
           <a:xfrm>
-            <a:off x="2195840" y="1772915"/>
+            <a:off x="4788024" y="3645123"/>
             <a:ext cx="72008" cy="72008"/>
           </a:xfrm>
           <a:prstGeom prst="rect">
@@ -9995,13 +10130,13 @@
       </p:sp>
       <p:sp>
         <p:nvSpPr>
-          <p:cNvPr id="326" name="직사각형 325"/>
+          <p:cNvPr id="330" name="직사각형 329"/>
           <p:cNvSpPr/>
           <p:nvPr/>
         </p:nvSpPr>
         <p:spPr>
           <a:xfrm>
-            <a:off x="2123832" y="2204963"/>
+            <a:off x="4788024" y="4005163"/>
             <a:ext cx="72008" cy="72008"/>
           </a:xfrm>
           <a:prstGeom prst="rect">
@@ -10053,13 +10188,13 @@
       </p:sp>
       <p:sp>
         <p:nvSpPr>
-          <p:cNvPr id="327" name="직사각형 326"/>
+          <p:cNvPr id="331" name="직사각형 330"/>
           <p:cNvSpPr/>
           <p:nvPr/>
         </p:nvSpPr>
         <p:spPr>
           <a:xfrm>
-            <a:off x="4932040" y="4005163"/>
+            <a:off x="4211960" y="4365203"/>
             <a:ext cx="72008" cy="72008"/>
           </a:xfrm>
           <a:prstGeom prst="rect">
@@ -10111,13 +10246,13 @@
       </p:sp>
       <p:sp>
         <p:nvSpPr>
-          <p:cNvPr id="328" name="직사각형 327"/>
+          <p:cNvPr id="332" name="직사각형 331"/>
           <p:cNvSpPr/>
           <p:nvPr/>
         </p:nvSpPr>
         <p:spPr>
           <a:xfrm>
-            <a:off x="4932040" y="3645123"/>
+            <a:off x="4139952" y="4365203"/>
             <a:ext cx="72008" cy="72008"/>
           </a:xfrm>
           <a:prstGeom prst="rect">
@@ -10169,13 +10304,13 @@
       </p:sp>
       <p:sp>
         <p:nvSpPr>
-          <p:cNvPr id="329" name="직사각형 328"/>
+          <p:cNvPr id="333" name="직사각형 332"/>
           <p:cNvSpPr/>
           <p:nvPr/>
         </p:nvSpPr>
         <p:spPr>
           <a:xfrm>
-            <a:off x="4788024" y="3645123"/>
+            <a:off x="3881574" y="5085283"/>
             <a:ext cx="72008" cy="72008"/>
           </a:xfrm>
           <a:prstGeom prst="rect">
@@ -10227,13 +10362,13 @@
       </p:sp>
       <p:sp>
         <p:nvSpPr>
-          <p:cNvPr id="330" name="직사각형 329"/>
+          <p:cNvPr id="334" name="직사각형 333"/>
           <p:cNvSpPr/>
           <p:nvPr/>
         </p:nvSpPr>
         <p:spPr>
           <a:xfrm>
-            <a:off x="4788024" y="4005163"/>
+            <a:off x="4427984" y="4365203"/>
             <a:ext cx="72008" cy="72008"/>
           </a:xfrm>
           <a:prstGeom prst="rect">
@@ -10285,13 +10420,13 @@
       </p:sp>
       <p:sp>
         <p:nvSpPr>
-          <p:cNvPr id="331" name="직사각형 330"/>
+          <p:cNvPr id="335" name="직사각형 334"/>
           <p:cNvSpPr/>
           <p:nvPr/>
         </p:nvSpPr>
         <p:spPr>
           <a:xfrm>
-            <a:off x="4211960" y="4365203"/>
+            <a:off x="4355976" y="4365203"/>
             <a:ext cx="72008" cy="72008"/>
           </a:xfrm>
           <a:prstGeom prst="rect">
@@ -10343,13 +10478,13 @@
       </p:sp>
       <p:sp>
         <p:nvSpPr>
-          <p:cNvPr id="332" name="직사각형 331"/>
+          <p:cNvPr id="336" name="직사각형 335"/>
           <p:cNvSpPr/>
           <p:nvPr/>
         </p:nvSpPr>
         <p:spPr>
           <a:xfrm>
-            <a:off x="4139952" y="4365203"/>
+            <a:off x="3809566" y="5085283"/>
             <a:ext cx="72008" cy="72008"/>
           </a:xfrm>
           <a:prstGeom prst="rect">
@@ -10401,13 +10536,13 @@
       </p:sp>
       <p:sp>
         <p:nvSpPr>
-          <p:cNvPr id="333" name="직사각형 332"/>
+          <p:cNvPr id="337" name="직사각형 336"/>
           <p:cNvSpPr/>
           <p:nvPr/>
         </p:nvSpPr>
         <p:spPr>
           <a:xfrm>
-            <a:off x="3881574" y="5085283"/>
+            <a:off x="4529646" y="5085283"/>
             <a:ext cx="72008" cy="72008"/>
           </a:xfrm>
           <a:prstGeom prst="rect">
@@ -10459,13 +10594,13 @@
       </p:sp>
       <p:sp>
         <p:nvSpPr>
-          <p:cNvPr id="334" name="직사각형 333"/>
+          <p:cNvPr id="338" name="직사각형 337"/>
           <p:cNvSpPr/>
           <p:nvPr/>
         </p:nvSpPr>
         <p:spPr>
           <a:xfrm>
-            <a:off x="4427984" y="4365203"/>
+            <a:off x="4644008" y="4365203"/>
             <a:ext cx="72008" cy="72008"/>
           </a:xfrm>
           <a:prstGeom prst="rect">
@@ -10517,13 +10652,13 @@
       </p:sp>
       <p:sp>
         <p:nvSpPr>
-          <p:cNvPr id="335" name="직사각형 334"/>
+          <p:cNvPr id="339" name="직사각형 338"/>
           <p:cNvSpPr/>
           <p:nvPr/>
         </p:nvSpPr>
         <p:spPr>
           <a:xfrm>
-            <a:off x="4355976" y="4365203"/>
+            <a:off x="4572000" y="4365203"/>
             <a:ext cx="72008" cy="72008"/>
           </a:xfrm>
           <a:prstGeom prst="rect">
@@ -10575,13 +10710,13 @@
       </p:sp>
       <p:sp>
         <p:nvSpPr>
-          <p:cNvPr id="336" name="직사각형 335"/>
+          <p:cNvPr id="340" name="직사각형 339"/>
           <p:cNvSpPr/>
           <p:nvPr/>
         </p:nvSpPr>
         <p:spPr>
           <a:xfrm>
-            <a:off x="3809566" y="5085283"/>
+            <a:off x="4457638" y="5085283"/>
             <a:ext cx="72008" cy="72008"/>
           </a:xfrm>
           <a:prstGeom prst="rect">
@@ -10633,13 +10768,13 @@
       </p:sp>
       <p:sp>
         <p:nvSpPr>
-          <p:cNvPr id="337" name="직사각형 336"/>
+          <p:cNvPr id="341" name="직사각형 340"/>
           <p:cNvSpPr/>
           <p:nvPr/>
         </p:nvSpPr>
         <p:spPr>
           <a:xfrm>
-            <a:off x="4529646" y="5085283"/>
+            <a:off x="5033702" y="5085283"/>
             <a:ext cx="72008" cy="72008"/>
           </a:xfrm>
           <a:prstGeom prst="rect">
@@ -10691,13 +10826,13 @@
       </p:sp>
       <p:sp>
         <p:nvSpPr>
-          <p:cNvPr id="338" name="직사각형 337"/>
+          <p:cNvPr id="342" name="직사각형 341"/>
           <p:cNvSpPr/>
           <p:nvPr/>
         </p:nvSpPr>
         <p:spPr>
           <a:xfrm>
-            <a:off x="4644008" y="4365203"/>
+            <a:off x="4860032" y="4365203"/>
             <a:ext cx="72008" cy="72008"/>
           </a:xfrm>
           <a:prstGeom prst="rect">
@@ -10749,13 +10884,13 @@
       </p:sp>
       <p:sp>
         <p:nvSpPr>
-          <p:cNvPr id="339" name="직사각형 338"/>
+          <p:cNvPr id="343" name="직사각형 342"/>
           <p:cNvSpPr/>
           <p:nvPr/>
         </p:nvSpPr>
         <p:spPr>
           <a:xfrm>
-            <a:off x="4572000" y="4365203"/>
+            <a:off x="4788024" y="4365203"/>
             <a:ext cx="72008" cy="72008"/>
           </a:xfrm>
           <a:prstGeom prst="rect">
@@ -10807,13 +10942,13 @@
       </p:sp>
       <p:sp>
         <p:nvSpPr>
-          <p:cNvPr id="340" name="직사각형 339"/>
+          <p:cNvPr id="344" name="직사각형 343"/>
           <p:cNvSpPr/>
           <p:nvPr/>
         </p:nvSpPr>
         <p:spPr>
           <a:xfrm>
-            <a:off x="4457638" y="5085283"/>
+            <a:off x="4961694" y="5085283"/>
             <a:ext cx="72008" cy="72008"/>
           </a:xfrm>
           <a:prstGeom prst="rect">
@@ -10865,13 +11000,13 @@
       </p:sp>
       <p:sp>
         <p:nvSpPr>
-          <p:cNvPr id="341" name="직사각형 340"/>
+          <p:cNvPr id="345" name="직사각형 344"/>
           <p:cNvSpPr/>
           <p:nvPr/>
         </p:nvSpPr>
         <p:spPr>
           <a:xfrm>
-            <a:off x="5033702" y="5085283"/>
+            <a:off x="5609766" y="5085283"/>
             <a:ext cx="72008" cy="72008"/>
           </a:xfrm>
           <a:prstGeom prst="rect">
@@ -10923,13 +11058,13 @@
       </p:sp>
       <p:sp>
         <p:nvSpPr>
-          <p:cNvPr id="342" name="직사각형 341"/>
+          <p:cNvPr id="346" name="직사각형 345"/>
           <p:cNvSpPr/>
           <p:nvPr/>
         </p:nvSpPr>
         <p:spPr>
           <a:xfrm>
-            <a:off x="4860032" y="4365203"/>
+            <a:off x="5076056" y="4365203"/>
             <a:ext cx="72008" cy="72008"/>
           </a:xfrm>
           <a:prstGeom prst="rect">
@@ -10981,13 +11116,13 @@
       </p:sp>
       <p:sp>
         <p:nvSpPr>
-          <p:cNvPr id="343" name="직사각형 342"/>
+          <p:cNvPr id="347" name="직사각형 346"/>
           <p:cNvSpPr/>
           <p:nvPr/>
         </p:nvSpPr>
         <p:spPr>
           <a:xfrm>
-            <a:off x="4788024" y="4365203"/>
+            <a:off x="5004048" y="4365203"/>
             <a:ext cx="72008" cy="72008"/>
           </a:xfrm>
           <a:prstGeom prst="rect">
@@ -11039,13 +11174,13 @@
       </p:sp>
       <p:sp>
         <p:nvSpPr>
-          <p:cNvPr id="344" name="직사각형 343"/>
+          <p:cNvPr id="348" name="직사각형 347"/>
           <p:cNvSpPr/>
           <p:nvPr/>
         </p:nvSpPr>
         <p:spPr>
           <a:xfrm>
-            <a:off x="4961694" y="5085283"/>
+            <a:off x="5537758" y="5085283"/>
             <a:ext cx="72008" cy="72008"/>
           </a:xfrm>
           <a:prstGeom prst="rect">
@@ -11097,13 +11232,13 @@
       </p:sp>
       <p:sp>
         <p:nvSpPr>
-          <p:cNvPr id="345" name="직사각형 344"/>
+          <p:cNvPr id="349" name="직사각형 348"/>
           <p:cNvSpPr/>
           <p:nvPr/>
         </p:nvSpPr>
         <p:spPr>
           <a:xfrm>
-            <a:off x="5609766" y="5085283"/>
+            <a:off x="5292080" y="4365203"/>
             <a:ext cx="72008" cy="72008"/>
           </a:xfrm>
           <a:prstGeom prst="rect">
@@ -11155,13 +11290,13 @@
       </p:sp>
       <p:sp>
         <p:nvSpPr>
-          <p:cNvPr id="346" name="직사각형 345"/>
+          <p:cNvPr id="350" name="직사각형 349"/>
           <p:cNvSpPr/>
           <p:nvPr/>
         </p:nvSpPr>
         <p:spPr>
           <a:xfrm>
-            <a:off x="5076056" y="4365203"/>
+            <a:off x="5220072" y="4365203"/>
             <a:ext cx="72008" cy="72008"/>
           </a:xfrm>
           <a:prstGeom prst="rect">
@@ -11213,13 +11348,71 @@
       </p:sp>
       <p:sp>
         <p:nvSpPr>
-          <p:cNvPr id="347" name="직사각형 346"/>
+          <p:cNvPr id="351" name="직사각형 350"/>
           <p:cNvSpPr/>
           <p:nvPr/>
         </p:nvSpPr>
         <p:spPr>
           <a:xfrm>
-            <a:off x="5004048" y="4365203"/>
+            <a:off x="6876256" y="4365105"/>
+            <a:ext cx="72008" cy="72008"/>
+          </a:xfrm>
+          <a:prstGeom prst="rect">
+            <a:avLst/>
+          </a:prstGeom>
+          <a:noFill/>
+          <a:ln w="25400" cap="flat" cmpd="sng" algn="ctr">
+            <a:noFill/>
+            <a:prstDash val="solid"/>
+          </a:ln>
+          <a:effectLst/>
+        </p:spPr>
+        <p:txBody>
+          <a:bodyPr rtlCol="0" anchor="ctr"/>
+          <a:lstStyle/>
+          <a:p>
+            <a:pPr marL="0" marR="0" lvl="0" indent="0" defTabSz="914400" eaLnBrk="1" fontAlgn="auto" latinLnBrk="0" hangingPunct="1">
+              <a:lnSpc>
+                <a:spcPct val="100000"/>
+              </a:lnSpc>
+              <a:spcBef>
+                <a:spcPts val="0"/>
+              </a:spcBef>
+              <a:spcAft>
+                <a:spcPts val="0"/>
+              </a:spcAft>
+              <a:buClrTx/>
+              <a:buSzTx/>
+              <a:buFontTx/>
+              <a:buNone/>
+              <a:tabLst/>
+              <a:defRPr/>
+            </a:pPr>
+            <a:endParaRPr kumimoji="0" lang="ko-KR" altLang="en-US" sz="800" b="0" i="0" u="none" strike="noStrike" kern="0" cap="none" spc="0" normalizeH="0" baseline="0" noProof="0">
+              <a:ln>
+                <a:noFill/>
+              </a:ln>
+              <a:solidFill>
+                <a:sysClr val="window" lastClr="FFFFFF"/>
+              </a:solidFill>
+              <a:effectLst/>
+              <a:uLnTx/>
+              <a:uFillTx/>
+              <a:latin typeface="+mn-ea"/>
+              <a:cs typeface="+mn-cs"/>
+            </a:endParaRPr>
+          </a:p>
+        </p:txBody>
+      </p:sp>
+      <p:sp>
+        <p:nvSpPr>
+          <p:cNvPr id="352" name="직사각형 351"/>
+          <p:cNvSpPr/>
+          <p:nvPr/>
+        </p:nvSpPr>
+        <p:spPr>
+          <a:xfrm>
+            <a:off x="5508104" y="4365203"/>
             <a:ext cx="72008" cy="72008"/>
           </a:xfrm>
           <a:prstGeom prst="rect">
@@ -11271,13 +11464,13 @@
       </p:sp>
       <p:sp>
         <p:nvSpPr>
-          <p:cNvPr id="348" name="직사각형 347"/>
+          <p:cNvPr id="353" name="직사각형 352"/>
           <p:cNvSpPr/>
           <p:nvPr/>
         </p:nvSpPr>
         <p:spPr>
           <a:xfrm>
-            <a:off x="5537758" y="5085283"/>
+            <a:off x="5436096" y="4365203"/>
             <a:ext cx="72008" cy="72008"/>
           </a:xfrm>
           <a:prstGeom prst="rect">
@@ -11329,13 +11522,71 @@
       </p:sp>
       <p:sp>
         <p:nvSpPr>
-          <p:cNvPr id="349" name="직사각형 348"/>
+          <p:cNvPr id="354" name="직사각형 353"/>
           <p:cNvSpPr/>
           <p:nvPr/>
         </p:nvSpPr>
         <p:spPr>
           <a:xfrm>
-            <a:off x="5292080" y="4365203"/>
+            <a:off x="6876256" y="4365105"/>
+            <a:ext cx="72008" cy="72008"/>
+          </a:xfrm>
+          <a:prstGeom prst="rect">
+            <a:avLst/>
+          </a:prstGeom>
+          <a:noFill/>
+          <a:ln w="25400" cap="flat" cmpd="sng" algn="ctr">
+            <a:noFill/>
+            <a:prstDash val="solid"/>
+          </a:ln>
+          <a:effectLst/>
+        </p:spPr>
+        <p:txBody>
+          <a:bodyPr rtlCol="0" anchor="ctr"/>
+          <a:lstStyle/>
+          <a:p>
+            <a:pPr marL="0" marR="0" lvl="0" indent="0" defTabSz="914400" eaLnBrk="1" fontAlgn="auto" latinLnBrk="0" hangingPunct="1">
+              <a:lnSpc>
+                <a:spcPct val="100000"/>
+              </a:lnSpc>
+              <a:spcBef>
+                <a:spcPts val="0"/>
+              </a:spcBef>
+              <a:spcAft>
+                <a:spcPts val="0"/>
+              </a:spcAft>
+              <a:buClrTx/>
+              <a:buSzTx/>
+              <a:buFontTx/>
+              <a:buNone/>
+              <a:tabLst/>
+              <a:defRPr/>
+            </a:pPr>
+            <a:endParaRPr kumimoji="0" lang="ko-KR" altLang="en-US" sz="800" b="0" i="0" u="none" strike="noStrike" kern="0" cap="none" spc="0" normalizeH="0" baseline="0" noProof="0">
+              <a:ln>
+                <a:noFill/>
+              </a:ln>
+              <a:solidFill>
+                <a:sysClr val="window" lastClr="FFFFFF"/>
+              </a:solidFill>
+              <a:effectLst/>
+              <a:uLnTx/>
+              <a:uFillTx/>
+              <a:latin typeface="+mn-ea"/>
+              <a:cs typeface="+mn-cs"/>
+            </a:endParaRPr>
+          </a:p>
+        </p:txBody>
+      </p:sp>
+      <p:sp>
+        <p:nvSpPr>
+          <p:cNvPr id="355" name="직사각형 354"/>
+          <p:cNvSpPr/>
+          <p:nvPr/>
+        </p:nvSpPr>
+        <p:spPr>
+          <a:xfrm>
+            <a:off x="2123728" y="4365203"/>
             <a:ext cx="72008" cy="72008"/>
           </a:xfrm>
           <a:prstGeom prst="rect">
@@ -11387,13 +11638,13 @@
       </p:sp>
       <p:sp>
         <p:nvSpPr>
-          <p:cNvPr id="350" name="직사각형 349"/>
+          <p:cNvPr id="356" name="직사각형 355"/>
           <p:cNvSpPr/>
           <p:nvPr/>
         </p:nvSpPr>
         <p:spPr>
           <a:xfrm>
-            <a:off x="5220072" y="4365203"/>
+            <a:off x="2123728" y="3717131"/>
             <a:ext cx="72008" cy="72008"/>
           </a:xfrm>
           <a:prstGeom prst="rect">
@@ -11445,71 +11696,13 @@
       </p:sp>
       <p:sp>
         <p:nvSpPr>
-          <p:cNvPr id="351" name="직사각형 350"/>
+          <p:cNvPr id="357" name="직사각형 356"/>
           <p:cNvSpPr/>
           <p:nvPr/>
         </p:nvSpPr>
         <p:spPr>
           <a:xfrm>
-            <a:off x="6660232" y="4797251"/>
-            <a:ext cx="72008" cy="72008"/>
-          </a:xfrm>
-          <a:prstGeom prst="rect">
-            <a:avLst/>
-          </a:prstGeom>
-          <a:noFill/>
-          <a:ln w="25400" cap="flat" cmpd="sng" algn="ctr">
-            <a:noFill/>
-            <a:prstDash val="solid"/>
-          </a:ln>
-          <a:effectLst/>
-        </p:spPr>
-        <p:txBody>
-          <a:bodyPr rtlCol="0" anchor="ctr"/>
-          <a:lstStyle/>
-          <a:p>
-            <a:pPr marL="0" marR="0" lvl="0" indent="0" defTabSz="914400" eaLnBrk="1" fontAlgn="auto" latinLnBrk="0" hangingPunct="1">
-              <a:lnSpc>
-                <a:spcPct val="100000"/>
-              </a:lnSpc>
-              <a:spcBef>
-                <a:spcPts val="0"/>
-              </a:spcBef>
-              <a:spcAft>
-                <a:spcPts val="0"/>
-              </a:spcAft>
-              <a:buClrTx/>
-              <a:buSzTx/>
-              <a:buFontTx/>
-              <a:buNone/>
-              <a:tabLst/>
-              <a:defRPr/>
-            </a:pPr>
-            <a:endParaRPr kumimoji="0" lang="ko-KR" altLang="en-US" sz="800" b="0" i="0" u="none" strike="noStrike" kern="0" cap="none" spc="0" normalizeH="0" baseline="0" noProof="0">
-              <a:ln>
-                <a:noFill/>
-              </a:ln>
-              <a:solidFill>
-                <a:sysClr val="window" lastClr="FFFFFF"/>
-              </a:solidFill>
-              <a:effectLst/>
-              <a:uLnTx/>
-              <a:uFillTx/>
-              <a:latin typeface="+mn-ea"/>
-              <a:cs typeface="+mn-cs"/>
-            </a:endParaRPr>
-          </a:p>
-        </p:txBody>
-      </p:sp>
-      <p:sp>
-        <p:nvSpPr>
-          <p:cNvPr id="352" name="직사각형 351"/>
-          <p:cNvSpPr/>
-          <p:nvPr/>
-        </p:nvSpPr>
-        <p:spPr>
-          <a:xfrm>
-            <a:off x="5508104" y="4365203"/>
+            <a:off x="1979712" y="3717131"/>
             <a:ext cx="72008" cy="72008"/>
           </a:xfrm>
           <a:prstGeom prst="rect">
@@ -11561,13 +11754,575 @@
       </p:sp>
       <p:sp>
         <p:nvSpPr>
-          <p:cNvPr id="353" name="직사각형 352"/>
+          <p:cNvPr id="358" name="원통 357"/>
           <p:cNvSpPr/>
           <p:nvPr/>
         </p:nvSpPr>
         <p:spPr>
           <a:xfrm>
-            <a:off x="5436096" y="4365203"/>
+            <a:off x="6876256" y="2924945"/>
+            <a:ext cx="360040" cy="216024"/>
+          </a:xfrm>
+          <a:prstGeom prst="can">
+            <a:avLst/>
+          </a:prstGeom>
+          <a:solidFill>
+            <a:sysClr val="window" lastClr="FFFFFF">
+              <a:lumMod val="85000"/>
+            </a:sysClr>
+          </a:solidFill>
+          <a:ln w="6350" cap="flat" cmpd="sng" algn="ctr">
+            <a:solidFill>
+              <a:sysClr val="windowText" lastClr="000000"/>
+            </a:solidFill>
+            <a:prstDash val="solid"/>
+          </a:ln>
+          <a:effectLst/>
+        </p:spPr>
+        <p:txBody>
+          <a:bodyPr rtlCol="0" anchor="ctr"/>
+          <a:lstStyle/>
+          <a:p>
+            <a:pPr marL="0" marR="0" lvl="0" indent="0" defTabSz="914400" eaLnBrk="1" fontAlgn="auto" latinLnBrk="0" hangingPunct="1">
+              <a:lnSpc>
+                <a:spcPct val="100000"/>
+              </a:lnSpc>
+              <a:spcBef>
+                <a:spcPts val="0"/>
+              </a:spcBef>
+              <a:spcAft>
+                <a:spcPts val="0"/>
+              </a:spcAft>
+              <a:buClrTx/>
+              <a:buSzTx/>
+              <a:buFontTx/>
+              <a:buNone/>
+              <a:tabLst/>
+              <a:defRPr/>
+            </a:pPr>
+            <a:endParaRPr kumimoji="0" lang="ko-KR" altLang="en-US" sz="800" b="0" i="0" u="none" strike="noStrike" kern="0" cap="none" spc="0" normalizeH="0" baseline="0" noProof="0" dirty="0">
+              <a:ln>
+                <a:noFill/>
+              </a:ln>
+              <a:solidFill>
+                <a:sysClr val="windowText" lastClr="000000"/>
+              </a:solidFill>
+              <a:effectLst/>
+              <a:uLnTx/>
+              <a:uFillTx/>
+              <a:latin typeface="+mn-ea"/>
+              <a:cs typeface="+mn-cs"/>
+            </a:endParaRPr>
+          </a:p>
+        </p:txBody>
+      </p:sp>
+      <p:sp>
+        <p:nvSpPr>
+          <p:cNvPr id="359" name="TextBox 358"/>
+          <p:cNvSpPr txBox="1"/>
+          <p:nvPr/>
+        </p:nvSpPr>
+        <p:spPr>
+          <a:xfrm>
+            <a:off x="7164288" y="2924945"/>
+            <a:ext cx="648072" cy="215444"/>
+          </a:xfrm>
+          <a:prstGeom prst="rect">
+            <a:avLst/>
+          </a:prstGeom>
+          <a:noFill/>
+        </p:spPr>
+        <p:txBody>
+          <a:bodyPr wrap="square" rtlCol="0">
+            <a:spAutoFit/>
+          </a:bodyPr>
+          <a:lstStyle/>
+          <a:p>
+            <a:pPr marL="0" marR="0" lvl="0" indent="0" defTabSz="914400" eaLnBrk="1" fontAlgn="auto" latinLnBrk="0" hangingPunct="1">
+              <a:lnSpc>
+                <a:spcPct val="100000"/>
+              </a:lnSpc>
+              <a:spcBef>
+                <a:spcPts val="0"/>
+              </a:spcBef>
+              <a:spcAft>
+                <a:spcPts val="0"/>
+              </a:spcAft>
+              <a:buClrTx/>
+              <a:buSzTx/>
+              <a:buFontTx/>
+              <a:buNone/>
+              <a:tabLst/>
+              <a:defRPr/>
+            </a:pPr>
+            <a:r>
+              <a:rPr kumimoji="0" lang="en-US" altLang="ko-KR" sz="800" b="0" i="0" u="none" strike="noStrike" kern="0" cap="none" spc="0" normalizeH="0" baseline="0" noProof="0" dirty="0" smtClean="0">
+                <a:ln>
+                  <a:noFill/>
+                </a:ln>
+                <a:solidFill>
+                  <a:sysClr val="windowText" lastClr="000000"/>
+                </a:solidFill>
+                <a:effectLst/>
+                <a:uLnTx/>
+                <a:uFillTx/>
+                <a:latin typeface="+mn-ea"/>
+              </a:rPr>
+              <a:t>DB</a:t>
+            </a:r>
+            <a:endParaRPr kumimoji="0" lang="ko-KR" altLang="en-US" sz="800" b="0" i="0" u="none" strike="noStrike" kern="0" cap="none" spc="0" normalizeH="0" baseline="0" noProof="0" dirty="0">
+              <a:ln>
+                <a:noFill/>
+              </a:ln>
+              <a:solidFill>
+                <a:sysClr val="windowText" lastClr="000000"/>
+              </a:solidFill>
+              <a:effectLst/>
+              <a:uLnTx/>
+              <a:uFillTx/>
+              <a:latin typeface="+mn-ea"/>
+            </a:endParaRPr>
+          </a:p>
+        </p:txBody>
+      </p:sp>
+      <p:sp>
+        <p:nvSpPr>
+          <p:cNvPr id="360" name="직사각형 359"/>
+          <p:cNvSpPr/>
+          <p:nvPr/>
+        </p:nvSpPr>
+        <p:spPr>
+          <a:xfrm>
+            <a:off x="6876256" y="3212977"/>
+            <a:ext cx="360040" cy="216024"/>
+          </a:xfrm>
+          <a:prstGeom prst="rect">
+            <a:avLst/>
+          </a:prstGeom>
+          <a:solidFill>
+            <a:sysClr val="window" lastClr="FFFFFF">
+              <a:lumMod val="85000"/>
+            </a:sysClr>
+          </a:solidFill>
+          <a:ln w="6350" cap="flat" cmpd="sng" algn="ctr">
+            <a:solidFill>
+              <a:sysClr val="windowText" lastClr="000000"/>
+            </a:solidFill>
+            <a:prstDash val="solid"/>
+          </a:ln>
+          <a:effectLst/>
+        </p:spPr>
+        <p:txBody>
+          <a:bodyPr rtlCol="0" anchor="ctr"/>
+          <a:lstStyle/>
+          <a:p>
+            <a:pPr marL="0" marR="0" lvl="0" indent="0" defTabSz="914400" eaLnBrk="1" fontAlgn="auto" latinLnBrk="0" hangingPunct="1">
+              <a:lnSpc>
+                <a:spcPct val="100000"/>
+              </a:lnSpc>
+              <a:spcBef>
+                <a:spcPts val="0"/>
+              </a:spcBef>
+              <a:spcAft>
+                <a:spcPts val="0"/>
+              </a:spcAft>
+              <a:buClrTx/>
+              <a:buSzTx/>
+              <a:buFontTx/>
+              <a:buNone/>
+              <a:tabLst/>
+              <a:defRPr/>
+            </a:pPr>
+            <a:endParaRPr kumimoji="0" lang="ko-KR" altLang="en-US" sz="800" b="0" i="0" u="none" strike="noStrike" kern="0" cap="none" spc="0" normalizeH="0" baseline="0" noProof="0" dirty="0">
+              <a:ln>
+                <a:noFill/>
+              </a:ln>
+              <a:solidFill>
+                <a:sysClr val="windowText" lastClr="000000"/>
+              </a:solidFill>
+              <a:effectLst/>
+              <a:uLnTx/>
+              <a:uFillTx/>
+              <a:latin typeface="+mn-ea"/>
+              <a:cs typeface="+mn-cs"/>
+            </a:endParaRPr>
+          </a:p>
+        </p:txBody>
+      </p:sp>
+      <p:sp>
+        <p:nvSpPr>
+          <p:cNvPr id="361" name="TextBox 360"/>
+          <p:cNvSpPr txBox="1"/>
+          <p:nvPr/>
+        </p:nvSpPr>
+        <p:spPr>
+          <a:xfrm>
+            <a:off x="7236296" y="3213557"/>
+            <a:ext cx="648072" cy="215444"/>
+          </a:xfrm>
+          <a:prstGeom prst="rect">
+            <a:avLst/>
+          </a:prstGeom>
+          <a:noFill/>
+        </p:spPr>
+        <p:txBody>
+          <a:bodyPr wrap="square" rtlCol="0">
+            <a:spAutoFit/>
+          </a:bodyPr>
+          <a:lstStyle/>
+          <a:p>
+            <a:pPr marL="0" marR="0" lvl="0" indent="0" defTabSz="914400" eaLnBrk="1" fontAlgn="auto" latinLnBrk="0" hangingPunct="1">
+              <a:lnSpc>
+                <a:spcPct val="100000"/>
+              </a:lnSpc>
+              <a:spcBef>
+                <a:spcPts val="0"/>
+              </a:spcBef>
+              <a:spcAft>
+                <a:spcPts val="0"/>
+              </a:spcAft>
+              <a:buClrTx/>
+              <a:buSzTx/>
+              <a:buFontTx/>
+              <a:buNone/>
+              <a:tabLst/>
+              <a:defRPr/>
+            </a:pPr>
+            <a:r>
+              <a:rPr kumimoji="0" lang="en-US" altLang="ko-KR" sz="800" b="0" i="0" u="none" strike="noStrike" kern="0" cap="none" spc="0" normalizeH="0" baseline="0" noProof="0" dirty="0" smtClean="0">
+                <a:ln>
+                  <a:noFill/>
+                </a:ln>
+                <a:solidFill>
+                  <a:sysClr val="windowText" lastClr="000000"/>
+                </a:solidFill>
+                <a:effectLst/>
+                <a:uLnTx/>
+                <a:uFillTx/>
+                <a:latin typeface="+mn-ea"/>
+              </a:rPr>
+              <a:t>Manager</a:t>
+            </a:r>
+            <a:endParaRPr kumimoji="0" lang="ko-KR" altLang="en-US" sz="800" b="0" i="0" u="none" strike="noStrike" kern="0" cap="none" spc="0" normalizeH="0" baseline="0" noProof="0" dirty="0">
+              <a:ln>
+                <a:noFill/>
+              </a:ln>
+              <a:solidFill>
+                <a:sysClr val="windowText" lastClr="000000"/>
+              </a:solidFill>
+              <a:effectLst/>
+              <a:uLnTx/>
+              <a:uFillTx/>
+              <a:latin typeface="+mn-ea"/>
+            </a:endParaRPr>
+          </a:p>
+        </p:txBody>
+      </p:sp>
+      <p:sp>
+        <p:nvSpPr>
+          <p:cNvPr id="362" name="직사각형 361"/>
+          <p:cNvSpPr/>
+          <p:nvPr/>
+        </p:nvSpPr>
+        <p:spPr>
+          <a:xfrm>
+            <a:off x="6876256" y="3501009"/>
+            <a:ext cx="360040" cy="216024"/>
+          </a:xfrm>
+          <a:prstGeom prst="rect">
+            <a:avLst/>
+          </a:prstGeom>
+          <a:solidFill>
+            <a:srgbClr val="FFC000"/>
+          </a:solidFill>
+          <a:ln w="6350" cap="flat" cmpd="sng" algn="ctr">
+            <a:solidFill>
+              <a:sysClr val="windowText" lastClr="000000"/>
+            </a:solidFill>
+            <a:prstDash val="solid"/>
+          </a:ln>
+          <a:effectLst/>
+        </p:spPr>
+        <p:txBody>
+          <a:bodyPr rtlCol="0" anchor="ctr"/>
+          <a:lstStyle/>
+          <a:p>
+            <a:pPr marL="0" marR="0" lvl="0" indent="0" defTabSz="914400" eaLnBrk="1" fontAlgn="auto" latinLnBrk="0" hangingPunct="1">
+              <a:lnSpc>
+                <a:spcPct val="100000"/>
+              </a:lnSpc>
+              <a:spcBef>
+                <a:spcPts val="0"/>
+              </a:spcBef>
+              <a:spcAft>
+                <a:spcPts val="0"/>
+              </a:spcAft>
+              <a:buClrTx/>
+              <a:buSzTx/>
+              <a:buFontTx/>
+              <a:buNone/>
+              <a:tabLst/>
+              <a:defRPr/>
+            </a:pPr>
+            <a:endParaRPr kumimoji="0" lang="ko-KR" altLang="en-US" sz="800" b="0" i="0" u="none" strike="noStrike" kern="0" cap="none" spc="0" normalizeH="0" baseline="0" noProof="0" dirty="0">
+              <a:ln>
+                <a:noFill/>
+              </a:ln>
+              <a:solidFill>
+                <a:sysClr val="windowText" lastClr="000000"/>
+              </a:solidFill>
+              <a:effectLst/>
+              <a:uLnTx/>
+              <a:uFillTx/>
+              <a:latin typeface="+mn-ea"/>
+              <a:cs typeface="+mn-cs"/>
+            </a:endParaRPr>
+          </a:p>
+        </p:txBody>
+      </p:sp>
+      <p:sp>
+        <p:nvSpPr>
+          <p:cNvPr id="363" name="TextBox 362"/>
+          <p:cNvSpPr txBox="1"/>
+          <p:nvPr/>
+        </p:nvSpPr>
+        <p:spPr>
+          <a:xfrm>
+            <a:off x="7236296" y="3429001"/>
+            <a:ext cx="1152128" cy="338554"/>
+          </a:xfrm>
+          <a:prstGeom prst="rect">
+            <a:avLst/>
+          </a:prstGeom>
+          <a:noFill/>
+        </p:spPr>
+        <p:txBody>
+          <a:bodyPr wrap="square" rtlCol="0">
+            <a:spAutoFit/>
+          </a:bodyPr>
+          <a:lstStyle/>
+          <a:p>
+            <a:pPr marL="0" marR="0" lvl="0" indent="0" defTabSz="914400" eaLnBrk="1" fontAlgn="auto" latinLnBrk="0" hangingPunct="1">
+              <a:lnSpc>
+                <a:spcPct val="100000"/>
+              </a:lnSpc>
+              <a:spcBef>
+                <a:spcPts val="0"/>
+              </a:spcBef>
+              <a:spcAft>
+                <a:spcPts val="0"/>
+              </a:spcAft>
+              <a:buClrTx/>
+              <a:buSzTx/>
+              <a:buFontTx/>
+              <a:buNone/>
+              <a:tabLst/>
+              <a:defRPr/>
+            </a:pPr>
+            <a:r>
+              <a:rPr kumimoji="0" lang="en-US" altLang="ko-KR" sz="800" b="0" i="0" u="none" strike="noStrike" kern="0" cap="none" spc="0" normalizeH="0" baseline="0" noProof="0" dirty="0" smtClean="0">
+                <a:ln>
+                  <a:noFill/>
+                </a:ln>
+                <a:solidFill>
+                  <a:sysClr val="windowText" lastClr="000000"/>
+                </a:solidFill>
+                <a:effectLst/>
+                <a:uLnTx/>
+                <a:uFillTx/>
+                <a:latin typeface="+mn-ea"/>
+              </a:rPr>
+              <a:t>Thing object</a:t>
+            </a:r>
+          </a:p>
+          <a:p>
+            <a:pPr marL="0" marR="0" lvl="0" indent="0" defTabSz="914400" eaLnBrk="1" fontAlgn="auto" latinLnBrk="0" hangingPunct="1">
+              <a:lnSpc>
+                <a:spcPct val="100000"/>
+              </a:lnSpc>
+              <a:spcBef>
+                <a:spcPts val="0"/>
+              </a:spcBef>
+              <a:spcAft>
+                <a:spcPts val="0"/>
+              </a:spcAft>
+              <a:buClrTx/>
+              <a:buSzTx/>
+              <a:buFontTx/>
+              <a:buNone/>
+              <a:tabLst/>
+              <a:defRPr/>
+            </a:pPr>
+            <a:r>
+              <a:rPr kumimoji="0" lang="en-US" altLang="ko-KR" sz="800" b="0" i="0" u="none" strike="noStrike" kern="0" cap="none" spc="0" normalizeH="0" baseline="0" noProof="0" dirty="0" smtClean="0">
+                <a:ln>
+                  <a:noFill/>
+                </a:ln>
+                <a:solidFill>
+                  <a:sysClr val="windowText" lastClr="000000"/>
+                </a:solidFill>
+                <a:effectLst/>
+                <a:uLnTx/>
+                <a:uFillTx/>
+                <a:latin typeface="+mn-ea"/>
+              </a:rPr>
+              <a:t> (Sensor, actuator...)</a:t>
+            </a:r>
+            <a:endParaRPr kumimoji="0" lang="ko-KR" altLang="en-US" sz="800" b="0" i="0" u="none" strike="noStrike" kern="0" cap="none" spc="0" normalizeH="0" baseline="0" noProof="0" dirty="0">
+              <a:ln>
+                <a:noFill/>
+              </a:ln>
+              <a:solidFill>
+                <a:sysClr val="windowText" lastClr="000000"/>
+              </a:solidFill>
+              <a:effectLst/>
+              <a:uLnTx/>
+              <a:uFillTx/>
+              <a:latin typeface="+mn-ea"/>
+            </a:endParaRPr>
+          </a:p>
+        </p:txBody>
+      </p:sp>
+      <p:sp>
+        <p:nvSpPr>
+          <p:cNvPr id="364" name="직사각형 363"/>
+          <p:cNvSpPr/>
+          <p:nvPr/>
+        </p:nvSpPr>
+        <p:spPr>
+          <a:xfrm>
+            <a:off x="6876256" y="3789041"/>
+            <a:ext cx="360040" cy="216024"/>
+          </a:xfrm>
+          <a:prstGeom prst="rect">
+            <a:avLst/>
+          </a:prstGeom>
+          <a:solidFill>
+            <a:srgbClr val="92D050"/>
+          </a:solidFill>
+          <a:ln w="6350" cap="flat" cmpd="sng" algn="ctr">
+            <a:solidFill>
+              <a:sysClr val="windowText" lastClr="000000"/>
+            </a:solidFill>
+            <a:prstDash val="solid"/>
+          </a:ln>
+          <a:effectLst/>
+        </p:spPr>
+        <p:txBody>
+          <a:bodyPr rtlCol="0" anchor="ctr"/>
+          <a:lstStyle/>
+          <a:p>
+            <a:pPr marL="0" marR="0" lvl="0" indent="0" defTabSz="914400" eaLnBrk="1" fontAlgn="auto" latinLnBrk="0" hangingPunct="1">
+              <a:lnSpc>
+                <a:spcPct val="100000"/>
+              </a:lnSpc>
+              <a:spcBef>
+                <a:spcPts val="0"/>
+              </a:spcBef>
+              <a:spcAft>
+                <a:spcPts val="0"/>
+              </a:spcAft>
+              <a:buClrTx/>
+              <a:buSzTx/>
+              <a:buFontTx/>
+              <a:buNone/>
+              <a:tabLst/>
+              <a:defRPr/>
+            </a:pPr>
+            <a:endParaRPr kumimoji="0" lang="ko-KR" altLang="en-US" sz="800" b="0" i="0" u="none" strike="noStrike" kern="0" cap="none" spc="0" normalizeH="0" baseline="0" noProof="0" dirty="0">
+              <a:ln>
+                <a:noFill/>
+              </a:ln>
+              <a:solidFill>
+                <a:sysClr val="windowText" lastClr="000000"/>
+              </a:solidFill>
+              <a:effectLst/>
+              <a:uLnTx/>
+              <a:uFillTx/>
+              <a:latin typeface="+mn-ea"/>
+              <a:cs typeface="+mn-cs"/>
+            </a:endParaRPr>
+          </a:p>
+        </p:txBody>
+      </p:sp>
+      <p:sp>
+        <p:nvSpPr>
+          <p:cNvPr id="365" name="TextBox 364"/>
+          <p:cNvSpPr txBox="1"/>
+          <p:nvPr/>
+        </p:nvSpPr>
+        <p:spPr>
+          <a:xfrm>
+            <a:off x="7236296" y="3789041"/>
+            <a:ext cx="1008112" cy="215444"/>
+          </a:xfrm>
+          <a:prstGeom prst="rect">
+            <a:avLst/>
+          </a:prstGeom>
+          <a:noFill/>
+        </p:spPr>
+        <p:txBody>
+          <a:bodyPr wrap="square" rtlCol="0">
+            <a:spAutoFit/>
+          </a:bodyPr>
+          <a:lstStyle/>
+          <a:p>
+            <a:pPr marL="0" marR="0" lvl="0" indent="0" defTabSz="914400" eaLnBrk="1" fontAlgn="auto" latinLnBrk="0" hangingPunct="1">
+              <a:lnSpc>
+                <a:spcPct val="100000"/>
+              </a:lnSpc>
+              <a:spcBef>
+                <a:spcPts val="0"/>
+              </a:spcBef>
+              <a:spcAft>
+                <a:spcPts val="0"/>
+              </a:spcAft>
+              <a:buClrTx/>
+              <a:buSzTx/>
+              <a:buFontTx/>
+              <a:buNone/>
+              <a:tabLst/>
+              <a:defRPr/>
+            </a:pPr>
+            <a:r>
+              <a:rPr kumimoji="0" lang="en-US" altLang="ko-KR" sz="800" b="0" i="0" u="none" strike="noStrike" kern="0" cap="none" spc="0" normalizeH="0" baseline="0" noProof="0" dirty="0" smtClean="0">
+                <a:ln>
+                  <a:noFill/>
+                </a:ln>
+                <a:solidFill>
+                  <a:sysClr val="windowText" lastClr="000000"/>
+                </a:solidFill>
+                <a:effectLst/>
+                <a:uLnTx/>
+                <a:uFillTx/>
+                <a:latin typeface="+mn-ea"/>
+              </a:rPr>
+              <a:t>Node object</a:t>
+            </a:r>
+            <a:endParaRPr kumimoji="0" lang="ko-KR" altLang="en-US" sz="800" b="0" i="0" u="none" strike="noStrike" kern="0" cap="none" spc="0" normalizeH="0" baseline="0" noProof="0" dirty="0">
+              <a:ln>
+                <a:noFill/>
+              </a:ln>
+              <a:solidFill>
+                <a:sysClr val="windowText" lastClr="000000"/>
+              </a:solidFill>
+              <a:effectLst/>
+              <a:uLnTx/>
+              <a:uFillTx/>
+              <a:latin typeface="+mn-ea"/>
+            </a:endParaRPr>
+          </a:p>
+        </p:txBody>
+      </p:sp>
+      <p:sp>
+        <p:nvSpPr>
+          <p:cNvPr id="366" name="직사각형 365"/>
+          <p:cNvSpPr/>
+          <p:nvPr/>
+        </p:nvSpPr>
+        <p:spPr>
+          <a:xfrm>
+            <a:off x="1979712" y="4365203"/>
             <a:ext cx="72008" cy="72008"/>
           </a:xfrm>
           <a:prstGeom prst="rect">
@@ -11619,254 +12374,20 @@
       </p:sp>
       <p:sp>
         <p:nvSpPr>
-          <p:cNvPr id="354" name="직사각형 353"/>
+          <p:cNvPr id="367" name="직사각형 366"/>
           <p:cNvSpPr/>
           <p:nvPr/>
         </p:nvSpPr>
         <p:spPr>
           <a:xfrm>
-            <a:off x="6660232" y="4797251"/>
-            <a:ext cx="72008" cy="72008"/>
+            <a:off x="6876256" y="4077073"/>
+            <a:ext cx="360040" cy="216024"/>
           </a:xfrm>
           <a:prstGeom prst="rect">
             <a:avLst/>
           </a:prstGeom>
-          <a:noFill/>
-          <a:ln w="25400" cap="flat" cmpd="sng" algn="ctr">
-            <a:noFill/>
-            <a:prstDash val="solid"/>
-          </a:ln>
-          <a:effectLst/>
-        </p:spPr>
-        <p:txBody>
-          <a:bodyPr rtlCol="0" anchor="ctr"/>
-          <a:lstStyle/>
-          <a:p>
-            <a:pPr marL="0" marR="0" lvl="0" indent="0" defTabSz="914400" eaLnBrk="1" fontAlgn="auto" latinLnBrk="0" hangingPunct="1">
-              <a:lnSpc>
-                <a:spcPct val="100000"/>
-              </a:lnSpc>
-              <a:spcBef>
-                <a:spcPts val="0"/>
-              </a:spcBef>
-              <a:spcAft>
-                <a:spcPts val="0"/>
-              </a:spcAft>
-              <a:buClrTx/>
-              <a:buSzTx/>
-              <a:buFontTx/>
-              <a:buNone/>
-              <a:tabLst/>
-              <a:defRPr/>
-            </a:pPr>
-            <a:endParaRPr kumimoji="0" lang="ko-KR" altLang="en-US" sz="800" b="0" i="0" u="none" strike="noStrike" kern="0" cap="none" spc="0" normalizeH="0" baseline="0" noProof="0">
-              <a:ln>
-                <a:noFill/>
-              </a:ln>
-              <a:solidFill>
-                <a:sysClr val="window" lastClr="FFFFFF"/>
-              </a:solidFill>
-              <a:effectLst/>
-              <a:uLnTx/>
-              <a:uFillTx/>
-              <a:latin typeface="+mn-ea"/>
-              <a:cs typeface="+mn-cs"/>
-            </a:endParaRPr>
-          </a:p>
-        </p:txBody>
-      </p:sp>
-      <p:sp>
-        <p:nvSpPr>
-          <p:cNvPr id="355" name="직사각형 354"/>
-          <p:cNvSpPr/>
-          <p:nvPr/>
-        </p:nvSpPr>
-        <p:spPr>
-          <a:xfrm>
-            <a:off x="2123728" y="4365203"/>
-            <a:ext cx="72008" cy="72008"/>
-          </a:xfrm>
-          <a:prstGeom prst="rect">
-            <a:avLst/>
-          </a:prstGeom>
-          <a:noFill/>
-          <a:ln w="25400" cap="flat" cmpd="sng" algn="ctr">
-            <a:noFill/>
-            <a:prstDash val="solid"/>
-          </a:ln>
-          <a:effectLst/>
-        </p:spPr>
-        <p:txBody>
-          <a:bodyPr rtlCol="0" anchor="ctr"/>
-          <a:lstStyle/>
-          <a:p>
-            <a:pPr marL="0" marR="0" lvl="0" indent="0" algn="ctr" defTabSz="914400" eaLnBrk="1" fontAlgn="auto" latinLnBrk="0" hangingPunct="1">
-              <a:lnSpc>
-                <a:spcPct val="100000"/>
-              </a:lnSpc>
-              <a:spcBef>
-                <a:spcPts val="0"/>
-              </a:spcBef>
-              <a:spcAft>
-                <a:spcPts val="0"/>
-              </a:spcAft>
-              <a:buClrTx/>
-              <a:buSzTx/>
-              <a:buFontTx/>
-              <a:buNone/>
-              <a:tabLst/>
-              <a:defRPr/>
-            </a:pPr>
-            <a:endParaRPr kumimoji="0" lang="ko-KR" altLang="en-US" sz="800" b="0" i="0" u="none" strike="noStrike" kern="0" cap="none" spc="0" normalizeH="0" baseline="0" noProof="0">
-              <a:ln>
-                <a:noFill/>
-              </a:ln>
-              <a:solidFill>
-                <a:sysClr val="window" lastClr="FFFFFF"/>
-              </a:solidFill>
-              <a:effectLst/>
-              <a:uLnTx/>
-              <a:uFillTx/>
-              <a:latin typeface="+mn-ea"/>
-              <a:cs typeface="+mn-cs"/>
-            </a:endParaRPr>
-          </a:p>
-        </p:txBody>
-      </p:sp>
-      <p:sp>
-        <p:nvSpPr>
-          <p:cNvPr id="356" name="직사각형 355"/>
-          <p:cNvSpPr/>
-          <p:nvPr/>
-        </p:nvSpPr>
-        <p:spPr>
-          <a:xfrm>
-            <a:off x="2123728" y="3717131"/>
-            <a:ext cx="72008" cy="72008"/>
-          </a:xfrm>
-          <a:prstGeom prst="rect">
-            <a:avLst/>
-          </a:prstGeom>
-          <a:noFill/>
-          <a:ln w="25400" cap="flat" cmpd="sng" algn="ctr">
-            <a:noFill/>
-            <a:prstDash val="solid"/>
-          </a:ln>
-          <a:effectLst/>
-        </p:spPr>
-        <p:txBody>
-          <a:bodyPr rtlCol="0" anchor="ctr"/>
-          <a:lstStyle/>
-          <a:p>
-            <a:pPr marL="0" marR="0" lvl="0" indent="0" algn="ctr" defTabSz="914400" eaLnBrk="1" fontAlgn="auto" latinLnBrk="0" hangingPunct="1">
-              <a:lnSpc>
-                <a:spcPct val="100000"/>
-              </a:lnSpc>
-              <a:spcBef>
-                <a:spcPts val="0"/>
-              </a:spcBef>
-              <a:spcAft>
-                <a:spcPts val="0"/>
-              </a:spcAft>
-              <a:buClrTx/>
-              <a:buSzTx/>
-              <a:buFontTx/>
-              <a:buNone/>
-              <a:tabLst/>
-              <a:defRPr/>
-            </a:pPr>
-            <a:endParaRPr kumimoji="0" lang="ko-KR" altLang="en-US" sz="800" b="0" i="0" u="none" strike="noStrike" kern="0" cap="none" spc="0" normalizeH="0" baseline="0" noProof="0">
-              <a:ln>
-                <a:noFill/>
-              </a:ln>
-              <a:solidFill>
-                <a:sysClr val="window" lastClr="FFFFFF"/>
-              </a:solidFill>
-              <a:effectLst/>
-              <a:uLnTx/>
-              <a:uFillTx/>
-              <a:latin typeface="+mn-ea"/>
-              <a:cs typeface="+mn-cs"/>
-            </a:endParaRPr>
-          </a:p>
-        </p:txBody>
-      </p:sp>
-      <p:sp>
-        <p:nvSpPr>
-          <p:cNvPr id="357" name="직사각형 356"/>
-          <p:cNvSpPr/>
-          <p:nvPr/>
-        </p:nvSpPr>
-        <p:spPr>
-          <a:xfrm>
-            <a:off x="1979712" y="3717131"/>
-            <a:ext cx="72008" cy="72008"/>
-          </a:xfrm>
-          <a:prstGeom prst="rect">
-            <a:avLst/>
-          </a:prstGeom>
-          <a:noFill/>
-          <a:ln w="25400" cap="flat" cmpd="sng" algn="ctr">
-            <a:noFill/>
-            <a:prstDash val="solid"/>
-          </a:ln>
-          <a:effectLst/>
-        </p:spPr>
-        <p:txBody>
-          <a:bodyPr rtlCol="0" anchor="ctr"/>
-          <a:lstStyle/>
-          <a:p>
-            <a:pPr marL="0" marR="0" lvl="0" indent="0" algn="ctr" defTabSz="914400" eaLnBrk="1" fontAlgn="auto" latinLnBrk="0" hangingPunct="1">
-              <a:lnSpc>
-                <a:spcPct val="100000"/>
-              </a:lnSpc>
-              <a:spcBef>
-                <a:spcPts val="0"/>
-              </a:spcBef>
-              <a:spcAft>
-                <a:spcPts val="0"/>
-              </a:spcAft>
-              <a:buClrTx/>
-              <a:buSzTx/>
-              <a:buFontTx/>
-              <a:buNone/>
-              <a:tabLst/>
-              <a:defRPr/>
-            </a:pPr>
-            <a:endParaRPr kumimoji="0" lang="ko-KR" altLang="en-US" sz="800" b="0" i="0" u="none" strike="noStrike" kern="0" cap="none" spc="0" normalizeH="0" baseline="0" noProof="0">
-              <a:ln>
-                <a:noFill/>
-              </a:ln>
-              <a:solidFill>
-                <a:sysClr val="window" lastClr="FFFFFF"/>
-              </a:solidFill>
-              <a:effectLst/>
-              <a:uLnTx/>
-              <a:uFillTx/>
-              <a:latin typeface="+mn-ea"/>
-              <a:cs typeface="+mn-cs"/>
-            </a:endParaRPr>
-          </a:p>
-        </p:txBody>
-      </p:sp>
-      <p:sp>
-        <p:nvSpPr>
-          <p:cNvPr id="358" name="원통 357"/>
-          <p:cNvSpPr/>
-          <p:nvPr/>
-        </p:nvSpPr>
-        <p:spPr>
-          <a:xfrm>
-            <a:off x="6660232" y="3357091"/>
-            <a:ext cx="360040" cy="216024"/>
-          </a:xfrm>
-          <a:prstGeom prst="can">
-            <a:avLst/>
-          </a:prstGeom>
           <a:solidFill>
-            <a:sysClr val="window" lastClr="FFFFFF">
-              <a:lumMod val="85000"/>
-            </a:sysClr>
+            <a:srgbClr val="FFFF00"/>
           </a:solidFill>
           <a:ln w="6350" cap="flat" cmpd="sng" algn="ctr">
             <a:solidFill>
@@ -11915,14 +12436,14 @@
       </p:sp>
       <p:sp>
         <p:nvSpPr>
-          <p:cNvPr id="359" name="TextBox 358"/>
+          <p:cNvPr id="368" name="TextBox 367"/>
           <p:cNvSpPr txBox="1"/>
           <p:nvPr/>
         </p:nvSpPr>
         <p:spPr>
           <a:xfrm>
-            <a:off x="6948264" y="3357091"/>
-            <a:ext cx="648072" cy="215444"/>
+            <a:off x="7236296" y="4077652"/>
+            <a:ext cx="1296144" cy="215444"/>
           </a:xfrm>
           <a:prstGeom prst="rect">
             <a:avLst/>
@@ -11965,7 +12486,7 @@
                 <a:uFillTx/>
                 <a:latin typeface="+mn-ea"/>
               </a:rPr>
-              <a:t>DB</a:t>
+              <a:t>Link object</a:t>
             </a:r>
             <a:endParaRPr kumimoji="0" lang="ko-KR" altLang="en-US" sz="800" b="0" i="0" u="none" strike="noStrike" kern="0" cap="none" spc="0" normalizeH="0" baseline="0" noProof="0" dirty="0">
               <a:ln>
@@ -11982,24 +12503,262 @@
           </a:p>
         </p:txBody>
       </p:sp>
+      <p:cxnSp>
+        <p:nvCxnSpPr>
+          <p:cNvPr id="369" name="꺾인 연결선 425"/>
+          <p:cNvCxnSpPr>
+            <a:endCxn id="371" idx="1"/>
+          </p:cNvCxnSpPr>
+          <p:nvPr/>
+        </p:nvCxnSpPr>
+        <p:spPr>
+          <a:xfrm>
+            <a:off x="7020272" y="2239999"/>
+            <a:ext cx="432048" cy="580"/>
+          </a:xfrm>
+          <a:prstGeom prst="bentConnector3">
+            <a:avLst>
+              <a:gd name="adj1" fmla="val 50000"/>
+            </a:avLst>
+          </a:prstGeom>
+          <a:noFill/>
+          <a:ln w="9525" cap="flat" cmpd="sng" algn="ctr">
+            <a:solidFill>
+              <a:srgbClr val="7030A0"/>
+            </a:solidFill>
+            <a:prstDash val="solid"/>
+            <a:headEnd type="oval" w="sm" len="sm"/>
+            <a:tailEnd type="triangle" w="sm" len="sm"/>
+          </a:ln>
+          <a:effectLst/>
+        </p:spPr>
+      </p:cxnSp>
       <p:sp>
         <p:nvSpPr>
-          <p:cNvPr id="360" name="직사각형 359"/>
+          <p:cNvPr id="370" name="TextBox 369"/>
+          <p:cNvSpPr txBox="1"/>
+          <p:nvPr/>
+        </p:nvSpPr>
+        <p:spPr>
+          <a:xfrm>
+            <a:off x="6804248" y="2132857"/>
+            <a:ext cx="360040" cy="215444"/>
+          </a:xfrm>
+          <a:prstGeom prst="rect">
+            <a:avLst/>
+          </a:prstGeom>
+          <a:noFill/>
+        </p:spPr>
+        <p:txBody>
+          <a:bodyPr wrap="square" rtlCol="0">
+            <a:spAutoFit/>
+          </a:bodyPr>
+          <a:lstStyle/>
+          <a:p>
+            <a:pPr marL="0" marR="0" lvl="0" indent="0" defTabSz="914400" eaLnBrk="1" fontAlgn="auto" latinLnBrk="0" hangingPunct="1">
+              <a:lnSpc>
+                <a:spcPct val="100000"/>
+              </a:lnSpc>
+              <a:spcBef>
+                <a:spcPts val="0"/>
+              </a:spcBef>
+              <a:spcAft>
+                <a:spcPts val="0"/>
+              </a:spcAft>
+              <a:buClrTx/>
+              <a:buSzTx/>
+              <a:buFontTx/>
+              <a:buNone/>
+              <a:tabLst/>
+              <a:defRPr/>
+            </a:pPr>
+            <a:r>
+              <a:rPr kumimoji="0" lang="en-US" altLang="ko-KR" sz="800" b="0" i="0" u="none" strike="noStrike" kern="0" cap="none" spc="0" normalizeH="0" baseline="0" noProof="0" dirty="0" smtClean="0">
+                <a:ln>
+                  <a:noFill/>
+                </a:ln>
+                <a:solidFill>
+                  <a:sysClr val="windowText" lastClr="000000"/>
+                </a:solidFill>
+                <a:effectLst/>
+                <a:uLnTx/>
+                <a:uFillTx/>
+                <a:latin typeface="+mn-ea"/>
+              </a:rPr>
+              <a:t>A</a:t>
+            </a:r>
+            <a:endParaRPr kumimoji="0" lang="ko-KR" altLang="en-US" sz="800" b="0" i="0" u="none" strike="noStrike" kern="0" cap="none" spc="0" normalizeH="0" baseline="0" noProof="0" dirty="0">
+              <a:ln>
+                <a:noFill/>
+              </a:ln>
+              <a:solidFill>
+                <a:sysClr val="windowText" lastClr="000000"/>
+              </a:solidFill>
+              <a:effectLst/>
+              <a:uLnTx/>
+              <a:uFillTx/>
+              <a:latin typeface="+mn-ea"/>
+            </a:endParaRPr>
+          </a:p>
+        </p:txBody>
+      </p:sp>
+      <p:sp>
+        <p:nvSpPr>
+          <p:cNvPr id="371" name="TextBox 370"/>
+          <p:cNvSpPr txBox="1"/>
+          <p:nvPr/>
+        </p:nvSpPr>
+        <p:spPr>
+          <a:xfrm>
+            <a:off x="7452320" y="2132857"/>
+            <a:ext cx="360040" cy="215444"/>
+          </a:xfrm>
+          <a:prstGeom prst="rect">
+            <a:avLst/>
+          </a:prstGeom>
+          <a:noFill/>
+        </p:spPr>
+        <p:txBody>
+          <a:bodyPr wrap="square" rtlCol="0">
+            <a:spAutoFit/>
+          </a:bodyPr>
+          <a:lstStyle/>
+          <a:p>
+            <a:pPr marL="0" marR="0" lvl="0" indent="0" defTabSz="914400" eaLnBrk="1" fontAlgn="auto" latinLnBrk="0" hangingPunct="1">
+              <a:lnSpc>
+                <a:spcPct val="100000"/>
+              </a:lnSpc>
+              <a:spcBef>
+                <a:spcPts val="0"/>
+              </a:spcBef>
+              <a:spcAft>
+                <a:spcPts val="0"/>
+              </a:spcAft>
+              <a:buClrTx/>
+              <a:buSzTx/>
+              <a:buFontTx/>
+              <a:buNone/>
+              <a:tabLst/>
+              <a:defRPr/>
+            </a:pPr>
+            <a:r>
+              <a:rPr kumimoji="0" lang="en-US" altLang="ko-KR" sz="800" b="0" i="0" u="none" strike="noStrike" kern="0" cap="none" spc="0" normalizeH="0" baseline="0" noProof="0" dirty="0" smtClean="0">
+                <a:ln>
+                  <a:noFill/>
+                </a:ln>
+                <a:solidFill>
+                  <a:sysClr val="windowText" lastClr="000000"/>
+                </a:solidFill>
+                <a:effectLst/>
+                <a:uLnTx/>
+                <a:uFillTx/>
+                <a:latin typeface="+mn-ea"/>
+              </a:rPr>
+              <a:t>B </a:t>
+            </a:r>
+            <a:endParaRPr kumimoji="0" lang="ko-KR" altLang="en-US" sz="800" b="0" i="0" u="none" strike="noStrike" kern="0" cap="none" spc="0" normalizeH="0" baseline="0" noProof="0" dirty="0">
+              <a:ln>
+                <a:noFill/>
+              </a:ln>
+              <a:solidFill>
+                <a:sysClr val="windowText" lastClr="000000"/>
+              </a:solidFill>
+              <a:effectLst/>
+              <a:uLnTx/>
+              <a:uFillTx/>
+              <a:latin typeface="+mn-ea"/>
+            </a:endParaRPr>
+          </a:p>
+        </p:txBody>
+      </p:sp>
+      <p:sp>
+        <p:nvSpPr>
+          <p:cNvPr id="372" name="TextBox 371"/>
+          <p:cNvSpPr txBox="1"/>
+          <p:nvPr/>
+        </p:nvSpPr>
+        <p:spPr>
+          <a:xfrm>
+            <a:off x="6876256" y="1916833"/>
+            <a:ext cx="1511400" cy="215444"/>
+          </a:xfrm>
+          <a:prstGeom prst="rect">
+            <a:avLst/>
+          </a:prstGeom>
+          <a:noFill/>
+        </p:spPr>
+        <p:txBody>
+          <a:bodyPr wrap="square" rtlCol="0">
+            <a:spAutoFit/>
+          </a:bodyPr>
+          <a:lstStyle/>
+          <a:p>
+            <a:pPr marL="0" marR="0" lvl="0" indent="0" defTabSz="914400" eaLnBrk="1" fontAlgn="auto" latinLnBrk="0" hangingPunct="1">
+              <a:lnSpc>
+                <a:spcPct val="100000"/>
+              </a:lnSpc>
+              <a:spcBef>
+                <a:spcPts val="0"/>
+              </a:spcBef>
+              <a:spcAft>
+                <a:spcPts val="0"/>
+              </a:spcAft>
+              <a:buClrTx/>
+              <a:buSzTx/>
+              <a:buFontTx/>
+              <a:buNone/>
+              <a:tabLst/>
+              <a:defRPr/>
+            </a:pPr>
+            <a:r>
+              <a:rPr kumimoji="0" lang="en-US" altLang="ko-KR" sz="800" b="0" i="0" u="none" strike="noStrike" kern="0" cap="none" spc="0" normalizeH="0" baseline="0" noProof="0" dirty="0" smtClean="0">
+                <a:ln>
+                  <a:noFill/>
+                </a:ln>
+                <a:solidFill>
+                  <a:sysClr val="windowText" lastClr="000000"/>
+                </a:solidFill>
+                <a:effectLst/>
+                <a:uLnTx/>
+                <a:uFillTx/>
+                <a:latin typeface="+mn-ea"/>
+              </a:rPr>
+              <a:t>: JSON event , from A to B</a:t>
+            </a:r>
+            <a:endParaRPr kumimoji="0" lang="ko-KR" altLang="en-US" sz="800" b="0" i="0" u="none" strike="noStrike" kern="0" cap="none" spc="0" normalizeH="0" baseline="0" noProof="0" dirty="0">
+              <a:ln>
+                <a:noFill/>
+              </a:ln>
+              <a:solidFill>
+                <a:sysClr val="windowText" lastClr="000000"/>
+              </a:solidFill>
+              <a:effectLst/>
+              <a:uLnTx/>
+              <a:uFillTx/>
+              <a:latin typeface="+mn-ea"/>
+            </a:endParaRPr>
+          </a:p>
+        </p:txBody>
+      </p:sp>
+      <p:sp>
+        <p:nvSpPr>
+          <p:cNvPr id="373" name="직사각형 372"/>
           <p:cNvSpPr/>
           <p:nvPr/>
         </p:nvSpPr>
         <p:spPr>
           <a:xfrm>
-            <a:off x="6660232" y="3645123"/>
+            <a:off x="6876256" y="4365105"/>
             <a:ext cx="360040" cy="216024"/>
           </a:xfrm>
           <a:prstGeom prst="rect">
             <a:avLst/>
           </a:prstGeom>
           <a:solidFill>
-            <a:sysClr val="window" lastClr="FFFFFF">
-              <a:lumMod val="85000"/>
-            </a:sysClr>
+            <a:srgbClr val="F79646">
+              <a:lumMod val="60000"/>
+              <a:lumOff val="40000"/>
+            </a:srgbClr>
           </a:solidFill>
           <a:ln w="6350" cap="flat" cmpd="sng" algn="ctr">
             <a:solidFill>
@@ -12048,14 +12807,14 @@
       </p:sp>
       <p:sp>
         <p:nvSpPr>
-          <p:cNvPr id="361" name="TextBox 360"/>
+          <p:cNvPr id="374" name="TextBox 373"/>
           <p:cNvSpPr txBox="1"/>
           <p:nvPr/>
         </p:nvSpPr>
         <p:spPr>
           <a:xfrm>
-            <a:off x="7020272" y="3645703"/>
-            <a:ext cx="648072" cy="215444"/>
+            <a:off x="7236296" y="4365105"/>
+            <a:ext cx="1224136" cy="215444"/>
           </a:xfrm>
           <a:prstGeom prst="rect">
             <a:avLst/>
@@ -12098,7 +12857,7 @@
                 <a:uFillTx/>
                 <a:latin typeface="+mn-ea"/>
               </a:rPr>
-              <a:t>Manager</a:t>
+              <a:t>rule thread object</a:t>
             </a:r>
             <a:endParaRPr kumimoji="0" lang="ko-KR" altLang="en-US" sz="800" b="0" i="0" u="none" strike="noStrike" kern="0" cap="none" spc="0" normalizeH="0" baseline="0" noProof="0" dirty="0">
               <a:ln>
@@ -12111,1253 +12870,6 @@
               <a:uLnTx/>
               <a:uFillTx/>
               <a:latin typeface="+mn-ea"/>
-            </a:endParaRPr>
-          </a:p>
-        </p:txBody>
-      </p:sp>
-      <p:sp>
-        <p:nvSpPr>
-          <p:cNvPr id="362" name="직사각형 361"/>
-          <p:cNvSpPr/>
-          <p:nvPr/>
-        </p:nvSpPr>
-        <p:spPr>
-          <a:xfrm>
-            <a:off x="6660232" y="3933155"/>
-            <a:ext cx="360040" cy="216024"/>
-          </a:xfrm>
-          <a:prstGeom prst="rect">
-            <a:avLst/>
-          </a:prstGeom>
-          <a:solidFill>
-            <a:srgbClr val="FFC000"/>
-          </a:solidFill>
-          <a:ln w="6350" cap="flat" cmpd="sng" algn="ctr">
-            <a:solidFill>
-              <a:sysClr val="windowText" lastClr="000000"/>
-            </a:solidFill>
-            <a:prstDash val="solid"/>
-          </a:ln>
-          <a:effectLst/>
-        </p:spPr>
-        <p:txBody>
-          <a:bodyPr rtlCol="0" anchor="ctr"/>
-          <a:lstStyle/>
-          <a:p>
-            <a:pPr marL="0" marR="0" lvl="0" indent="0" defTabSz="914400" eaLnBrk="1" fontAlgn="auto" latinLnBrk="0" hangingPunct="1">
-              <a:lnSpc>
-                <a:spcPct val="100000"/>
-              </a:lnSpc>
-              <a:spcBef>
-                <a:spcPts val="0"/>
-              </a:spcBef>
-              <a:spcAft>
-                <a:spcPts val="0"/>
-              </a:spcAft>
-              <a:buClrTx/>
-              <a:buSzTx/>
-              <a:buFontTx/>
-              <a:buNone/>
-              <a:tabLst/>
-              <a:defRPr/>
-            </a:pPr>
-            <a:endParaRPr kumimoji="0" lang="ko-KR" altLang="en-US" sz="800" b="0" i="0" u="none" strike="noStrike" kern="0" cap="none" spc="0" normalizeH="0" baseline="0" noProof="0" dirty="0">
-              <a:ln>
-                <a:noFill/>
-              </a:ln>
-              <a:solidFill>
-                <a:sysClr val="windowText" lastClr="000000"/>
-              </a:solidFill>
-              <a:effectLst/>
-              <a:uLnTx/>
-              <a:uFillTx/>
-              <a:latin typeface="+mn-ea"/>
-              <a:cs typeface="+mn-cs"/>
-            </a:endParaRPr>
-          </a:p>
-        </p:txBody>
-      </p:sp>
-      <p:sp>
-        <p:nvSpPr>
-          <p:cNvPr id="363" name="TextBox 362"/>
-          <p:cNvSpPr txBox="1"/>
-          <p:nvPr/>
-        </p:nvSpPr>
-        <p:spPr>
-          <a:xfrm>
-            <a:off x="7020272" y="3861147"/>
-            <a:ext cx="1152128" cy="338554"/>
-          </a:xfrm>
-          <a:prstGeom prst="rect">
-            <a:avLst/>
-          </a:prstGeom>
-          <a:noFill/>
-        </p:spPr>
-        <p:txBody>
-          <a:bodyPr wrap="square" rtlCol="0">
-            <a:spAutoFit/>
-          </a:bodyPr>
-          <a:lstStyle/>
-          <a:p>
-            <a:pPr marL="0" marR="0" lvl="0" indent="0" defTabSz="914400" eaLnBrk="1" fontAlgn="auto" latinLnBrk="0" hangingPunct="1">
-              <a:lnSpc>
-                <a:spcPct val="100000"/>
-              </a:lnSpc>
-              <a:spcBef>
-                <a:spcPts val="0"/>
-              </a:spcBef>
-              <a:spcAft>
-                <a:spcPts val="0"/>
-              </a:spcAft>
-              <a:buClrTx/>
-              <a:buSzTx/>
-              <a:buFontTx/>
-              <a:buNone/>
-              <a:tabLst/>
-              <a:defRPr/>
-            </a:pPr>
-            <a:r>
-              <a:rPr kumimoji="0" lang="en-US" altLang="ko-KR" sz="800" b="0" i="0" u="none" strike="noStrike" kern="0" cap="none" spc="0" normalizeH="0" baseline="0" noProof="0" dirty="0" smtClean="0">
-                <a:ln>
-                  <a:noFill/>
-                </a:ln>
-                <a:solidFill>
-                  <a:sysClr val="windowText" lastClr="000000"/>
-                </a:solidFill>
-                <a:effectLst/>
-                <a:uLnTx/>
-                <a:uFillTx/>
-                <a:latin typeface="+mn-ea"/>
-              </a:rPr>
-              <a:t>Thing object</a:t>
-            </a:r>
-          </a:p>
-          <a:p>
-            <a:pPr marL="0" marR="0" lvl="0" indent="0" defTabSz="914400" eaLnBrk="1" fontAlgn="auto" latinLnBrk="0" hangingPunct="1">
-              <a:lnSpc>
-                <a:spcPct val="100000"/>
-              </a:lnSpc>
-              <a:spcBef>
-                <a:spcPts val="0"/>
-              </a:spcBef>
-              <a:spcAft>
-                <a:spcPts val="0"/>
-              </a:spcAft>
-              <a:buClrTx/>
-              <a:buSzTx/>
-              <a:buFontTx/>
-              <a:buNone/>
-              <a:tabLst/>
-              <a:defRPr/>
-            </a:pPr>
-            <a:r>
-              <a:rPr kumimoji="0" lang="en-US" altLang="ko-KR" sz="800" b="0" i="0" u="none" strike="noStrike" kern="0" cap="none" spc="0" normalizeH="0" baseline="0" noProof="0" dirty="0" smtClean="0">
-                <a:ln>
-                  <a:noFill/>
-                </a:ln>
-                <a:solidFill>
-                  <a:sysClr val="windowText" lastClr="000000"/>
-                </a:solidFill>
-                <a:effectLst/>
-                <a:uLnTx/>
-                <a:uFillTx/>
-                <a:latin typeface="+mn-ea"/>
-              </a:rPr>
-              <a:t> (Sensor, actuator...)</a:t>
-            </a:r>
-            <a:endParaRPr kumimoji="0" lang="ko-KR" altLang="en-US" sz="800" b="0" i="0" u="none" strike="noStrike" kern="0" cap="none" spc="0" normalizeH="0" baseline="0" noProof="0" dirty="0">
-              <a:ln>
-                <a:noFill/>
-              </a:ln>
-              <a:solidFill>
-                <a:sysClr val="windowText" lastClr="000000"/>
-              </a:solidFill>
-              <a:effectLst/>
-              <a:uLnTx/>
-              <a:uFillTx/>
-              <a:latin typeface="+mn-ea"/>
-            </a:endParaRPr>
-          </a:p>
-        </p:txBody>
-      </p:sp>
-      <p:sp>
-        <p:nvSpPr>
-          <p:cNvPr id="364" name="직사각형 363"/>
-          <p:cNvSpPr/>
-          <p:nvPr/>
-        </p:nvSpPr>
-        <p:spPr>
-          <a:xfrm>
-            <a:off x="6660232" y="4221187"/>
-            <a:ext cx="360040" cy="216024"/>
-          </a:xfrm>
-          <a:prstGeom prst="rect">
-            <a:avLst/>
-          </a:prstGeom>
-          <a:solidFill>
-            <a:srgbClr val="92D050"/>
-          </a:solidFill>
-          <a:ln w="6350" cap="flat" cmpd="sng" algn="ctr">
-            <a:solidFill>
-              <a:sysClr val="windowText" lastClr="000000"/>
-            </a:solidFill>
-            <a:prstDash val="solid"/>
-          </a:ln>
-          <a:effectLst/>
-        </p:spPr>
-        <p:txBody>
-          <a:bodyPr rtlCol="0" anchor="ctr"/>
-          <a:lstStyle/>
-          <a:p>
-            <a:pPr marL="0" marR="0" lvl="0" indent="0" defTabSz="914400" eaLnBrk="1" fontAlgn="auto" latinLnBrk="0" hangingPunct="1">
-              <a:lnSpc>
-                <a:spcPct val="100000"/>
-              </a:lnSpc>
-              <a:spcBef>
-                <a:spcPts val="0"/>
-              </a:spcBef>
-              <a:spcAft>
-                <a:spcPts val="0"/>
-              </a:spcAft>
-              <a:buClrTx/>
-              <a:buSzTx/>
-              <a:buFontTx/>
-              <a:buNone/>
-              <a:tabLst/>
-              <a:defRPr/>
-            </a:pPr>
-            <a:endParaRPr kumimoji="0" lang="ko-KR" altLang="en-US" sz="800" b="0" i="0" u="none" strike="noStrike" kern="0" cap="none" spc="0" normalizeH="0" baseline="0" noProof="0" dirty="0">
-              <a:ln>
-                <a:noFill/>
-              </a:ln>
-              <a:solidFill>
-                <a:sysClr val="windowText" lastClr="000000"/>
-              </a:solidFill>
-              <a:effectLst/>
-              <a:uLnTx/>
-              <a:uFillTx/>
-              <a:latin typeface="+mn-ea"/>
-              <a:cs typeface="+mn-cs"/>
-            </a:endParaRPr>
-          </a:p>
-        </p:txBody>
-      </p:sp>
-      <p:sp>
-        <p:nvSpPr>
-          <p:cNvPr id="365" name="TextBox 364"/>
-          <p:cNvSpPr txBox="1"/>
-          <p:nvPr/>
-        </p:nvSpPr>
-        <p:spPr>
-          <a:xfrm>
-            <a:off x="7020272" y="4221187"/>
-            <a:ext cx="1008112" cy="215444"/>
-          </a:xfrm>
-          <a:prstGeom prst="rect">
-            <a:avLst/>
-          </a:prstGeom>
-          <a:noFill/>
-        </p:spPr>
-        <p:txBody>
-          <a:bodyPr wrap="square" rtlCol="0">
-            <a:spAutoFit/>
-          </a:bodyPr>
-          <a:lstStyle/>
-          <a:p>
-            <a:pPr marL="0" marR="0" lvl="0" indent="0" defTabSz="914400" eaLnBrk="1" fontAlgn="auto" latinLnBrk="0" hangingPunct="1">
-              <a:lnSpc>
-                <a:spcPct val="100000"/>
-              </a:lnSpc>
-              <a:spcBef>
-                <a:spcPts val="0"/>
-              </a:spcBef>
-              <a:spcAft>
-                <a:spcPts val="0"/>
-              </a:spcAft>
-              <a:buClrTx/>
-              <a:buSzTx/>
-              <a:buFontTx/>
-              <a:buNone/>
-              <a:tabLst/>
-              <a:defRPr/>
-            </a:pPr>
-            <a:r>
-              <a:rPr kumimoji="0" lang="en-US" altLang="ko-KR" sz="800" b="0" i="0" u="none" strike="noStrike" kern="0" cap="none" spc="0" normalizeH="0" baseline="0" noProof="0" dirty="0" smtClean="0">
-                <a:ln>
-                  <a:noFill/>
-                </a:ln>
-                <a:solidFill>
-                  <a:sysClr val="windowText" lastClr="000000"/>
-                </a:solidFill>
-                <a:effectLst/>
-                <a:uLnTx/>
-                <a:uFillTx/>
-                <a:latin typeface="+mn-ea"/>
-              </a:rPr>
-              <a:t>Node object</a:t>
-            </a:r>
-            <a:endParaRPr kumimoji="0" lang="ko-KR" altLang="en-US" sz="800" b="0" i="0" u="none" strike="noStrike" kern="0" cap="none" spc="0" normalizeH="0" baseline="0" noProof="0" dirty="0">
-              <a:ln>
-                <a:noFill/>
-              </a:ln>
-              <a:solidFill>
-                <a:sysClr val="windowText" lastClr="000000"/>
-              </a:solidFill>
-              <a:effectLst/>
-              <a:uLnTx/>
-              <a:uFillTx/>
-              <a:latin typeface="+mn-ea"/>
-            </a:endParaRPr>
-          </a:p>
-        </p:txBody>
-      </p:sp>
-      <p:sp>
-        <p:nvSpPr>
-          <p:cNvPr id="366" name="직사각형 365"/>
-          <p:cNvSpPr/>
-          <p:nvPr/>
-        </p:nvSpPr>
-        <p:spPr>
-          <a:xfrm>
-            <a:off x="1979712" y="4365203"/>
-            <a:ext cx="72008" cy="72008"/>
-          </a:xfrm>
-          <a:prstGeom prst="rect">
-            <a:avLst/>
-          </a:prstGeom>
-          <a:noFill/>
-          <a:ln w="25400" cap="flat" cmpd="sng" algn="ctr">
-            <a:noFill/>
-            <a:prstDash val="solid"/>
-          </a:ln>
-          <a:effectLst/>
-        </p:spPr>
-        <p:txBody>
-          <a:bodyPr rtlCol="0" anchor="ctr"/>
-          <a:lstStyle/>
-          <a:p>
-            <a:pPr marL="0" marR="0" lvl="0" indent="0" algn="ctr" defTabSz="914400" eaLnBrk="1" fontAlgn="auto" latinLnBrk="0" hangingPunct="1">
-              <a:lnSpc>
-                <a:spcPct val="100000"/>
-              </a:lnSpc>
-              <a:spcBef>
-                <a:spcPts val="0"/>
-              </a:spcBef>
-              <a:spcAft>
-                <a:spcPts val="0"/>
-              </a:spcAft>
-              <a:buClrTx/>
-              <a:buSzTx/>
-              <a:buFontTx/>
-              <a:buNone/>
-              <a:tabLst/>
-              <a:defRPr/>
-            </a:pPr>
-            <a:endParaRPr kumimoji="0" lang="ko-KR" altLang="en-US" sz="800" b="0" i="0" u="none" strike="noStrike" kern="0" cap="none" spc="0" normalizeH="0" baseline="0" noProof="0">
-              <a:ln>
-                <a:noFill/>
-              </a:ln>
-              <a:solidFill>
-                <a:sysClr val="window" lastClr="FFFFFF"/>
-              </a:solidFill>
-              <a:effectLst/>
-              <a:uLnTx/>
-              <a:uFillTx/>
-              <a:latin typeface="+mn-ea"/>
-              <a:cs typeface="+mn-cs"/>
-            </a:endParaRPr>
-          </a:p>
-        </p:txBody>
-      </p:sp>
-      <p:sp>
-        <p:nvSpPr>
-          <p:cNvPr id="367" name="직사각형 366"/>
-          <p:cNvSpPr/>
-          <p:nvPr/>
-        </p:nvSpPr>
-        <p:spPr>
-          <a:xfrm>
-            <a:off x="6660232" y="4509219"/>
-            <a:ext cx="360040" cy="216024"/>
-          </a:xfrm>
-          <a:prstGeom prst="rect">
-            <a:avLst/>
-          </a:prstGeom>
-          <a:solidFill>
-            <a:srgbClr val="FFFF00"/>
-          </a:solidFill>
-          <a:ln w="6350" cap="flat" cmpd="sng" algn="ctr">
-            <a:solidFill>
-              <a:sysClr val="windowText" lastClr="000000"/>
-            </a:solidFill>
-            <a:prstDash val="solid"/>
-          </a:ln>
-          <a:effectLst/>
-        </p:spPr>
-        <p:txBody>
-          <a:bodyPr rtlCol="0" anchor="ctr"/>
-          <a:lstStyle/>
-          <a:p>
-            <a:pPr marL="0" marR="0" lvl="0" indent="0" defTabSz="914400" eaLnBrk="1" fontAlgn="auto" latinLnBrk="0" hangingPunct="1">
-              <a:lnSpc>
-                <a:spcPct val="100000"/>
-              </a:lnSpc>
-              <a:spcBef>
-                <a:spcPts val="0"/>
-              </a:spcBef>
-              <a:spcAft>
-                <a:spcPts val="0"/>
-              </a:spcAft>
-              <a:buClrTx/>
-              <a:buSzTx/>
-              <a:buFontTx/>
-              <a:buNone/>
-              <a:tabLst/>
-              <a:defRPr/>
-            </a:pPr>
-            <a:endParaRPr kumimoji="0" lang="ko-KR" altLang="en-US" sz="800" b="0" i="0" u="none" strike="noStrike" kern="0" cap="none" spc="0" normalizeH="0" baseline="0" noProof="0" dirty="0">
-              <a:ln>
-                <a:noFill/>
-              </a:ln>
-              <a:solidFill>
-                <a:sysClr val="windowText" lastClr="000000"/>
-              </a:solidFill>
-              <a:effectLst/>
-              <a:uLnTx/>
-              <a:uFillTx/>
-              <a:latin typeface="+mn-ea"/>
-              <a:cs typeface="+mn-cs"/>
-            </a:endParaRPr>
-          </a:p>
-        </p:txBody>
-      </p:sp>
-      <p:sp>
-        <p:nvSpPr>
-          <p:cNvPr id="368" name="TextBox 367"/>
-          <p:cNvSpPr txBox="1"/>
-          <p:nvPr/>
-        </p:nvSpPr>
-        <p:spPr>
-          <a:xfrm>
-            <a:off x="7020272" y="4437211"/>
-            <a:ext cx="1296144" cy="338554"/>
-          </a:xfrm>
-          <a:prstGeom prst="rect">
-            <a:avLst/>
-          </a:prstGeom>
-          <a:noFill/>
-        </p:spPr>
-        <p:txBody>
-          <a:bodyPr wrap="square" rtlCol="0">
-            <a:spAutoFit/>
-          </a:bodyPr>
-          <a:lstStyle/>
-          <a:p>
-            <a:pPr marL="0" marR="0" lvl="0" indent="0" defTabSz="914400" eaLnBrk="1" fontAlgn="auto" latinLnBrk="0" hangingPunct="1">
-              <a:lnSpc>
-                <a:spcPct val="100000"/>
-              </a:lnSpc>
-              <a:spcBef>
-                <a:spcPts val="0"/>
-              </a:spcBef>
-              <a:spcAft>
-                <a:spcPts val="0"/>
-              </a:spcAft>
-              <a:buClrTx/>
-              <a:buSzTx/>
-              <a:buFontTx/>
-              <a:buNone/>
-              <a:tabLst/>
-              <a:defRPr/>
-            </a:pPr>
-            <a:r>
-              <a:rPr kumimoji="0" lang="en-US" altLang="ko-KR" sz="800" b="0" i="0" u="none" strike="noStrike" kern="0" cap="none" spc="0" normalizeH="0" baseline="0" noProof="0" dirty="0" smtClean="0">
-                <a:ln>
-                  <a:noFill/>
-                </a:ln>
-                <a:solidFill>
-                  <a:sysClr val="windowText" lastClr="000000"/>
-                </a:solidFill>
-                <a:effectLst/>
-                <a:uLnTx/>
-                <a:uFillTx/>
-                <a:latin typeface="+mn-ea"/>
-              </a:rPr>
-              <a:t>Communication module</a:t>
-            </a:r>
-          </a:p>
-          <a:p>
-            <a:pPr marL="0" marR="0" lvl="0" indent="0" defTabSz="914400" eaLnBrk="1" fontAlgn="auto" latinLnBrk="0" hangingPunct="1">
-              <a:lnSpc>
-                <a:spcPct val="100000"/>
-              </a:lnSpc>
-              <a:spcBef>
-                <a:spcPts val="0"/>
-              </a:spcBef>
-              <a:spcAft>
-                <a:spcPts val="0"/>
-              </a:spcAft>
-              <a:buClrTx/>
-              <a:buSzTx/>
-              <a:buFontTx/>
-              <a:buNone/>
-              <a:tabLst/>
-              <a:defRPr/>
-            </a:pPr>
-            <a:r>
-              <a:rPr kumimoji="0" lang="en-US" altLang="ko-KR" sz="800" b="0" i="0" u="none" strike="noStrike" kern="0" cap="none" spc="0" normalizeH="0" baseline="0" noProof="0" dirty="0" smtClean="0">
-                <a:ln>
-                  <a:noFill/>
-                </a:ln>
-                <a:solidFill>
-                  <a:sysClr val="windowText" lastClr="000000"/>
-                </a:solidFill>
-                <a:effectLst/>
-                <a:uLnTx/>
-                <a:uFillTx/>
-                <a:latin typeface="+mn-ea"/>
-              </a:rPr>
-              <a:t>(</a:t>
-            </a:r>
-            <a:r>
-              <a:rPr kumimoji="0" lang="en-US" altLang="ko-KR" sz="800" b="0" i="0" u="none" strike="noStrike" kern="0" cap="none" spc="0" normalizeH="0" baseline="0" noProof="0" dirty="0" err="1" smtClean="0">
-                <a:ln>
-                  <a:noFill/>
-                </a:ln>
-                <a:solidFill>
-                  <a:sysClr val="windowText" lastClr="000000"/>
-                </a:solidFill>
-                <a:effectLst/>
-                <a:uLnTx/>
-                <a:uFillTx/>
-                <a:latin typeface="+mn-ea"/>
-              </a:rPr>
-              <a:t>Wifi</a:t>
-            </a:r>
-            <a:r>
-              <a:rPr kumimoji="0" lang="en-US" altLang="ko-KR" sz="800" b="0" i="0" u="none" strike="noStrike" kern="0" cap="none" spc="0" normalizeH="0" baseline="0" noProof="0" dirty="0" smtClean="0">
-                <a:ln>
-                  <a:noFill/>
-                </a:ln>
-                <a:solidFill>
-                  <a:sysClr val="windowText" lastClr="000000"/>
-                </a:solidFill>
-                <a:effectLst/>
-                <a:uLnTx/>
-                <a:uFillTx/>
-                <a:latin typeface="+mn-ea"/>
-              </a:rPr>
-              <a:t>, </a:t>
-            </a:r>
-            <a:r>
-              <a:rPr kumimoji="0" lang="en-US" altLang="ko-KR" sz="800" b="0" i="0" u="none" strike="noStrike" kern="0" cap="none" spc="0" normalizeH="0" baseline="0" noProof="0" dirty="0" err="1" smtClean="0">
-                <a:ln>
-                  <a:noFill/>
-                </a:ln>
-                <a:solidFill>
-                  <a:sysClr val="windowText" lastClr="000000"/>
-                </a:solidFill>
-                <a:effectLst/>
-                <a:uLnTx/>
-                <a:uFillTx/>
-                <a:latin typeface="+mn-ea"/>
-              </a:rPr>
-              <a:t>bluetooth</a:t>
-            </a:r>
-            <a:r>
-              <a:rPr kumimoji="0" lang="en-US" altLang="ko-KR" sz="800" b="0" i="0" u="none" strike="noStrike" kern="0" cap="none" spc="0" normalizeH="0" baseline="0" noProof="0" dirty="0" smtClean="0">
-                <a:ln>
-                  <a:noFill/>
-                </a:ln>
-                <a:solidFill>
-                  <a:sysClr val="windowText" lastClr="000000"/>
-                </a:solidFill>
-                <a:effectLst/>
-                <a:uLnTx/>
-                <a:uFillTx/>
-                <a:latin typeface="+mn-ea"/>
-              </a:rPr>
-              <a:t>…)</a:t>
-            </a:r>
-            <a:endParaRPr kumimoji="0" lang="ko-KR" altLang="en-US" sz="800" b="0" i="0" u="none" strike="noStrike" kern="0" cap="none" spc="0" normalizeH="0" baseline="0" noProof="0" dirty="0">
-              <a:ln>
-                <a:noFill/>
-              </a:ln>
-              <a:solidFill>
-                <a:sysClr val="windowText" lastClr="000000"/>
-              </a:solidFill>
-              <a:effectLst/>
-              <a:uLnTx/>
-              <a:uFillTx/>
-              <a:latin typeface="+mn-ea"/>
-            </a:endParaRPr>
-          </a:p>
-        </p:txBody>
-      </p:sp>
-      <p:cxnSp>
-        <p:nvCxnSpPr>
-          <p:cNvPr id="369" name="꺾인 연결선 425"/>
-          <p:cNvCxnSpPr>
-            <a:endCxn id="371" idx="1"/>
-          </p:cNvCxnSpPr>
-          <p:nvPr/>
-        </p:nvCxnSpPr>
-        <p:spPr>
-          <a:xfrm>
-            <a:off x="6804248" y="2672145"/>
-            <a:ext cx="432048" cy="580"/>
-          </a:xfrm>
-          <a:prstGeom prst="bentConnector3">
-            <a:avLst>
-              <a:gd name="adj1" fmla="val 50000"/>
-            </a:avLst>
-          </a:prstGeom>
-          <a:noFill/>
-          <a:ln w="9525" cap="flat" cmpd="sng" algn="ctr">
-            <a:solidFill>
-              <a:srgbClr val="7030A0"/>
-            </a:solidFill>
-            <a:prstDash val="solid"/>
-            <a:headEnd type="oval" w="sm" len="sm"/>
-            <a:tailEnd type="triangle" w="sm" len="sm"/>
-          </a:ln>
-          <a:effectLst/>
-        </p:spPr>
-      </p:cxnSp>
-      <p:sp>
-        <p:nvSpPr>
-          <p:cNvPr id="370" name="TextBox 369"/>
-          <p:cNvSpPr txBox="1"/>
-          <p:nvPr/>
-        </p:nvSpPr>
-        <p:spPr>
-          <a:xfrm>
-            <a:off x="6588224" y="2565003"/>
-            <a:ext cx="360040" cy="215444"/>
-          </a:xfrm>
-          <a:prstGeom prst="rect">
-            <a:avLst/>
-          </a:prstGeom>
-          <a:noFill/>
-        </p:spPr>
-        <p:txBody>
-          <a:bodyPr wrap="square" rtlCol="0">
-            <a:spAutoFit/>
-          </a:bodyPr>
-          <a:lstStyle/>
-          <a:p>
-            <a:pPr marL="0" marR="0" lvl="0" indent="0" defTabSz="914400" eaLnBrk="1" fontAlgn="auto" latinLnBrk="0" hangingPunct="1">
-              <a:lnSpc>
-                <a:spcPct val="100000"/>
-              </a:lnSpc>
-              <a:spcBef>
-                <a:spcPts val="0"/>
-              </a:spcBef>
-              <a:spcAft>
-                <a:spcPts val="0"/>
-              </a:spcAft>
-              <a:buClrTx/>
-              <a:buSzTx/>
-              <a:buFontTx/>
-              <a:buNone/>
-              <a:tabLst/>
-              <a:defRPr/>
-            </a:pPr>
-            <a:r>
-              <a:rPr kumimoji="0" lang="en-US" altLang="ko-KR" sz="800" b="0" i="0" u="none" strike="noStrike" kern="0" cap="none" spc="0" normalizeH="0" baseline="0" noProof="0" dirty="0" smtClean="0">
-                <a:ln>
-                  <a:noFill/>
-                </a:ln>
-                <a:solidFill>
-                  <a:sysClr val="windowText" lastClr="000000"/>
-                </a:solidFill>
-                <a:effectLst/>
-                <a:uLnTx/>
-                <a:uFillTx/>
-                <a:latin typeface="+mn-ea"/>
-              </a:rPr>
-              <a:t>A</a:t>
-            </a:r>
-            <a:endParaRPr kumimoji="0" lang="ko-KR" altLang="en-US" sz="800" b="0" i="0" u="none" strike="noStrike" kern="0" cap="none" spc="0" normalizeH="0" baseline="0" noProof="0" dirty="0">
-              <a:ln>
-                <a:noFill/>
-              </a:ln>
-              <a:solidFill>
-                <a:sysClr val="windowText" lastClr="000000"/>
-              </a:solidFill>
-              <a:effectLst/>
-              <a:uLnTx/>
-              <a:uFillTx/>
-              <a:latin typeface="+mn-ea"/>
-            </a:endParaRPr>
-          </a:p>
-        </p:txBody>
-      </p:sp>
-      <p:sp>
-        <p:nvSpPr>
-          <p:cNvPr id="371" name="TextBox 370"/>
-          <p:cNvSpPr txBox="1"/>
-          <p:nvPr/>
-        </p:nvSpPr>
-        <p:spPr>
-          <a:xfrm>
-            <a:off x="7236296" y="2565003"/>
-            <a:ext cx="360040" cy="215444"/>
-          </a:xfrm>
-          <a:prstGeom prst="rect">
-            <a:avLst/>
-          </a:prstGeom>
-          <a:noFill/>
-        </p:spPr>
-        <p:txBody>
-          <a:bodyPr wrap="square" rtlCol="0">
-            <a:spAutoFit/>
-          </a:bodyPr>
-          <a:lstStyle/>
-          <a:p>
-            <a:pPr marL="0" marR="0" lvl="0" indent="0" defTabSz="914400" eaLnBrk="1" fontAlgn="auto" latinLnBrk="0" hangingPunct="1">
-              <a:lnSpc>
-                <a:spcPct val="100000"/>
-              </a:lnSpc>
-              <a:spcBef>
-                <a:spcPts val="0"/>
-              </a:spcBef>
-              <a:spcAft>
-                <a:spcPts val="0"/>
-              </a:spcAft>
-              <a:buClrTx/>
-              <a:buSzTx/>
-              <a:buFontTx/>
-              <a:buNone/>
-              <a:tabLst/>
-              <a:defRPr/>
-            </a:pPr>
-            <a:r>
-              <a:rPr kumimoji="0" lang="en-US" altLang="ko-KR" sz="800" b="0" i="0" u="none" strike="noStrike" kern="0" cap="none" spc="0" normalizeH="0" baseline="0" noProof="0" dirty="0" smtClean="0">
-                <a:ln>
-                  <a:noFill/>
-                </a:ln>
-                <a:solidFill>
-                  <a:sysClr val="windowText" lastClr="000000"/>
-                </a:solidFill>
-                <a:effectLst/>
-                <a:uLnTx/>
-                <a:uFillTx/>
-                <a:latin typeface="+mn-ea"/>
-              </a:rPr>
-              <a:t>B </a:t>
-            </a:r>
-            <a:endParaRPr kumimoji="0" lang="ko-KR" altLang="en-US" sz="800" b="0" i="0" u="none" strike="noStrike" kern="0" cap="none" spc="0" normalizeH="0" baseline="0" noProof="0" dirty="0">
-              <a:ln>
-                <a:noFill/>
-              </a:ln>
-              <a:solidFill>
-                <a:sysClr val="windowText" lastClr="000000"/>
-              </a:solidFill>
-              <a:effectLst/>
-              <a:uLnTx/>
-              <a:uFillTx/>
-              <a:latin typeface="+mn-ea"/>
-            </a:endParaRPr>
-          </a:p>
-        </p:txBody>
-      </p:sp>
-      <p:sp>
-        <p:nvSpPr>
-          <p:cNvPr id="372" name="TextBox 371"/>
-          <p:cNvSpPr txBox="1"/>
-          <p:nvPr/>
-        </p:nvSpPr>
-        <p:spPr>
-          <a:xfrm>
-            <a:off x="6660232" y="2348979"/>
-            <a:ext cx="1511400" cy="215444"/>
-          </a:xfrm>
-          <a:prstGeom prst="rect">
-            <a:avLst/>
-          </a:prstGeom>
-          <a:noFill/>
-        </p:spPr>
-        <p:txBody>
-          <a:bodyPr wrap="square" rtlCol="0">
-            <a:spAutoFit/>
-          </a:bodyPr>
-          <a:lstStyle/>
-          <a:p>
-            <a:pPr marL="0" marR="0" lvl="0" indent="0" defTabSz="914400" eaLnBrk="1" fontAlgn="auto" latinLnBrk="0" hangingPunct="1">
-              <a:lnSpc>
-                <a:spcPct val="100000"/>
-              </a:lnSpc>
-              <a:spcBef>
-                <a:spcPts val="0"/>
-              </a:spcBef>
-              <a:spcAft>
-                <a:spcPts val="0"/>
-              </a:spcAft>
-              <a:buClrTx/>
-              <a:buSzTx/>
-              <a:buFontTx/>
-              <a:buNone/>
-              <a:tabLst/>
-              <a:defRPr/>
-            </a:pPr>
-            <a:r>
-              <a:rPr kumimoji="0" lang="en-US" altLang="ko-KR" sz="800" b="0" i="0" u="none" strike="noStrike" kern="0" cap="none" spc="0" normalizeH="0" baseline="0" noProof="0" dirty="0" smtClean="0">
-                <a:ln>
-                  <a:noFill/>
-                </a:ln>
-                <a:solidFill>
-                  <a:sysClr val="windowText" lastClr="000000"/>
-                </a:solidFill>
-                <a:effectLst/>
-                <a:uLnTx/>
-                <a:uFillTx/>
-                <a:latin typeface="+mn-ea"/>
-              </a:rPr>
-              <a:t>: JSON event , from A to B</a:t>
-            </a:r>
-            <a:endParaRPr kumimoji="0" lang="ko-KR" altLang="en-US" sz="800" b="0" i="0" u="none" strike="noStrike" kern="0" cap="none" spc="0" normalizeH="0" baseline="0" noProof="0" dirty="0">
-              <a:ln>
-                <a:noFill/>
-              </a:ln>
-              <a:solidFill>
-                <a:sysClr val="windowText" lastClr="000000"/>
-              </a:solidFill>
-              <a:effectLst/>
-              <a:uLnTx/>
-              <a:uFillTx/>
-              <a:latin typeface="+mn-ea"/>
-            </a:endParaRPr>
-          </a:p>
-        </p:txBody>
-      </p:sp>
-      <p:sp>
-        <p:nvSpPr>
-          <p:cNvPr id="373" name="직사각형 372"/>
-          <p:cNvSpPr/>
-          <p:nvPr/>
-        </p:nvSpPr>
-        <p:spPr>
-          <a:xfrm>
-            <a:off x="6660232" y="4797251"/>
-            <a:ext cx="360040" cy="216024"/>
-          </a:xfrm>
-          <a:prstGeom prst="rect">
-            <a:avLst/>
-          </a:prstGeom>
-          <a:solidFill>
-            <a:srgbClr val="F79646">
-              <a:lumMod val="60000"/>
-              <a:lumOff val="40000"/>
-            </a:srgbClr>
-          </a:solidFill>
-          <a:ln w="6350" cap="flat" cmpd="sng" algn="ctr">
-            <a:solidFill>
-              <a:sysClr val="windowText" lastClr="000000"/>
-            </a:solidFill>
-            <a:prstDash val="solid"/>
-          </a:ln>
-          <a:effectLst/>
-        </p:spPr>
-        <p:txBody>
-          <a:bodyPr rtlCol="0" anchor="ctr"/>
-          <a:lstStyle/>
-          <a:p>
-            <a:pPr marL="0" marR="0" lvl="0" indent="0" defTabSz="914400" eaLnBrk="1" fontAlgn="auto" latinLnBrk="0" hangingPunct="1">
-              <a:lnSpc>
-                <a:spcPct val="100000"/>
-              </a:lnSpc>
-              <a:spcBef>
-                <a:spcPts val="0"/>
-              </a:spcBef>
-              <a:spcAft>
-                <a:spcPts val="0"/>
-              </a:spcAft>
-              <a:buClrTx/>
-              <a:buSzTx/>
-              <a:buFontTx/>
-              <a:buNone/>
-              <a:tabLst/>
-              <a:defRPr/>
-            </a:pPr>
-            <a:endParaRPr kumimoji="0" lang="ko-KR" altLang="en-US" sz="800" b="0" i="0" u="none" strike="noStrike" kern="0" cap="none" spc="0" normalizeH="0" baseline="0" noProof="0" dirty="0">
-              <a:ln>
-                <a:noFill/>
-              </a:ln>
-              <a:solidFill>
-                <a:sysClr val="windowText" lastClr="000000"/>
-              </a:solidFill>
-              <a:effectLst/>
-              <a:uLnTx/>
-              <a:uFillTx/>
-              <a:latin typeface="+mn-ea"/>
-              <a:cs typeface="+mn-cs"/>
-            </a:endParaRPr>
-          </a:p>
-        </p:txBody>
-      </p:sp>
-      <p:sp>
-        <p:nvSpPr>
-          <p:cNvPr id="374" name="TextBox 373"/>
-          <p:cNvSpPr txBox="1"/>
-          <p:nvPr/>
-        </p:nvSpPr>
-        <p:spPr>
-          <a:xfrm>
-            <a:off x="7020272" y="4797251"/>
-            <a:ext cx="1224136" cy="215444"/>
-          </a:xfrm>
-          <a:prstGeom prst="rect">
-            <a:avLst/>
-          </a:prstGeom>
-          <a:noFill/>
-        </p:spPr>
-        <p:txBody>
-          <a:bodyPr wrap="square" rtlCol="0">
-            <a:spAutoFit/>
-          </a:bodyPr>
-          <a:lstStyle/>
-          <a:p>
-            <a:pPr marL="0" marR="0" lvl="0" indent="0" defTabSz="914400" eaLnBrk="1" fontAlgn="auto" latinLnBrk="0" hangingPunct="1">
-              <a:lnSpc>
-                <a:spcPct val="100000"/>
-              </a:lnSpc>
-              <a:spcBef>
-                <a:spcPts val="0"/>
-              </a:spcBef>
-              <a:spcAft>
-                <a:spcPts val="0"/>
-              </a:spcAft>
-              <a:buClrTx/>
-              <a:buSzTx/>
-              <a:buFontTx/>
-              <a:buNone/>
-              <a:tabLst/>
-              <a:defRPr/>
-            </a:pPr>
-            <a:r>
-              <a:rPr kumimoji="0" lang="en-US" altLang="ko-KR" sz="800" b="0" i="0" u="none" strike="noStrike" kern="0" cap="none" spc="0" normalizeH="0" baseline="0" noProof="0" dirty="0" smtClean="0">
-                <a:ln>
-                  <a:noFill/>
-                </a:ln>
-                <a:solidFill>
-                  <a:sysClr val="windowText" lastClr="000000"/>
-                </a:solidFill>
-                <a:effectLst/>
-                <a:uLnTx/>
-                <a:uFillTx/>
-                <a:latin typeface="+mn-ea"/>
-              </a:rPr>
-              <a:t>rule thread object</a:t>
-            </a:r>
-            <a:endParaRPr kumimoji="0" lang="ko-KR" altLang="en-US" sz="800" b="0" i="0" u="none" strike="noStrike" kern="0" cap="none" spc="0" normalizeH="0" baseline="0" noProof="0" dirty="0">
-              <a:ln>
-                <a:noFill/>
-              </a:ln>
-              <a:solidFill>
-                <a:sysClr val="windowText" lastClr="000000"/>
-              </a:solidFill>
-              <a:effectLst/>
-              <a:uLnTx/>
-              <a:uFillTx/>
-              <a:latin typeface="+mn-ea"/>
-            </a:endParaRPr>
-          </a:p>
-        </p:txBody>
-      </p:sp>
-      <p:sp>
-        <p:nvSpPr>
-          <p:cNvPr id="375" name="직사각형 374"/>
-          <p:cNvSpPr/>
-          <p:nvPr/>
-        </p:nvSpPr>
-        <p:spPr>
-          <a:xfrm>
-            <a:off x="1619672" y="5157291"/>
-            <a:ext cx="648072" cy="360040"/>
-          </a:xfrm>
-          <a:prstGeom prst="rect">
-            <a:avLst/>
-          </a:prstGeom>
-          <a:noFill/>
-          <a:ln w="19050" cap="flat" cmpd="sng" algn="ctr">
-            <a:solidFill>
-              <a:sysClr val="windowText" lastClr="000000"/>
-            </a:solidFill>
-            <a:prstDash val="solid"/>
-          </a:ln>
-          <a:effectLst/>
-        </p:spPr>
-        <p:txBody>
-          <a:bodyPr rtlCol="0" anchor="ctr"/>
-          <a:lstStyle/>
-          <a:p>
-            <a:pPr lvl="0" algn="ctr" latinLnBrk="0"/>
-            <a:r>
-              <a:rPr lang="en-US" altLang="ko-KR" sz="800" kern="0" dirty="0" smtClean="0">
-                <a:solidFill>
-                  <a:sysClr val="windowText" lastClr="000000"/>
-                </a:solidFill>
-                <a:latin typeface="+mn-ea"/>
-              </a:rPr>
-              <a:t>Smart</a:t>
-            </a:r>
-          </a:p>
-          <a:p>
-            <a:pPr lvl="0" algn="ctr" latinLnBrk="0"/>
-            <a:r>
-              <a:rPr lang="en-US" altLang="ko-KR" sz="800" kern="0" dirty="0" smtClean="0">
-                <a:solidFill>
-                  <a:sysClr val="windowText" lastClr="000000"/>
-                </a:solidFill>
-                <a:latin typeface="+mn-ea"/>
-              </a:rPr>
-              <a:t>mail box</a:t>
-            </a:r>
-            <a:endParaRPr kumimoji="0" lang="ko-KR" altLang="en-US" sz="800" b="0" i="0" u="none" strike="noStrike" kern="0" cap="none" spc="0" normalizeH="0" baseline="0" noProof="0" dirty="0">
-              <a:ln>
-                <a:noFill/>
-              </a:ln>
-              <a:solidFill>
-                <a:sysClr val="windowText" lastClr="000000"/>
-              </a:solidFill>
-              <a:effectLst/>
-              <a:uLnTx/>
-              <a:uFillTx/>
-              <a:latin typeface="+mn-ea"/>
-              <a:cs typeface="+mn-cs"/>
-            </a:endParaRPr>
-          </a:p>
-        </p:txBody>
-      </p:sp>
-      <p:sp>
-        <p:nvSpPr>
-          <p:cNvPr id="376" name="직사각형 375"/>
-          <p:cNvSpPr/>
-          <p:nvPr/>
-        </p:nvSpPr>
-        <p:spPr>
-          <a:xfrm>
-            <a:off x="1331640" y="5157291"/>
-            <a:ext cx="72008" cy="72008"/>
-          </a:xfrm>
-          <a:prstGeom prst="rect">
-            <a:avLst/>
-          </a:prstGeom>
-          <a:noFill/>
-          <a:ln w="25400" cap="flat" cmpd="sng" algn="ctr">
-            <a:noFill/>
-            <a:prstDash val="solid"/>
-          </a:ln>
-          <a:effectLst/>
-        </p:spPr>
-        <p:txBody>
-          <a:bodyPr rtlCol="0" anchor="ctr"/>
-          <a:lstStyle/>
-          <a:p>
-            <a:pPr marL="0" marR="0" lvl="0" indent="0" algn="ctr" defTabSz="914400" eaLnBrk="1" fontAlgn="auto" latinLnBrk="0" hangingPunct="1">
-              <a:lnSpc>
-                <a:spcPct val="100000"/>
-              </a:lnSpc>
-              <a:spcBef>
-                <a:spcPts val="0"/>
-              </a:spcBef>
-              <a:spcAft>
-                <a:spcPts val="0"/>
-              </a:spcAft>
-              <a:buClrTx/>
-              <a:buSzTx/>
-              <a:buFontTx/>
-              <a:buNone/>
-              <a:tabLst/>
-              <a:defRPr/>
-            </a:pPr>
-            <a:endParaRPr kumimoji="0" lang="ko-KR" altLang="en-US" sz="800" b="0" i="0" u="none" strike="noStrike" kern="0" cap="none" spc="0" normalizeH="0" baseline="0" noProof="0">
-              <a:ln>
-                <a:noFill/>
-              </a:ln>
-              <a:solidFill>
-                <a:sysClr val="window" lastClr="FFFFFF"/>
-              </a:solidFill>
-              <a:effectLst/>
-              <a:uLnTx/>
-              <a:uFillTx/>
-              <a:latin typeface="+mn-ea"/>
-              <a:cs typeface="+mn-cs"/>
-            </a:endParaRPr>
-          </a:p>
-        </p:txBody>
-      </p:sp>
-      <p:sp>
-        <p:nvSpPr>
-          <p:cNvPr id="377" name="직사각형 376"/>
-          <p:cNvSpPr/>
-          <p:nvPr/>
-        </p:nvSpPr>
-        <p:spPr>
-          <a:xfrm>
-            <a:off x="1403648" y="4581227"/>
-            <a:ext cx="72008" cy="72008"/>
-          </a:xfrm>
-          <a:prstGeom prst="rect">
-            <a:avLst/>
-          </a:prstGeom>
-          <a:noFill/>
-          <a:ln w="25400" cap="flat" cmpd="sng" algn="ctr">
-            <a:noFill/>
-            <a:prstDash val="solid"/>
-          </a:ln>
-          <a:effectLst/>
-        </p:spPr>
-        <p:txBody>
-          <a:bodyPr rtlCol="0" anchor="ctr"/>
-          <a:lstStyle/>
-          <a:p>
-            <a:pPr marL="0" marR="0" lvl="0" indent="0" algn="ctr" defTabSz="914400" eaLnBrk="1" fontAlgn="auto" latinLnBrk="0" hangingPunct="1">
-              <a:lnSpc>
-                <a:spcPct val="100000"/>
-              </a:lnSpc>
-              <a:spcBef>
-                <a:spcPts val="0"/>
-              </a:spcBef>
-              <a:spcAft>
-                <a:spcPts val="0"/>
-              </a:spcAft>
-              <a:buClrTx/>
-              <a:buSzTx/>
-              <a:buFontTx/>
-              <a:buNone/>
-              <a:tabLst/>
-              <a:defRPr/>
-            </a:pPr>
-            <a:endParaRPr kumimoji="0" lang="ko-KR" altLang="en-US" sz="800" b="0" i="0" u="none" strike="noStrike" kern="0" cap="none" spc="0" normalizeH="0" baseline="0" noProof="0">
-              <a:ln>
-                <a:noFill/>
-              </a:ln>
-              <a:solidFill>
-                <a:sysClr val="window" lastClr="FFFFFF"/>
-              </a:solidFill>
-              <a:effectLst/>
-              <a:uLnTx/>
-              <a:uFillTx/>
-              <a:latin typeface="+mn-ea"/>
-              <a:cs typeface="+mn-cs"/>
-            </a:endParaRPr>
-          </a:p>
-        </p:txBody>
-      </p:sp>
-      <p:sp>
-        <p:nvSpPr>
-          <p:cNvPr id="378" name="직사각형 377"/>
-          <p:cNvSpPr/>
-          <p:nvPr/>
-        </p:nvSpPr>
-        <p:spPr>
-          <a:xfrm>
-            <a:off x="1259632" y="4581227"/>
-            <a:ext cx="72008" cy="72008"/>
-          </a:xfrm>
-          <a:prstGeom prst="rect">
-            <a:avLst/>
-          </a:prstGeom>
-          <a:noFill/>
-          <a:ln w="25400" cap="flat" cmpd="sng" algn="ctr">
-            <a:noFill/>
-            <a:prstDash val="solid"/>
-          </a:ln>
-          <a:effectLst/>
-        </p:spPr>
-        <p:txBody>
-          <a:bodyPr rtlCol="0" anchor="ctr"/>
-          <a:lstStyle/>
-          <a:p>
-            <a:pPr marL="0" marR="0" lvl="0" indent="0" algn="ctr" defTabSz="914400" eaLnBrk="1" fontAlgn="auto" latinLnBrk="0" hangingPunct="1">
-              <a:lnSpc>
-                <a:spcPct val="100000"/>
-              </a:lnSpc>
-              <a:spcBef>
-                <a:spcPts val="0"/>
-              </a:spcBef>
-              <a:spcAft>
-                <a:spcPts val="0"/>
-              </a:spcAft>
-              <a:buClrTx/>
-              <a:buSzTx/>
-              <a:buFontTx/>
-              <a:buNone/>
-              <a:tabLst/>
-              <a:defRPr/>
-            </a:pPr>
-            <a:endParaRPr kumimoji="0" lang="ko-KR" altLang="en-US" sz="800" b="0" i="0" u="none" strike="noStrike" kern="0" cap="none" spc="0" normalizeH="0" baseline="0" noProof="0">
-              <a:ln>
-                <a:noFill/>
-              </a:ln>
-              <a:solidFill>
-                <a:sysClr val="window" lastClr="FFFFFF"/>
-              </a:solidFill>
-              <a:effectLst/>
-              <a:uLnTx/>
-              <a:uFillTx/>
-              <a:latin typeface="+mn-ea"/>
-              <a:cs typeface="+mn-cs"/>
-            </a:endParaRPr>
-          </a:p>
-        </p:txBody>
-      </p:sp>
-      <p:sp>
-        <p:nvSpPr>
-          <p:cNvPr id="379" name="직사각형 378"/>
-          <p:cNvSpPr/>
-          <p:nvPr/>
-        </p:nvSpPr>
-        <p:spPr>
-          <a:xfrm>
-            <a:off x="1187624" y="5157291"/>
-            <a:ext cx="72008" cy="72008"/>
-          </a:xfrm>
-          <a:prstGeom prst="rect">
-            <a:avLst/>
-          </a:prstGeom>
-          <a:noFill/>
-          <a:ln w="25400" cap="flat" cmpd="sng" algn="ctr">
-            <a:noFill/>
-            <a:prstDash val="solid"/>
-          </a:ln>
-          <a:effectLst/>
-        </p:spPr>
-        <p:txBody>
-          <a:bodyPr rtlCol="0" anchor="ctr"/>
-          <a:lstStyle/>
-          <a:p>
-            <a:pPr marL="0" marR="0" lvl="0" indent="0" algn="ctr" defTabSz="914400" eaLnBrk="1" fontAlgn="auto" latinLnBrk="0" hangingPunct="1">
-              <a:lnSpc>
-                <a:spcPct val="100000"/>
-              </a:lnSpc>
-              <a:spcBef>
-                <a:spcPts val="0"/>
-              </a:spcBef>
-              <a:spcAft>
-                <a:spcPts val="0"/>
-              </a:spcAft>
-              <a:buClrTx/>
-              <a:buSzTx/>
-              <a:buFontTx/>
-              <a:buNone/>
-              <a:tabLst/>
-              <a:defRPr/>
-            </a:pPr>
-            <a:endParaRPr kumimoji="0" lang="ko-KR" altLang="en-US" sz="800" b="0" i="0" u="none" strike="noStrike" kern="0" cap="none" spc="0" normalizeH="0" baseline="0" noProof="0">
-              <a:ln>
-                <a:noFill/>
-              </a:ln>
-              <a:solidFill>
-                <a:sysClr val="window" lastClr="FFFFFF"/>
-              </a:solidFill>
-              <a:effectLst/>
-              <a:uLnTx/>
-              <a:uFillTx/>
-              <a:latin typeface="+mn-ea"/>
-              <a:cs typeface="+mn-cs"/>
             </a:endParaRPr>
           </a:p>
         </p:txBody>
@@ -13403,9 +12915,9 @@
           <p:nvPr/>
         </p:nvCxnSpPr>
         <p:spPr>
-          <a:xfrm rot="5400000">
-            <a:off x="2015820" y="1988939"/>
-            <a:ext cx="360040" cy="72008"/>
+          <a:xfrm rot="16200000" flipH="1">
+            <a:off x="1979668" y="2024899"/>
+            <a:ext cx="360040" cy="88"/>
           </a:xfrm>
           <a:prstGeom prst="bentConnector3">
             <a:avLst>
@@ -13434,9 +12946,9 @@
           <p:nvPr/>
         </p:nvCxnSpPr>
         <p:spPr>
-          <a:xfrm rot="5400000" flipH="1" flipV="1">
-            <a:off x="1871804" y="1988939"/>
-            <a:ext cx="360040" cy="72008"/>
+          <a:xfrm rot="16200000" flipV="1">
+            <a:off x="1833259" y="2027293"/>
+            <a:ext cx="364827" cy="88"/>
           </a:xfrm>
           <a:prstGeom prst="bentConnector3">
             <a:avLst>
@@ -13466,8 +12978,8 @@
         </p:nvCxnSpPr>
         <p:spPr>
           <a:xfrm rot="5400000">
-            <a:off x="2663788" y="1700907"/>
-            <a:ext cx="360040" cy="648072"/>
+            <a:off x="2447764" y="1916931"/>
+            <a:ext cx="360040" cy="216024"/>
           </a:xfrm>
           <a:prstGeom prst="bentConnector3">
             <a:avLst>
@@ -13497,8 +13009,8 @@
         </p:nvCxnSpPr>
         <p:spPr>
           <a:xfrm rot="16200000" flipV="1">
-            <a:off x="3275856" y="1952935"/>
-            <a:ext cx="360040" cy="144016"/>
+            <a:off x="2807804" y="1916931"/>
+            <a:ext cx="360040" cy="216024"/>
           </a:xfrm>
           <a:prstGeom prst="bentConnector3">
             <a:avLst>
@@ -13579,68 +13091,6 @@
           <a:effectLst/>
         </p:spPr>
       </p:cxnSp>
-      <p:cxnSp>
-        <p:nvCxnSpPr>
-          <p:cNvPr id="387" name="꺾인 연결선 425"/>
-          <p:cNvCxnSpPr>
-            <a:stCxn id="377" idx="2"/>
-            <a:endCxn id="376" idx="0"/>
-          </p:cNvCxnSpPr>
-          <p:nvPr/>
-        </p:nvCxnSpPr>
-        <p:spPr>
-          <a:xfrm rot="5400000">
-            <a:off x="1151620" y="4869259"/>
-            <a:ext cx="504056" cy="72008"/>
-          </a:xfrm>
-          <a:prstGeom prst="bentConnector3">
-            <a:avLst>
-              <a:gd name="adj1" fmla="val 50000"/>
-            </a:avLst>
-          </a:prstGeom>
-          <a:noFill/>
-          <a:ln w="9525" cap="flat" cmpd="sng" algn="ctr">
-            <a:solidFill>
-              <a:srgbClr val="FF0000"/>
-            </a:solidFill>
-            <a:prstDash val="dash"/>
-            <a:headEnd type="oval" w="sm" len="sm"/>
-            <a:tailEnd type="triangle" w="sm" len="sm"/>
-          </a:ln>
-          <a:effectLst/>
-        </p:spPr>
-      </p:cxnSp>
-      <p:cxnSp>
-        <p:nvCxnSpPr>
-          <p:cNvPr id="388" name="꺾인 연결선 425"/>
-          <p:cNvCxnSpPr>
-            <a:stCxn id="379" idx="0"/>
-            <a:endCxn id="378" idx="2"/>
-          </p:cNvCxnSpPr>
-          <p:nvPr/>
-        </p:nvCxnSpPr>
-        <p:spPr>
-          <a:xfrm rot="5400000" flipH="1" flipV="1">
-            <a:off x="1007604" y="4869259"/>
-            <a:ext cx="504056" cy="72008"/>
-          </a:xfrm>
-          <a:prstGeom prst="bentConnector3">
-            <a:avLst>
-              <a:gd name="adj1" fmla="val 50000"/>
-            </a:avLst>
-          </a:prstGeom>
-          <a:noFill/>
-          <a:ln w="9525" cap="flat" cmpd="sng" algn="ctr">
-            <a:solidFill>
-              <a:srgbClr val="FF0000"/>
-            </a:solidFill>
-            <a:prstDash val="dash"/>
-            <a:headEnd type="oval" w="sm" len="sm"/>
-            <a:tailEnd type="triangle" w="sm" len="sm"/>
-          </a:ln>
-          <a:effectLst/>
-        </p:spPr>
-      </p:cxnSp>
       <p:sp>
         <p:nvSpPr>
           <p:cNvPr id="389" name="직사각형 388"/>
@@ -14058,8 +13508,8 @@
         </p:nvCxnSpPr>
         <p:spPr>
           <a:xfrm rot="16200000" flipV="1">
-            <a:off x="4648928" y="4736549"/>
-            <a:ext cx="649291" cy="48178"/>
+            <a:off x="4676600" y="4764221"/>
+            <a:ext cx="637756" cy="4368"/>
           </a:xfrm>
           <a:prstGeom prst="bentConnector3">
             <a:avLst>
@@ -14663,7 +14113,7 @@
         </p:nvCxnSpPr>
         <p:spPr>
           <a:xfrm flipV="1">
-            <a:off x="6876256" y="2312685"/>
+            <a:off x="7092280" y="1880539"/>
             <a:ext cx="360040" cy="290"/>
           </a:xfrm>
           <a:prstGeom prst="bentConnector3">
@@ -14876,8 +14326,8 @@
         </p:nvSpPr>
         <p:spPr>
           <a:xfrm>
-            <a:off x="5436184" y="1448939"/>
-            <a:ext cx="792000" cy="396000"/>
+            <a:off x="5436096" y="1448939"/>
+            <a:ext cx="647984" cy="396000"/>
           </a:xfrm>
           <a:prstGeom prst="can">
             <a:avLst/>
@@ -15312,7 +14762,7 @@
         </p:nvSpPr>
         <p:spPr>
           <a:xfrm>
-            <a:off x="5800073" y="2204963"/>
+            <a:off x="5833582" y="2204963"/>
             <a:ext cx="72008" cy="72008"/>
           </a:xfrm>
           <a:prstGeom prst="rect">
@@ -15370,7 +14820,7 @@
         </p:nvSpPr>
         <p:spPr>
           <a:xfrm>
-            <a:off x="5656057" y="2204963"/>
+            <a:off x="5689566" y="2204963"/>
             <a:ext cx="72008" cy="72008"/>
           </a:xfrm>
           <a:prstGeom prst="rect">
@@ -15489,8 +14939,8 @@
         </p:nvCxnSpPr>
         <p:spPr>
           <a:xfrm rot="5400000">
-            <a:off x="5530043" y="2006941"/>
-            <a:ext cx="360040" cy="36004"/>
+            <a:off x="5546798" y="2023696"/>
+            <a:ext cx="360040" cy="2495"/>
           </a:xfrm>
           <a:prstGeom prst="bentConnector3">
             <a:avLst>
@@ -15520,8 +14970,8 @@
         </p:nvCxnSpPr>
         <p:spPr>
           <a:xfrm rot="5400000" flipH="1" flipV="1">
-            <a:off x="5674059" y="2006941"/>
-            <a:ext cx="360040" cy="36004"/>
+            <a:off x="5690813" y="2023696"/>
+            <a:ext cx="360040" cy="2495"/>
           </a:xfrm>
           <a:prstGeom prst="bentConnector3">
             <a:avLst>
@@ -15891,16 +15341,13 @@
       <p:cxnSp>
         <p:nvCxnSpPr>
           <p:cNvPr id="432" name="꺾인 연결선 425"/>
-          <p:cNvCxnSpPr>
-            <a:stCxn id="328" idx="2"/>
-            <a:endCxn id="389" idx="0"/>
-          </p:cNvCxnSpPr>
+          <p:cNvCxnSpPr/>
           <p:nvPr/>
         </p:nvCxnSpPr>
         <p:spPr>
           <a:xfrm rot="5400000">
-            <a:off x="4806026" y="3843145"/>
-            <a:ext cx="288032" cy="36004"/>
+            <a:off x="4842873" y="3853189"/>
+            <a:ext cx="275593" cy="3474"/>
           </a:xfrm>
           <a:prstGeom prst="bentConnector3">
             <a:avLst>
@@ -15927,7 +15374,7 @@
         </p:nvSpPr>
         <p:spPr>
           <a:xfrm>
-            <a:off x="4499992" y="1844923"/>
+            <a:off x="4427984" y="1844923"/>
             <a:ext cx="648072" cy="215444"/>
           </a:xfrm>
           <a:prstGeom prst="rect">
@@ -15959,7 +15406,7 @@
               <a:defRPr/>
             </a:pPr>
             <a:r>
-              <a:rPr kumimoji="0" lang="en-US" altLang="ko-KR" sz="800" b="1" i="0" u="none" strike="noStrike" kern="0" cap="none" spc="0" normalizeH="0" baseline="0" noProof="0" dirty="0" smtClean="0">
+              <a:rPr kumimoji="0" lang="en-US" altLang="ko-KR" sz="800" i="0" u="none" strike="noStrike" kern="0" cap="none" spc="0" normalizeH="0" baseline="0" noProof="0" dirty="0" smtClean="0">
                 <a:ln>
                   <a:noFill/>
                 </a:ln>
@@ -15973,76 +15420,7 @@
               </a:rPr>
               <a:t>confirm</a:t>
             </a:r>
-            <a:endParaRPr kumimoji="0" lang="ko-KR" altLang="en-US" sz="800" b="1" i="0" u="none" strike="noStrike" kern="0" cap="none" spc="0" normalizeH="0" baseline="0" noProof="0" dirty="0">
-              <a:ln>
-                <a:noFill/>
-              </a:ln>
-              <a:solidFill>
-                <a:sysClr val="windowText" lastClr="000000"/>
-              </a:solidFill>
-              <a:effectLst/>
-              <a:uLnTx/>
-              <a:uFillTx/>
-              <a:latin typeface="+mn-ea"/>
-            </a:endParaRPr>
-          </a:p>
-        </p:txBody>
-      </p:sp>
-      <p:sp>
-        <p:nvSpPr>
-          <p:cNvPr id="434" name="TextBox 433"/>
-          <p:cNvSpPr txBox="1"/>
-          <p:nvPr/>
-        </p:nvSpPr>
-        <p:spPr>
-          <a:xfrm>
-            <a:off x="4499992" y="3789139"/>
-            <a:ext cx="504056" cy="215444"/>
-          </a:xfrm>
-          <a:prstGeom prst="rect">
-            <a:avLst/>
-          </a:prstGeom>
-          <a:noFill/>
-        </p:spPr>
-        <p:txBody>
-          <a:bodyPr wrap="square" rtlCol="0">
-            <a:spAutoFit/>
-          </a:bodyPr>
-          <a:lstStyle/>
-          <a:p>
-            <a:pPr marL="0" marR="0" lvl="0" indent="0" defTabSz="914400" eaLnBrk="1" fontAlgn="auto" latinLnBrk="0" hangingPunct="1">
-              <a:lnSpc>
-                <a:spcPct val="100000"/>
-              </a:lnSpc>
-              <a:spcBef>
-                <a:spcPts val="0"/>
-              </a:spcBef>
-              <a:spcAft>
-                <a:spcPts val="0"/>
-              </a:spcAft>
-              <a:buClrTx/>
-              <a:buSzTx/>
-              <a:buFontTx/>
-              <a:buNone/>
-              <a:tabLst/>
-              <a:defRPr/>
-            </a:pPr>
-            <a:r>
-              <a:rPr kumimoji="0" lang="en-US" altLang="ko-KR" sz="800" b="1" i="0" u="none" strike="noStrike" kern="0" cap="none" spc="0" normalizeH="0" baseline="0" noProof="0" dirty="0" smtClean="0">
-                <a:ln>
-                  <a:noFill/>
-                </a:ln>
-                <a:solidFill>
-                  <a:sysClr val="windowText" lastClr="000000"/>
-                </a:solidFill>
-                <a:effectLst/>
-                <a:uLnTx/>
-                <a:uFillTx/>
-                <a:latin typeface="+mn-ea"/>
-              </a:rPr>
-              <a:t>1…*</a:t>
-            </a:r>
-            <a:endParaRPr kumimoji="0" lang="ko-KR" altLang="en-US" sz="800" b="1" i="0" u="none" strike="noStrike" kern="0" cap="none" spc="0" normalizeH="0" baseline="0" noProof="0" dirty="0">
+            <a:endParaRPr kumimoji="0" lang="ko-KR" altLang="en-US" sz="800" i="0" u="none" strike="noStrike" kern="0" cap="none" spc="0" normalizeH="0" baseline="0" noProof="0" dirty="0">
               <a:ln>
                 <a:noFill/>
               </a:ln>
@@ -16123,8 +15501,8 @@
         </p:nvSpPr>
         <p:spPr>
           <a:xfrm>
-            <a:off x="6732240" y="3068479"/>
-            <a:ext cx="1800200" cy="215444"/>
+            <a:off x="6948264" y="2636333"/>
+            <a:ext cx="1584176" cy="215444"/>
           </a:xfrm>
           <a:prstGeom prst="rect">
             <a:avLst/>
@@ -16170,7 +15548,16 @@
               <a:t>:  </a:t>
             </a:r>
             <a:r>
-              <a:rPr kumimoji="0" lang="en-US" altLang="ko-KR" sz="800" b="0" i="0" u="none" strike="noStrike" kern="0" cap="none" spc="0" normalizeH="0" baseline="0" noProof="0" dirty="0" err="1" smtClean="0">
+              <a:rPr lang="en-US" altLang="ko-KR" sz="800" kern="0" dirty="0" smtClean="0">
+                <a:solidFill>
+                  <a:sysClr val="windowText" lastClr="000000"/>
+                </a:solidFill>
+                <a:latin typeface="+mn-ea"/>
+              </a:rPr>
+              <a:t>TCP/IP</a:t>
+            </a:r>
+            <a:r>
+              <a:rPr kumimoji="0" lang="en-US" altLang="ko-KR" sz="800" b="0" i="0" u="none" strike="noStrike" kern="0" cap="none" spc="0" normalizeH="0" baseline="0" noProof="0" dirty="0" smtClean="0">
                 <a:ln>
                   <a:noFill/>
                 </a:ln>
@@ -16182,25 +15569,7 @@
                 <a:uFillTx/>
                 <a:latin typeface="+mn-ea"/>
               </a:rPr>
-              <a:t>WiFi</a:t>
-            </a:r>
-            <a:r>
-              <a:rPr lang="en-US" altLang="ko-KR" sz="800" kern="0" noProof="0" dirty="0" smtClean="0">
-                <a:solidFill>
-                  <a:sysClr val="windowText" lastClr="000000"/>
-                </a:solidFill>
-                <a:latin typeface="+mn-ea"/>
-              </a:rPr>
-              <a:t> (</a:t>
-            </a:r>
-            <a:r>
-              <a:rPr lang="en-US" altLang="ko-KR" sz="800" kern="0" dirty="0" smtClean="0">
-                <a:solidFill>
-                  <a:sysClr val="windowText" lastClr="000000"/>
-                </a:solidFill>
-                <a:latin typeface="+mn-ea"/>
-              </a:rPr>
-              <a:t>TCP/IP)</a:t>
+              <a:t> </a:t>
             </a:r>
             <a:r>
               <a:rPr kumimoji="0" lang="en-US" altLang="ko-KR" sz="800" b="0" i="0" u="none" strike="noStrike" kern="0" cap="none" spc="0" normalizeH="0" baseline="0" noProof="0" dirty="0" smtClean="0">
@@ -16215,7 +15584,7 @@
                 <a:uFillTx/>
                 <a:latin typeface="+mn-ea"/>
               </a:rPr>
-              <a:t> , from A to B</a:t>
+              <a:t>, from A to B</a:t>
             </a:r>
             <a:endParaRPr kumimoji="0" lang="ko-KR" altLang="en-US" sz="800" b="0" i="0" u="none" strike="noStrike" kern="0" cap="none" spc="0" normalizeH="0" baseline="0" noProof="0" dirty="0">
               <a:ln>
@@ -16242,7 +15611,7 @@
         </p:nvCxnSpPr>
         <p:spPr>
           <a:xfrm>
-            <a:off x="6804248" y="3032185"/>
+            <a:off x="7020272" y="2600039"/>
             <a:ext cx="432048" cy="580"/>
           </a:xfrm>
           <a:prstGeom prst="bentConnector3">
@@ -16270,7 +15639,7 @@
         </p:nvSpPr>
         <p:spPr>
           <a:xfrm>
-            <a:off x="6588224" y="2925043"/>
+            <a:off x="6804248" y="2492897"/>
             <a:ext cx="360040" cy="215444"/>
           </a:xfrm>
           <a:prstGeom prst="rect">
@@ -16339,7 +15708,7 @@
         </p:nvSpPr>
         <p:spPr>
           <a:xfrm>
-            <a:off x="7236296" y="2925043"/>
+            <a:off x="7452320" y="2492897"/>
             <a:ext cx="360040" cy="215444"/>
           </a:xfrm>
           <a:prstGeom prst="rect">
@@ -16408,7 +15777,7 @@
         </p:nvSpPr>
         <p:spPr>
           <a:xfrm>
-            <a:off x="6660232" y="5085283"/>
+            <a:off x="6876256" y="4653137"/>
             <a:ext cx="72008" cy="72008"/>
           </a:xfrm>
           <a:prstGeom prst="rect">
@@ -16466,7 +15835,7 @@
         </p:nvSpPr>
         <p:spPr>
           <a:xfrm>
-            <a:off x="6660232" y="5085283"/>
+            <a:off x="6876256" y="4653137"/>
             <a:ext cx="72008" cy="72008"/>
           </a:xfrm>
           <a:prstGeom prst="rect">
@@ -16524,7 +15893,7 @@
         </p:nvSpPr>
         <p:spPr>
           <a:xfrm>
-            <a:off x="6660232" y="5085283"/>
+            <a:off x="6876256" y="4653137"/>
             <a:ext cx="360040" cy="216024"/>
           </a:xfrm>
           <a:prstGeom prst="rect">
@@ -16584,7 +15953,7 @@
         </p:nvSpPr>
         <p:spPr>
           <a:xfrm>
-            <a:off x="7020272" y="5085283"/>
+            <a:off x="7236296" y="4653137"/>
             <a:ext cx="1224136" cy="215444"/>
           </a:xfrm>
           <a:prstGeom prst="rect">
@@ -16677,78 +16046,13 @@
       </p:sp>
       <p:sp>
         <p:nvSpPr>
-          <p:cNvPr id="444" name="직사각형 443"/>
-          <p:cNvSpPr/>
-          <p:nvPr/>
-        </p:nvSpPr>
-        <p:spPr>
-          <a:xfrm>
-            <a:off x="899592" y="5157291"/>
-            <a:ext cx="648072" cy="360040"/>
-          </a:xfrm>
-          <a:prstGeom prst="rect">
-            <a:avLst/>
-          </a:prstGeom>
-          <a:noFill/>
-          <a:ln w="19050" cap="flat" cmpd="sng" algn="ctr">
-            <a:solidFill>
-              <a:sysClr val="windowText" lastClr="000000"/>
-            </a:solidFill>
-            <a:prstDash val="solid"/>
-          </a:ln>
-          <a:effectLst/>
-        </p:spPr>
-        <p:txBody>
-          <a:bodyPr rtlCol="0" anchor="ctr"/>
-          <a:lstStyle/>
-          <a:p>
-            <a:pPr lvl="0" algn="ctr" latinLnBrk="0"/>
-            <a:r>
-              <a:rPr lang="en-US" altLang="ko-KR" sz="800" kern="0" dirty="0" smtClean="0">
-                <a:solidFill>
-                  <a:sysClr val="windowText" lastClr="000000"/>
-                </a:solidFill>
-                <a:latin typeface="+mn-ea"/>
-              </a:rPr>
-              <a:t>Home</a:t>
-            </a:r>
-          </a:p>
-          <a:p>
-            <a:pPr lvl="0" algn="ctr" latinLnBrk="0"/>
-            <a:r>
-              <a:rPr lang="en-US" altLang="ko-KR" sz="800" kern="0" dirty="0" smtClean="0">
-                <a:solidFill>
-                  <a:sysClr val="windowText" lastClr="000000"/>
-                </a:solidFill>
-                <a:latin typeface="+mn-ea"/>
-              </a:rPr>
-              <a:t>Team2</a:t>
-            </a:r>
-            <a:endParaRPr kumimoji="0" lang="ko-KR" altLang="en-US" sz="800" b="0" i="0" u="none" strike="noStrike" kern="0" cap="none" spc="0" normalizeH="0" baseline="0" noProof="0" dirty="0">
-              <a:ln>
-                <a:noFill/>
-              </a:ln>
-              <a:solidFill>
-                <a:sysClr val="windowText" lastClr="000000"/>
-              </a:solidFill>
-              <a:effectLst/>
-              <a:uLnTx/>
-              <a:uFillTx/>
-              <a:latin typeface="+mn-ea"/>
-              <a:cs typeface="+mn-cs"/>
-            </a:endParaRPr>
-          </a:p>
-        </p:txBody>
-      </p:sp>
-      <p:sp>
-        <p:nvSpPr>
           <p:cNvPr id="445" name="직사각형 444"/>
           <p:cNvSpPr/>
           <p:nvPr/>
         </p:nvSpPr>
         <p:spPr>
           <a:xfrm>
-            <a:off x="1979712" y="5157291"/>
+            <a:off x="2125489" y="5157291"/>
             <a:ext cx="72008" cy="72008"/>
           </a:xfrm>
           <a:prstGeom prst="rect">
@@ -16806,7 +16110,7 @@
         </p:nvSpPr>
         <p:spPr>
           <a:xfrm>
-            <a:off x="1979712" y="4581227"/>
+            <a:off x="2125489" y="4581227"/>
             <a:ext cx="72008" cy="72008"/>
           </a:xfrm>
           <a:prstGeom prst="rect">
@@ -16864,7 +16168,7 @@
         </p:nvSpPr>
         <p:spPr>
           <a:xfrm>
-            <a:off x="1835696" y="4581227"/>
+            <a:off x="1981473" y="4581227"/>
             <a:ext cx="72008" cy="72008"/>
           </a:xfrm>
           <a:prstGeom prst="rect">
@@ -16922,7 +16226,7 @@
         </p:nvSpPr>
         <p:spPr>
           <a:xfrm>
-            <a:off x="1835696" y="5157291"/>
+            <a:off x="1981473" y="5157291"/>
             <a:ext cx="72008" cy="72008"/>
           </a:xfrm>
           <a:prstGeom prst="rect">
@@ -16983,7 +16287,7 @@
         </p:nvCxnSpPr>
         <p:spPr>
           <a:xfrm rot="5400000">
-            <a:off x="1763688" y="4905263"/>
+            <a:off x="1909465" y="4905263"/>
             <a:ext cx="504056" cy="12700"/>
           </a:xfrm>
           <a:prstGeom prst="bentConnector3">
@@ -17014,7 +16318,7 @@
         </p:nvCxnSpPr>
         <p:spPr>
           <a:xfrm rot="5400000" flipH="1" flipV="1">
-            <a:off x="1619672" y="4905263"/>
+            <a:off x="1765449" y="4905263"/>
             <a:ext cx="504056" cy="12700"/>
           </a:xfrm>
           <a:prstGeom prst="bentConnector3">
@@ -17036,22 +16340,24 @@
       </p:cxnSp>
       <p:sp>
         <p:nvSpPr>
-          <p:cNvPr id="451" name="직사각형 450"/>
+          <p:cNvPr id="459" name="직사각형 458"/>
           <p:cNvSpPr/>
           <p:nvPr/>
         </p:nvSpPr>
         <p:spPr>
           <a:xfrm>
-            <a:off x="2627784" y="5157291"/>
-            <a:ext cx="648072" cy="360040"/>
+            <a:off x="4067944" y="1483742"/>
+            <a:ext cx="864096" cy="323976"/>
           </a:xfrm>
           <a:prstGeom prst="rect">
             <a:avLst/>
           </a:prstGeom>
-          <a:noFill/>
-          <a:ln w="19050" cap="flat" cmpd="sng" algn="ctr">
+          <a:solidFill>
+            <a:srgbClr val="00B0F0"/>
+          </a:solidFill>
+          <a:ln w="6350" cap="flat" cmpd="sng" algn="ctr">
             <a:solidFill>
-              <a:sysClr val="windowText" lastClr="000000"/>
+              <a:schemeClr val="tx1"/>
             </a:solidFill>
             <a:prstDash val="solid"/>
           </a:ln>
@@ -17063,51 +16369,50 @@
           <a:p>
             <a:pPr lvl="0" algn="ctr" latinLnBrk="0"/>
             <a:r>
-              <a:rPr lang="en-US" altLang="ko-KR" sz="800" kern="0" noProof="0" dirty="0" smtClean="0">
+              <a:rPr lang="en-US" altLang="ko-KR" sz="800" kern="0" dirty="0" smtClean="0">
                 <a:solidFill>
                   <a:sysClr val="windowText" lastClr="000000"/>
                 </a:solidFill>
                 <a:latin typeface="+mn-ea"/>
               </a:rPr>
-              <a:t>50th</a:t>
-            </a:r>
-          </a:p>
-          <a:p>
-            <a:pPr lvl="0" algn="ctr" latinLnBrk="0"/>
-            <a:r>
-              <a:rPr lang="en-US" altLang="ko-KR" sz="800" kern="0" noProof="0" dirty="0" smtClean="0">
-                <a:solidFill>
-                  <a:sysClr val="windowText" lastClr="000000"/>
-                </a:solidFill>
-                <a:latin typeface="+mn-ea"/>
-              </a:rPr>
-              <a:t>SA node</a:t>
-            </a:r>
-            <a:endParaRPr kumimoji="0" lang="ko-KR" altLang="en-US" sz="800" b="0" i="0" u="none" strike="noStrike" kern="0" cap="none" spc="0" normalizeH="0" baseline="0" noProof="0" dirty="0">
-              <a:ln>
-                <a:noFill/>
-              </a:ln>
+              <a:t>e-mail </a:t>
+            </a:r>
+            <a:endParaRPr lang="en-US" altLang="ko-KR" sz="800" kern="0" dirty="0" smtClean="0">
               <a:solidFill>
                 <a:sysClr val="windowText" lastClr="000000"/>
               </a:solidFill>
-              <a:effectLst/>
-              <a:uLnTx/>
-              <a:uFillTx/>
               <a:latin typeface="+mn-ea"/>
-              <a:cs typeface="+mn-cs"/>
+            </a:endParaRPr>
+          </a:p>
+          <a:p>
+            <a:pPr lvl="0" algn="ctr" latinLnBrk="0"/>
+            <a:r>
+              <a:rPr lang="en-US" altLang="ko-KR" sz="800" kern="0" dirty="0" smtClean="0">
+                <a:solidFill>
+                  <a:sysClr val="windowText" lastClr="000000"/>
+                </a:solidFill>
+                <a:latin typeface="+mn-ea"/>
+              </a:rPr>
+              <a:t>twitter</a:t>
+            </a:r>
+            <a:endParaRPr lang="en-US" altLang="ko-KR" sz="800" kern="0" dirty="0" smtClean="0">
+              <a:solidFill>
+                <a:sysClr val="windowText" lastClr="000000"/>
+              </a:solidFill>
+              <a:latin typeface="+mn-ea"/>
             </a:endParaRPr>
           </a:p>
         </p:txBody>
       </p:sp>
       <p:sp>
         <p:nvSpPr>
-          <p:cNvPr id="452" name="직사각형 451"/>
+          <p:cNvPr id="461" name="직사각형 460"/>
           <p:cNvSpPr/>
           <p:nvPr/>
         </p:nvSpPr>
         <p:spPr>
           <a:xfrm>
-            <a:off x="2915816" y="5157291"/>
+            <a:off x="4350783" y="2204963"/>
             <a:ext cx="72008" cy="72008"/>
           </a:xfrm>
           <a:prstGeom prst="rect">
@@ -17159,13 +16464,129 @@
       </p:sp>
       <p:sp>
         <p:nvSpPr>
-          <p:cNvPr id="453" name="직사각형 452"/>
+          <p:cNvPr id="462" name="직사각형 461"/>
           <p:cNvSpPr/>
           <p:nvPr/>
         </p:nvSpPr>
         <p:spPr>
           <a:xfrm>
-            <a:off x="2987824" y="4581227"/>
+            <a:off x="4211960" y="1735710"/>
+            <a:ext cx="72008" cy="72008"/>
+          </a:xfrm>
+          <a:prstGeom prst="rect">
+            <a:avLst/>
+          </a:prstGeom>
+          <a:noFill/>
+          <a:ln w="25400" cap="flat" cmpd="sng" algn="ctr">
+            <a:noFill/>
+            <a:prstDash val="solid"/>
+          </a:ln>
+          <a:effectLst/>
+        </p:spPr>
+        <p:txBody>
+          <a:bodyPr rtlCol="0" anchor="ctr"/>
+          <a:lstStyle/>
+          <a:p>
+            <a:pPr marL="0" marR="0" lvl="0" indent="0" algn="ctr" defTabSz="914400" eaLnBrk="1" fontAlgn="auto" latinLnBrk="0" hangingPunct="1">
+              <a:lnSpc>
+                <a:spcPct val="100000"/>
+              </a:lnSpc>
+              <a:spcBef>
+                <a:spcPts val="0"/>
+              </a:spcBef>
+              <a:spcAft>
+                <a:spcPts val="0"/>
+              </a:spcAft>
+              <a:buClrTx/>
+              <a:buSzTx/>
+              <a:buFontTx/>
+              <a:buNone/>
+              <a:tabLst/>
+              <a:defRPr/>
+            </a:pPr>
+            <a:endParaRPr kumimoji="0" lang="ko-KR" altLang="en-US" sz="800" i="0" u="none" strike="noStrike" kern="0" cap="none" spc="0" normalizeH="0" baseline="0" noProof="0">
+              <a:ln>
+                <a:noFill/>
+              </a:ln>
+              <a:solidFill>
+                <a:sysClr val="window" lastClr="FFFFFF"/>
+              </a:solidFill>
+              <a:effectLst/>
+              <a:uLnTx/>
+              <a:uFillTx/>
+              <a:latin typeface="+mn-ea"/>
+              <a:cs typeface="+mn-cs"/>
+            </a:endParaRPr>
+          </a:p>
+        </p:txBody>
+      </p:sp>
+      <p:sp>
+        <p:nvSpPr>
+          <p:cNvPr id="463" name="직사각형 462"/>
+          <p:cNvSpPr/>
+          <p:nvPr/>
+        </p:nvSpPr>
+        <p:spPr>
+          <a:xfrm>
+            <a:off x="4067944" y="1735710"/>
+            <a:ext cx="72008" cy="72008"/>
+          </a:xfrm>
+          <a:prstGeom prst="rect">
+            <a:avLst/>
+          </a:prstGeom>
+          <a:noFill/>
+          <a:ln w="25400" cap="flat" cmpd="sng" algn="ctr">
+            <a:noFill/>
+            <a:prstDash val="solid"/>
+          </a:ln>
+          <a:effectLst/>
+        </p:spPr>
+        <p:txBody>
+          <a:bodyPr rtlCol="0" anchor="ctr"/>
+          <a:lstStyle/>
+          <a:p>
+            <a:pPr marL="0" marR="0" lvl="0" indent="0" algn="ctr" defTabSz="914400" eaLnBrk="1" fontAlgn="auto" latinLnBrk="0" hangingPunct="1">
+              <a:lnSpc>
+                <a:spcPct val="100000"/>
+              </a:lnSpc>
+              <a:spcBef>
+                <a:spcPts val="0"/>
+              </a:spcBef>
+              <a:spcAft>
+                <a:spcPts val="0"/>
+              </a:spcAft>
+              <a:buClrTx/>
+              <a:buSzTx/>
+              <a:buFontTx/>
+              <a:buNone/>
+              <a:tabLst/>
+              <a:defRPr/>
+            </a:pPr>
+            <a:endParaRPr kumimoji="0" lang="ko-KR" altLang="en-US" sz="800" i="0" u="none" strike="noStrike" kern="0" cap="none" spc="0" normalizeH="0" baseline="0" noProof="0">
+              <a:ln>
+                <a:noFill/>
+              </a:ln>
+              <a:solidFill>
+                <a:sysClr val="window" lastClr="FFFFFF"/>
+              </a:solidFill>
+              <a:effectLst/>
+              <a:uLnTx/>
+              <a:uFillTx/>
+              <a:latin typeface="+mn-ea"/>
+              <a:cs typeface="+mn-cs"/>
+            </a:endParaRPr>
+          </a:p>
+        </p:txBody>
+      </p:sp>
+      <p:sp>
+        <p:nvSpPr>
+          <p:cNvPr id="464" name="직사각형 463"/>
+          <p:cNvSpPr/>
+          <p:nvPr/>
+        </p:nvSpPr>
+        <p:spPr>
+          <a:xfrm>
+            <a:off x="4067944" y="2204963"/>
             <a:ext cx="72008" cy="72008"/>
           </a:xfrm>
           <a:prstGeom prst="rect">
@@ -17215,525 +16636,6 @@
           </a:p>
         </p:txBody>
       </p:sp>
-      <p:sp>
-        <p:nvSpPr>
-          <p:cNvPr id="454" name="직사각형 453"/>
-          <p:cNvSpPr/>
-          <p:nvPr/>
-        </p:nvSpPr>
-        <p:spPr>
-          <a:xfrm>
-            <a:off x="2843808" y="4581227"/>
-            <a:ext cx="72008" cy="72008"/>
-          </a:xfrm>
-          <a:prstGeom prst="rect">
-            <a:avLst/>
-          </a:prstGeom>
-          <a:noFill/>
-          <a:ln w="25400" cap="flat" cmpd="sng" algn="ctr">
-            <a:noFill/>
-            <a:prstDash val="solid"/>
-          </a:ln>
-          <a:effectLst/>
-        </p:spPr>
-        <p:txBody>
-          <a:bodyPr rtlCol="0" anchor="ctr"/>
-          <a:lstStyle/>
-          <a:p>
-            <a:pPr marL="0" marR="0" lvl="0" indent="0" algn="ctr" defTabSz="914400" eaLnBrk="1" fontAlgn="auto" latinLnBrk="0" hangingPunct="1">
-              <a:lnSpc>
-                <a:spcPct val="100000"/>
-              </a:lnSpc>
-              <a:spcBef>
-                <a:spcPts val="0"/>
-              </a:spcBef>
-              <a:spcAft>
-                <a:spcPts val="0"/>
-              </a:spcAft>
-              <a:buClrTx/>
-              <a:buSzTx/>
-              <a:buFontTx/>
-              <a:buNone/>
-              <a:tabLst/>
-              <a:defRPr/>
-            </a:pPr>
-            <a:endParaRPr kumimoji="0" lang="ko-KR" altLang="en-US" sz="800" b="0" i="0" u="none" strike="noStrike" kern="0" cap="none" spc="0" normalizeH="0" baseline="0" noProof="0">
-              <a:ln>
-                <a:noFill/>
-              </a:ln>
-              <a:solidFill>
-                <a:sysClr val="window" lastClr="FFFFFF"/>
-              </a:solidFill>
-              <a:effectLst/>
-              <a:uLnTx/>
-              <a:uFillTx/>
-              <a:latin typeface="+mn-ea"/>
-              <a:cs typeface="+mn-cs"/>
-            </a:endParaRPr>
-          </a:p>
-        </p:txBody>
-      </p:sp>
-      <p:sp>
-        <p:nvSpPr>
-          <p:cNvPr id="455" name="직사각형 454"/>
-          <p:cNvSpPr/>
-          <p:nvPr/>
-        </p:nvSpPr>
-        <p:spPr>
-          <a:xfrm>
-            <a:off x="2771800" y="5157291"/>
-            <a:ext cx="72008" cy="72008"/>
-          </a:xfrm>
-          <a:prstGeom prst="rect">
-            <a:avLst/>
-          </a:prstGeom>
-          <a:noFill/>
-          <a:ln w="25400" cap="flat" cmpd="sng" algn="ctr">
-            <a:noFill/>
-            <a:prstDash val="solid"/>
-          </a:ln>
-          <a:effectLst/>
-        </p:spPr>
-        <p:txBody>
-          <a:bodyPr rtlCol="0" anchor="ctr"/>
-          <a:lstStyle/>
-          <a:p>
-            <a:pPr marL="0" marR="0" lvl="0" indent="0" algn="ctr" defTabSz="914400" eaLnBrk="1" fontAlgn="auto" latinLnBrk="0" hangingPunct="1">
-              <a:lnSpc>
-                <a:spcPct val="100000"/>
-              </a:lnSpc>
-              <a:spcBef>
-                <a:spcPts val="0"/>
-              </a:spcBef>
-              <a:spcAft>
-                <a:spcPts val="0"/>
-              </a:spcAft>
-              <a:buClrTx/>
-              <a:buSzTx/>
-              <a:buFontTx/>
-              <a:buNone/>
-              <a:tabLst/>
-              <a:defRPr/>
-            </a:pPr>
-            <a:endParaRPr kumimoji="0" lang="ko-KR" altLang="en-US" sz="800" b="0" i="0" u="none" strike="noStrike" kern="0" cap="none" spc="0" normalizeH="0" baseline="0" noProof="0">
-              <a:ln>
-                <a:noFill/>
-              </a:ln>
-              <a:solidFill>
-                <a:sysClr val="window" lastClr="FFFFFF"/>
-              </a:solidFill>
-              <a:effectLst/>
-              <a:uLnTx/>
-              <a:uFillTx/>
-              <a:latin typeface="+mn-ea"/>
-              <a:cs typeface="+mn-cs"/>
-            </a:endParaRPr>
-          </a:p>
-        </p:txBody>
-      </p:sp>
-      <p:cxnSp>
-        <p:nvCxnSpPr>
-          <p:cNvPr id="456" name="꺾인 연결선 425"/>
-          <p:cNvCxnSpPr>
-            <a:endCxn id="452" idx="0"/>
-          </p:cNvCxnSpPr>
-          <p:nvPr/>
-        </p:nvCxnSpPr>
-        <p:spPr>
-          <a:xfrm rot="5400000">
-            <a:off x="2699792" y="4905263"/>
-            <a:ext cx="504056" cy="12700"/>
-          </a:xfrm>
-          <a:prstGeom prst="bentConnector3">
-            <a:avLst>
-              <a:gd name="adj1" fmla="val 50000"/>
-            </a:avLst>
-          </a:prstGeom>
-          <a:noFill/>
-          <a:ln w="9525" cap="flat" cmpd="sng" algn="ctr">
-            <a:solidFill>
-              <a:srgbClr val="FF0000"/>
-            </a:solidFill>
-            <a:prstDash val="dash"/>
-            <a:headEnd type="oval" w="sm" len="sm"/>
-            <a:tailEnd type="triangle" w="sm" len="sm"/>
-          </a:ln>
-          <a:effectLst/>
-        </p:spPr>
-      </p:cxnSp>
-      <p:cxnSp>
-        <p:nvCxnSpPr>
-          <p:cNvPr id="457" name="꺾인 연결선 425"/>
-          <p:cNvCxnSpPr>
-            <a:stCxn id="455" idx="0"/>
-          </p:cNvCxnSpPr>
-          <p:nvPr/>
-        </p:nvCxnSpPr>
-        <p:spPr>
-          <a:xfrm rot="5400000" flipH="1" flipV="1">
-            <a:off x="2555776" y="4905263"/>
-            <a:ext cx="504056" cy="12700"/>
-          </a:xfrm>
-          <a:prstGeom prst="bentConnector3">
-            <a:avLst>
-              <a:gd name="adj1" fmla="val 50000"/>
-            </a:avLst>
-          </a:prstGeom>
-          <a:noFill/>
-          <a:ln w="9525" cap="flat" cmpd="sng" algn="ctr">
-            <a:solidFill>
-              <a:srgbClr val="FF0000"/>
-            </a:solidFill>
-            <a:prstDash val="dash"/>
-            <a:headEnd type="oval" w="sm" len="sm"/>
-            <a:tailEnd type="triangle" w="sm" len="sm"/>
-          </a:ln>
-          <a:effectLst/>
-        </p:spPr>
-      </p:cxnSp>
-      <p:sp>
-        <p:nvSpPr>
-          <p:cNvPr id="458" name="TextBox 457"/>
-          <p:cNvSpPr txBox="1"/>
-          <p:nvPr/>
-        </p:nvSpPr>
-        <p:spPr>
-          <a:xfrm>
-            <a:off x="2195736" y="5229299"/>
-            <a:ext cx="504056" cy="215444"/>
-          </a:xfrm>
-          <a:prstGeom prst="rect">
-            <a:avLst/>
-          </a:prstGeom>
-          <a:noFill/>
-        </p:spPr>
-        <p:txBody>
-          <a:bodyPr wrap="square" rtlCol="0">
-            <a:spAutoFit/>
-          </a:bodyPr>
-          <a:lstStyle/>
-          <a:p>
-            <a:pPr marL="0" marR="0" lvl="0" indent="0" algn="ctr" defTabSz="914400" eaLnBrk="1" fontAlgn="auto" latinLnBrk="0" hangingPunct="1">
-              <a:lnSpc>
-                <a:spcPct val="100000"/>
-              </a:lnSpc>
-              <a:spcBef>
-                <a:spcPts val="0"/>
-              </a:spcBef>
-              <a:spcAft>
-                <a:spcPts val="0"/>
-              </a:spcAft>
-              <a:buClrTx/>
-              <a:buSzTx/>
-              <a:buFontTx/>
-              <a:buNone/>
-              <a:tabLst/>
-              <a:defRPr/>
-            </a:pPr>
-            <a:r>
-              <a:rPr kumimoji="0" lang="en-US" altLang="ko-KR" sz="800" b="1" i="0" u="none" strike="noStrike" kern="0" cap="none" spc="0" normalizeH="0" baseline="0" noProof="0" dirty="0" smtClean="0">
-                <a:ln>
-                  <a:noFill/>
-                </a:ln>
-                <a:solidFill>
-                  <a:sysClr val="windowText" lastClr="000000"/>
-                </a:solidFill>
-                <a:effectLst/>
-                <a:uLnTx/>
-                <a:uFillTx/>
-                <a:latin typeface="+mn-ea"/>
-              </a:rPr>
-              <a:t>……</a:t>
-            </a:r>
-            <a:endParaRPr kumimoji="0" lang="ko-KR" altLang="en-US" sz="800" b="1" i="0" u="none" strike="noStrike" kern="0" cap="none" spc="0" normalizeH="0" baseline="0" noProof="0" dirty="0">
-              <a:ln>
-                <a:noFill/>
-              </a:ln>
-              <a:solidFill>
-                <a:sysClr val="windowText" lastClr="000000"/>
-              </a:solidFill>
-              <a:effectLst/>
-              <a:uLnTx/>
-              <a:uFillTx/>
-              <a:latin typeface="+mn-ea"/>
-            </a:endParaRPr>
-          </a:p>
-        </p:txBody>
-      </p:sp>
-      <p:sp>
-        <p:nvSpPr>
-          <p:cNvPr id="459" name="직사각형 458"/>
-          <p:cNvSpPr/>
-          <p:nvPr/>
-        </p:nvSpPr>
-        <p:spPr>
-          <a:xfrm>
-            <a:off x="3923928" y="1448939"/>
-            <a:ext cx="1008112" cy="323976"/>
-          </a:xfrm>
-          <a:prstGeom prst="rect">
-            <a:avLst/>
-          </a:prstGeom>
-          <a:solidFill>
-            <a:srgbClr val="00B0F0"/>
-          </a:solidFill>
-          <a:ln w="19050" cap="flat" cmpd="sng" algn="ctr">
-            <a:solidFill>
-              <a:sysClr val="windowText" lastClr="000000"/>
-            </a:solidFill>
-            <a:prstDash val="solid"/>
-          </a:ln>
-          <a:effectLst/>
-        </p:spPr>
-        <p:txBody>
-          <a:bodyPr rtlCol="0" anchor="ctr"/>
-          <a:lstStyle/>
-          <a:p>
-            <a:pPr lvl="0" algn="ctr" latinLnBrk="0"/>
-            <a:r>
-              <a:rPr lang="en-US" altLang="ko-KR" sz="800" kern="0" dirty="0" smtClean="0">
-                <a:solidFill>
-                  <a:sysClr val="windowText" lastClr="000000"/>
-                </a:solidFill>
-                <a:latin typeface="+mn-ea"/>
-              </a:rPr>
-              <a:t>e-mail / twitter</a:t>
-            </a:r>
-          </a:p>
-        </p:txBody>
-      </p:sp>
-      <p:sp>
-        <p:nvSpPr>
-          <p:cNvPr id="461" name="직사각형 460"/>
-          <p:cNvSpPr/>
-          <p:nvPr/>
-        </p:nvSpPr>
-        <p:spPr>
-          <a:xfrm>
-            <a:off x="4211960" y="2204963"/>
-            <a:ext cx="72008" cy="72008"/>
-          </a:xfrm>
-          <a:prstGeom prst="rect">
-            <a:avLst/>
-          </a:prstGeom>
-          <a:noFill/>
-          <a:ln w="25400" cap="flat" cmpd="sng" algn="ctr">
-            <a:noFill/>
-            <a:prstDash val="solid"/>
-          </a:ln>
-          <a:effectLst/>
-        </p:spPr>
-        <p:txBody>
-          <a:bodyPr rtlCol="0" anchor="ctr"/>
-          <a:lstStyle/>
-          <a:p>
-            <a:pPr marL="0" marR="0" lvl="0" indent="0" algn="ctr" defTabSz="914400" eaLnBrk="1" fontAlgn="auto" latinLnBrk="0" hangingPunct="1">
-              <a:lnSpc>
-                <a:spcPct val="100000"/>
-              </a:lnSpc>
-              <a:spcBef>
-                <a:spcPts val="0"/>
-              </a:spcBef>
-              <a:spcAft>
-                <a:spcPts val="0"/>
-              </a:spcAft>
-              <a:buClrTx/>
-              <a:buSzTx/>
-              <a:buFontTx/>
-              <a:buNone/>
-              <a:tabLst/>
-              <a:defRPr/>
-            </a:pPr>
-            <a:endParaRPr kumimoji="0" lang="ko-KR" altLang="en-US" sz="800" b="0" i="0" u="none" strike="noStrike" kern="0" cap="none" spc="0" normalizeH="0" baseline="0" noProof="0">
-              <a:ln>
-                <a:noFill/>
-              </a:ln>
-              <a:solidFill>
-                <a:sysClr val="window" lastClr="FFFFFF"/>
-              </a:solidFill>
-              <a:effectLst/>
-              <a:uLnTx/>
-              <a:uFillTx/>
-              <a:latin typeface="+mn-ea"/>
-              <a:cs typeface="+mn-cs"/>
-            </a:endParaRPr>
-          </a:p>
-        </p:txBody>
-      </p:sp>
-      <p:sp>
-        <p:nvSpPr>
-          <p:cNvPr id="462" name="직사각형 461"/>
-          <p:cNvSpPr/>
-          <p:nvPr/>
-        </p:nvSpPr>
-        <p:spPr>
-          <a:xfrm>
-            <a:off x="4211960" y="1700907"/>
-            <a:ext cx="72008" cy="72008"/>
-          </a:xfrm>
-          <a:prstGeom prst="rect">
-            <a:avLst/>
-          </a:prstGeom>
-          <a:noFill/>
-          <a:ln w="25400" cap="flat" cmpd="sng" algn="ctr">
-            <a:noFill/>
-            <a:prstDash val="solid"/>
-          </a:ln>
-          <a:effectLst/>
-        </p:spPr>
-        <p:txBody>
-          <a:bodyPr rtlCol="0" anchor="ctr"/>
-          <a:lstStyle/>
-          <a:p>
-            <a:pPr marL="0" marR="0" lvl="0" indent="0" algn="ctr" defTabSz="914400" eaLnBrk="1" fontAlgn="auto" latinLnBrk="0" hangingPunct="1">
-              <a:lnSpc>
-                <a:spcPct val="100000"/>
-              </a:lnSpc>
-              <a:spcBef>
-                <a:spcPts val="0"/>
-              </a:spcBef>
-              <a:spcAft>
-                <a:spcPts val="0"/>
-              </a:spcAft>
-              <a:buClrTx/>
-              <a:buSzTx/>
-              <a:buFontTx/>
-              <a:buNone/>
-              <a:tabLst/>
-              <a:defRPr/>
-            </a:pPr>
-            <a:endParaRPr kumimoji="0" lang="ko-KR" altLang="en-US" sz="800" b="0" i="0" u="none" strike="noStrike" kern="0" cap="none" spc="0" normalizeH="0" baseline="0" noProof="0">
-              <a:ln>
-                <a:noFill/>
-              </a:ln>
-              <a:solidFill>
-                <a:sysClr val="window" lastClr="FFFFFF"/>
-              </a:solidFill>
-              <a:effectLst/>
-              <a:uLnTx/>
-              <a:uFillTx/>
-              <a:latin typeface="+mn-ea"/>
-              <a:cs typeface="+mn-cs"/>
-            </a:endParaRPr>
-          </a:p>
-        </p:txBody>
-      </p:sp>
-      <p:sp>
-        <p:nvSpPr>
-          <p:cNvPr id="463" name="직사각형 462"/>
-          <p:cNvSpPr/>
-          <p:nvPr/>
-        </p:nvSpPr>
-        <p:spPr>
-          <a:xfrm>
-            <a:off x="4067944" y="1700907"/>
-            <a:ext cx="72008" cy="72008"/>
-          </a:xfrm>
-          <a:prstGeom prst="rect">
-            <a:avLst/>
-          </a:prstGeom>
-          <a:noFill/>
-          <a:ln w="25400" cap="flat" cmpd="sng" algn="ctr">
-            <a:noFill/>
-            <a:prstDash val="solid"/>
-          </a:ln>
-          <a:effectLst/>
-        </p:spPr>
-        <p:txBody>
-          <a:bodyPr rtlCol="0" anchor="ctr"/>
-          <a:lstStyle/>
-          <a:p>
-            <a:pPr marL="0" marR="0" lvl="0" indent="0" algn="ctr" defTabSz="914400" eaLnBrk="1" fontAlgn="auto" latinLnBrk="0" hangingPunct="1">
-              <a:lnSpc>
-                <a:spcPct val="100000"/>
-              </a:lnSpc>
-              <a:spcBef>
-                <a:spcPts val="0"/>
-              </a:spcBef>
-              <a:spcAft>
-                <a:spcPts val="0"/>
-              </a:spcAft>
-              <a:buClrTx/>
-              <a:buSzTx/>
-              <a:buFontTx/>
-              <a:buNone/>
-              <a:tabLst/>
-              <a:defRPr/>
-            </a:pPr>
-            <a:endParaRPr kumimoji="0" lang="ko-KR" altLang="en-US" sz="800" b="0" i="0" u="none" strike="noStrike" kern="0" cap="none" spc="0" normalizeH="0" baseline="0" noProof="0">
-              <a:ln>
-                <a:noFill/>
-              </a:ln>
-              <a:solidFill>
-                <a:sysClr val="window" lastClr="FFFFFF"/>
-              </a:solidFill>
-              <a:effectLst/>
-              <a:uLnTx/>
-              <a:uFillTx/>
-              <a:latin typeface="+mn-ea"/>
-              <a:cs typeface="+mn-cs"/>
-            </a:endParaRPr>
-          </a:p>
-        </p:txBody>
-      </p:sp>
-      <p:sp>
-        <p:nvSpPr>
-          <p:cNvPr id="464" name="직사각형 463"/>
-          <p:cNvSpPr/>
-          <p:nvPr/>
-        </p:nvSpPr>
-        <p:spPr>
-          <a:xfrm>
-            <a:off x="4067944" y="2204963"/>
-            <a:ext cx="72008" cy="72008"/>
-          </a:xfrm>
-          <a:prstGeom prst="rect">
-            <a:avLst/>
-          </a:prstGeom>
-          <a:noFill/>
-          <a:ln w="25400" cap="flat" cmpd="sng" algn="ctr">
-            <a:noFill/>
-            <a:prstDash val="solid"/>
-          </a:ln>
-          <a:effectLst/>
-        </p:spPr>
-        <p:txBody>
-          <a:bodyPr rtlCol="0" anchor="ctr"/>
-          <a:lstStyle/>
-          <a:p>
-            <a:pPr marL="0" marR="0" lvl="0" indent="0" algn="ctr" defTabSz="914400" eaLnBrk="1" fontAlgn="auto" latinLnBrk="0" hangingPunct="1">
-              <a:lnSpc>
-                <a:spcPct val="100000"/>
-              </a:lnSpc>
-              <a:spcBef>
-                <a:spcPts val="0"/>
-              </a:spcBef>
-              <a:spcAft>
-                <a:spcPts val="0"/>
-              </a:spcAft>
-              <a:buClrTx/>
-              <a:buSzTx/>
-              <a:buFontTx/>
-              <a:buNone/>
-              <a:tabLst/>
-              <a:defRPr/>
-            </a:pPr>
-            <a:endParaRPr kumimoji="0" lang="ko-KR" altLang="en-US" sz="800" b="0" i="0" u="none" strike="noStrike" kern="0" cap="none" spc="0" normalizeH="0" baseline="0" noProof="0">
-              <a:ln>
-                <a:noFill/>
-              </a:ln>
-              <a:solidFill>
-                <a:sysClr val="window" lastClr="FFFFFF"/>
-              </a:solidFill>
-              <a:effectLst/>
-              <a:uLnTx/>
-              <a:uFillTx/>
-              <a:latin typeface="+mn-ea"/>
-              <a:cs typeface="+mn-cs"/>
-            </a:endParaRPr>
-          </a:p>
-        </p:txBody>
-      </p:sp>
       <p:cxnSp>
         <p:nvCxnSpPr>
           <p:cNvPr id="465" name="꺾인 연결선 425"/>
@@ -17742,8 +16644,8 @@
         </p:nvCxnSpPr>
         <p:spPr>
           <a:xfrm rot="5400000">
-            <a:off x="4362326" y="1982589"/>
-            <a:ext cx="432048" cy="12700"/>
+            <a:off x="4385583" y="2024895"/>
+            <a:ext cx="366487" cy="6348"/>
           </a:xfrm>
           <a:prstGeom prst="bentConnector3">
             <a:avLst>
@@ -17765,13 +16667,16 @@
       <p:cxnSp>
         <p:nvCxnSpPr>
           <p:cNvPr id="466" name="꺾인 연결선 425"/>
-          <p:cNvCxnSpPr/>
+          <p:cNvCxnSpPr>
+            <a:stCxn id="461" idx="0"/>
+            <a:endCxn id="468" idx="2"/>
+          </p:cNvCxnSpPr>
           <p:nvPr/>
         </p:nvCxnSpPr>
         <p:spPr>
           <a:xfrm rot="5400000" flipH="1" flipV="1">
-            <a:off x="4146302" y="1982589"/>
-            <a:ext cx="432048" cy="12700"/>
+            <a:off x="4190761" y="2003745"/>
+            <a:ext cx="397245" cy="5193"/>
           </a:xfrm>
           <a:prstGeom prst="bentConnector3">
             <a:avLst>
@@ -17856,7 +16761,65 @@
         </p:nvSpPr>
         <p:spPr>
           <a:xfrm>
-            <a:off x="4788024" y="1700907"/>
+            <a:off x="4355976" y="1735710"/>
+            <a:ext cx="72008" cy="72008"/>
+          </a:xfrm>
+          <a:prstGeom prst="rect">
+            <a:avLst/>
+          </a:prstGeom>
+          <a:noFill/>
+          <a:ln w="25400" cap="flat" cmpd="sng" algn="ctr">
+            <a:noFill/>
+            <a:prstDash val="solid"/>
+          </a:ln>
+          <a:effectLst/>
+        </p:spPr>
+        <p:txBody>
+          <a:bodyPr rtlCol="0" anchor="ctr"/>
+          <a:lstStyle/>
+          <a:p>
+            <a:pPr marL="0" marR="0" lvl="0" indent="0" algn="ctr" defTabSz="914400" eaLnBrk="1" fontAlgn="auto" latinLnBrk="0" hangingPunct="1">
+              <a:lnSpc>
+                <a:spcPct val="100000"/>
+              </a:lnSpc>
+              <a:spcBef>
+                <a:spcPts val="0"/>
+              </a:spcBef>
+              <a:spcAft>
+                <a:spcPts val="0"/>
+              </a:spcAft>
+              <a:buClrTx/>
+              <a:buSzTx/>
+              <a:buFontTx/>
+              <a:buNone/>
+              <a:tabLst/>
+              <a:defRPr/>
+            </a:pPr>
+            <a:endParaRPr kumimoji="0" lang="ko-KR" altLang="en-US" sz="800" i="0" u="none" strike="noStrike" kern="0" cap="none" spc="0" normalizeH="0" baseline="0" noProof="0">
+              <a:ln>
+                <a:noFill/>
+              </a:ln>
+              <a:solidFill>
+                <a:sysClr val="window" lastClr="FFFFFF"/>
+              </a:solidFill>
+              <a:effectLst/>
+              <a:uLnTx/>
+              <a:uFillTx/>
+              <a:latin typeface="+mn-ea"/>
+              <a:cs typeface="+mn-cs"/>
+            </a:endParaRPr>
+          </a:p>
+        </p:txBody>
+      </p:sp>
+      <p:sp>
+        <p:nvSpPr>
+          <p:cNvPr id="469" name="직사각형 468"/>
+          <p:cNvSpPr/>
+          <p:nvPr/>
+        </p:nvSpPr>
+        <p:spPr>
+          <a:xfrm>
+            <a:off x="4572000" y="1700808"/>
             <a:ext cx="72008" cy="72008"/>
           </a:xfrm>
           <a:prstGeom prst="rect">
@@ -17908,13 +16871,13 @@
       </p:sp>
       <p:sp>
         <p:nvSpPr>
-          <p:cNvPr id="469" name="직사각형 468"/>
+          <p:cNvPr id="470" name="직사각형 469"/>
           <p:cNvSpPr/>
           <p:nvPr/>
         </p:nvSpPr>
         <p:spPr>
           <a:xfrm>
-            <a:off x="4644008" y="1700907"/>
+            <a:off x="4716016" y="2204963"/>
             <a:ext cx="72008" cy="72008"/>
           </a:xfrm>
           <a:prstGeom prst="rect">
@@ -17966,13 +16929,302 @@
       </p:sp>
       <p:sp>
         <p:nvSpPr>
-          <p:cNvPr id="470" name="직사각형 469"/>
+          <p:cNvPr id="473" name="직사각형 472"/>
           <p:cNvSpPr/>
           <p:nvPr/>
         </p:nvSpPr>
         <p:spPr>
           <a:xfrm>
-            <a:off x="4716016" y="2204963"/>
+            <a:off x="6876256" y="4941169"/>
+            <a:ext cx="72008" cy="72008"/>
+          </a:xfrm>
+          <a:prstGeom prst="rect">
+            <a:avLst/>
+          </a:prstGeom>
+          <a:noFill/>
+          <a:ln w="25400" cap="flat" cmpd="sng" algn="ctr">
+            <a:noFill/>
+            <a:prstDash val="solid"/>
+          </a:ln>
+          <a:effectLst/>
+        </p:spPr>
+        <p:txBody>
+          <a:bodyPr rtlCol="0" anchor="ctr"/>
+          <a:lstStyle/>
+          <a:p>
+            <a:pPr marL="0" marR="0" lvl="0" indent="0" defTabSz="914400" eaLnBrk="1" fontAlgn="auto" latinLnBrk="0" hangingPunct="1">
+              <a:lnSpc>
+                <a:spcPct val="100000"/>
+              </a:lnSpc>
+              <a:spcBef>
+                <a:spcPts val="0"/>
+              </a:spcBef>
+              <a:spcAft>
+                <a:spcPts val="0"/>
+              </a:spcAft>
+              <a:buClrTx/>
+              <a:buSzTx/>
+              <a:buFontTx/>
+              <a:buNone/>
+              <a:tabLst/>
+              <a:defRPr/>
+            </a:pPr>
+            <a:endParaRPr kumimoji="0" lang="ko-KR" altLang="en-US" sz="800" b="0" i="0" u="none" strike="noStrike" kern="0" cap="none" spc="0" normalizeH="0" baseline="0" noProof="0">
+              <a:ln>
+                <a:noFill/>
+              </a:ln>
+              <a:solidFill>
+                <a:sysClr val="window" lastClr="FFFFFF"/>
+              </a:solidFill>
+              <a:effectLst/>
+              <a:uLnTx/>
+              <a:uFillTx/>
+              <a:latin typeface="+mn-ea"/>
+              <a:cs typeface="+mn-cs"/>
+            </a:endParaRPr>
+          </a:p>
+        </p:txBody>
+      </p:sp>
+      <p:sp>
+        <p:nvSpPr>
+          <p:cNvPr id="474" name="직사각형 473"/>
+          <p:cNvSpPr/>
+          <p:nvPr/>
+        </p:nvSpPr>
+        <p:spPr>
+          <a:xfrm>
+            <a:off x="6876256" y="4941169"/>
+            <a:ext cx="72008" cy="72008"/>
+          </a:xfrm>
+          <a:prstGeom prst="rect">
+            <a:avLst/>
+          </a:prstGeom>
+          <a:noFill/>
+          <a:ln w="25400" cap="flat" cmpd="sng" algn="ctr">
+            <a:noFill/>
+            <a:prstDash val="solid"/>
+          </a:ln>
+          <a:effectLst/>
+        </p:spPr>
+        <p:txBody>
+          <a:bodyPr rtlCol="0" anchor="ctr"/>
+          <a:lstStyle/>
+          <a:p>
+            <a:pPr marL="0" marR="0" lvl="0" indent="0" defTabSz="914400" eaLnBrk="1" fontAlgn="auto" latinLnBrk="0" hangingPunct="1">
+              <a:lnSpc>
+                <a:spcPct val="100000"/>
+              </a:lnSpc>
+              <a:spcBef>
+                <a:spcPts val="0"/>
+              </a:spcBef>
+              <a:spcAft>
+                <a:spcPts val="0"/>
+              </a:spcAft>
+              <a:buClrTx/>
+              <a:buSzTx/>
+              <a:buFontTx/>
+              <a:buNone/>
+              <a:tabLst/>
+              <a:defRPr/>
+            </a:pPr>
+            <a:endParaRPr kumimoji="0" lang="ko-KR" altLang="en-US" sz="800" b="0" i="0" u="none" strike="noStrike" kern="0" cap="none" spc="0" normalizeH="0" baseline="0" noProof="0">
+              <a:ln>
+                <a:noFill/>
+              </a:ln>
+              <a:solidFill>
+                <a:sysClr val="window" lastClr="FFFFFF"/>
+              </a:solidFill>
+              <a:effectLst/>
+              <a:uLnTx/>
+              <a:uFillTx/>
+              <a:latin typeface="+mn-ea"/>
+              <a:cs typeface="+mn-cs"/>
+            </a:endParaRPr>
+          </a:p>
+        </p:txBody>
+      </p:sp>
+      <p:sp>
+        <p:nvSpPr>
+          <p:cNvPr id="475" name="직사각형 474"/>
+          <p:cNvSpPr/>
+          <p:nvPr/>
+        </p:nvSpPr>
+        <p:spPr>
+          <a:xfrm>
+            <a:off x="6876256" y="4941169"/>
+            <a:ext cx="360040" cy="216024"/>
+          </a:xfrm>
+          <a:prstGeom prst="rect">
+            <a:avLst/>
+          </a:prstGeom>
+          <a:solidFill>
+            <a:srgbClr val="00B0F0"/>
+          </a:solidFill>
+          <a:ln w="6350" cap="flat" cmpd="sng" algn="ctr">
+            <a:solidFill>
+              <a:sysClr val="windowText" lastClr="000000"/>
+            </a:solidFill>
+            <a:prstDash val="solid"/>
+          </a:ln>
+          <a:effectLst/>
+        </p:spPr>
+        <p:txBody>
+          <a:bodyPr rtlCol="0" anchor="ctr"/>
+          <a:lstStyle/>
+          <a:p>
+            <a:pPr marL="0" marR="0" lvl="0" indent="0" defTabSz="914400" eaLnBrk="1" fontAlgn="auto" latinLnBrk="0" hangingPunct="1">
+              <a:lnSpc>
+                <a:spcPct val="100000"/>
+              </a:lnSpc>
+              <a:spcBef>
+                <a:spcPts val="0"/>
+              </a:spcBef>
+              <a:spcAft>
+                <a:spcPts val="0"/>
+              </a:spcAft>
+              <a:buClrTx/>
+              <a:buSzTx/>
+              <a:buFontTx/>
+              <a:buNone/>
+              <a:tabLst/>
+              <a:defRPr/>
+            </a:pPr>
+            <a:endParaRPr kumimoji="0" lang="ko-KR" altLang="en-US" sz="800" b="0" i="0" u="none" strike="noStrike" kern="0" cap="none" spc="0" normalizeH="0" baseline="0" noProof="0" dirty="0">
+              <a:ln>
+                <a:noFill/>
+              </a:ln>
+              <a:solidFill>
+                <a:sysClr val="windowText" lastClr="000000"/>
+              </a:solidFill>
+              <a:effectLst/>
+              <a:uLnTx/>
+              <a:uFillTx/>
+              <a:latin typeface="+mn-ea"/>
+              <a:cs typeface="+mn-cs"/>
+            </a:endParaRPr>
+          </a:p>
+        </p:txBody>
+      </p:sp>
+      <p:sp>
+        <p:nvSpPr>
+          <p:cNvPr id="476" name="TextBox 475"/>
+          <p:cNvSpPr txBox="1"/>
+          <p:nvPr/>
+        </p:nvSpPr>
+        <p:spPr>
+          <a:xfrm>
+            <a:off x="7236296" y="4941169"/>
+            <a:ext cx="1224136" cy="215444"/>
+          </a:xfrm>
+          <a:prstGeom prst="rect">
+            <a:avLst/>
+          </a:prstGeom>
+          <a:noFill/>
+        </p:spPr>
+        <p:txBody>
+          <a:bodyPr wrap="square" rtlCol="0">
+            <a:spAutoFit/>
+          </a:bodyPr>
+          <a:lstStyle/>
+          <a:p>
+            <a:pPr marL="0" marR="0" lvl="0" indent="0" defTabSz="914400" eaLnBrk="1" fontAlgn="auto" latinLnBrk="0" hangingPunct="1">
+              <a:lnSpc>
+                <a:spcPct val="100000"/>
+              </a:lnSpc>
+              <a:spcBef>
+                <a:spcPts val="0"/>
+              </a:spcBef>
+              <a:spcAft>
+                <a:spcPts val="0"/>
+              </a:spcAft>
+              <a:buClrTx/>
+              <a:buSzTx/>
+              <a:buFontTx/>
+              <a:buNone/>
+              <a:tabLst/>
+              <a:defRPr/>
+            </a:pPr>
+            <a:r>
+              <a:rPr lang="en-US" altLang="ko-KR" sz="800" kern="0" dirty="0" smtClean="0">
+                <a:solidFill>
+                  <a:sysClr val="windowText" lastClr="000000"/>
+                </a:solidFill>
+                <a:latin typeface="+mn-ea"/>
+              </a:rPr>
+              <a:t>user access</a:t>
+            </a:r>
+            <a:endParaRPr kumimoji="0" lang="ko-KR" altLang="en-US" sz="800" b="0" i="0" u="none" strike="noStrike" kern="0" cap="none" spc="0" normalizeH="0" baseline="0" noProof="0" dirty="0">
+              <a:ln>
+                <a:noFill/>
+              </a:ln>
+              <a:solidFill>
+                <a:sysClr val="windowText" lastClr="000000"/>
+              </a:solidFill>
+              <a:effectLst/>
+              <a:uLnTx/>
+              <a:uFillTx/>
+              <a:latin typeface="+mn-ea"/>
+            </a:endParaRPr>
+          </a:p>
+        </p:txBody>
+      </p:sp>
+      <p:sp>
+        <p:nvSpPr>
+          <p:cNvPr id="477" name="직사각형 476"/>
+          <p:cNvSpPr/>
+          <p:nvPr/>
+        </p:nvSpPr>
+        <p:spPr>
+          <a:xfrm>
+            <a:off x="1043608" y="1484784"/>
+            <a:ext cx="576064" cy="317845"/>
+          </a:xfrm>
+          <a:prstGeom prst="rect">
+            <a:avLst/>
+          </a:prstGeom>
+          <a:solidFill>
+            <a:srgbClr val="00B0F0"/>
+          </a:solidFill>
+          <a:ln w="6350" cap="flat" cmpd="sng" algn="ctr">
+            <a:solidFill>
+              <a:schemeClr val="tx1"/>
+            </a:solidFill>
+            <a:prstDash val="solid"/>
+          </a:ln>
+          <a:effectLst/>
+        </p:spPr>
+        <p:txBody>
+          <a:bodyPr rtlCol="0" anchor="ctr"/>
+          <a:lstStyle/>
+          <a:p>
+            <a:pPr lvl="0" algn="ctr" latinLnBrk="0"/>
+            <a:r>
+              <a:rPr lang="en-US" altLang="ko-KR" sz="800" kern="0" dirty="0" smtClean="0">
+                <a:solidFill>
+                  <a:sysClr val="windowText" lastClr="000000"/>
+                </a:solidFill>
+                <a:latin typeface="+mn-ea"/>
+              </a:rPr>
+              <a:t>Web UI</a:t>
+            </a:r>
+            <a:endParaRPr lang="en-US" altLang="ko-KR" sz="800" kern="0" dirty="0" smtClean="0">
+              <a:solidFill>
+                <a:sysClr val="windowText" lastClr="000000"/>
+              </a:solidFill>
+              <a:latin typeface="+mn-ea"/>
+            </a:endParaRPr>
+          </a:p>
+        </p:txBody>
+      </p:sp>
+      <p:sp>
+        <p:nvSpPr>
+          <p:cNvPr id="478" name="직사각형 477"/>
+          <p:cNvSpPr/>
+          <p:nvPr/>
+        </p:nvSpPr>
+        <p:spPr>
+          <a:xfrm>
+            <a:off x="4364360" y="2357363"/>
             <a:ext cx="72008" cy="72008"/>
           </a:xfrm>
           <a:prstGeom prst="rect">
@@ -18024,13 +17276,13 @@
       </p:sp>
       <p:sp>
         <p:nvSpPr>
-          <p:cNvPr id="473" name="직사각형 472"/>
+          <p:cNvPr id="479" name="직사각형 478"/>
           <p:cNvSpPr/>
           <p:nvPr/>
         </p:nvSpPr>
         <p:spPr>
           <a:xfrm>
-            <a:off x="6660232" y="5373315"/>
+            <a:off x="4364360" y="1888110"/>
             <a:ext cx="72008" cy="72008"/>
           </a:xfrm>
           <a:prstGeom prst="rect">
@@ -18047,7 +17299,7 @@
           <a:bodyPr rtlCol="0" anchor="ctr"/>
           <a:lstStyle/>
           <a:p>
-            <a:pPr marL="0" marR="0" lvl="0" indent="0" defTabSz="914400" eaLnBrk="1" fontAlgn="auto" latinLnBrk="0" hangingPunct="1">
+            <a:pPr marL="0" marR="0" lvl="0" indent="0" algn="ctr" defTabSz="914400" eaLnBrk="1" fontAlgn="auto" latinLnBrk="0" hangingPunct="1">
               <a:lnSpc>
                 <a:spcPct val="100000"/>
               </a:lnSpc>
@@ -18064,7 +17316,7 @@
               <a:tabLst/>
               <a:defRPr/>
             </a:pPr>
-            <a:endParaRPr kumimoji="0" lang="ko-KR" altLang="en-US" sz="800" b="0" i="0" u="none" strike="noStrike" kern="0" cap="none" spc="0" normalizeH="0" baseline="0" noProof="0">
+            <a:endParaRPr kumimoji="0" lang="ko-KR" altLang="en-US" sz="800" i="0" u="none" strike="noStrike" kern="0" cap="none" spc="0" normalizeH="0" baseline="0" noProof="0">
               <a:ln>
                 <a:noFill/>
               </a:ln>
@@ -18082,238 +17334,13 @@
       </p:sp>
       <p:sp>
         <p:nvSpPr>
-          <p:cNvPr id="474" name="직사각형 473"/>
+          <p:cNvPr id="481" name="직사각형 480"/>
           <p:cNvSpPr/>
           <p:nvPr/>
         </p:nvSpPr>
         <p:spPr>
           <a:xfrm>
-            <a:off x="6660232" y="5373315"/>
-            <a:ext cx="72008" cy="72008"/>
-          </a:xfrm>
-          <a:prstGeom prst="rect">
-            <a:avLst/>
-          </a:prstGeom>
-          <a:noFill/>
-          <a:ln w="25400" cap="flat" cmpd="sng" algn="ctr">
-            <a:noFill/>
-            <a:prstDash val="solid"/>
-          </a:ln>
-          <a:effectLst/>
-        </p:spPr>
-        <p:txBody>
-          <a:bodyPr rtlCol="0" anchor="ctr"/>
-          <a:lstStyle/>
-          <a:p>
-            <a:pPr marL="0" marR="0" lvl="0" indent="0" defTabSz="914400" eaLnBrk="1" fontAlgn="auto" latinLnBrk="0" hangingPunct="1">
-              <a:lnSpc>
-                <a:spcPct val="100000"/>
-              </a:lnSpc>
-              <a:spcBef>
-                <a:spcPts val="0"/>
-              </a:spcBef>
-              <a:spcAft>
-                <a:spcPts val="0"/>
-              </a:spcAft>
-              <a:buClrTx/>
-              <a:buSzTx/>
-              <a:buFontTx/>
-              <a:buNone/>
-              <a:tabLst/>
-              <a:defRPr/>
-            </a:pPr>
-            <a:endParaRPr kumimoji="0" lang="ko-KR" altLang="en-US" sz="800" b="0" i="0" u="none" strike="noStrike" kern="0" cap="none" spc="0" normalizeH="0" baseline="0" noProof="0">
-              <a:ln>
-                <a:noFill/>
-              </a:ln>
-              <a:solidFill>
-                <a:sysClr val="window" lastClr="FFFFFF"/>
-              </a:solidFill>
-              <a:effectLst/>
-              <a:uLnTx/>
-              <a:uFillTx/>
-              <a:latin typeface="+mn-ea"/>
-              <a:cs typeface="+mn-cs"/>
-            </a:endParaRPr>
-          </a:p>
-        </p:txBody>
-      </p:sp>
-      <p:sp>
-        <p:nvSpPr>
-          <p:cNvPr id="475" name="직사각형 474"/>
-          <p:cNvSpPr/>
-          <p:nvPr/>
-        </p:nvSpPr>
-        <p:spPr>
-          <a:xfrm>
-            <a:off x="6660232" y="5373315"/>
-            <a:ext cx="360040" cy="216024"/>
-          </a:xfrm>
-          <a:prstGeom prst="rect">
-            <a:avLst/>
-          </a:prstGeom>
-          <a:solidFill>
-            <a:srgbClr val="00B0F0"/>
-          </a:solidFill>
-          <a:ln w="6350" cap="flat" cmpd="sng" algn="ctr">
-            <a:solidFill>
-              <a:sysClr val="windowText" lastClr="000000"/>
-            </a:solidFill>
-            <a:prstDash val="solid"/>
-          </a:ln>
-          <a:effectLst/>
-        </p:spPr>
-        <p:txBody>
-          <a:bodyPr rtlCol="0" anchor="ctr"/>
-          <a:lstStyle/>
-          <a:p>
-            <a:pPr marL="0" marR="0" lvl="0" indent="0" defTabSz="914400" eaLnBrk="1" fontAlgn="auto" latinLnBrk="0" hangingPunct="1">
-              <a:lnSpc>
-                <a:spcPct val="100000"/>
-              </a:lnSpc>
-              <a:spcBef>
-                <a:spcPts val="0"/>
-              </a:spcBef>
-              <a:spcAft>
-                <a:spcPts val="0"/>
-              </a:spcAft>
-              <a:buClrTx/>
-              <a:buSzTx/>
-              <a:buFontTx/>
-              <a:buNone/>
-              <a:tabLst/>
-              <a:defRPr/>
-            </a:pPr>
-            <a:endParaRPr kumimoji="0" lang="ko-KR" altLang="en-US" sz="800" b="0" i="0" u="none" strike="noStrike" kern="0" cap="none" spc="0" normalizeH="0" baseline="0" noProof="0" dirty="0">
-              <a:ln>
-                <a:noFill/>
-              </a:ln>
-              <a:solidFill>
-                <a:sysClr val="windowText" lastClr="000000"/>
-              </a:solidFill>
-              <a:effectLst/>
-              <a:uLnTx/>
-              <a:uFillTx/>
-              <a:latin typeface="+mn-ea"/>
-              <a:cs typeface="+mn-cs"/>
-            </a:endParaRPr>
-          </a:p>
-        </p:txBody>
-      </p:sp>
-      <p:sp>
-        <p:nvSpPr>
-          <p:cNvPr id="476" name="TextBox 475"/>
-          <p:cNvSpPr txBox="1"/>
-          <p:nvPr/>
-        </p:nvSpPr>
-        <p:spPr>
-          <a:xfrm>
-            <a:off x="7020272" y="5373315"/>
-            <a:ext cx="1224136" cy="215444"/>
-          </a:xfrm>
-          <a:prstGeom prst="rect">
-            <a:avLst/>
-          </a:prstGeom>
-          <a:noFill/>
-        </p:spPr>
-        <p:txBody>
-          <a:bodyPr wrap="square" rtlCol="0">
-            <a:spAutoFit/>
-          </a:bodyPr>
-          <a:lstStyle/>
-          <a:p>
-            <a:pPr marL="0" marR="0" lvl="0" indent="0" defTabSz="914400" eaLnBrk="1" fontAlgn="auto" latinLnBrk="0" hangingPunct="1">
-              <a:lnSpc>
-                <a:spcPct val="100000"/>
-              </a:lnSpc>
-              <a:spcBef>
-                <a:spcPts val="0"/>
-              </a:spcBef>
-              <a:spcAft>
-                <a:spcPts val="0"/>
-              </a:spcAft>
-              <a:buClrTx/>
-              <a:buSzTx/>
-              <a:buFontTx/>
-              <a:buNone/>
-              <a:tabLst/>
-              <a:defRPr/>
-            </a:pPr>
-            <a:r>
-              <a:rPr lang="en-US" altLang="ko-KR" sz="800" kern="0" dirty="0" smtClean="0">
-                <a:solidFill>
-                  <a:sysClr val="windowText" lastClr="000000"/>
-                </a:solidFill>
-                <a:latin typeface="+mn-ea"/>
-              </a:rPr>
-              <a:t>user access</a:t>
-            </a:r>
-            <a:endParaRPr kumimoji="0" lang="ko-KR" altLang="en-US" sz="800" b="0" i="0" u="none" strike="noStrike" kern="0" cap="none" spc="0" normalizeH="0" baseline="0" noProof="0" dirty="0">
-              <a:ln>
-                <a:noFill/>
-              </a:ln>
-              <a:solidFill>
-                <a:sysClr val="windowText" lastClr="000000"/>
-              </a:solidFill>
-              <a:effectLst/>
-              <a:uLnTx/>
-              <a:uFillTx/>
-              <a:latin typeface="+mn-ea"/>
-            </a:endParaRPr>
-          </a:p>
-        </p:txBody>
-      </p:sp>
-      <p:sp>
-        <p:nvSpPr>
-          <p:cNvPr id="477" name="직사각형 476"/>
-          <p:cNvSpPr/>
-          <p:nvPr/>
-        </p:nvSpPr>
-        <p:spPr>
-          <a:xfrm>
-            <a:off x="1043608" y="1520947"/>
-            <a:ext cx="504056" cy="281682"/>
-          </a:xfrm>
-          <a:prstGeom prst="rect">
-            <a:avLst/>
-          </a:prstGeom>
-          <a:solidFill>
-            <a:srgbClr val="00B0F0"/>
-          </a:solidFill>
-          <a:ln w="19050" cap="flat" cmpd="sng" algn="ctr">
-            <a:solidFill>
-              <a:sysClr val="windowText" lastClr="000000"/>
-            </a:solidFill>
-            <a:prstDash val="solid"/>
-          </a:ln>
-          <a:effectLst/>
-        </p:spPr>
-        <p:txBody>
-          <a:bodyPr rtlCol="0" anchor="ctr"/>
-          <a:lstStyle/>
-          <a:p>
-            <a:pPr lvl="0" algn="ctr" latinLnBrk="0"/>
-            <a:r>
-              <a:rPr lang="en-US" altLang="ko-KR" sz="800" kern="0" dirty="0" smtClean="0">
-                <a:solidFill>
-                  <a:sysClr val="windowText" lastClr="000000"/>
-                </a:solidFill>
-                <a:latin typeface="+mn-ea"/>
-              </a:rPr>
-              <a:t>UI</a:t>
-            </a:r>
-          </a:p>
-        </p:txBody>
-      </p:sp>
-      <p:sp>
-        <p:nvSpPr>
-          <p:cNvPr id="478" name="직사각형 477"/>
-          <p:cNvSpPr/>
-          <p:nvPr/>
-        </p:nvSpPr>
-        <p:spPr>
-          <a:xfrm>
-            <a:off x="4364360" y="2357363"/>
+            <a:off x="4220344" y="2357363"/>
             <a:ext cx="72008" cy="72008"/>
           </a:xfrm>
           <a:prstGeom prst="rect">
@@ -18363,15 +17390,101 @@
           </a:p>
         </p:txBody>
       </p:sp>
+      <p:cxnSp>
+        <p:nvCxnSpPr>
+          <p:cNvPr id="482" name="꺾인 연결선 425"/>
+          <p:cNvCxnSpPr/>
+          <p:nvPr/>
+        </p:nvCxnSpPr>
+        <p:spPr>
+          <a:xfrm rot="5400000">
+            <a:off x="1185101" y="2018622"/>
+            <a:ext cx="440952" cy="3858"/>
+          </a:xfrm>
+          <a:prstGeom prst="bentConnector3">
+            <a:avLst>
+              <a:gd name="adj1" fmla="val 50000"/>
+            </a:avLst>
+          </a:prstGeom>
+          <a:noFill/>
+          <a:ln w="9525" cap="flat" cmpd="sng" algn="ctr">
+            <a:solidFill>
+              <a:srgbClr val="FF0000"/>
+            </a:solidFill>
+            <a:prstDash val="dash"/>
+            <a:headEnd type="oval" w="sm" len="sm"/>
+            <a:tailEnd type="triangle" w="sm" len="sm"/>
+          </a:ln>
+          <a:effectLst/>
+        </p:spPr>
+      </p:cxnSp>
+      <p:cxnSp>
+        <p:nvCxnSpPr>
+          <p:cNvPr id="483" name="꺾인 연결선 425"/>
+          <p:cNvCxnSpPr/>
+          <p:nvPr/>
+        </p:nvCxnSpPr>
+        <p:spPr>
+          <a:xfrm rot="16200000" flipV="1">
+            <a:off x="1048463" y="2029857"/>
+            <a:ext cx="421802" cy="537"/>
+          </a:xfrm>
+          <a:prstGeom prst="bentConnector3">
+            <a:avLst>
+              <a:gd name="adj1" fmla="val 50000"/>
+            </a:avLst>
+          </a:prstGeom>
+          <a:noFill/>
+          <a:ln w="9525" cap="flat" cmpd="sng" algn="ctr">
+            <a:solidFill>
+              <a:srgbClr val="FF0000"/>
+            </a:solidFill>
+            <a:prstDash val="dash"/>
+            <a:headEnd type="oval" w="sm" len="sm"/>
+            <a:tailEnd type="triangle" w="sm" len="sm"/>
+          </a:ln>
+          <a:effectLst/>
+        </p:spPr>
+      </p:cxnSp>
+      <p:cxnSp>
+        <p:nvCxnSpPr>
+          <p:cNvPr id="485" name="꺾인 연결선 198"/>
+          <p:cNvCxnSpPr>
+            <a:stCxn id="389" idx="3"/>
+          </p:cNvCxnSpPr>
+          <p:nvPr/>
+        </p:nvCxnSpPr>
+        <p:spPr>
+          <a:xfrm flipV="1">
+            <a:off x="5796136" y="3075409"/>
+            <a:ext cx="332420" cy="1145778"/>
+          </a:xfrm>
+          <a:prstGeom prst="bentConnector2">
+            <a:avLst/>
+          </a:prstGeom>
+          <a:noFill/>
+          <a:ln w="9525" cap="flat" cmpd="sng" algn="ctr">
+            <a:solidFill>
+              <a:srgbClr val="4F81BD">
+                <a:shade val="95000"/>
+                <a:satMod val="105000"/>
+              </a:srgbClr>
+            </a:solidFill>
+            <a:prstDash val="solid"/>
+            <a:tailEnd type="triangle" w="sm" len="sm"/>
+          </a:ln>
+          <a:effectLst/>
+        </p:spPr>
+      </p:cxnSp>
       <p:sp>
         <p:nvSpPr>
-          <p:cNvPr id="479" name="직사각형 478"/>
+          <p:cNvPr id="488" name="직사각형 487"/>
           <p:cNvSpPr/>
           <p:nvPr/>
         </p:nvSpPr>
         <p:spPr>
           <a:xfrm>
-            <a:off x="4364360" y="1853307"/>
+            <a:off x="2707649" y="4209534"/>
             <a:ext cx="72008" cy="72008"/>
           </a:xfrm>
           <a:prstGeom prst="rect">
@@ -18423,13 +17536,13 @@
       </p:sp>
       <p:sp>
         <p:nvSpPr>
-          <p:cNvPr id="481" name="직사각형 480"/>
+          <p:cNvPr id="489" name="직사각형 488"/>
           <p:cNvSpPr/>
           <p:nvPr/>
         </p:nvSpPr>
         <p:spPr>
           <a:xfrm>
-            <a:off x="4220344" y="2357363"/>
+            <a:off x="2707649" y="4137526"/>
             <a:ext cx="72008" cy="72008"/>
           </a:xfrm>
           <a:prstGeom prst="rect">
@@ -18479,229 +17592,15 @@
           </a:p>
         </p:txBody>
       </p:sp>
-      <p:cxnSp>
-        <p:nvCxnSpPr>
-          <p:cNvPr id="482" name="꺾인 연결선 425"/>
-          <p:cNvCxnSpPr/>
-          <p:nvPr/>
-        </p:nvCxnSpPr>
-        <p:spPr>
-          <a:xfrm rot="5400000">
-            <a:off x="1151620" y="2018653"/>
-            <a:ext cx="432048" cy="12700"/>
-          </a:xfrm>
-          <a:prstGeom prst="bentConnector3">
-            <a:avLst>
-              <a:gd name="adj1" fmla="val 50000"/>
-            </a:avLst>
-          </a:prstGeom>
-          <a:noFill/>
-          <a:ln w="9525" cap="flat" cmpd="sng" algn="ctr">
-            <a:solidFill>
-              <a:srgbClr val="FF0000"/>
-            </a:solidFill>
-            <a:prstDash val="dash"/>
-            <a:headEnd type="oval" w="sm" len="sm"/>
-            <a:tailEnd type="triangle" w="sm" len="sm"/>
-          </a:ln>
-          <a:effectLst/>
-        </p:spPr>
-      </p:cxnSp>
-      <p:cxnSp>
-        <p:nvCxnSpPr>
-          <p:cNvPr id="483" name="꺾인 연결선 425"/>
-          <p:cNvCxnSpPr/>
-          <p:nvPr/>
-        </p:nvCxnSpPr>
-        <p:spPr>
-          <a:xfrm rot="5400000" flipH="1" flipV="1">
-            <a:off x="1007604" y="2018653"/>
-            <a:ext cx="432048" cy="12700"/>
-          </a:xfrm>
-          <a:prstGeom prst="bentConnector3">
-            <a:avLst>
-              <a:gd name="adj1" fmla="val 50000"/>
-            </a:avLst>
-          </a:prstGeom>
-          <a:noFill/>
-          <a:ln w="9525" cap="flat" cmpd="sng" algn="ctr">
-            <a:solidFill>
-              <a:srgbClr val="FF0000"/>
-            </a:solidFill>
-            <a:prstDash val="dash"/>
-            <a:headEnd type="oval" w="sm" len="sm"/>
-            <a:tailEnd type="triangle" w="sm" len="sm"/>
-          </a:ln>
-          <a:effectLst/>
-        </p:spPr>
-      </p:cxnSp>
       <p:sp>
         <p:nvSpPr>
-          <p:cNvPr id="484" name="TextBox 483"/>
-          <p:cNvSpPr txBox="1"/>
-          <p:nvPr/>
-        </p:nvSpPr>
-        <p:spPr>
-          <a:xfrm>
-            <a:off x="2195736" y="4833315"/>
-            <a:ext cx="504056" cy="215444"/>
-          </a:xfrm>
-          <a:prstGeom prst="rect">
-            <a:avLst/>
-          </a:prstGeom>
-          <a:noFill/>
-        </p:spPr>
-        <p:txBody>
-          <a:bodyPr wrap="square" rtlCol="0">
-            <a:spAutoFit/>
-          </a:bodyPr>
-          <a:lstStyle/>
-          <a:p>
-            <a:pPr marL="0" marR="0" lvl="0" indent="0" algn="ctr" defTabSz="914400" eaLnBrk="1" fontAlgn="auto" latinLnBrk="0" hangingPunct="1">
-              <a:lnSpc>
-                <a:spcPct val="100000"/>
-              </a:lnSpc>
-              <a:spcBef>
-                <a:spcPts val="0"/>
-              </a:spcBef>
-              <a:spcAft>
-                <a:spcPts val="0"/>
-              </a:spcAft>
-              <a:buClrTx/>
-              <a:buSzTx/>
-              <a:buFontTx/>
-              <a:buNone/>
-              <a:tabLst/>
-              <a:defRPr/>
-            </a:pPr>
-            <a:r>
-              <a:rPr kumimoji="0" lang="en-US" altLang="ko-KR" sz="800" b="1" i="0" u="none" strike="noStrike" kern="0" cap="none" spc="0" normalizeH="0" baseline="0" noProof="0" dirty="0" smtClean="0">
-                <a:ln>
-                  <a:noFill/>
-                </a:ln>
-                <a:solidFill>
-                  <a:sysClr val="windowText" lastClr="000000"/>
-                </a:solidFill>
-                <a:effectLst/>
-                <a:uLnTx/>
-                <a:uFillTx/>
-                <a:latin typeface="+mn-ea"/>
-              </a:rPr>
-              <a:t>……</a:t>
-            </a:r>
-            <a:endParaRPr kumimoji="0" lang="ko-KR" altLang="en-US" sz="800" b="1" i="0" u="none" strike="noStrike" kern="0" cap="none" spc="0" normalizeH="0" baseline="0" noProof="0" dirty="0">
-              <a:ln>
-                <a:noFill/>
-              </a:ln>
-              <a:solidFill>
-                <a:sysClr val="windowText" lastClr="000000"/>
-              </a:solidFill>
-              <a:effectLst/>
-              <a:uLnTx/>
-              <a:uFillTx/>
-              <a:latin typeface="+mn-ea"/>
-            </a:endParaRPr>
-          </a:p>
-        </p:txBody>
-      </p:sp>
-      <p:cxnSp>
-        <p:nvCxnSpPr>
-          <p:cNvPr id="485" name="꺾인 연결선 198"/>
-          <p:cNvCxnSpPr>
-            <a:stCxn id="389" idx="3"/>
-          </p:cNvCxnSpPr>
-          <p:nvPr/>
-        </p:nvCxnSpPr>
-        <p:spPr>
-          <a:xfrm flipV="1">
-            <a:off x="5796136" y="3075409"/>
-            <a:ext cx="332420" cy="1145778"/>
-          </a:xfrm>
-          <a:prstGeom prst="bentConnector2">
-            <a:avLst/>
-          </a:prstGeom>
-          <a:noFill/>
-          <a:ln w="9525" cap="flat" cmpd="sng" algn="ctr">
-            <a:solidFill>
-              <a:srgbClr val="4F81BD">
-                <a:shade val="95000"/>
-                <a:satMod val="105000"/>
-              </a:srgbClr>
-            </a:solidFill>
-            <a:prstDash val="solid"/>
-            <a:tailEnd type="triangle" w="sm" len="sm"/>
-          </a:ln>
-          <a:effectLst/>
-        </p:spPr>
-      </p:cxnSp>
-      <p:cxnSp>
-        <p:nvCxnSpPr>
-          <p:cNvPr id="486" name="꺾인 연결선 425"/>
-          <p:cNvCxnSpPr>
-            <a:stCxn id="301" idx="3"/>
-            <a:endCxn id="389" idx="1"/>
-          </p:cNvCxnSpPr>
-          <p:nvPr/>
-        </p:nvCxnSpPr>
-        <p:spPr>
-          <a:xfrm flipV="1">
-            <a:off x="3131840" y="4221187"/>
-            <a:ext cx="936104" cy="288032"/>
-          </a:xfrm>
-          <a:prstGeom prst="bentConnector3">
-            <a:avLst>
-              <a:gd name="adj1" fmla="val 45930"/>
-            </a:avLst>
-          </a:prstGeom>
-          <a:noFill/>
-          <a:ln w="9525" cap="flat" cmpd="sng" algn="ctr">
-            <a:solidFill>
-              <a:srgbClr val="7030A0"/>
-            </a:solidFill>
-            <a:prstDash val="solid"/>
-            <a:headEnd type="oval" w="sm" len="sm"/>
-            <a:tailEnd type="triangle" w="sm" len="sm"/>
-          </a:ln>
-          <a:effectLst/>
-        </p:spPr>
-      </p:cxnSp>
-      <p:cxnSp>
-        <p:nvCxnSpPr>
-          <p:cNvPr id="487" name="꺾인 연결선 425"/>
-          <p:cNvCxnSpPr/>
-          <p:nvPr/>
-        </p:nvCxnSpPr>
-        <p:spPr>
-          <a:xfrm rot="10800000" flipV="1">
-            <a:off x="3131840" y="4291158"/>
-            <a:ext cx="936104" cy="288032"/>
-          </a:xfrm>
-          <a:prstGeom prst="bentConnector3">
-            <a:avLst>
-              <a:gd name="adj1" fmla="val 47965"/>
-            </a:avLst>
-          </a:prstGeom>
-          <a:noFill/>
-          <a:ln w="9525" cap="flat" cmpd="sng" algn="ctr">
-            <a:solidFill>
-              <a:srgbClr val="7030A0"/>
-            </a:solidFill>
-            <a:prstDash val="solid"/>
-            <a:headEnd type="oval" w="sm" len="sm"/>
-            <a:tailEnd type="triangle" w="sm" len="sm"/>
-          </a:ln>
-          <a:effectLst/>
-        </p:spPr>
-      </p:cxnSp>
-      <p:sp>
-        <p:nvSpPr>
-          <p:cNvPr id="488" name="직사각형 487"/>
+          <p:cNvPr id="490" name="직사각형 489"/>
           <p:cNvSpPr/>
           <p:nvPr/>
         </p:nvSpPr>
         <p:spPr>
           <a:xfrm>
-            <a:off x="2707649" y="4209534"/>
+            <a:off x="4075801" y="4209534"/>
             <a:ext cx="72008" cy="72008"/>
           </a:xfrm>
           <a:prstGeom prst="rect">
@@ -18753,13 +17652,13 @@
       </p:sp>
       <p:sp>
         <p:nvSpPr>
-          <p:cNvPr id="489" name="직사각형 488"/>
+          <p:cNvPr id="491" name="직사각형 490"/>
           <p:cNvSpPr/>
           <p:nvPr/>
         </p:nvSpPr>
         <p:spPr>
           <a:xfrm>
-            <a:off x="2707649" y="4137526"/>
+            <a:off x="4075801" y="4137526"/>
             <a:ext cx="72008" cy="72008"/>
           </a:xfrm>
           <a:prstGeom prst="rect">
@@ -18811,13 +17710,209 @@
       </p:sp>
       <p:sp>
         <p:nvSpPr>
-          <p:cNvPr id="490" name="직사각형 489"/>
+          <p:cNvPr id="492" name="TextBox 491"/>
+          <p:cNvSpPr txBox="1"/>
+          <p:nvPr/>
+        </p:nvSpPr>
+        <p:spPr>
+          <a:xfrm>
+            <a:off x="3923928" y="1844923"/>
+            <a:ext cx="648072" cy="215444"/>
+          </a:xfrm>
+          <a:prstGeom prst="rect">
+            <a:avLst/>
+          </a:prstGeom>
+          <a:noFill/>
+        </p:spPr>
+        <p:txBody>
+          <a:bodyPr wrap="square" rtlCol="0">
+            <a:spAutoFit/>
+          </a:bodyPr>
+          <a:lstStyle/>
+          <a:p>
+            <a:pPr marL="0" marR="0" lvl="0" indent="0" defTabSz="914400" eaLnBrk="1" fontAlgn="auto" latinLnBrk="0" hangingPunct="1">
+              <a:lnSpc>
+                <a:spcPct val="100000"/>
+              </a:lnSpc>
+              <a:spcBef>
+                <a:spcPts val="0"/>
+              </a:spcBef>
+              <a:spcAft>
+                <a:spcPts val="0"/>
+              </a:spcAft>
+              <a:buClrTx/>
+              <a:buSzTx/>
+              <a:buFontTx/>
+              <a:buNone/>
+              <a:tabLst/>
+              <a:defRPr/>
+            </a:pPr>
+            <a:r>
+              <a:rPr kumimoji="0" lang="en-US" altLang="ko-KR" sz="800" i="0" u="none" strike="noStrike" kern="0" cap="none" spc="0" normalizeH="0" baseline="0" noProof="0" dirty="0" smtClean="0">
+                <a:ln>
+                  <a:noFill/>
+                </a:ln>
+                <a:solidFill>
+                  <a:sysClr val="windowText" lastClr="000000"/>
+                </a:solidFill>
+                <a:effectLst/>
+                <a:uLnTx/>
+                <a:uFillTx/>
+                <a:latin typeface="+mn-ea"/>
+              </a:rPr>
+              <a:t>message</a:t>
+            </a:r>
+            <a:endParaRPr kumimoji="0" lang="ko-KR" altLang="en-US" sz="800" i="0" u="none" strike="noStrike" kern="0" cap="none" spc="0" normalizeH="0" baseline="0" noProof="0" dirty="0">
+              <a:ln>
+                <a:noFill/>
+              </a:ln>
+              <a:solidFill>
+                <a:sysClr val="windowText" lastClr="000000"/>
+              </a:solidFill>
+              <a:effectLst/>
+              <a:uLnTx/>
+              <a:uFillTx/>
+              <a:latin typeface="+mn-ea"/>
+            </a:endParaRPr>
+          </a:p>
+        </p:txBody>
+      </p:sp>
+      <p:sp>
+        <p:nvSpPr>
+          <p:cNvPr id="494" name="TextBox 493"/>
+          <p:cNvSpPr txBox="1"/>
+          <p:nvPr/>
+        </p:nvSpPr>
+        <p:spPr>
+          <a:xfrm>
+            <a:off x="1693441" y="4797152"/>
+            <a:ext cx="502295" cy="215444"/>
+          </a:xfrm>
+          <a:prstGeom prst="rect">
+            <a:avLst/>
+          </a:prstGeom>
+          <a:noFill/>
+        </p:spPr>
+        <p:txBody>
+          <a:bodyPr wrap="square" rtlCol="0">
+            <a:spAutoFit/>
+          </a:bodyPr>
+          <a:lstStyle/>
+          <a:p>
+            <a:pPr marL="0" marR="0" lvl="0" indent="0" defTabSz="914400" eaLnBrk="1" fontAlgn="auto" latinLnBrk="0" hangingPunct="1">
+              <a:lnSpc>
+                <a:spcPct val="100000"/>
+              </a:lnSpc>
+              <a:spcBef>
+                <a:spcPts val="0"/>
+              </a:spcBef>
+              <a:spcAft>
+                <a:spcPts val="0"/>
+              </a:spcAft>
+              <a:buClrTx/>
+              <a:buSzTx/>
+              <a:buFontTx/>
+              <a:buNone/>
+              <a:tabLst/>
+              <a:defRPr/>
+            </a:pPr>
+            <a:r>
+              <a:rPr kumimoji="0" lang="en-US" altLang="ko-KR" sz="800" i="0" u="none" strike="noStrike" kern="0" cap="none" spc="0" normalizeH="0" baseline="0" noProof="0" dirty="0" smtClean="0">
+                <a:ln>
+                  <a:noFill/>
+                </a:ln>
+                <a:solidFill>
+                  <a:sysClr val="windowText" lastClr="000000"/>
+                </a:solidFill>
+                <a:effectLst/>
+                <a:uLnTx/>
+                <a:uFillTx/>
+                <a:latin typeface="+mn-ea"/>
+              </a:rPr>
+              <a:t>JSON</a:t>
+            </a:r>
+            <a:endParaRPr kumimoji="0" lang="ko-KR" altLang="en-US" sz="800" i="0" u="none" strike="noStrike" kern="0" cap="none" spc="0" normalizeH="0" baseline="0" noProof="0" dirty="0">
+              <a:ln>
+                <a:noFill/>
+              </a:ln>
+              <a:solidFill>
+                <a:sysClr val="windowText" lastClr="000000"/>
+              </a:solidFill>
+              <a:effectLst/>
+              <a:uLnTx/>
+              <a:uFillTx/>
+              <a:latin typeface="+mn-ea"/>
+            </a:endParaRPr>
+          </a:p>
+        </p:txBody>
+      </p:sp>
+      <p:sp>
+        <p:nvSpPr>
+          <p:cNvPr id="211" name="직사각형 210"/>
           <p:cNvSpPr/>
           <p:nvPr/>
         </p:nvSpPr>
         <p:spPr>
           <a:xfrm>
-            <a:off x="4075801" y="4209534"/>
+            <a:off x="3487093" y="1748881"/>
+            <a:ext cx="72008" cy="72008"/>
+          </a:xfrm>
+          <a:prstGeom prst="rect">
+            <a:avLst/>
+          </a:prstGeom>
+          <a:noFill/>
+          <a:ln w="25400" cap="flat" cmpd="sng" algn="ctr">
+            <a:noFill/>
+            <a:prstDash val="solid"/>
+          </a:ln>
+          <a:effectLst/>
+        </p:spPr>
+        <p:txBody>
+          <a:bodyPr rtlCol="0" anchor="ctr"/>
+          <a:lstStyle/>
+          <a:p>
+            <a:pPr marL="0" marR="0" lvl="0" indent="0" algn="ctr" defTabSz="914400" eaLnBrk="1" fontAlgn="auto" latinLnBrk="0" hangingPunct="1">
+              <a:lnSpc>
+                <a:spcPct val="100000"/>
+              </a:lnSpc>
+              <a:spcBef>
+                <a:spcPts val="0"/>
+              </a:spcBef>
+              <a:spcAft>
+                <a:spcPts val="0"/>
+              </a:spcAft>
+              <a:buClrTx/>
+              <a:buSzTx/>
+              <a:buFontTx/>
+              <a:buNone/>
+              <a:tabLst/>
+              <a:defRPr/>
+            </a:pPr>
+            <a:endParaRPr kumimoji="0" lang="ko-KR" altLang="en-US" sz="800" i="0" u="none" strike="noStrike" kern="0" cap="none" spc="0" normalizeH="0" baseline="0" noProof="0">
+              <a:ln>
+                <a:noFill/>
+              </a:ln>
+              <a:solidFill>
+                <a:sysClr val="window" lastClr="FFFFFF"/>
+              </a:solidFill>
+              <a:effectLst/>
+              <a:uLnTx/>
+              <a:uFillTx/>
+              <a:latin typeface="+mn-ea"/>
+              <a:cs typeface="+mn-cs"/>
+            </a:endParaRPr>
+          </a:p>
+        </p:txBody>
+      </p:sp>
+      <p:sp>
+        <p:nvSpPr>
+          <p:cNvPr id="212" name="직사각형 211"/>
+          <p:cNvSpPr/>
+          <p:nvPr/>
+        </p:nvSpPr>
+        <p:spPr>
+          <a:xfrm>
+            <a:off x="3491880" y="2204864"/>
             <a:ext cx="72008" cy="72008"/>
           </a:xfrm>
           <a:prstGeom prst="rect">
@@ -18867,15 +17962,46 @@
           </a:p>
         </p:txBody>
       </p:sp>
+      <p:cxnSp>
+        <p:nvCxnSpPr>
+          <p:cNvPr id="213" name="꺾인 연결선 425"/>
+          <p:cNvCxnSpPr>
+            <a:stCxn id="212" idx="0"/>
+            <a:endCxn id="211" idx="2"/>
+          </p:cNvCxnSpPr>
+          <p:nvPr/>
+        </p:nvCxnSpPr>
+        <p:spPr>
+          <a:xfrm rot="16200000" flipV="1">
+            <a:off x="3333504" y="2010483"/>
+            <a:ext cx="383975" cy="4787"/>
+          </a:xfrm>
+          <a:prstGeom prst="bentConnector3">
+            <a:avLst>
+              <a:gd name="adj1" fmla="val 50000"/>
+            </a:avLst>
+          </a:prstGeom>
+          <a:noFill/>
+          <a:ln w="9525" cap="flat" cmpd="sng" algn="ctr">
+            <a:solidFill>
+              <a:srgbClr val="7030A0"/>
+            </a:solidFill>
+            <a:prstDash val="solid"/>
+            <a:headEnd type="oval" w="sm" len="sm"/>
+            <a:tailEnd type="triangle" w="sm" len="sm"/>
+          </a:ln>
+          <a:effectLst/>
+        </p:spPr>
+      </p:cxnSp>
       <p:sp>
         <p:nvSpPr>
-          <p:cNvPr id="491" name="직사각형 490"/>
+          <p:cNvPr id="215" name="직사각형 214"/>
           <p:cNvSpPr/>
           <p:nvPr/>
         </p:nvSpPr>
         <p:spPr>
           <a:xfrm>
-            <a:off x="4075801" y="4137526"/>
+            <a:off x="3602184" y="2204864"/>
             <a:ext cx="72008" cy="72008"/>
           </a:xfrm>
           <a:prstGeom prst="rect">
@@ -18927,14 +18053,103 @@
       </p:sp>
       <p:sp>
         <p:nvSpPr>
-          <p:cNvPr id="492" name="TextBox 491"/>
+          <p:cNvPr id="216" name="직사각형 215"/>
+          <p:cNvSpPr/>
+          <p:nvPr/>
+        </p:nvSpPr>
+        <p:spPr>
+          <a:xfrm>
+            <a:off x="3599892" y="1772816"/>
+            <a:ext cx="72008" cy="72008"/>
+          </a:xfrm>
+          <a:prstGeom prst="rect">
+            <a:avLst/>
+          </a:prstGeom>
+          <a:noFill/>
+          <a:ln w="25400" cap="flat" cmpd="sng" algn="ctr">
+            <a:noFill/>
+            <a:prstDash val="solid"/>
+          </a:ln>
+          <a:effectLst/>
+        </p:spPr>
+        <p:txBody>
+          <a:bodyPr rtlCol="0" anchor="ctr"/>
+          <a:lstStyle/>
+          <a:p>
+            <a:pPr marL="0" marR="0" lvl="0" indent="0" algn="ctr" defTabSz="914400" eaLnBrk="1" fontAlgn="auto" latinLnBrk="0" hangingPunct="1">
+              <a:lnSpc>
+                <a:spcPct val="100000"/>
+              </a:lnSpc>
+              <a:spcBef>
+                <a:spcPts val="0"/>
+              </a:spcBef>
+              <a:spcAft>
+                <a:spcPts val="0"/>
+              </a:spcAft>
+              <a:buClrTx/>
+              <a:buSzTx/>
+              <a:buFontTx/>
+              <a:buNone/>
+              <a:tabLst/>
+              <a:defRPr/>
+            </a:pPr>
+            <a:endParaRPr kumimoji="0" lang="ko-KR" altLang="en-US" sz="800" i="0" u="none" strike="noStrike" kern="0" cap="none" spc="0" normalizeH="0" baseline="0" noProof="0">
+              <a:ln>
+                <a:noFill/>
+              </a:ln>
+              <a:solidFill>
+                <a:sysClr val="window" lastClr="FFFFFF"/>
+              </a:solidFill>
+              <a:effectLst/>
+              <a:uLnTx/>
+              <a:uFillTx/>
+              <a:latin typeface="+mn-ea"/>
+              <a:cs typeface="+mn-cs"/>
+            </a:endParaRPr>
+          </a:p>
+        </p:txBody>
+      </p:sp>
+      <p:cxnSp>
+        <p:nvCxnSpPr>
+          <p:cNvPr id="217" name="꺾인 연결선 425"/>
+          <p:cNvCxnSpPr>
+            <a:stCxn id="216" idx="2"/>
+            <a:endCxn id="215" idx="0"/>
+          </p:cNvCxnSpPr>
+          <p:nvPr/>
+        </p:nvCxnSpPr>
+        <p:spPr>
+          <a:xfrm rot="16200000" flipH="1">
+            <a:off x="3457022" y="2023698"/>
+            <a:ext cx="360040" cy="2292"/>
+          </a:xfrm>
+          <a:prstGeom prst="bentConnector3">
+            <a:avLst>
+              <a:gd name="adj1" fmla="val 50000"/>
+            </a:avLst>
+          </a:prstGeom>
+          <a:noFill/>
+          <a:ln w="9525" cap="flat" cmpd="sng" algn="ctr">
+            <a:solidFill>
+              <a:srgbClr val="7030A0"/>
+            </a:solidFill>
+            <a:prstDash val="solid"/>
+            <a:headEnd type="oval" w="sm" len="sm"/>
+            <a:tailEnd type="triangle" w="sm" len="sm"/>
+          </a:ln>
+          <a:effectLst/>
+        </p:spPr>
+      </p:cxnSp>
+      <p:sp>
+        <p:nvSpPr>
+          <p:cNvPr id="219" name="TextBox 218"/>
           <p:cNvSpPr txBox="1"/>
           <p:nvPr/>
         </p:nvSpPr>
         <p:spPr>
           <a:xfrm>
-            <a:off x="3851920" y="1844923"/>
-            <a:ext cx="648072" cy="215444"/>
+            <a:off x="7236296" y="5229102"/>
+            <a:ext cx="1224136" cy="215444"/>
           </a:xfrm>
           <a:prstGeom prst="rect">
             <a:avLst/>
@@ -18965,21 +18180,15 @@
               <a:defRPr/>
             </a:pPr>
             <a:r>
-              <a:rPr kumimoji="0" lang="en-US" altLang="ko-KR" sz="800" b="1" i="0" u="none" strike="noStrike" kern="0" cap="none" spc="0" normalizeH="0" baseline="0" noProof="0" dirty="0" smtClean="0">
-                <a:ln>
-                  <a:noFill/>
-                </a:ln>
+              <a:rPr lang="en-US" altLang="ko-KR" sz="800" kern="0" dirty="0" smtClean="0">
                 <a:solidFill>
                   <a:sysClr val="windowText" lastClr="000000"/>
                 </a:solidFill>
-                <a:effectLst/>
-                <a:uLnTx/>
-                <a:uFillTx/>
                 <a:latin typeface="+mn-ea"/>
               </a:rPr>
-              <a:t>message</a:t>
-            </a:r>
-            <a:endParaRPr kumimoji="0" lang="ko-KR" altLang="en-US" sz="800" b="1" i="0" u="none" strike="noStrike" kern="0" cap="none" spc="0" normalizeH="0" baseline="0" noProof="0" dirty="0">
+              <a:t>thread</a:t>
+            </a:r>
+            <a:endParaRPr kumimoji="0" lang="ko-KR" altLang="en-US" sz="800" b="0" i="0" u="none" strike="noStrike" kern="0" cap="none" spc="0" normalizeH="0" baseline="0" noProof="0" dirty="0">
               <a:ln>
                 <a:noFill/>
               </a:ln>
@@ -18996,14 +18205,14 @@
       </p:sp>
       <p:sp>
         <p:nvSpPr>
-          <p:cNvPr id="493" name="TextBox 492"/>
+          <p:cNvPr id="224" name="TextBox 223"/>
           <p:cNvSpPr txBox="1"/>
           <p:nvPr/>
         </p:nvSpPr>
         <p:spPr>
           <a:xfrm>
-            <a:off x="1115616" y="4797251"/>
-            <a:ext cx="502295" cy="215444"/>
+            <a:off x="3563888" y="1916832"/>
+            <a:ext cx="648072" cy="215444"/>
           </a:xfrm>
           <a:prstGeom prst="rect">
             <a:avLst/>
@@ -19034,7 +18243,7 @@
               <a:defRPr/>
             </a:pPr>
             <a:r>
-              <a:rPr kumimoji="0" lang="en-US" altLang="ko-KR" sz="800" b="1" i="0" u="none" strike="noStrike" kern="0" cap="none" spc="0" normalizeH="0" baseline="0" noProof="0" dirty="0" smtClean="0">
+              <a:rPr kumimoji="0" lang="en-US" altLang="ko-KR" sz="800" i="0" u="none" strike="noStrike" kern="0" cap="none" spc="0" normalizeH="0" baseline="0" noProof="0" dirty="0" smtClean="0">
                 <a:ln>
                   <a:noFill/>
                 </a:ln>
@@ -19046,9 +18255,9 @@
                 <a:uFillTx/>
                 <a:latin typeface="+mn-ea"/>
               </a:rPr>
-              <a:t>JSON</a:t>
-            </a:r>
-            <a:endParaRPr kumimoji="0" lang="ko-KR" altLang="en-US" sz="800" b="1" i="0" u="none" strike="noStrike" kern="0" cap="none" spc="0" normalizeH="0" baseline="0" noProof="0" dirty="0">
+              <a:t>reset</a:t>
+            </a:r>
+            <a:endParaRPr kumimoji="0" lang="ko-KR" altLang="en-US" sz="800" i="0" u="none" strike="noStrike" kern="0" cap="none" spc="0" normalizeH="0" baseline="0" noProof="0" dirty="0">
               <a:ln>
                 <a:noFill/>
               </a:ln>
@@ -19065,14 +18274,14 @@
       </p:sp>
       <p:sp>
         <p:nvSpPr>
-          <p:cNvPr id="494" name="TextBox 493"/>
+          <p:cNvPr id="225" name="TextBox 224"/>
           <p:cNvSpPr txBox="1"/>
           <p:nvPr/>
         </p:nvSpPr>
         <p:spPr>
           <a:xfrm>
-            <a:off x="1691680" y="4797251"/>
-            <a:ext cx="502295" cy="215444"/>
+            <a:off x="3275856" y="1916832"/>
+            <a:ext cx="648072" cy="215444"/>
           </a:xfrm>
           <a:prstGeom prst="rect">
             <a:avLst/>
@@ -19103,7 +18312,7 @@
               <a:defRPr/>
             </a:pPr>
             <a:r>
-              <a:rPr kumimoji="0" lang="en-US" altLang="ko-KR" sz="800" b="1" i="0" u="none" strike="noStrike" kern="0" cap="none" spc="0" normalizeH="0" baseline="0" noProof="0" dirty="0" smtClean="0">
+              <a:rPr kumimoji="0" lang="en-US" altLang="ko-KR" sz="800" i="0" u="none" strike="noStrike" kern="0" cap="none" spc="0" normalizeH="0" baseline="0" noProof="0" dirty="0" smtClean="0">
                 <a:ln>
                   <a:noFill/>
                 </a:ln>
@@ -19115,9 +18324,9 @@
                 <a:uFillTx/>
                 <a:latin typeface="+mn-ea"/>
               </a:rPr>
-              <a:t>JSON</a:t>
-            </a:r>
-            <a:endParaRPr kumimoji="0" lang="ko-KR" altLang="en-US" sz="800" b="1" i="0" u="none" strike="noStrike" kern="0" cap="none" spc="0" normalizeH="0" baseline="0" noProof="0" dirty="0">
+              <a:t>kick</a:t>
+            </a:r>
+            <a:endParaRPr kumimoji="0" lang="ko-KR" altLang="en-US" sz="800" i="0" u="none" strike="noStrike" kern="0" cap="none" spc="0" normalizeH="0" baseline="0" noProof="0" dirty="0">
               <a:ln>
                 <a:noFill/>
               </a:ln>
@@ -19134,14 +18343,79 @@
       </p:sp>
       <p:sp>
         <p:nvSpPr>
-          <p:cNvPr id="495" name="TextBox 494"/>
+          <p:cNvPr id="232" name="직사각형 231"/>
+          <p:cNvSpPr/>
+          <p:nvPr/>
+        </p:nvSpPr>
+        <p:spPr>
+          <a:xfrm>
+            <a:off x="4067944" y="4005064"/>
+            <a:ext cx="1728192" cy="432048"/>
+          </a:xfrm>
+          <a:prstGeom prst="rect">
+            <a:avLst/>
+          </a:prstGeom>
+          <a:solidFill>
+            <a:srgbClr val="92D050"/>
+          </a:solidFill>
+          <a:ln w="6350" cap="flat" cmpd="sng" algn="ctr">
+            <a:solidFill>
+              <a:sysClr val="windowText" lastClr="000000"/>
+            </a:solidFill>
+            <a:prstDash val="solid"/>
+          </a:ln>
+          <a:effectLst/>
+        </p:spPr>
+        <p:txBody>
+          <a:bodyPr rtlCol="0" anchor="ctr"/>
+          <a:lstStyle/>
+          <a:p>
+            <a:pPr marL="0" marR="0" lvl="0" indent="0" algn="ctr" defTabSz="914400" eaLnBrk="1" fontAlgn="auto" latinLnBrk="0" hangingPunct="1">
+              <a:lnSpc>
+                <a:spcPct val="100000"/>
+              </a:lnSpc>
+              <a:spcBef>
+                <a:spcPts val="0"/>
+              </a:spcBef>
+              <a:spcAft>
+                <a:spcPts val="0"/>
+              </a:spcAft>
+              <a:buClrTx/>
+              <a:buSzTx/>
+              <a:buFontTx/>
+              <a:buNone/>
+              <a:tabLst/>
+              <a:defRPr/>
+            </a:pPr>
+            <a:r>
+              <a:rPr kumimoji="0" lang="en-US" altLang="ko-KR" sz="800" b="0" i="0" u="none" strike="noStrike" kern="0" cap="none" spc="0" normalizeH="0" baseline="0" noProof="0" dirty="0" smtClean="0">
+                <a:ln>
+                  <a:noFill/>
+                </a:ln>
+                <a:solidFill>
+                  <a:sysClr val="windowText" lastClr="000000"/>
+                </a:solidFill>
+                <a:effectLst/>
+                <a:uLnTx/>
+                <a:uFillTx/>
+                <a:latin typeface="+mn-ea"/>
+                <a:cs typeface="+mn-cs"/>
+              </a:rPr>
+              <a:t>Node</a:t>
+            </a:r>
+          </a:p>
+        </p:txBody>
+      </p:sp>
+      <p:sp>
+        <p:nvSpPr>
+          <p:cNvPr id="241" name="TextBox 240"/>
           <p:cNvSpPr txBox="1"/>
           <p:nvPr/>
         </p:nvSpPr>
         <p:spPr>
           <a:xfrm>
-            <a:off x="2627784" y="4797251"/>
-            <a:ext cx="502295" cy="215444"/>
+            <a:off x="6805016" y="1484784"/>
+            <a:ext cx="1224136" cy="215444"/>
           </a:xfrm>
           <a:prstGeom prst="rect">
             <a:avLst/>
@@ -19172,7 +18446,7 @@
               <a:defRPr/>
             </a:pPr>
             <a:r>
-              <a:rPr kumimoji="0" lang="en-US" altLang="ko-KR" sz="800" b="1" i="0" u="none" strike="noStrike" kern="0" cap="none" spc="0" normalizeH="0" baseline="0" noProof="0" dirty="0" smtClean="0">
+              <a:rPr kumimoji="0" lang="en-US" altLang="ko-KR" sz="800" b="0" i="0" u="none" strike="noStrike" kern="0" cap="none" spc="0" normalizeH="0" baseline="0" noProof="0" dirty="0" smtClean="0">
                 <a:ln>
                   <a:noFill/>
                 </a:ln>
@@ -19184,9 +18458,9 @@
                 <a:uFillTx/>
                 <a:latin typeface="+mn-ea"/>
               </a:rPr>
-              <a:t>JSON</a:t>
-            </a:r>
-            <a:endParaRPr kumimoji="0" lang="ko-KR" altLang="en-US" sz="800" b="1" i="0" u="none" strike="noStrike" kern="0" cap="none" spc="0" normalizeH="0" baseline="0" noProof="0" dirty="0">
+              <a:t>Legend</a:t>
+            </a:r>
+            <a:endParaRPr kumimoji="0" lang="ko-KR" altLang="en-US" sz="800" b="0" i="0" u="none" strike="noStrike" kern="0" cap="none" spc="0" normalizeH="0" baseline="0" noProof="0" dirty="0">
               <a:ln>
                 <a:noFill/>
               </a:ln>
@@ -19201,10 +18475,588 @@
           </a:p>
         </p:txBody>
       </p:sp>
+      <p:sp>
+        <p:nvSpPr>
+          <p:cNvPr id="243" name="타원 242"/>
+          <p:cNvSpPr/>
+          <p:nvPr/>
+        </p:nvSpPr>
+        <p:spPr>
+          <a:xfrm>
+            <a:off x="3203848" y="1523080"/>
+            <a:ext cx="792088" cy="288032"/>
+          </a:xfrm>
+          <a:prstGeom prst="ellipse">
+            <a:avLst/>
+          </a:prstGeom>
+          <a:noFill/>
+          <a:ln w="3175">
+            <a:solidFill>
+              <a:schemeClr val="tx1"/>
+            </a:solidFill>
+          </a:ln>
+        </p:spPr>
+        <p:style>
+          <a:lnRef idx="2">
+            <a:schemeClr val="accent1">
+              <a:shade val="50000"/>
+            </a:schemeClr>
+          </a:lnRef>
+          <a:fillRef idx="1">
+            <a:schemeClr val="accent1"/>
+          </a:fillRef>
+          <a:effectRef idx="0">
+            <a:schemeClr val="accent1"/>
+          </a:effectRef>
+          <a:fontRef idx="minor">
+            <a:schemeClr val="lt1"/>
+          </a:fontRef>
+        </p:style>
+        <p:txBody>
+          <a:bodyPr lIns="36000" rIns="36000" rtlCol="0" anchor="ctr"/>
+          <a:lstStyle/>
+          <a:p>
+            <a:pPr lvl="0" algn="ctr"/>
+            <a:r>
+              <a:rPr lang="en-US" altLang="ko-KR" sz="800" kern="0" dirty="0" smtClean="0">
+                <a:solidFill>
+                  <a:sysClr val="windowText" lastClr="000000"/>
+                </a:solidFill>
+              </a:rPr>
+              <a:t>event bus</a:t>
+            </a:r>
+          </a:p>
+          <a:p>
+            <a:pPr lvl="0" algn="ctr"/>
+            <a:r>
+              <a:rPr lang="en-US" altLang="ko-KR" sz="800" kern="0" dirty="0" smtClean="0">
+                <a:solidFill>
+                  <a:sysClr val="windowText" lastClr="000000"/>
+                </a:solidFill>
+              </a:rPr>
+              <a:t>watchdog</a:t>
+            </a:r>
+            <a:endParaRPr lang="ko-KR" altLang="en-US" dirty="0"/>
+          </a:p>
+        </p:txBody>
+      </p:sp>
+      <p:sp>
+        <p:nvSpPr>
+          <p:cNvPr id="244" name="타원 243"/>
+          <p:cNvSpPr/>
+          <p:nvPr/>
+        </p:nvSpPr>
+        <p:spPr>
+          <a:xfrm>
+            <a:off x="6876256" y="5229200"/>
+            <a:ext cx="360040" cy="216024"/>
+          </a:xfrm>
+          <a:prstGeom prst="ellipse">
+            <a:avLst/>
+          </a:prstGeom>
+          <a:noFill/>
+          <a:ln w="3175">
+            <a:solidFill>
+              <a:schemeClr val="tx1"/>
+            </a:solidFill>
+          </a:ln>
+        </p:spPr>
+        <p:style>
+          <a:lnRef idx="2">
+            <a:schemeClr val="accent1">
+              <a:shade val="50000"/>
+            </a:schemeClr>
+          </a:lnRef>
+          <a:fillRef idx="1">
+            <a:schemeClr val="accent1"/>
+          </a:fillRef>
+          <a:effectRef idx="0">
+            <a:schemeClr val="accent1"/>
+          </a:effectRef>
+          <a:fontRef idx="minor">
+            <a:schemeClr val="lt1"/>
+          </a:fontRef>
+        </p:style>
+        <p:txBody>
+          <a:bodyPr lIns="36000" rIns="36000" rtlCol="0" anchor="ctr"/>
+          <a:lstStyle/>
+          <a:p>
+            <a:pPr lvl="0" algn="ctr"/>
+            <a:endParaRPr lang="ko-KR" altLang="en-US" dirty="0"/>
+          </a:p>
+        </p:txBody>
+      </p:sp>
+      <p:sp>
+        <p:nvSpPr>
+          <p:cNvPr id="251" name="직사각형 250"/>
+          <p:cNvSpPr/>
+          <p:nvPr/>
+        </p:nvSpPr>
+        <p:spPr>
+          <a:xfrm>
+            <a:off x="1292607" y="4336179"/>
+            <a:ext cx="1651665" cy="288032"/>
+          </a:xfrm>
+          <a:prstGeom prst="rect">
+            <a:avLst/>
+          </a:prstGeom>
+          <a:solidFill>
+            <a:srgbClr val="FFFF00"/>
+          </a:solidFill>
+          <a:ln w="6350" cap="flat" cmpd="sng" algn="ctr">
+            <a:solidFill>
+              <a:sysClr val="windowText" lastClr="000000"/>
+            </a:solidFill>
+            <a:prstDash val="solid"/>
+          </a:ln>
+          <a:effectLst/>
+        </p:spPr>
+        <p:txBody>
+          <a:bodyPr rtlCol="0" anchor="ctr"/>
+          <a:lstStyle/>
+          <a:p>
+            <a:pPr marL="0" marR="0" lvl="0" indent="0" algn="ctr" defTabSz="914400" eaLnBrk="1" fontAlgn="auto" latinLnBrk="0" hangingPunct="1">
+              <a:lnSpc>
+                <a:spcPct val="100000"/>
+              </a:lnSpc>
+              <a:spcBef>
+                <a:spcPts val="0"/>
+              </a:spcBef>
+              <a:spcAft>
+                <a:spcPts val="0"/>
+              </a:spcAft>
+              <a:buClrTx/>
+              <a:buSzTx/>
+              <a:buFontTx/>
+              <a:buNone/>
+              <a:tabLst/>
+              <a:defRPr/>
+            </a:pPr>
+            <a:r>
+              <a:rPr kumimoji="0" lang="en-US" altLang="ko-KR" sz="800" b="0" i="0" u="none" strike="noStrike" kern="0" cap="none" spc="0" normalizeH="0" baseline="0" noProof="0" dirty="0" smtClean="0">
+                <a:ln>
+                  <a:noFill/>
+                </a:ln>
+                <a:solidFill>
+                  <a:sysClr val="windowText" lastClr="000000"/>
+                </a:solidFill>
+                <a:effectLst/>
+                <a:uLnTx/>
+                <a:uFillTx/>
+                <a:latin typeface="+mn-ea"/>
+                <a:cs typeface="+mn-cs"/>
+              </a:rPr>
+              <a:t>Link</a:t>
+            </a:r>
+            <a:endParaRPr kumimoji="0" lang="ko-KR" altLang="en-US" sz="800" b="0" i="0" u="none" strike="noStrike" kern="0" cap="none" spc="0" normalizeH="0" baseline="0" noProof="0" dirty="0">
+              <a:ln>
+                <a:noFill/>
+              </a:ln>
+              <a:solidFill>
+                <a:sysClr val="windowText" lastClr="000000"/>
+              </a:solidFill>
+              <a:effectLst/>
+              <a:uLnTx/>
+              <a:uFillTx/>
+              <a:latin typeface="+mn-ea"/>
+              <a:cs typeface="+mn-cs"/>
+            </a:endParaRPr>
+          </a:p>
+        </p:txBody>
+      </p:sp>
+      <p:sp>
+        <p:nvSpPr>
+          <p:cNvPr id="255" name="직사각형 254"/>
+          <p:cNvSpPr/>
+          <p:nvPr/>
+        </p:nvSpPr>
+        <p:spPr>
+          <a:xfrm>
+            <a:off x="1259632" y="4365104"/>
+            <a:ext cx="1651128" cy="288032"/>
+          </a:xfrm>
+          <a:prstGeom prst="rect">
+            <a:avLst/>
+          </a:prstGeom>
+          <a:solidFill>
+            <a:srgbClr val="FFFF00"/>
+          </a:solidFill>
+          <a:ln w="6350" cap="flat" cmpd="sng" algn="ctr">
+            <a:solidFill>
+              <a:sysClr val="windowText" lastClr="000000"/>
+            </a:solidFill>
+            <a:prstDash val="solid"/>
+          </a:ln>
+          <a:effectLst/>
+        </p:spPr>
+        <p:txBody>
+          <a:bodyPr rtlCol="0" anchor="ctr"/>
+          <a:lstStyle/>
+          <a:p>
+            <a:pPr marL="0" marR="0" lvl="0" indent="0" algn="ctr" defTabSz="914400" eaLnBrk="1" fontAlgn="auto" latinLnBrk="0" hangingPunct="1">
+              <a:lnSpc>
+                <a:spcPct val="100000"/>
+              </a:lnSpc>
+              <a:spcBef>
+                <a:spcPts val="0"/>
+              </a:spcBef>
+              <a:spcAft>
+                <a:spcPts val="0"/>
+              </a:spcAft>
+              <a:buClrTx/>
+              <a:buSzTx/>
+              <a:buFontTx/>
+              <a:buNone/>
+              <a:tabLst/>
+              <a:defRPr/>
+            </a:pPr>
+            <a:r>
+              <a:rPr kumimoji="0" lang="en-US" altLang="ko-KR" sz="800" b="0" i="0" u="none" strike="noStrike" kern="0" cap="none" spc="0" normalizeH="0" baseline="0" noProof="0" dirty="0" smtClean="0">
+                <a:ln>
+                  <a:noFill/>
+                </a:ln>
+                <a:solidFill>
+                  <a:sysClr val="windowText" lastClr="000000"/>
+                </a:solidFill>
+                <a:effectLst/>
+                <a:uLnTx/>
+                <a:uFillTx/>
+                <a:latin typeface="+mn-ea"/>
+                <a:cs typeface="+mn-cs"/>
+              </a:rPr>
+              <a:t>Link</a:t>
+            </a:r>
+            <a:endParaRPr kumimoji="0" lang="ko-KR" altLang="en-US" sz="800" b="0" i="0" u="none" strike="noStrike" kern="0" cap="none" spc="0" normalizeH="0" baseline="0" noProof="0" dirty="0">
+              <a:ln>
+                <a:noFill/>
+              </a:ln>
+              <a:solidFill>
+                <a:sysClr val="windowText" lastClr="000000"/>
+              </a:solidFill>
+              <a:effectLst/>
+              <a:uLnTx/>
+              <a:uFillTx/>
+              <a:latin typeface="+mn-ea"/>
+              <a:cs typeface="+mn-cs"/>
+            </a:endParaRPr>
+          </a:p>
+        </p:txBody>
+      </p:sp>
+      <p:cxnSp>
+        <p:nvCxnSpPr>
+          <p:cNvPr id="486" name="꺾인 연결선 425"/>
+          <p:cNvCxnSpPr>
+            <a:stCxn id="255" idx="3"/>
+            <a:endCxn id="389" idx="1"/>
+          </p:cNvCxnSpPr>
+          <p:nvPr/>
+        </p:nvCxnSpPr>
+        <p:spPr>
+          <a:xfrm flipV="1">
+            <a:off x="2910760" y="4221187"/>
+            <a:ext cx="1157184" cy="287933"/>
+          </a:xfrm>
+          <a:prstGeom prst="bentConnector3">
+            <a:avLst>
+              <a:gd name="adj1" fmla="val 50000"/>
+            </a:avLst>
+          </a:prstGeom>
+          <a:noFill/>
+          <a:ln w="9525" cap="flat" cmpd="sng" algn="ctr">
+            <a:solidFill>
+              <a:schemeClr val="accent1"/>
+            </a:solidFill>
+            <a:prstDash val="solid"/>
+            <a:headEnd type="oval" w="sm" len="sm"/>
+            <a:tailEnd type="triangle" w="sm" len="sm"/>
+          </a:ln>
+          <a:effectLst/>
+        </p:spPr>
+      </p:cxnSp>
+      <p:cxnSp>
+        <p:nvCxnSpPr>
+          <p:cNvPr id="487" name="꺾인 연결선 425"/>
+          <p:cNvCxnSpPr/>
+          <p:nvPr/>
+        </p:nvCxnSpPr>
+        <p:spPr>
+          <a:xfrm rot="10800000" flipV="1">
+            <a:off x="2920336" y="4291158"/>
+            <a:ext cx="1147609" cy="280842"/>
+          </a:xfrm>
+          <a:prstGeom prst="bentConnector3">
+            <a:avLst>
+              <a:gd name="adj1" fmla="val 45828"/>
+            </a:avLst>
+          </a:prstGeom>
+          <a:noFill/>
+          <a:ln w="9525" cap="flat" cmpd="sng" algn="ctr">
+            <a:solidFill>
+              <a:schemeClr val="accent1"/>
+            </a:solidFill>
+            <a:prstDash val="solid"/>
+            <a:headEnd type="oval" w="sm" len="sm"/>
+            <a:tailEnd type="triangle" w="sm" len="sm"/>
+          </a:ln>
+          <a:effectLst/>
+        </p:spPr>
+      </p:cxnSp>
+      <p:sp>
+        <p:nvSpPr>
+          <p:cNvPr id="259" name="TextBox 258"/>
+          <p:cNvSpPr txBox="1"/>
+          <p:nvPr/>
+        </p:nvSpPr>
+        <p:spPr>
+          <a:xfrm>
+            <a:off x="2125489" y="4797152"/>
+            <a:ext cx="502295" cy="215444"/>
+          </a:xfrm>
+          <a:prstGeom prst="rect">
+            <a:avLst/>
+          </a:prstGeom>
+          <a:noFill/>
+        </p:spPr>
+        <p:txBody>
+          <a:bodyPr wrap="square" rtlCol="0">
+            <a:spAutoFit/>
+          </a:bodyPr>
+          <a:lstStyle/>
+          <a:p>
+            <a:pPr marL="0" marR="0" lvl="0" indent="0" defTabSz="914400" eaLnBrk="1" fontAlgn="auto" latinLnBrk="0" hangingPunct="1">
+              <a:lnSpc>
+                <a:spcPct val="100000"/>
+              </a:lnSpc>
+              <a:spcBef>
+                <a:spcPts val="0"/>
+              </a:spcBef>
+              <a:spcAft>
+                <a:spcPts val="0"/>
+              </a:spcAft>
+              <a:buClrTx/>
+              <a:buSzTx/>
+              <a:buFontTx/>
+              <a:buNone/>
+              <a:tabLst/>
+              <a:defRPr/>
+            </a:pPr>
+            <a:r>
+              <a:rPr kumimoji="0" lang="en-US" altLang="ko-KR" sz="800" i="0" u="none" strike="noStrike" kern="0" cap="none" spc="0" normalizeH="0" baseline="0" noProof="0" dirty="0" smtClean="0">
+                <a:ln>
+                  <a:noFill/>
+                </a:ln>
+                <a:solidFill>
+                  <a:sysClr val="windowText" lastClr="000000"/>
+                </a:solidFill>
+                <a:effectLst/>
+                <a:uLnTx/>
+                <a:uFillTx/>
+                <a:latin typeface="+mn-ea"/>
+              </a:rPr>
+              <a:t>JSON</a:t>
+            </a:r>
+            <a:endParaRPr kumimoji="0" lang="ko-KR" altLang="en-US" sz="800" i="0" u="none" strike="noStrike" kern="0" cap="none" spc="0" normalizeH="0" baseline="0" noProof="0" dirty="0">
+              <a:ln>
+                <a:noFill/>
+              </a:ln>
+              <a:solidFill>
+                <a:sysClr val="windowText" lastClr="000000"/>
+              </a:solidFill>
+              <a:effectLst/>
+              <a:uLnTx/>
+              <a:uFillTx/>
+              <a:latin typeface="+mn-ea"/>
+            </a:endParaRPr>
+          </a:p>
+        </p:txBody>
+      </p:sp>
+      <p:sp>
+        <p:nvSpPr>
+          <p:cNvPr id="260" name="직사각형 259"/>
+          <p:cNvSpPr/>
+          <p:nvPr/>
+        </p:nvSpPr>
+        <p:spPr>
+          <a:xfrm>
+            <a:off x="1293344" y="5118896"/>
+            <a:ext cx="1655716" cy="360040"/>
+          </a:xfrm>
+          <a:prstGeom prst="rect">
+            <a:avLst/>
+          </a:prstGeom>
+          <a:solidFill>
+            <a:schemeClr val="bg1"/>
+          </a:solidFill>
+          <a:ln w="6350" cap="flat" cmpd="sng" algn="ctr">
+            <a:solidFill>
+              <a:sysClr val="windowText" lastClr="000000"/>
+            </a:solidFill>
+            <a:prstDash val="solid"/>
+          </a:ln>
+          <a:effectLst/>
+        </p:spPr>
+        <p:txBody>
+          <a:bodyPr rtlCol="0" anchor="ctr"/>
+          <a:lstStyle/>
+          <a:p>
+            <a:pPr lvl="0" algn="ctr" latinLnBrk="0"/>
+            <a:r>
+              <a:rPr lang="en-US" altLang="ko-KR" sz="800" kern="0" dirty="0" smtClean="0">
+                <a:solidFill>
+                  <a:sysClr val="windowText" lastClr="000000"/>
+                </a:solidFill>
+                <a:latin typeface="+mn-ea"/>
+              </a:rPr>
+              <a:t>SA </a:t>
+            </a:r>
+            <a:endParaRPr kumimoji="0" lang="ko-KR" altLang="en-US" sz="800" b="0" i="0" u="none" strike="noStrike" kern="0" cap="none" spc="0" normalizeH="0" baseline="0" noProof="0" dirty="0">
+              <a:ln>
+                <a:noFill/>
+              </a:ln>
+              <a:solidFill>
+                <a:sysClr val="windowText" lastClr="000000"/>
+              </a:solidFill>
+              <a:effectLst/>
+              <a:uLnTx/>
+              <a:uFillTx/>
+              <a:latin typeface="+mn-ea"/>
+              <a:cs typeface="+mn-cs"/>
+            </a:endParaRPr>
+          </a:p>
+        </p:txBody>
+      </p:sp>
+      <p:sp>
+        <p:nvSpPr>
+          <p:cNvPr id="444" name="직사각형 443"/>
+          <p:cNvSpPr/>
+          <p:nvPr/>
+        </p:nvSpPr>
+        <p:spPr>
+          <a:xfrm>
+            <a:off x="1259632" y="5157291"/>
+            <a:ext cx="1656184" cy="360040"/>
+          </a:xfrm>
+          <a:prstGeom prst="rect">
+            <a:avLst/>
+          </a:prstGeom>
+          <a:solidFill>
+            <a:schemeClr val="bg1"/>
+          </a:solidFill>
+          <a:ln w="6350" cap="flat" cmpd="sng" algn="ctr">
+            <a:solidFill>
+              <a:sysClr val="windowText" lastClr="000000"/>
+            </a:solidFill>
+            <a:prstDash val="solid"/>
+          </a:ln>
+          <a:effectLst/>
+        </p:spPr>
+        <p:txBody>
+          <a:bodyPr lIns="36000" rIns="36000" rtlCol="0" anchor="ctr"/>
+          <a:lstStyle/>
+          <a:p>
+            <a:pPr lvl="0" algn="ctr" latinLnBrk="0"/>
+            <a:r>
+              <a:rPr lang="en-US" altLang="ko-KR" sz="800" kern="0" dirty="0" smtClean="0">
+                <a:solidFill>
+                  <a:sysClr val="windowText" lastClr="000000"/>
+                </a:solidFill>
+                <a:latin typeface="+mn-ea"/>
+              </a:rPr>
+              <a:t>Home , mail box , …. , 50</a:t>
+            </a:r>
+            <a:r>
+              <a:rPr lang="en-US" altLang="ko-KR" sz="800" kern="0" baseline="30000" dirty="0" smtClean="0">
+                <a:solidFill>
+                  <a:sysClr val="windowText" lastClr="000000"/>
+                </a:solidFill>
+                <a:latin typeface="+mn-ea"/>
+              </a:rPr>
+              <a:t>th</a:t>
+            </a:r>
+            <a:r>
+              <a:rPr lang="en-US" altLang="ko-KR" sz="800" kern="0" dirty="0" smtClean="0">
+                <a:solidFill>
+                  <a:sysClr val="windowText" lastClr="000000"/>
+                </a:solidFill>
+                <a:latin typeface="+mn-ea"/>
+              </a:rPr>
+              <a:t> node</a:t>
+            </a:r>
+            <a:r>
+              <a:rPr lang="en-US" altLang="ko-KR" sz="800" kern="0" dirty="0" smtClean="0">
+                <a:solidFill>
+                  <a:sysClr val="windowText" lastClr="000000"/>
+                </a:solidFill>
+                <a:latin typeface="+mn-ea"/>
+              </a:rPr>
+              <a:t> </a:t>
+            </a:r>
+            <a:endParaRPr kumimoji="0" lang="ko-KR" altLang="en-US" sz="800" b="0" i="0" u="none" strike="noStrike" kern="0" cap="none" spc="0" normalizeH="0" baseline="0" noProof="0" dirty="0">
+              <a:ln>
+                <a:noFill/>
+              </a:ln>
+              <a:solidFill>
+                <a:sysClr val="windowText" lastClr="000000"/>
+              </a:solidFill>
+              <a:effectLst/>
+              <a:uLnTx/>
+              <a:uFillTx/>
+              <a:latin typeface="+mn-ea"/>
+              <a:cs typeface="+mn-cs"/>
+            </a:endParaRPr>
+          </a:p>
+        </p:txBody>
+      </p:sp>
+      <p:sp>
+        <p:nvSpPr>
+          <p:cNvPr id="263" name="직사각형 262"/>
+          <p:cNvSpPr/>
+          <p:nvPr/>
+        </p:nvSpPr>
+        <p:spPr>
+          <a:xfrm>
+            <a:off x="466725" y="908720"/>
+            <a:ext cx="8208963" cy="5256584"/>
+          </a:xfrm>
+          <a:prstGeom prst="rect">
+            <a:avLst/>
+          </a:prstGeom>
+          <a:noFill/>
+          <a:ln w="9525">
+            <a:solidFill>
+              <a:schemeClr val="tx1"/>
+            </a:solidFill>
+          </a:ln>
+        </p:spPr>
+        <p:style>
+          <a:lnRef idx="2">
+            <a:schemeClr val="accent1">
+              <a:shade val="50000"/>
+            </a:schemeClr>
+          </a:lnRef>
+          <a:fillRef idx="1">
+            <a:schemeClr val="accent1"/>
+          </a:fillRef>
+          <a:effectRef idx="0">
+            <a:schemeClr val="accent1"/>
+          </a:effectRef>
+          <a:fontRef idx="minor">
+            <a:schemeClr val="lt1"/>
+          </a:fontRef>
+        </p:style>
+        <p:txBody>
+          <a:bodyPr rtlCol="0" anchor="ctr"/>
+          <a:lstStyle/>
+          <a:p>
+            <a:pPr algn="ctr"/>
+            <a:endParaRPr lang="ko-KR" altLang="en-US"/>
+          </a:p>
+        </p:txBody>
+      </p:sp>
     </p:spTree>
     <p:extLst>
       <p:ext uri="{BB962C8B-B14F-4D97-AF65-F5344CB8AC3E}">
-        <p14:creationId xmlns:p14="http://schemas.microsoft.com/office/powerpoint/2010/main" xmlns="" val="4232171918"/>
+        <p14:creationId xmlns="" xmlns:p14="http://schemas.microsoft.com/office/powerpoint/2010/main" val="4232171918"/>
       </p:ext>
     </p:extLst>
   </p:cSld>
@@ -19501,7 +19353,7 @@
     </p:spTree>
     <p:extLst>
       <p:ext uri="{BB962C8B-B14F-4D97-AF65-F5344CB8AC3E}">
-        <p14:creationId xmlns:p14="http://schemas.microsoft.com/office/powerpoint/2010/main" xmlns="" val="3423846719"/>
+        <p14:creationId xmlns="" xmlns:p14="http://schemas.microsoft.com/office/powerpoint/2010/main" val="3423846719"/>
       </p:ext>
     </p:extLst>
   </p:cSld>
@@ -19709,7 +19561,7 @@
           <p:nvPr>
             <p:extLst>
               <p:ext uri="{D42A27DB-BD31-4B8C-83A1-F6EECF244321}">
-                <p14:modId xmlns:p14="http://schemas.microsoft.com/office/powerpoint/2010/main" xmlns="" val="245411515"/>
+                <p14:modId xmlns="" xmlns:p14="http://schemas.microsoft.com/office/powerpoint/2010/main" val="245411515"/>
               </p:ext>
             </p:extLst>
           </p:nvPr>
@@ -20059,7 +19911,7 @@
           <p:nvPr>
             <p:extLst>
               <p:ext uri="{D42A27DB-BD31-4B8C-83A1-F6EECF244321}">
-                <p14:modId xmlns:p14="http://schemas.microsoft.com/office/powerpoint/2010/main" xmlns="" val="1959895806"/>
+                <p14:modId xmlns="" xmlns:p14="http://schemas.microsoft.com/office/powerpoint/2010/main" val="1959895806"/>
               </p:ext>
             </p:extLst>
           </p:nvPr>
@@ -20609,14 +20461,14 @@
           <a:effectLst/>
           <a:extLst>
             <a:ext uri="{909E8E84-426E-40DD-AFC4-6F175D3DCCD1}">
-              <a14:hiddenFill xmlns:a14="http://schemas.microsoft.com/office/drawing/2010/main" xmlns="">
+              <a14:hiddenFill xmlns="" xmlns:a14="http://schemas.microsoft.com/office/drawing/2010/main">
                 <a:solidFill>
                   <a:schemeClr val="accent1"/>
                 </a:solidFill>
               </a14:hiddenFill>
             </a:ext>
             <a:ext uri="{91240B29-F687-4F45-9708-019B960494DF}">
-              <a14:hiddenLine xmlns:a14="http://schemas.microsoft.com/office/drawing/2010/main" xmlns="" w="9525">
+              <a14:hiddenLine xmlns="" xmlns:a14="http://schemas.microsoft.com/office/drawing/2010/main" w="9525">
                 <a:solidFill>
                   <a:schemeClr val="tx1"/>
                 </a:solidFill>
@@ -20626,7 +20478,7 @@
               </a14:hiddenLine>
             </a:ext>
             <a:ext uri="{AF507438-7753-43E0-B8FC-AC1667EBCBE1}">
-              <a14:hiddenEffects xmlns:a14="http://schemas.microsoft.com/office/drawing/2010/main" xmlns="">
+              <a14:hiddenEffects xmlns="" xmlns:a14="http://schemas.microsoft.com/office/drawing/2010/main">
                 <a:effectLst>
                   <a:outerShdw dist="35921" dir="2700000" algn="ctr" rotWithShape="0">
                     <a:schemeClr val="bg2"/>
@@ -20992,7 +20844,7 @@
     </p:spTree>
     <p:extLst>
       <p:ext uri="{BB962C8B-B14F-4D97-AF65-F5344CB8AC3E}">
-        <p14:creationId xmlns:p14="http://schemas.microsoft.com/office/powerpoint/2010/main" xmlns="" val="4187174774"/>
+        <p14:creationId xmlns="" xmlns:p14="http://schemas.microsoft.com/office/powerpoint/2010/main" val="4187174774"/>
       </p:ext>
     </p:extLst>
   </p:cSld>
@@ -21344,7 +21196,7 @@
           <a:blip r:embed="rId2" cstate="print">
             <a:extLst>
               <a:ext uri="{28A0092B-C50C-407E-A947-70E740481C1C}">
-                <a14:useLocalDpi xmlns:a14="http://schemas.microsoft.com/office/drawing/2010/main" xmlns="" val="0"/>
+                <a14:useLocalDpi xmlns="" xmlns:a14="http://schemas.microsoft.com/office/drawing/2010/main" val="0"/>
               </a:ext>
             </a:extLst>
           </a:blip>
@@ -21364,7 +21216,7 @@
           <a:noFill/>
           <a:extLst>
             <a:ext uri="{909E8E84-426E-40DD-AFC4-6F175D3DCCD1}">
-              <a14:hiddenFill xmlns:a14="http://schemas.microsoft.com/office/drawing/2010/main" xmlns="">
+              <a14:hiddenFill xmlns="" xmlns:a14="http://schemas.microsoft.com/office/drawing/2010/main">
                 <a:solidFill>
                   <a:srgbClr val="FFFFFF"/>
                 </a:solidFill>
@@ -21376,7 +21228,7 @@
     </p:spTree>
     <p:extLst>
       <p:ext uri="{BB962C8B-B14F-4D97-AF65-F5344CB8AC3E}">
-        <p14:creationId xmlns:p14="http://schemas.microsoft.com/office/powerpoint/2010/main" xmlns="" val="795630886"/>
+        <p14:creationId xmlns="" xmlns:p14="http://schemas.microsoft.com/office/powerpoint/2010/main" val="795630886"/>
       </p:ext>
     </p:extLst>
   </p:cSld>
@@ -21688,7 +21540,7 @@
           <a:blip r:embed="rId2" cstate="print">
             <a:extLst>
               <a:ext uri="{28A0092B-C50C-407E-A947-70E740481C1C}">
-                <a14:useLocalDpi xmlns:a14="http://schemas.microsoft.com/office/drawing/2010/main" xmlns="" val="0"/>
+                <a14:useLocalDpi xmlns="" xmlns:a14="http://schemas.microsoft.com/office/drawing/2010/main" val="0"/>
               </a:ext>
             </a:extLst>
           </a:blip>
@@ -21708,7 +21560,7 @@
           <a:noFill/>
           <a:extLst>
             <a:ext uri="{909E8E84-426E-40DD-AFC4-6F175D3DCCD1}">
-              <a14:hiddenFill xmlns:a14="http://schemas.microsoft.com/office/drawing/2010/main" xmlns="">
+              <a14:hiddenFill xmlns="" xmlns:a14="http://schemas.microsoft.com/office/drawing/2010/main">
                 <a:solidFill>
                   <a:srgbClr val="FFFFFF"/>
                 </a:solidFill>
@@ -21720,7 +21572,7 @@
     </p:spTree>
     <p:extLst>
       <p:ext uri="{BB962C8B-B14F-4D97-AF65-F5344CB8AC3E}">
-        <p14:creationId xmlns:p14="http://schemas.microsoft.com/office/powerpoint/2010/main" xmlns="" val="1100472780"/>
+        <p14:creationId xmlns="" xmlns:p14="http://schemas.microsoft.com/office/powerpoint/2010/main" val="1100472780"/>
       </p:ext>
     </p:extLst>
   </p:cSld>
@@ -22019,7 +21871,7 @@
     </p:spTree>
     <p:extLst>
       <p:ext uri="{BB962C8B-B14F-4D97-AF65-F5344CB8AC3E}">
-        <p14:creationId xmlns:p14="http://schemas.microsoft.com/office/powerpoint/2010/main" xmlns="" val="708426661"/>
+        <p14:creationId xmlns="" xmlns:p14="http://schemas.microsoft.com/office/powerpoint/2010/main" val="708426661"/>
       </p:ext>
     </p:extLst>
   </p:cSld>
@@ -23893,7 +23745,7 @@
     </p:spTree>
     <p:extLst>
       <p:ext uri="{BB962C8B-B14F-4D97-AF65-F5344CB8AC3E}">
-        <p14:creationId xmlns:p14="http://schemas.microsoft.com/office/powerpoint/2010/main" xmlns="" val="475469972"/>
+        <p14:creationId xmlns="" xmlns:p14="http://schemas.microsoft.com/office/powerpoint/2010/main" val="475469972"/>
       </p:ext>
     </p:extLst>
   </p:cSld>
@@ -24003,7 +23855,7 @@
     </p:spTree>
     <p:extLst>
       <p:ext uri="{BB962C8B-B14F-4D97-AF65-F5344CB8AC3E}">
-        <p14:creationId xmlns:p14="http://schemas.microsoft.com/office/powerpoint/2010/main" xmlns="" val="4229645457"/>
+        <p14:creationId xmlns="" xmlns:p14="http://schemas.microsoft.com/office/powerpoint/2010/main" val="4229645457"/>
       </p:ext>
     </p:extLst>
   </p:cSld>
@@ -24206,7 +24058,7 @@
     </p:spTree>
     <p:extLst>
       <p:ext uri="{BB962C8B-B14F-4D97-AF65-F5344CB8AC3E}">
-        <p14:creationId xmlns:p14="http://schemas.microsoft.com/office/powerpoint/2010/main" xmlns="" val="2578021736"/>
+        <p14:creationId xmlns="" xmlns:p14="http://schemas.microsoft.com/office/powerpoint/2010/main" val="2578021736"/>
       </p:ext>
     </p:extLst>
   </p:cSld>
@@ -24358,7 +24210,7 @@
           <a:blip r:embed="rId2" cstate="print">
             <a:extLst>
               <a:ext uri="{28A0092B-C50C-407E-A947-70E740481C1C}">
-                <a14:useLocalDpi xmlns:a14="http://schemas.microsoft.com/office/drawing/2010/main" xmlns="" val="0"/>
+                <a14:useLocalDpi xmlns="" xmlns:a14="http://schemas.microsoft.com/office/drawing/2010/main" val="0"/>
               </a:ext>
             </a:extLst>
           </a:blip>
@@ -24381,14 +24233,14 @@
           </a:ln>
           <a:extLst>
             <a:ext uri="{909E8E84-426E-40DD-AFC4-6F175D3DCCD1}">
-              <a14:hiddenFill xmlns:a14="http://schemas.microsoft.com/office/drawing/2010/main" xmlns="">
+              <a14:hiddenFill xmlns="" xmlns:a14="http://schemas.microsoft.com/office/drawing/2010/main">
                 <a:solidFill>
                   <a:srgbClr val="FFFFFF"/>
                 </a:solidFill>
               </a14:hiddenFill>
             </a:ext>
             <a:ext uri="{91240B29-F687-4F45-9708-019B960494DF}">
-              <a14:hiddenLine xmlns:a14="http://schemas.microsoft.com/office/drawing/2010/main" xmlns="" w="9525">
+              <a14:hiddenLine xmlns="" xmlns:a14="http://schemas.microsoft.com/office/drawing/2010/main" w="9525">
                 <a:solidFill>
                   <a:srgbClr val="000000"/>
                 </a:solidFill>
@@ -24403,7 +24255,7 @@
     </p:spTree>
     <p:extLst>
       <p:ext uri="{BB962C8B-B14F-4D97-AF65-F5344CB8AC3E}">
-        <p14:creationId xmlns:p14="http://schemas.microsoft.com/office/powerpoint/2010/main" xmlns="" val="3703245036"/>
+        <p14:creationId xmlns="" xmlns:p14="http://schemas.microsoft.com/office/powerpoint/2010/main" val="3703245036"/>
       </p:ext>
     </p:extLst>
   </p:cSld>
@@ -24557,7 +24409,7 @@
           <a:blip r:embed="rId2" cstate="print">
             <a:extLst>
               <a:ext uri="{28A0092B-C50C-407E-A947-70E740481C1C}">
-                <a14:useLocalDpi xmlns:a14="http://schemas.microsoft.com/office/drawing/2010/main" xmlns="" val="0"/>
+                <a14:useLocalDpi xmlns="" xmlns:a14="http://schemas.microsoft.com/office/drawing/2010/main" val="0"/>
               </a:ext>
             </a:extLst>
           </a:blip>
@@ -24580,14 +24432,14 @@
           </a:ln>
           <a:extLst>
             <a:ext uri="{909E8E84-426E-40DD-AFC4-6F175D3DCCD1}">
-              <a14:hiddenFill xmlns:a14="http://schemas.microsoft.com/office/drawing/2010/main" xmlns="">
+              <a14:hiddenFill xmlns="" xmlns:a14="http://schemas.microsoft.com/office/drawing/2010/main">
                 <a:solidFill>
                   <a:srgbClr val="FFFFFF"/>
                 </a:solidFill>
               </a14:hiddenFill>
             </a:ext>
             <a:ext uri="{91240B29-F687-4F45-9708-019B960494DF}">
-              <a14:hiddenLine xmlns:a14="http://schemas.microsoft.com/office/drawing/2010/main" xmlns="" w="9525">
+              <a14:hiddenLine xmlns="" xmlns:a14="http://schemas.microsoft.com/office/drawing/2010/main" w="9525">
                 <a:solidFill>
                   <a:srgbClr val="000000"/>
                 </a:solidFill>
@@ -24602,7 +24454,7 @@
     </p:spTree>
     <p:extLst>
       <p:ext uri="{BB962C8B-B14F-4D97-AF65-F5344CB8AC3E}">
-        <p14:creationId xmlns:p14="http://schemas.microsoft.com/office/powerpoint/2010/main" xmlns="" val="1401968170"/>
+        <p14:creationId xmlns="" xmlns:p14="http://schemas.microsoft.com/office/powerpoint/2010/main" val="1401968170"/>
       </p:ext>
     </p:extLst>
   </p:cSld>
@@ -24798,7 +24650,7 @@
           <a:blip r:embed="rId2" cstate="print">
             <a:extLst>
               <a:ext uri="{28A0092B-C50C-407E-A947-70E740481C1C}">
-                <a14:useLocalDpi xmlns:a14="http://schemas.microsoft.com/office/drawing/2010/main" xmlns="" val="0"/>
+                <a14:useLocalDpi xmlns="" xmlns:a14="http://schemas.microsoft.com/office/drawing/2010/main" val="0"/>
               </a:ext>
             </a:extLst>
           </a:blip>
@@ -24818,7 +24670,7 @@
           <a:noFill/>
           <a:extLst>
             <a:ext uri="{909E8E84-426E-40DD-AFC4-6F175D3DCCD1}">
-              <a14:hiddenFill xmlns:a14="http://schemas.microsoft.com/office/drawing/2010/main" xmlns="">
+              <a14:hiddenFill xmlns="" xmlns:a14="http://schemas.microsoft.com/office/drawing/2010/main">
                 <a:solidFill>
                   <a:srgbClr val="FFFFFF"/>
                 </a:solidFill>
@@ -24839,7 +24691,7 @@
           <a:blip r:embed="rId3" cstate="print">
             <a:extLst>
               <a:ext uri="{28A0092B-C50C-407E-A947-70E740481C1C}">
-                <a14:useLocalDpi xmlns:a14="http://schemas.microsoft.com/office/drawing/2010/main" xmlns="" val="0"/>
+                <a14:useLocalDpi xmlns="" xmlns:a14="http://schemas.microsoft.com/office/drawing/2010/main" val="0"/>
               </a:ext>
             </a:extLst>
           </a:blip>
@@ -24859,7 +24711,7 @@
           <a:noFill/>
           <a:extLst>
             <a:ext uri="{909E8E84-426E-40DD-AFC4-6F175D3DCCD1}">
-              <a14:hiddenFill xmlns:a14="http://schemas.microsoft.com/office/drawing/2010/main" xmlns="">
+              <a14:hiddenFill xmlns="" xmlns:a14="http://schemas.microsoft.com/office/drawing/2010/main">
                 <a:solidFill>
                   <a:srgbClr val="FFFFFF"/>
                 </a:solidFill>
@@ -25594,7 +25446,7 @@
     </p:spTree>
     <p:extLst>
       <p:ext uri="{BB962C8B-B14F-4D97-AF65-F5344CB8AC3E}">
-        <p14:creationId xmlns:p14="http://schemas.microsoft.com/office/powerpoint/2010/main" xmlns="" val="3781317027"/>
+        <p14:creationId xmlns="" xmlns:p14="http://schemas.microsoft.com/office/powerpoint/2010/main" val="3781317027"/>
       </p:ext>
     </p:extLst>
   </p:cSld>
@@ -25773,7 +25625,7 @@
           <a:blip r:embed="rId2" cstate="print">
             <a:extLst>
               <a:ext uri="{28A0092B-C50C-407E-A947-70E740481C1C}">
-                <a14:useLocalDpi xmlns:a14="http://schemas.microsoft.com/office/drawing/2010/main" xmlns="" val="0"/>
+                <a14:useLocalDpi xmlns="" xmlns:a14="http://schemas.microsoft.com/office/drawing/2010/main" val="0"/>
               </a:ext>
             </a:extLst>
           </a:blip>
@@ -25793,7 +25645,7 @@
           <a:noFill/>
           <a:extLst>
             <a:ext uri="{909E8E84-426E-40DD-AFC4-6F175D3DCCD1}">
-              <a14:hiddenFill xmlns:a14="http://schemas.microsoft.com/office/drawing/2010/main" xmlns="">
+              <a14:hiddenFill xmlns="" xmlns:a14="http://schemas.microsoft.com/office/drawing/2010/main">
                 <a:solidFill>
                   <a:srgbClr val="FFFFFF"/>
                 </a:solidFill>
@@ -25805,7 +25657,7 @@
     </p:spTree>
     <p:extLst>
       <p:ext uri="{BB962C8B-B14F-4D97-AF65-F5344CB8AC3E}">
-        <p14:creationId xmlns:p14="http://schemas.microsoft.com/office/powerpoint/2010/main" xmlns="" val="1335988186"/>
+        <p14:creationId xmlns="" xmlns:p14="http://schemas.microsoft.com/office/powerpoint/2010/main" val="1335988186"/>
       </p:ext>
     </p:extLst>
   </p:cSld>
@@ -26006,7 +25858,7 @@
     </p:spTree>
     <p:extLst>
       <p:ext uri="{BB962C8B-B14F-4D97-AF65-F5344CB8AC3E}">
-        <p14:creationId xmlns:p14="http://schemas.microsoft.com/office/powerpoint/2010/main" xmlns="" val="1861498841"/>
+        <p14:creationId xmlns="" xmlns:p14="http://schemas.microsoft.com/office/powerpoint/2010/main" val="1861498841"/>
       </p:ext>
     </p:extLst>
   </p:cSld>
@@ -27089,7 +26941,7 @@
           <a:blip r:embed="rId2" cstate="print">
             <a:extLst>
               <a:ext uri="{28A0092B-C50C-407E-A947-70E740481C1C}">
-                <a14:useLocalDpi xmlns:a14="http://schemas.microsoft.com/office/drawing/2010/main" xmlns="" val="0"/>
+                <a14:useLocalDpi xmlns="" xmlns:a14="http://schemas.microsoft.com/office/drawing/2010/main" val="0"/>
               </a:ext>
             </a:extLst>
           </a:blip>
@@ -27107,7 +26959,7 @@
           <a:noFill/>
           <a:extLst>
             <a:ext uri="{909E8E84-426E-40DD-AFC4-6F175D3DCCD1}">
-              <a14:hiddenFill xmlns:a14="http://schemas.microsoft.com/office/drawing/2010/main" xmlns="">
+              <a14:hiddenFill xmlns="" xmlns:a14="http://schemas.microsoft.com/office/drawing/2010/main">
                 <a:solidFill>
                   <a:srgbClr val="FFFFFF"/>
                 </a:solidFill>
@@ -27210,7 +27062,7 @@
           <a:blip r:embed="rId3" cstate="print">
             <a:extLst>
               <a:ext uri="{28A0092B-C50C-407E-A947-70E740481C1C}">
-                <a14:useLocalDpi xmlns:a14="http://schemas.microsoft.com/office/drawing/2010/main" xmlns="" val="0"/>
+                <a14:useLocalDpi xmlns="" xmlns:a14="http://schemas.microsoft.com/office/drawing/2010/main" val="0"/>
               </a:ext>
             </a:extLst>
           </a:blip>
@@ -27228,7 +27080,7 @@
           <a:noFill/>
           <a:extLst>
             <a:ext uri="{909E8E84-426E-40DD-AFC4-6F175D3DCCD1}">
-              <a14:hiddenFill xmlns:a14="http://schemas.microsoft.com/office/drawing/2010/main" xmlns="">
+              <a14:hiddenFill xmlns="" xmlns:a14="http://schemas.microsoft.com/office/drawing/2010/main">
                 <a:solidFill>
                   <a:srgbClr val="FFFFFF"/>
                 </a:solidFill>
@@ -28785,7 +28637,7 @@
             </a:clrChange>
             <a:extLst>
               <a:ext uri="{28A0092B-C50C-407E-A947-70E740481C1C}">
-                <a14:useLocalDpi xmlns:a14="http://schemas.microsoft.com/office/drawing/2010/main" xmlns="" val="0"/>
+                <a14:useLocalDpi xmlns="" xmlns:a14="http://schemas.microsoft.com/office/drawing/2010/main" val="0"/>
               </a:ext>
             </a:extLst>
           </a:blip>
@@ -28803,7 +28655,7 @@
           <a:noFill/>
           <a:extLst>
             <a:ext uri="{909E8E84-426E-40DD-AFC4-6F175D3DCCD1}">
-              <a14:hiddenFill xmlns:a14="http://schemas.microsoft.com/office/drawing/2010/main" xmlns="">
+              <a14:hiddenFill xmlns="" xmlns:a14="http://schemas.microsoft.com/office/drawing/2010/main">
                 <a:solidFill>
                   <a:srgbClr val="FFFFFF"/>
                 </a:solidFill>
@@ -29849,7 +29701,7 @@
           <a:blip r:embed="rId5" cstate="print">
             <a:extLst>
               <a:ext uri="{28A0092B-C50C-407E-A947-70E740481C1C}">
-                <a14:useLocalDpi xmlns:a14="http://schemas.microsoft.com/office/drawing/2010/main" xmlns="" val="0"/>
+                <a14:useLocalDpi xmlns="" xmlns:a14="http://schemas.microsoft.com/office/drawing/2010/main" val="0"/>
               </a:ext>
             </a:extLst>
           </a:blip>
@@ -29867,7 +29719,7 @@
           <a:noFill/>
           <a:extLst>
             <a:ext uri="{909E8E84-426E-40DD-AFC4-6F175D3DCCD1}">
-              <a14:hiddenFill xmlns:a14="http://schemas.microsoft.com/office/drawing/2010/main" xmlns="">
+              <a14:hiddenFill xmlns="" xmlns:a14="http://schemas.microsoft.com/office/drawing/2010/main">
                 <a:solidFill>
                   <a:srgbClr val="FFFFFF"/>
                 </a:solidFill>
@@ -30034,7 +29886,7 @@
           <a:blip r:embed="rId2" cstate="print">
             <a:extLst>
               <a:ext uri="{28A0092B-C50C-407E-A947-70E740481C1C}">
-                <a14:useLocalDpi xmlns:a14="http://schemas.microsoft.com/office/drawing/2010/main" xmlns="" val="0"/>
+                <a14:useLocalDpi xmlns="" xmlns:a14="http://schemas.microsoft.com/office/drawing/2010/main" val="0"/>
               </a:ext>
             </a:extLst>
           </a:blip>
@@ -30052,7 +29904,7 @@
           <a:noFill/>
           <a:extLst>
             <a:ext uri="{909E8E84-426E-40DD-AFC4-6F175D3DCCD1}">
-              <a14:hiddenFill xmlns:a14="http://schemas.microsoft.com/office/drawing/2010/main" xmlns="">
+              <a14:hiddenFill xmlns="" xmlns:a14="http://schemas.microsoft.com/office/drawing/2010/main">
                 <a:solidFill>
                   <a:srgbClr val="FFFFFF"/>
                 </a:solidFill>
@@ -30653,7 +30505,7 @@
           <a:blip r:embed="rId6" cstate="print">
             <a:extLst>
               <a:ext uri="{28A0092B-C50C-407E-A947-70E740481C1C}">
-                <a14:useLocalDpi xmlns:a14="http://schemas.microsoft.com/office/drawing/2010/main" xmlns="" val="0"/>
+                <a14:useLocalDpi xmlns="" xmlns:a14="http://schemas.microsoft.com/office/drawing/2010/main" val="0"/>
               </a:ext>
             </a:extLst>
           </a:blip>
@@ -30671,7 +30523,7 @@
           <a:noFill/>
           <a:extLst>
             <a:ext uri="{909E8E84-426E-40DD-AFC4-6F175D3DCCD1}">
-              <a14:hiddenFill xmlns:a14="http://schemas.microsoft.com/office/drawing/2010/main" xmlns="">
+              <a14:hiddenFill xmlns="" xmlns:a14="http://schemas.microsoft.com/office/drawing/2010/main">
                 <a:solidFill>
                   <a:srgbClr val="FFFFFF"/>
                 </a:solidFill>
@@ -30908,7 +30760,7 @@
     </p:spTree>
     <p:extLst>
       <p:ext uri="{BB962C8B-B14F-4D97-AF65-F5344CB8AC3E}">
-        <p14:creationId xmlns:p14="http://schemas.microsoft.com/office/powerpoint/2010/main" xmlns="" val="3374223643"/>
+        <p14:creationId xmlns="" xmlns:p14="http://schemas.microsoft.com/office/powerpoint/2010/main" val="3374223643"/>
       </p:ext>
     </p:extLst>
   </p:cSld>
@@ -31307,7 +31159,7 @@
     </p:spTree>
     <p:extLst>
       <p:ext uri="{BB962C8B-B14F-4D97-AF65-F5344CB8AC3E}">
-        <p14:creationId xmlns:p14="http://schemas.microsoft.com/office/powerpoint/2010/main" xmlns="" val="291190763"/>
+        <p14:creationId xmlns="" xmlns:p14="http://schemas.microsoft.com/office/powerpoint/2010/main" val="291190763"/>
       </p:ext>
     </p:extLst>
   </p:cSld>
@@ -31516,7 +31368,7 @@
           <a:blip r:embed="rId2" cstate="print">
             <a:extLst>
               <a:ext uri="{28A0092B-C50C-407E-A947-70E740481C1C}">
-                <a14:useLocalDpi xmlns:a14="http://schemas.microsoft.com/office/drawing/2010/main" xmlns="" val="0"/>
+                <a14:useLocalDpi xmlns="" xmlns:a14="http://schemas.microsoft.com/office/drawing/2010/main" val="0"/>
               </a:ext>
             </a:extLst>
           </a:blip>
@@ -31536,7 +31388,7 @@
           <a:noFill/>
           <a:extLst>
             <a:ext uri="{909E8E84-426E-40DD-AFC4-6F175D3DCCD1}">
-              <a14:hiddenFill xmlns:a14="http://schemas.microsoft.com/office/drawing/2010/main" xmlns="">
+              <a14:hiddenFill xmlns="" xmlns:a14="http://schemas.microsoft.com/office/drawing/2010/main">
                 <a:solidFill>
                   <a:srgbClr val="FFFFFF"/>
                 </a:solidFill>
@@ -31548,7 +31400,7 @@
     </p:spTree>
     <p:extLst>
       <p:ext uri="{BB962C8B-B14F-4D97-AF65-F5344CB8AC3E}">
-        <p14:creationId xmlns:p14="http://schemas.microsoft.com/office/powerpoint/2010/main" xmlns="" val="3868079597"/>
+        <p14:creationId xmlns="" xmlns:p14="http://schemas.microsoft.com/office/powerpoint/2010/main" val="3868079597"/>
       </p:ext>
     </p:extLst>
   </p:cSld>
@@ -31864,7 +31716,7 @@
     </p:spTree>
     <p:extLst>
       <p:ext uri="{BB962C8B-B14F-4D97-AF65-F5344CB8AC3E}">
-        <p14:creationId xmlns:p14="http://schemas.microsoft.com/office/powerpoint/2010/main" xmlns="" val="3294642486"/>
+        <p14:creationId xmlns="" xmlns:p14="http://schemas.microsoft.com/office/powerpoint/2010/main" val="3294642486"/>
       </p:ext>
     </p:extLst>
   </p:cSld>
@@ -32046,7 +31898,7 @@
           <p:nvPr>
             <p:extLst>
               <p:ext uri="{D42A27DB-BD31-4B8C-83A1-F6EECF244321}">
-                <p14:modId xmlns:p14="http://schemas.microsoft.com/office/powerpoint/2010/main" xmlns="" val="1659979732"/>
+                <p14:modId xmlns="" xmlns:p14="http://schemas.microsoft.com/office/powerpoint/2010/main" val="1659979732"/>
               </p:ext>
             </p:extLst>
           </p:nvPr>
@@ -33549,7 +33401,15 @@
                   <a:schemeClr val="bg1"/>
                 </a:solidFill>
               </a:rPr>
-              <a:t>implementation</a:t>
+              <a:t>Experiment , </a:t>
+            </a:r>
+            <a:r>
+              <a:rPr lang="en-US" altLang="ko-KR" sz="1000" dirty="0" smtClean="0">
+                <a:solidFill>
+                  <a:schemeClr val="bg1"/>
+                </a:solidFill>
+              </a:rPr>
+              <a:t>Implementation</a:t>
             </a:r>
             <a:endParaRPr lang="ko-KR" altLang="en-US" sz="1000" dirty="0">
               <a:solidFill>
@@ -33714,7 +33574,7 @@
     </p:spTree>
     <p:extLst>
       <p:ext uri="{BB962C8B-B14F-4D97-AF65-F5344CB8AC3E}">
-        <p14:creationId xmlns:p14="http://schemas.microsoft.com/office/powerpoint/2010/main" xmlns="" val="925506862"/>
+        <p14:creationId xmlns="" xmlns:p14="http://schemas.microsoft.com/office/powerpoint/2010/main" val="925506862"/>
       </p:ext>
     </p:extLst>
   </p:cSld>
@@ -34992,7 +34852,7 @@
     </p:spTree>
     <p:extLst>
       <p:ext uri="{BB962C8B-B14F-4D97-AF65-F5344CB8AC3E}">
-        <p14:creationId xmlns:p14="http://schemas.microsoft.com/office/powerpoint/2010/main" xmlns="" val="627846076"/>
+        <p14:creationId xmlns="" xmlns:p14="http://schemas.microsoft.com/office/powerpoint/2010/main" val="627846076"/>
       </p:ext>
     </p:extLst>
   </p:cSld>
@@ -35141,7 +35001,7 @@
           <p:nvPr>
             <p:extLst>
               <p:ext uri="{D42A27DB-BD31-4B8C-83A1-F6EECF244321}">
-                <p14:modId xmlns:p14="http://schemas.microsoft.com/office/powerpoint/2010/main" xmlns="" val="3489114875"/>
+                <p14:modId xmlns="" xmlns:p14="http://schemas.microsoft.com/office/powerpoint/2010/main" val="3489114875"/>
               </p:ext>
             </p:extLst>
           </p:nvPr>
@@ -39787,7 +39647,7 @@
     </p:spTree>
     <p:extLst>
       <p:ext uri="{BB962C8B-B14F-4D97-AF65-F5344CB8AC3E}">
-        <p14:creationId xmlns:p14="http://schemas.microsoft.com/office/powerpoint/2010/main" xmlns="" val="2372259469"/>
+        <p14:creationId xmlns="" xmlns:p14="http://schemas.microsoft.com/office/powerpoint/2010/main" val="2372259469"/>
       </p:ext>
     </p:extLst>
   </p:cSld>
@@ -39928,7 +39788,7 @@
     </p:spTree>
     <p:extLst>
       <p:ext uri="{BB962C8B-B14F-4D97-AF65-F5344CB8AC3E}">
-        <p14:creationId xmlns:p14="http://schemas.microsoft.com/office/powerpoint/2010/main" xmlns="" val="2981010298"/>
+        <p14:creationId xmlns="" xmlns:p14="http://schemas.microsoft.com/office/powerpoint/2010/main" val="2981010298"/>
       </p:ext>
     </p:extLst>
   </p:cSld>
@@ -40064,7 +39924,7 @@
     </p:spTree>
     <p:extLst>
       <p:ext uri="{BB962C8B-B14F-4D97-AF65-F5344CB8AC3E}">
-        <p14:creationId xmlns:p14="http://schemas.microsoft.com/office/powerpoint/2010/main" xmlns="" val="4126720620"/>
+        <p14:creationId xmlns="" xmlns:p14="http://schemas.microsoft.com/office/powerpoint/2010/main" val="4126720620"/>
       </p:ext>
     </p:extLst>
   </p:cSld>
@@ -40877,7 +40737,7 @@
             </a:clrChange>
             <a:extLst>
               <a:ext uri="{BEBA8EAE-BF5A-486C-A8C5-ECC9F3942E4B}">
-                <a14:imgProps xmlns:a14="http://schemas.microsoft.com/office/drawing/2010/main" xmlns="">
+                <a14:imgProps xmlns="" xmlns:a14="http://schemas.microsoft.com/office/drawing/2010/main">
                   <a14:imgLayer r:embed="rId3">
                     <a14:imgEffect>
                       <a14:sharpenSoften amount="-25000"/>
@@ -40889,7 +40749,7 @@
                 </a14:imgProps>
               </a:ext>
               <a:ext uri="{28A0092B-C50C-407E-A947-70E740481C1C}">
-                <a14:useLocalDpi xmlns:a14="http://schemas.microsoft.com/office/drawing/2010/main" xmlns="" val="0"/>
+                <a14:useLocalDpi xmlns="" xmlns:a14="http://schemas.microsoft.com/office/drawing/2010/main" val="0"/>
               </a:ext>
             </a:extLst>
           </a:blip>
@@ -40907,7 +40767,7 @@
           <a:noFill/>
           <a:extLst>
             <a:ext uri="{909E8E84-426E-40DD-AFC4-6F175D3DCCD1}">
-              <a14:hiddenFill xmlns:a14="http://schemas.microsoft.com/office/drawing/2010/main" xmlns="">
+              <a14:hiddenFill xmlns="" xmlns:a14="http://schemas.microsoft.com/office/drawing/2010/main">
                 <a:solidFill>
                   <a:srgbClr val="FFFFFF"/>
                 </a:solidFill>
@@ -40928,7 +40788,7 @@
           <a:blip r:embed="rId4" cstate="print">
             <a:extLst>
               <a:ext uri="{28A0092B-C50C-407E-A947-70E740481C1C}">
-                <a14:useLocalDpi xmlns:a14="http://schemas.microsoft.com/office/drawing/2010/main" xmlns="" val="0"/>
+                <a14:useLocalDpi xmlns="" xmlns:a14="http://schemas.microsoft.com/office/drawing/2010/main" val="0"/>
               </a:ext>
             </a:extLst>
           </a:blip>
@@ -40948,7 +40808,7 @@
           <a:noFill/>
           <a:extLst>
             <a:ext uri="{909E8E84-426E-40DD-AFC4-6F175D3DCCD1}">
-              <a14:hiddenFill xmlns:a14="http://schemas.microsoft.com/office/drawing/2010/main" xmlns="">
+              <a14:hiddenFill xmlns="" xmlns:a14="http://schemas.microsoft.com/office/drawing/2010/main">
                 <a:solidFill>
                   <a:srgbClr val="FFFFFF"/>
                 </a:solidFill>
@@ -40969,7 +40829,7 @@
           <a:blip r:embed="rId5" cstate="print">
             <a:extLst>
               <a:ext uri="{28A0092B-C50C-407E-A947-70E740481C1C}">
-                <a14:useLocalDpi xmlns:a14="http://schemas.microsoft.com/office/drawing/2010/main" xmlns="" val="0"/>
+                <a14:useLocalDpi xmlns="" xmlns:a14="http://schemas.microsoft.com/office/drawing/2010/main" val="0"/>
               </a:ext>
             </a:extLst>
           </a:blip>
@@ -40989,7 +40849,7 @@
           <a:noFill/>
           <a:extLst>
             <a:ext uri="{909E8E84-426E-40DD-AFC4-6F175D3DCCD1}">
-              <a14:hiddenFill xmlns:a14="http://schemas.microsoft.com/office/drawing/2010/main" xmlns="">
+              <a14:hiddenFill xmlns="" xmlns:a14="http://schemas.microsoft.com/office/drawing/2010/main">
                 <a:solidFill>
                   <a:srgbClr val="FFFFFF"/>
                 </a:solidFill>
@@ -41096,7 +40956,7 @@
             </a:clrChange>
             <a:extLst>
               <a:ext uri="{28A0092B-C50C-407E-A947-70E740481C1C}">
-                <a14:useLocalDpi xmlns:a14="http://schemas.microsoft.com/office/drawing/2010/main" xmlns="" val="0"/>
+                <a14:useLocalDpi xmlns="" xmlns:a14="http://schemas.microsoft.com/office/drawing/2010/main" val="0"/>
               </a:ext>
             </a:extLst>
           </a:blip>
@@ -41114,7 +40974,7 @@
           <a:noFill/>
           <a:extLst>
             <a:ext uri="{909E8E84-426E-40DD-AFC4-6F175D3DCCD1}">
-              <a14:hiddenFill xmlns:a14="http://schemas.microsoft.com/office/drawing/2010/main" xmlns="">
+              <a14:hiddenFill xmlns="" xmlns:a14="http://schemas.microsoft.com/office/drawing/2010/main">
                 <a:solidFill>
                   <a:srgbClr val="FFFFFF"/>
                 </a:solidFill>
@@ -41200,7 +41060,7 @@
           <a:blip r:embed="rId7" cstate="print">
             <a:extLst>
               <a:ext uri="{28A0092B-C50C-407E-A947-70E740481C1C}">
-                <a14:useLocalDpi xmlns:a14="http://schemas.microsoft.com/office/drawing/2010/main" xmlns="" val="0"/>
+                <a14:useLocalDpi xmlns="" xmlns:a14="http://schemas.microsoft.com/office/drawing/2010/main" val="0"/>
               </a:ext>
             </a:extLst>
           </a:blip>
@@ -41220,7 +41080,7 @@
           <a:noFill/>
           <a:extLst>
             <a:ext uri="{909E8E84-426E-40DD-AFC4-6F175D3DCCD1}">
-              <a14:hiddenFill xmlns:a14="http://schemas.microsoft.com/office/drawing/2010/main" xmlns="">
+              <a14:hiddenFill xmlns="" xmlns:a14="http://schemas.microsoft.com/office/drawing/2010/main">
                 <a:solidFill>
                   <a:srgbClr val="FFFFFF"/>
                 </a:solidFill>
@@ -41388,7 +41248,7 @@
           <a:blip r:embed="rId8" cstate="print">
             <a:extLst>
               <a:ext uri="{28A0092B-C50C-407E-A947-70E740481C1C}">
-                <a14:useLocalDpi xmlns:a14="http://schemas.microsoft.com/office/drawing/2010/main" xmlns="" val="0"/>
+                <a14:useLocalDpi xmlns="" xmlns:a14="http://schemas.microsoft.com/office/drawing/2010/main" val="0"/>
               </a:ext>
             </a:extLst>
           </a:blip>
@@ -41408,7 +41268,7 @@
           <a:noFill/>
           <a:extLst>
             <a:ext uri="{909E8E84-426E-40DD-AFC4-6F175D3DCCD1}">
-              <a14:hiddenFill xmlns:a14="http://schemas.microsoft.com/office/drawing/2010/main" xmlns="">
+              <a14:hiddenFill xmlns="" xmlns:a14="http://schemas.microsoft.com/office/drawing/2010/main">
                 <a:solidFill>
                   <a:srgbClr val="FFFFFF"/>
                 </a:solidFill>
@@ -41517,7 +41377,7 @@
             </a:duotone>
             <a:extLst>
               <a:ext uri="{28A0092B-C50C-407E-A947-70E740481C1C}">
-                <a14:useLocalDpi xmlns:a14="http://schemas.microsoft.com/office/drawing/2010/main" xmlns="" val="0"/>
+                <a14:useLocalDpi xmlns="" xmlns:a14="http://schemas.microsoft.com/office/drawing/2010/main" val="0"/>
               </a:ext>
             </a:extLst>
           </a:blip>
@@ -41537,7 +41397,7 @@
           <a:noFill/>
           <a:extLst>
             <a:ext uri="{909E8E84-426E-40DD-AFC4-6F175D3DCCD1}">
-              <a14:hiddenFill xmlns:a14="http://schemas.microsoft.com/office/drawing/2010/main" xmlns="">
+              <a14:hiddenFill xmlns="" xmlns:a14="http://schemas.microsoft.com/office/drawing/2010/main">
                 <a:solidFill>
                   <a:srgbClr val="FFFFFF"/>
                 </a:solidFill>
@@ -41558,7 +41418,7 @@
           <a:blip r:embed="rId9" cstate="print">
             <a:extLst>
               <a:ext uri="{28A0092B-C50C-407E-A947-70E740481C1C}">
-                <a14:useLocalDpi xmlns:a14="http://schemas.microsoft.com/office/drawing/2010/main" xmlns="" val="0"/>
+                <a14:useLocalDpi xmlns="" xmlns:a14="http://schemas.microsoft.com/office/drawing/2010/main" val="0"/>
               </a:ext>
             </a:extLst>
           </a:blip>
@@ -41578,7 +41438,7 @@
           <a:noFill/>
           <a:extLst>
             <a:ext uri="{909E8E84-426E-40DD-AFC4-6F175D3DCCD1}">
-              <a14:hiddenFill xmlns:a14="http://schemas.microsoft.com/office/drawing/2010/main" xmlns="">
+              <a14:hiddenFill xmlns="" xmlns:a14="http://schemas.microsoft.com/office/drawing/2010/main">
                 <a:solidFill>
                   <a:srgbClr val="FFFFFF"/>
                 </a:solidFill>
@@ -41659,7 +41519,7 @@
           <a:blip r:embed="rId10" cstate="print">
             <a:extLst>
               <a:ext uri="{28A0092B-C50C-407E-A947-70E740481C1C}">
-                <a14:useLocalDpi xmlns:a14="http://schemas.microsoft.com/office/drawing/2010/main" xmlns="" val="0"/>
+                <a14:useLocalDpi xmlns="" xmlns:a14="http://schemas.microsoft.com/office/drawing/2010/main" val="0"/>
               </a:ext>
             </a:extLst>
           </a:blip>
@@ -41679,7 +41539,7 @@
           <a:noFill/>
           <a:extLst>
             <a:ext uri="{909E8E84-426E-40DD-AFC4-6F175D3DCCD1}">
-              <a14:hiddenFill xmlns:a14="http://schemas.microsoft.com/office/drawing/2010/main" xmlns="">
+              <a14:hiddenFill xmlns="" xmlns:a14="http://schemas.microsoft.com/office/drawing/2010/main">
                 <a:solidFill>
                   <a:srgbClr val="FFFFFF"/>
                 </a:solidFill>
@@ -41968,7 +41828,7 @@
           <a:blip r:embed="rId11" cstate="print">
             <a:extLst>
               <a:ext uri="{28A0092B-C50C-407E-A947-70E740481C1C}">
-                <a14:useLocalDpi xmlns:a14="http://schemas.microsoft.com/office/drawing/2010/main" xmlns="" val="0"/>
+                <a14:useLocalDpi xmlns="" xmlns:a14="http://schemas.microsoft.com/office/drawing/2010/main" val="0"/>
               </a:ext>
             </a:extLst>
           </a:blip>
@@ -41988,7 +41848,7 @@
           <a:noFill/>
           <a:extLst>
             <a:ext uri="{909E8E84-426E-40DD-AFC4-6F175D3DCCD1}">
-              <a14:hiddenFill xmlns:a14="http://schemas.microsoft.com/office/drawing/2010/main" xmlns="">
+              <a14:hiddenFill xmlns="" xmlns:a14="http://schemas.microsoft.com/office/drawing/2010/main">
                 <a:solidFill>
                   <a:srgbClr val="FFFFFF"/>
                 </a:solidFill>
@@ -42405,7 +42265,7 @@
     </p:spTree>
     <p:extLst>
       <p:ext uri="{BB962C8B-B14F-4D97-AF65-F5344CB8AC3E}">
-        <p14:creationId xmlns:p14="http://schemas.microsoft.com/office/powerpoint/2010/main" xmlns="" val="3120382912"/>
+        <p14:creationId xmlns="" xmlns:p14="http://schemas.microsoft.com/office/powerpoint/2010/main" val="3120382912"/>
       </p:ext>
     </p:extLst>
   </p:cSld>
@@ -42526,7 +42386,7 @@
           <p:nvPr>
             <p:extLst>
               <p:ext uri="{D42A27DB-BD31-4B8C-83A1-F6EECF244321}">
-                <p14:modId xmlns:p14="http://schemas.microsoft.com/office/powerpoint/2010/main" xmlns="" val="3043292287"/>
+                <p14:modId xmlns="" xmlns:p14="http://schemas.microsoft.com/office/powerpoint/2010/main" val="3043292287"/>
               </p:ext>
             </p:extLst>
           </p:nvPr>
@@ -44058,7 +43918,7 @@
     </p:spTree>
     <p:extLst>
       <p:ext uri="{BB962C8B-B14F-4D97-AF65-F5344CB8AC3E}">
-        <p14:creationId xmlns:p14="http://schemas.microsoft.com/office/powerpoint/2010/main" xmlns="" val="142376035"/>
+        <p14:creationId xmlns="" xmlns:p14="http://schemas.microsoft.com/office/powerpoint/2010/main" val="142376035"/>
       </p:ext>
     </p:extLst>
   </p:cSld>
@@ -44179,7 +44039,7 @@
           <p:nvPr>
             <p:extLst>
               <p:ext uri="{D42A27DB-BD31-4B8C-83A1-F6EECF244321}">
-                <p14:modId xmlns:p14="http://schemas.microsoft.com/office/powerpoint/2010/main" xmlns="" val="1779544416"/>
+                <p14:modId xmlns="" xmlns:p14="http://schemas.microsoft.com/office/powerpoint/2010/main" val="1779544416"/>
               </p:ext>
             </p:extLst>
           </p:nvPr>
@@ -46283,7 +46143,7 @@
     </p:spTree>
     <p:extLst>
       <p:ext uri="{BB962C8B-B14F-4D97-AF65-F5344CB8AC3E}">
-        <p14:creationId xmlns:p14="http://schemas.microsoft.com/office/powerpoint/2010/main" xmlns="" val="940295694"/>
+        <p14:creationId xmlns="" xmlns:p14="http://schemas.microsoft.com/office/powerpoint/2010/main" val="940295694"/>
       </p:ext>
     </p:extLst>
   </p:cSld>
@@ -46440,7 +46300,7 @@
           <p:nvPr>
             <p:extLst>
               <p:ext uri="{D42A27DB-BD31-4B8C-83A1-F6EECF244321}">
-                <p14:modId xmlns:p14="http://schemas.microsoft.com/office/powerpoint/2010/main" xmlns="" val="1779544416"/>
+                <p14:modId xmlns="" xmlns:p14="http://schemas.microsoft.com/office/powerpoint/2010/main" val="1779544416"/>
               </p:ext>
             </p:extLst>
           </p:nvPr>
@@ -50017,7 +49877,7 @@
     </p:spTree>
     <p:extLst>
       <p:ext uri="{BB962C8B-B14F-4D97-AF65-F5344CB8AC3E}">
-        <p14:creationId xmlns:p14="http://schemas.microsoft.com/office/powerpoint/2010/main" xmlns="" val="2010015792"/>
+        <p14:creationId xmlns="" xmlns:p14="http://schemas.microsoft.com/office/powerpoint/2010/main" val="2010015792"/>
       </p:ext>
     </p:extLst>
   </p:cSld>
